--- a/PPT/04- Angular Component Tree.pptx
+++ b/PPT/04- Angular Component Tree.pptx
@@ -2753,7 +2753,7 @@
           <a:p>
             <a:fld id="{3684521C-F147-C24A-A391-648ECBD2901C}" type="datetime1">
               <a:rPr lang="en-US" smtClean="0"/>
-              <a:t>4/23/21</a:t>
+              <a:t>12/17/21</a:t>
             </a:fld>
             <a:endParaRPr lang="en-US"/>
           </a:p>
@@ -2907,7 +2907,7 @@
           <a:p>
             <a:fld id="{E850CB69-7D8B-9F4E-BED9-901DCAE946AB}" type="datetime1">
               <a:rPr lang="en-US" smtClean="0"/>
-              <a:t>4/23/21</a:t>
+              <a:t>12/17/21</a:t>
             </a:fld>
             <a:endParaRPr lang="en-US"/>
           </a:p>
@@ -3140,7 +3140,7 @@
           <a:p>
             <a:fld id="{FDA6B9DC-9839-E24A-9DBE-68BCC9C6D304}" type="datetime1">
               <a:rPr lang="en-US" smtClean="0"/>
-              <a:t>4/23/21</a:t>
+              <a:t>12/17/21</a:t>
             </a:fld>
             <a:endParaRPr lang="en-US"/>
           </a:p>
@@ -3265,7 +3265,7 @@
           <a:p>
             <a:fld id="{16B0123C-B19C-2541-A249-CC118E280FC0}" type="datetime1">
               <a:rPr lang="en-US" smtClean="0"/>
-              <a:t>4/23/21</a:t>
+              <a:t>12/17/21</a:t>
             </a:fld>
             <a:endParaRPr lang="en-US"/>
           </a:p>
@@ -3361,7 +3361,7 @@
           <a:p>
             <a:fld id="{7A20ED1D-FFB4-6144-9B3D-3C04FD3360E4}" type="datetime1">
               <a:rPr lang="en-US" smtClean="0"/>
-              <a:t>4/23/21</a:t>
+              <a:t>12/17/21</a:t>
             </a:fld>
             <a:endParaRPr lang="en-US"/>
           </a:p>
@@ -4213,7 +4213,7 @@
           <a:p>
             <a:fld id="{5ADC4E92-36BB-AA43-A533-B6B376F1612C}" type="datetime1">
               <a:rPr lang="en-US" smtClean="0"/>
-              <a:t>4/23/21</a:t>
+              <a:t>12/17/21</a:t>
             </a:fld>
             <a:endParaRPr lang="en-US"/>
           </a:p>
@@ -12070,7 +12070,7 @@
         <p:spPr>
           <a:xfrm>
             <a:off x="1469276" y="3828765"/>
-            <a:ext cx="8957945" cy="3237230"/>
+            <a:ext cx="8957945" cy="3300904"/>
           </a:xfrm>
           <a:prstGeom prst="rect">
             <a:avLst/>
@@ -12663,11 +12663,25 @@
               <a:t>	</a:t>
             </a:r>
             <a:r>
+              <a:rPr sz="1950" spc="-20" dirty="0" err="1">
+                <a:latin typeface="Consolas"/>
+                <a:cs typeface="Consolas"/>
+              </a:rPr>
+              <a:t>CityDetail</a:t>
+            </a:r>
+            <a:r>
+              <a:rPr lang="nl-NL" sz="1950" spc="-20" dirty="0">
+                <a:latin typeface="Consolas"/>
+                <a:cs typeface="Consolas"/>
+              </a:rPr>
+              <a:t>Component</a:t>
+            </a:r>
+            <a:r>
               <a:rPr sz="1950" spc="-20" dirty="0">
                 <a:latin typeface="Consolas"/>
                 <a:cs typeface="Consolas"/>
               </a:rPr>
-              <a:t>CityDetail{</a:t>
+              <a:t>{</a:t>
             </a:r>
             <a:endParaRPr sz="1950" dirty="0">
               <a:latin typeface="Consolas"/>
@@ -46649,7 +46663,7 @@
         <p:spPr>
           <a:xfrm>
             <a:off x="1469276" y="3828765"/>
-            <a:ext cx="8957945" cy="3237230"/>
+            <a:ext cx="8957945" cy="3300904"/>
           </a:xfrm>
           <a:prstGeom prst="rect">
             <a:avLst/>
@@ -46842,7 +46856,7 @@
               </a:rPr>
               <a:t>stad]&lt;/li&gt;</a:t>
             </a:r>
-            <a:endParaRPr sz="1950">
+            <a:endParaRPr sz="1950" dirty="0">
               <a:latin typeface="Consolas"/>
               <a:cs typeface="Consolas"/>
             </a:endParaRPr>
@@ -46967,7 +46981,7 @@
               </a:rPr>
               <a:t>[provincie]&lt;/li&gt;</a:t>
             </a:r>
-            <a:endParaRPr sz="1950">
+            <a:endParaRPr sz="1950" dirty="0">
               <a:latin typeface="Consolas"/>
               <a:cs typeface="Consolas"/>
             </a:endParaRPr>
@@ -47092,7 +47106,7 @@
               </a:rPr>
               <a:t>[highlights]&lt;/li&gt;</a:t>
             </a:r>
-            <a:endParaRPr sz="1950">
+            <a:endParaRPr sz="1950" dirty="0">
               <a:latin typeface="Consolas"/>
               <a:cs typeface="Consolas"/>
             </a:endParaRPr>
@@ -47113,7 +47127,7 @@
               </a:rPr>
               <a:t>&lt;/ul&gt;</a:t>
             </a:r>
-            <a:endParaRPr sz="1950">
+            <a:endParaRPr sz="1950" dirty="0">
               <a:latin typeface="Consolas"/>
               <a:cs typeface="Consolas"/>
             </a:endParaRPr>
@@ -47134,7 +47148,7 @@
               </a:rPr>
               <a:t>`</a:t>
             </a:r>
-            <a:endParaRPr sz="1950">
+            <a:endParaRPr sz="1950" dirty="0">
               <a:latin typeface="Consolas"/>
               <a:cs typeface="Consolas"/>
             </a:endParaRPr>
@@ -47152,7 +47166,7 @@
               </a:rPr>
               <a:t>})</a:t>
             </a:r>
-            <a:endParaRPr sz="1950">
+            <a:endParaRPr sz="1950" dirty="0">
               <a:latin typeface="Consolas"/>
               <a:cs typeface="Consolas"/>
             </a:endParaRPr>
@@ -47166,7 +47180,7 @@
                 <a:spcPts val="22"/>
               </a:spcBef>
             </a:pPr>
-            <a:endParaRPr sz="2000">
+            <a:endParaRPr sz="2000" dirty="0">
               <a:latin typeface="Times New Roman"/>
               <a:cs typeface="Times New Roman"/>
             </a:endParaRPr>
@@ -47242,13 +47256,27 @@
               <a:t>	</a:t>
             </a:r>
             <a:r>
+              <a:rPr sz="1950" spc="-20" dirty="0" err="1">
+                <a:latin typeface="Consolas"/>
+                <a:cs typeface="Consolas"/>
+              </a:rPr>
+              <a:t>CityDetail</a:t>
+            </a:r>
+            <a:r>
+              <a:rPr lang="nl-NL" sz="1950" spc="-20" dirty="0">
+                <a:latin typeface="Consolas"/>
+                <a:cs typeface="Consolas"/>
+              </a:rPr>
+              <a:t>Component</a:t>
+            </a:r>
+            <a:r>
               <a:rPr sz="1950" spc="-20" dirty="0">
                 <a:latin typeface="Consolas"/>
                 <a:cs typeface="Consolas"/>
               </a:rPr>
-              <a:t>CityDetail{</a:t>
-            </a:r>
-            <a:endParaRPr sz="1950">
+              <a:t>{</a:t>
+            </a:r>
+            <a:endParaRPr sz="1950" dirty="0">
               <a:latin typeface="Consolas"/>
               <a:cs typeface="Consolas"/>
             </a:endParaRPr>
@@ -47259,7 +47287,7 @@
                 <a:spcPct val="100000"/>
               </a:lnSpc>
             </a:pPr>
-            <a:endParaRPr sz="1900">
+            <a:endParaRPr sz="1900" dirty="0">
               <a:latin typeface="Times New Roman"/>
               <a:cs typeface="Times New Roman"/>
             </a:endParaRPr>
@@ -47273,7 +47301,7 @@
                 <a:spcPts val="28"/>
               </a:spcBef>
             </a:pPr>
-            <a:endParaRPr sz="2150">
+            <a:endParaRPr sz="2150" dirty="0">
               <a:latin typeface="Times New Roman"/>
               <a:cs typeface="Times New Roman"/>
             </a:endParaRPr>
@@ -47291,7 +47319,7 @@
               </a:rPr>
               <a:t>}</a:t>
             </a:r>
-            <a:endParaRPr sz="1950">
+            <a:endParaRPr sz="1950" dirty="0">
               <a:latin typeface="Consolas"/>
               <a:cs typeface="Consolas"/>
             </a:endParaRPr>
@@ -47771,7 +47799,7 @@
               </a:rPr>
               <a:t>app.module.ts</a:t>
             </a:r>
-            <a:endParaRPr sz="1700">
+            <a:endParaRPr sz="1700" dirty="0">
               <a:latin typeface="Consolas"/>
               <a:cs typeface="Consolas"/>
             </a:endParaRPr>
@@ -47795,7 +47823,7 @@
               </a:rPr>
               <a:t>…</a:t>
             </a:r>
-            <a:endParaRPr sz="1700">
+            <a:endParaRPr sz="1700" dirty="0">
               <a:latin typeface="Consolas"/>
               <a:cs typeface="Consolas"/>
             </a:endParaRPr>
@@ -48088,7 +48116,7 @@
               </a:rPr>
               <a:t>invoegen</a:t>
             </a:r>
-            <a:endParaRPr sz="1700">
+            <a:endParaRPr sz="1700" dirty="0">
               <a:latin typeface="Consolas"/>
               <a:cs typeface="Consolas"/>
             </a:endParaRPr>
@@ -48104,7 +48132,7 @@
         <p:spPr>
           <a:xfrm>
             <a:off x="1275588" y="2750367"/>
-            <a:ext cx="3742690" cy="1034415"/>
+            <a:ext cx="4909312" cy="1308050"/>
           </a:xfrm>
           <a:prstGeom prst="rect">
             <a:avLst/>
@@ -48128,7 +48156,7 @@
               </a:rPr>
               <a:t>@ngModule({</a:t>
             </a:r>
-            <a:endParaRPr sz="1700">
+            <a:endParaRPr sz="1700" dirty="0">
               <a:latin typeface="Consolas"/>
               <a:cs typeface="Consolas"/>
             </a:endParaRPr>
@@ -48149,7 +48177,7 @@
               </a:rPr>
               <a:t>…</a:t>
             </a:r>
-            <a:endParaRPr sz="1700">
+            <a:endParaRPr sz="1700" dirty="0">
               <a:latin typeface="Consolas"/>
               <a:cs typeface="Consolas"/>
             </a:endParaRPr>
@@ -48178,27 +48206,34 @@
               <a:t>:</a:t>
             </a:r>
             <a:r>
-              <a:rPr sz="1700" dirty="0">
-                <a:latin typeface="Times New Roman"/>
-                <a:cs typeface="Times New Roman"/>
-              </a:rPr>
-              <a:t> </a:t>
-            </a:r>
-            <a:r>
-              <a:rPr sz="1700" spc="75" dirty="0">
-                <a:latin typeface="Times New Roman"/>
-                <a:cs typeface="Times New Roman"/>
-              </a:rPr>
-              <a:t> </a:t>
-            </a:r>
-            <a:r>
               <a:rPr sz="1700" spc="-5" dirty="0">
                 <a:latin typeface="Consolas"/>
                 <a:cs typeface="Consolas"/>
               </a:rPr>
-              <a:t>[…,CityDetail]</a:t>
-            </a:r>
-            <a:endParaRPr sz="1700">
+              <a:t>[…,</a:t>
+            </a:r>
+            <a:r>
+              <a:rPr sz="1700" spc="-5" dirty="0" err="1">
+                <a:latin typeface="Consolas"/>
+                <a:cs typeface="Consolas"/>
+              </a:rPr>
+              <a:t>CityDetail</a:t>
+            </a:r>
+            <a:r>
+              <a:rPr lang="nl-NL" sz="1700" spc="-5" dirty="0">
+                <a:latin typeface="Consolas"/>
+                <a:cs typeface="Consolas"/>
+              </a:rPr>
+              <a:t>Component</a:t>
+            </a:r>
+            <a:r>
+              <a:rPr sz="1700" spc="-5" dirty="0">
+                <a:latin typeface="Consolas"/>
+                <a:cs typeface="Consolas"/>
+              </a:rPr>
+              <a:t>]</a:t>
+            </a:r>
+            <a:endParaRPr sz="1700" dirty="0">
               <a:latin typeface="Consolas"/>
               <a:cs typeface="Consolas"/>
             </a:endParaRPr>
@@ -48219,7 +48254,21 @@
               </a:rPr>
               <a:t>})</a:t>
             </a:r>
-            <a:endParaRPr sz="1700">
+            <a:endParaRPr lang="nl-NL" sz="1700" dirty="0">
+              <a:latin typeface="Consolas"/>
+              <a:cs typeface="Consolas"/>
+            </a:endParaRPr>
+          </a:p>
+          <a:p>
+            <a:pPr marL="12700">
+              <a:lnSpc>
+                <a:spcPct val="100000"/>
+              </a:lnSpc>
+              <a:spcBef>
+                <a:spcPts val="35"/>
+              </a:spcBef>
+            </a:pPr>
+            <a:endParaRPr sz="1700" dirty="0">
               <a:latin typeface="Consolas"/>
               <a:cs typeface="Consolas"/>
             </a:endParaRPr>
@@ -48234,8 +48283,8 @@
         </p:nvSpPr>
         <p:spPr>
           <a:xfrm>
-            <a:off x="5232734" y="3276135"/>
-            <a:ext cx="5300980" cy="245110"/>
+            <a:off x="6184900" y="3248025"/>
+            <a:ext cx="4038600" cy="261610"/>
           </a:xfrm>
           <a:prstGeom prst="rect">
             <a:avLst/>
@@ -48253,24 +48302,34 @@
               </a:lnSpc>
             </a:pPr>
             <a:r>
-              <a:rPr sz="1700" i="1" spc="-5" dirty="0">
+              <a:rPr lang="nl-NL" sz="1700" i="1" spc="-5" dirty="0">
                 <a:solidFill>
                   <a:srgbClr val="46C249"/>
                 </a:solidFill>
                 <a:latin typeface="Consolas"/>
                 <a:cs typeface="Consolas"/>
               </a:rPr>
-              <a:t>/</a:t>
-            </a:r>
-            <a:r>
-              <a:rPr sz="1700" i="1" spc="5" dirty="0">
+              <a:t>// </a:t>
+            </a:r>
+            <a:r>
+              <a:rPr sz="1700" i="1" spc="-5" dirty="0" err="1">
                 <a:solidFill>
                   <a:srgbClr val="46C249"/>
                 </a:solidFill>
                 <a:latin typeface="Consolas"/>
                 <a:cs typeface="Consolas"/>
               </a:rPr>
-              <a:t>/</a:t>
+              <a:t>invoege</a:t>
+            </a:r>
+            <a:r>
+              <a:rPr sz="1700" i="1" spc="5" dirty="0" err="1">
+                <a:solidFill>
+                  <a:srgbClr val="46C249"/>
+                </a:solidFill>
+                <a:latin typeface="Consolas"/>
+                <a:cs typeface="Consolas"/>
+              </a:rPr>
+              <a:t>n</a:t>
             </a:r>
             <a:r>
               <a:rPr sz="1700" i="1" dirty="0">
@@ -48300,7 +48359,7 @@
                 <a:latin typeface="Consolas"/>
                 <a:cs typeface="Consolas"/>
               </a:rPr>
-              <a:t>Nie</a:t>
+              <a:t>bi</a:t>
             </a:r>
             <a:r>
               <a:rPr sz="1700" i="1" spc="5" dirty="0">
@@ -48310,7 +48369,7 @@
                 <a:latin typeface="Consolas"/>
                 <a:cs typeface="Consolas"/>
               </a:rPr>
-              <a:t>t</a:t>
+              <a:t>j</a:t>
             </a:r>
             <a:r>
               <a:rPr sz="1700" i="1" dirty="0">
@@ -48323,7 +48382,7 @@
               <a:t> </a:t>
             </a:r>
             <a:r>
-              <a:rPr sz="1700" i="1" spc="80" dirty="0">
+              <a:rPr sz="1700" i="1" spc="85" dirty="0">
                 <a:solidFill>
                   <a:srgbClr val="46C249"/>
                 </a:solidFill>
@@ -48340,129 +48399,9 @@
                 <a:latin typeface="Consolas"/>
                 <a:cs typeface="Consolas"/>
               </a:rPr>
-              <a:t>vergeten</a:t>
-            </a:r>
-            <a:r>
-              <a:rPr sz="1700" i="1" spc="5" dirty="0">
-                <a:solidFill>
-                  <a:srgbClr val="46C249"/>
-                </a:solidFill>
-                <a:latin typeface="Consolas"/>
-                <a:cs typeface="Consolas"/>
-              </a:rPr>
-              <a:t>:</a:t>
-            </a:r>
-            <a:r>
-              <a:rPr sz="1700" i="1" dirty="0">
-                <a:solidFill>
-                  <a:srgbClr val="46C249"/>
-                </a:solidFill>
-                <a:latin typeface="Times New Roman"/>
-                <a:cs typeface="Times New Roman"/>
-              </a:rPr>
-              <a:t> </a:t>
-            </a:r>
-            <a:r>
-              <a:rPr sz="1700" i="1" spc="85" dirty="0">
-                <a:solidFill>
-                  <a:srgbClr val="46C249"/>
-                </a:solidFill>
-                <a:latin typeface="Times New Roman"/>
-                <a:cs typeface="Times New Roman"/>
-              </a:rPr>
-              <a:t> </a:t>
-            </a:r>
-            <a:r>
-              <a:rPr sz="1700" i="1" spc="-5" dirty="0">
-                <a:solidFill>
-                  <a:srgbClr val="46C249"/>
-                </a:solidFill>
-                <a:latin typeface="Consolas"/>
-                <a:cs typeface="Consolas"/>
-              </a:rPr>
-              <a:t>invoege</a:t>
-            </a:r>
-            <a:r>
-              <a:rPr sz="1700" i="1" spc="5" dirty="0">
-                <a:solidFill>
-                  <a:srgbClr val="46C249"/>
-                </a:solidFill>
-                <a:latin typeface="Consolas"/>
-                <a:cs typeface="Consolas"/>
-              </a:rPr>
-              <a:t>n</a:t>
-            </a:r>
-            <a:r>
-              <a:rPr sz="1700" i="1" dirty="0">
-                <a:solidFill>
-                  <a:srgbClr val="46C249"/>
-                </a:solidFill>
-                <a:latin typeface="Times New Roman"/>
-                <a:cs typeface="Times New Roman"/>
-              </a:rPr>
-              <a:t> </a:t>
-            </a:r>
-            <a:r>
-              <a:rPr sz="1700" i="1" spc="80" dirty="0">
-                <a:solidFill>
-                  <a:srgbClr val="46C249"/>
-                </a:solidFill>
-                <a:latin typeface="Times New Roman"/>
-                <a:cs typeface="Times New Roman"/>
-              </a:rPr>
-              <a:t> </a:t>
-            </a:r>
-            <a:r>
-              <a:rPr sz="1700" i="1" dirty="0">
-                <a:solidFill>
-                  <a:srgbClr val="46C249"/>
-                </a:solidFill>
-                <a:latin typeface="Consolas"/>
-                <a:cs typeface="Consolas"/>
-              </a:rPr>
-              <a:t>bi</a:t>
-            </a:r>
-            <a:r>
-              <a:rPr sz="1700" i="1" spc="5" dirty="0">
-                <a:solidFill>
-                  <a:srgbClr val="46C249"/>
-                </a:solidFill>
-                <a:latin typeface="Consolas"/>
-                <a:cs typeface="Consolas"/>
-              </a:rPr>
-              <a:t>j</a:t>
-            </a:r>
-            <a:r>
-              <a:rPr sz="1700" i="1" dirty="0">
-                <a:solidFill>
-                  <a:srgbClr val="46C249"/>
-                </a:solidFill>
-                <a:latin typeface="Times New Roman"/>
-                <a:cs typeface="Times New Roman"/>
-              </a:rPr>
-              <a:t> </a:t>
-            </a:r>
-            <a:r>
-              <a:rPr sz="1700" i="1" spc="85" dirty="0">
-                <a:solidFill>
-                  <a:srgbClr val="46C249"/>
-                </a:solidFill>
-                <a:latin typeface="Times New Roman"/>
-                <a:cs typeface="Times New Roman"/>
-              </a:rPr>
-              <a:t> </a:t>
-            </a:r>
-            <a:r>
-              <a:rPr sz="1700" i="1" spc="-5" dirty="0">
-                <a:solidFill>
-                  <a:srgbClr val="46C249"/>
-                </a:solidFill>
-                <a:latin typeface="Consolas"/>
-                <a:cs typeface="Consolas"/>
-              </a:rPr>
               <a:t>declarations!</a:t>
             </a:r>
-            <a:endParaRPr sz="1700">
+            <a:endParaRPr sz="1700" dirty="0">
               <a:latin typeface="Consolas"/>
               <a:cs typeface="Consolas"/>
             </a:endParaRPr>
@@ -48477,7 +48416,7 @@
         </p:nvSpPr>
         <p:spPr>
           <a:xfrm>
-            <a:off x="1275564" y="4065580"/>
+            <a:off x="1275588" y="4320588"/>
             <a:ext cx="2904490" cy="773430"/>
           </a:xfrm>
           <a:prstGeom prst="rect">
@@ -48610,7 +48549,7 @@
               </a:rPr>
               <a:t>{</a:t>
             </a:r>
-            <a:endParaRPr sz="1700">
+            <a:endParaRPr sz="1700" dirty="0">
               <a:latin typeface="Consolas"/>
               <a:cs typeface="Consolas"/>
             </a:endParaRPr>
@@ -48631,7 +48570,7 @@
               </a:rPr>
               <a:t>…</a:t>
             </a:r>
-            <a:endParaRPr sz="1700">
+            <a:endParaRPr sz="1700" dirty="0">
               <a:latin typeface="Consolas"/>
               <a:cs typeface="Consolas"/>
             </a:endParaRPr>
@@ -48652,7 +48591,7 @@
               </a:rPr>
               <a:t>}</a:t>
             </a:r>
-            <a:endParaRPr sz="1700">
+            <a:endParaRPr sz="1700" dirty="0">
               <a:latin typeface="Consolas"/>
               <a:cs typeface="Consolas"/>
             </a:endParaRPr>

--- a/PPT/04- Angular Component Tree.pptx
+++ b/PPT/04- Angular Component Tree.pptx
@@ -2753,7 +2753,7 @@
           <a:p>
             <a:fld id="{3684521C-F147-C24A-A391-648ECBD2901C}" type="datetime1">
               <a:rPr lang="en-US" smtClean="0"/>
-              <a:t>12/17/21</a:t>
+              <a:t>1/8/22</a:t>
             </a:fld>
             <a:endParaRPr lang="en-US"/>
           </a:p>
@@ -2907,7 +2907,7 @@
           <a:p>
             <a:fld id="{E850CB69-7D8B-9F4E-BED9-901DCAE946AB}" type="datetime1">
               <a:rPr lang="en-US" smtClean="0"/>
-              <a:t>12/17/21</a:t>
+              <a:t>1/8/22</a:t>
             </a:fld>
             <a:endParaRPr lang="en-US"/>
           </a:p>
@@ -3140,7 +3140,7 @@
           <a:p>
             <a:fld id="{FDA6B9DC-9839-E24A-9DBE-68BCC9C6D304}" type="datetime1">
               <a:rPr lang="en-US" smtClean="0"/>
-              <a:t>12/17/21</a:t>
+              <a:t>1/8/22</a:t>
             </a:fld>
             <a:endParaRPr lang="en-US"/>
           </a:p>
@@ -3265,7 +3265,7 @@
           <a:p>
             <a:fld id="{16B0123C-B19C-2541-A249-CC118E280FC0}" type="datetime1">
               <a:rPr lang="en-US" smtClean="0"/>
-              <a:t>12/17/21</a:t>
+              <a:t>1/8/22</a:t>
             </a:fld>
             <a:endParaRPr lang="en-US"/>
           </a:p>
@@ -3361,7 +3361,7 @@
           <a:p>
             <a:fld id="{7A20ED1D-FFB4-6144-9B3D-3C04FD3360E4}" type="datetime1">
               <a:rPr lang="en-US" smtClean="0"/>
-              <a:t>12/17/21</a:t>
+              <a:t>1/8/22</a:t>
             </a:fld>
             <a:endParaRPr lang="en-US"/>
           </a:p>
@@ -4213,7 +4213,7 @@
           <a:p>
             <a:fld id="{5ADC4E92-36BB-AA43-A533-B6B376F1612C}" type="datetime1">
               <a:rPr lang="en-US" smtClean="0"/>
-              <a:t>12/17/21</a:t>
+              <a:t>1/8/22</a:t>
             </a:fld>
             <a:endParaRPr lang="en-US"/>
           </a:p>
@@ -7871,8 +7871,8 @@
         </p:nvSpPr>
         <p:spPr>
           <a:xfrm>
-            <a:off x="1266583" y="1612623"/>
-            <a:ext cx="7673340" cy="2144177"/>
+            <a:off x="1231900" y="1612623"/>
+            <a:ext cx="7673340" cy="5121915"/>
           </a:xfrm>
           <a:prstGeom prst="rect">
             <a:avLst/>
@@ -8189,7 +8189,7 @@
               <a:t>	</a:t>
             </a:r>
             <a:r>
-              <a:rPr sz="2150" i="1" spc="-5" dirty="0">
+              <a:rPr sz="2150" i="1" spc="-5" dirty="0" err="1">
                 <a:solidFill>
                   <a:srgbClr val="46C249"/>
                 </a:solidFill>
@@ -8198,7 +8198,7 @@
               </a:rPr>
               <a:t>city.detail.ts</a:t>
             </a:r>
-            <a:endParaRPr sz="2150" dirty="0">
+            <a:endParaRPr lang="en-US" sz="2150" dirty="0">
               <a:latin typeface="Consolas"/>
               <a:cs typeface="Consolas"/>
             </a:endParaRPr>
@@ -8224,7 +8224,7 @@
               </a:tabLst>
             </a:pPr>
             <a:r>
-              <a:rPr sz="2150" spc="-5" dirty="0">
+              <a:rPr lang="en-US" sz="2150" spc="-5" dirty="0">
                 <a:solidFill>
                   <a:srgbClr val="000080"/>
                 </a:solidFill>
@@ -8234,7 +8234,7 @@
               <a:t>impor</a:t>
             </a:r>
             <a:r>
-              <a:rPr sz="2150" dirty="0">
+              <a:rPr lang="en-US" sz="2150" dirty="0">
                 <a:solidFill>
                   <a:srgbClr val="000080"/>
                 </a:solidFill>
@@ -8244,7 +8244,7 @@
               <a:t>t</a:t>
             </a:r>
             <a:r>
-              <a:rPr sz="2150" dirty="0">
+              <a:rPr lang="en-US" sz="2150" dirty="0">
                 <a:solidFill>
                   <a:srgbClr val="000080"/>
                 </a:solidFill>
@@ -8254,42 +8254,42 @@
               <a:t>	</a:t>
             </a:r>
             <a:r>
-              <a:rPr sz="2150" dirty="0">
+              <a:rPr lang="en-US" sz="2150" dirty="0">
                 <a:latin typeface="Consolas"/>
                 <a:cs typeface="Consolas"/>
               </a:rPr>
               <a:t>{</a:t>
             </a:r>
             <a:r>
-              <a:rPr sz="2150" dirty="0">
+              <a:rPr lang="en-US" sz="2150" dirty="0">
                 <a:latin typeface="Times New Roman"/>
                 <a:cs typeface="Times New Roman"/>
               </a:rPr>
               <a:t>	</a:t>
             </a:r>
             <a:r>
-              <a:rPr sz="2150" spc="-5" dirty="0">
+              <a:rPr lang="en-US" sz="2150" spc="-5" dirty="0">
                 <a:latin typeface="Consolas"/>
                 <a:cs typeface="Consolas"/>
               </a:rPr>
               <a:t>Component</a:t>
             </a:r>
             <a:r>
-              <a:rPr sz="2150" dirty="0">
+              <a:rPr lang="en-US" sz="2150" dirty="0">
                 <a:latin typeface="Consolas"/>
                 <a:cs typeface="Consolas"/>
               </a:rPr>
               <a:t>,</a:t>
             </a:r>
             <a:r>
-              <a:rPr sz="2150" dirty="0">
+              <a:rPr lang="en-US" sz="2150" dirty="0">
                 <a:latin typeface="Times New Roman"/>
                 <a:cs typeface="Times New Roman"/>
               </a:rPr>
               <a:t>	</a:t>
             </a:r>
             <a:r>
-              <a:rPr sz="2150" b="1" dirty="0">
+              <a:rPr lang="en-US" sz="2150" b="1" dirty="0">
                 <a:solidFill>
                   <a:srgbClr val="FF0000"/>
                 </a:solidFill>
@@ -8299,28 +8299,28 @@
               <a:t>Input</a:t>
             </a:r>
             <a:r>
-              <a:rPr sz="2150" dirty="0">
+              <a:rPr lang="en-US" sz="2150" dirty="0">
                 <a:latin typeface="Times New Roman"/>
                 <a:cs typeface="Times New Roman"/>
               </a:rPr>
               <a:t>	</a:t>
             </a:r>
             <a:r>
-              <a:rPr sz="2150" dirty="0">
+              <a:rPr lang="en-US" sz="2150" dirty="0">
                 <a:latin typeface="Consolas"/>
                 <a:cs typeface="Consolas"/>
               </a:rPr>
               <a:t>}</a:t>
             </a:r>
             <a:r>
-              <a:rPr sz="2150" dirty="0">
+              <a:rPr lang="en-US" sz="2150" dirty="0">
                 <a:latin typeface="Times New Roman"/>
                 <a:cs typeface="Times New Roman"/>
               </a:rPr>
               <a:t>	</a:t>
             </a:r>
             <a:r>
-              <a:rPr sz="2150" spc="-5" dirty="0">
+              <a:rPr lang="en-US" sz="2150" spc="-5" dirty="0">
                 <a:solidFill>
                   <a:srgbClr val="000080"/>
                 </a:solidFill>
@@ -8330,7 +8330,7 @@
               <a:t>fro</a:t>
             </a:r>
             <a:r>
-              <a:rPr sz="2150" dirty="0">
+              <a:rPr lang="en-US" sz="2150" dirty="0">
                 <a:solidFill>
                   <a:srgbClr val="000080"/>
                 </a:solidFill>
@@ -8340,7 +8340,7 @@
               <a:t>m</a:t>
             </a:r>
             <a:r>
-              <a:rPr sz="2150" dirty="0">
+              <a:rPr lang="en-US" sz="2150" dirty="0">
                 <a:solidFill>
                   <a:srgbClr val="000080"/>
                 </a:solidFill>
@@ -8350,7 +8350,7 @@
               <a:t>	</a:t>
             </a:r>
             <a:r>
-              <a:rPr sz="2150" spc="-5" dirty="0">
+              <a:rPr lang="en-US" sz="2150" spc="-5" dirty="0">
                 <a:solidFill>
                   <a:srgbClr val="008000"/>
                 </a:solidFill>
@@ -8360,7 +8360,7 @@
               <a:t>'@angular/core</a:t>
             </a:r>
             <a:r>
-              <a:rPr sz="2150" spc="-10" dirty="0">
+              <a:rPr lang="en-US" sz="2150" spc="-10" dirty="0">
                 <a:solidFill>
                   <a:srgbClr val="008000"/>
                 </a:solidFill>
@@ -8370,21 +8370,21 @@
               <a:t>'</a:t>
             </a:r>
             <a:r>
-              <a:rPr sz="2150" dirty="0">
+              <a:rPr lang="en-US" sz="2150" dirty="0">
                 <a:latin typeface="Consolas"/>
                 <a:cs typeface="Consolas"/>
               </a:rPr>
               <a:t>;</a:t>
             </a:r>
             <a:r>
-              <a:rPr sz="2150" dirty="0">
+              <a:rPr lang="en-US" sz="2150" dirty="0">
                 <a:latin typeface="Times New Roman"/>
                 <a:cs typeface="Times New Roman"/>
               </a:rPr>
               <a:t> </a:t>
             </a:r>
             <a:r>
-              <a:rPr sz="2150" spc="-5" dirty="0">
+              <a:rPr lang="en-US" sz="2150" spc="-5" dirty="0">
                 <a:solidFill>
                   <a:srgbClr val="000080"/>
                 </a:solidFill>
@@ -8394,7 +8394,7 @@
               <a:t>impor</a:t>
             </a:r>
             <a:r>
-              <a:rPr sz="2150" dirty="0">
+              <a:rPr lang="en-US" sz="2150" dirty="0">
                 <a:solidFill>
                   <a:srgbClr val="000080"/>
                 </a:solidFill>
@@ -8404,7 +8404,7 @@
               <a:t>t</a:t>
             </a:r>
             <a:r>
-              <a:rPr sz="2150" dirty="0">
+              <a:rPr lang="en-US" sz="2150" dirty="0">
                 <a:solidFill>
                   <a:srgbClr val="000080"/>
                 </a:solidFill>
@@ -8414,56 +8414,56 @@
               <a:t>	</a:t>
             </a:r>
             <a:r>
-              <a:rPr sz="2150" dirty="0">
+              <a:rPr lang="en-US" sz="2150" dirty="0">
                 <a:latin typeface="Consolas"/>
                 <a:cs typeface="Consolas"/>
               </a:rPr>
               <a:t>{</a:t>
             </a:r>
             <a:r>
-              <a:rPr sz="2150" dirty="0">
+              <a:rPr lang="en-US" sz="2150" dirty="0">
                 <a:latin typeface="Times New Roman"/>
                 <a:cs typeface="Times New Roman"/>
               </a:rPr>
               <a:t>	</a:t>
             </a:r>
             <a:r>
-              <a:rPr sz="2150" spc="-5" dirty="0">
+              <a:rPr lang="en-US" sz="2150" spc="-5" dirty="0">
                 <a:latin typeface="Consolas"/>
                 <a:cs typeface="Consolas"/>
               </a:rPr>
               <a:t>Cit</a:t>
             </a:r>
             <a:r>
-              <a:rPr sz="2150" dirty="0">
+              <a:rPr lang="en-US" sz="2150" dirty="0">
                 <a:latin typeface="Consolas"/>
                 <a:cs typeface="Consolas"/>
               </a:rPr>
               <a:t>y</a:t>
             </a:r>
             <a:r>
-              <a:rPr sz="2150" dirty="0">
+              <a:rPr lang="en-US" sz="2150" dirty="0">
                 <a:latin typeface="Times New Roman"/>
                 <a:cs typeface="Times New Roman"/>
               </a:rPr>
               <a:t>	</a:t>
             </a:r>
             <a:r>
-              <a:rPr sz="2150" dirty="0">
+              <a:rPr lang="en-US" sz="2150" dirty="0">
                 <a:latin typeface="Consolas"/>
                 <a:cs typeface="Consolas"/>
               </a:rPr>
               <a:t>}</a:t>
             </a:r>
             <a:r>
-              <a:rPr sz="2150" dirty="0">
+              <a:rPr lang="en-US" sz="2150" dirty="0">
                 <a:latin typeface="Times New Roman"/>
                 <a:cs typeface="Times New Roman"/>
               </a:rPr>
               <a:t>	</a:t>
             </a:r>
             <a:r>
-              <a:rPr sz="2150" dirty="0">
+              <a:rPr lang="en-US" sz="2150" dirty="0">
                 <a:solidFill>
                   <a:srgbClr val="000080"/>
                 </a:solidFill>
@@ -8473,7 +8473,7 @@
               <a:t>from</a:t>
             </a:r>
             <a:r>
-              <a:rPr sz="2150" dirty="0">
+              <a:rPr lang="en-US" sz="2150" dirty="0">
                 <a:solidFill>
                   <a:srgbClr val="000080"/>
                 </a:solidFill>
@@ -8483,55 +8483,68 @@
               <a:t>	</a:t>
             </a:r>
             <a:r>
-              <a:rPr sz="2150" dirty="0">
+              <a:rPr lang="en-US" sz="2150" dirty="0">
                 <a:solidFill>
                   <a:srgbClr val="008000"/>
                 </a:solidFill>
                 <a:latin typeface="Consolas"/>
                 <a:cs typeface="Consolas"/>
               </a:rPr>
-              <a:t>"./city.model</a:t>
-            </a:r>
-            <a:r>
-              <a:rPr sz="2150" spc="-15" dirty="0">
+              <a:t>"./</a:t>
+            </a:r>
+            <a:r>
+              <a:rPr lang="en-US" sz="2150" dirty="0" err="1">
                 <a:solidFill>
                   <a:srgbClr val="008000"/>
                 </a:solidFill>
                 <a:latin typeface="Consolas"/>
                 <a:cs typeface="Consolas"/>
               </a:rPr>
+              <a:t>city.model</a:t>
+            </a:r>
+            <a:r>
+              <a:rPr lang="en-US" sz="2150" spc="-15" dirty="0">
+                <a:solidFill>
+                  <a:srgbClr val="008000"/>
+                </a:solidFill>
+                <a:latin typeface="Consolas"/>
+                <a:cs typeface="Consolas"/>
+              </a:rPr>
               <a:t>"</a:t>
             </a:r>
             <a:r>
-              <a:rPr sz="2150" dirty="0">
+              <a:rPr lang="en-US" sz="2150" dirty="0">
                 <a:latin typeface="Consolas"/>
                 <a:cs typeface="Consolas"/>
               </a:rPr>
               <a:t>;</a:t>
             </a:r>
           </a:p>
-        </p:txBody>
-      </p:sp>
-      <p:sp>
-        <p:nvSpPr>
-          <p:cNvPr id="4" name="object 4"/>
-          <p:cNvSpPr txBox="1"/>
-          <p:nvPr/>
-        </p:nvSpPr>
-        <p:spPr>
-          <a:xfrm>
-            <a:off x="1527950" y="4087319"/>
-            <a:ext cx="1835150" cy="992579"/>
-          </a:xfrm>
-          <a:prstGeom prst="rect">
-            <a:avLst/>
-          </a:prstGeom>
-        </p:spPr>
-        <p:txBody>
-          <a:bodyPr vert="horz" wrap="square" lIns="0" tIns="0" rIns="0" bIns="0" rtlCol="0">
-            <a:spAutoFit/>
-          </a:bodyPr>
-          <a:lstStyle/>
+          <a:p>
+            <a:pPr marL="273685" marR="5080" indent="-635">
+              <a:lnSpc>
+                <a:spcPct val="100000"/>
+              </a:lnSpc>
+              <a:spcBef>
+                <a:spcPts val="10"/>
+              </a:spcBef>
+              <a:tabLst>
+                <a:tab pos="1329055" algn="l"/>
+                <a:tab pos="1630680" algn="l"/>
+                <a:tab pos="2384425" algn="l"/>
+                <a:tab pos="2685415" algn="l"/>
+                <a:tab pos="3288029" algn="l"/>
+                <a:tab pos="3439160" algn="l"/>
+                <a:tab pos="4192904" algn="l"/>
+                <a:tab pos="4494530" algn="l"/>
+                <a:tab pos="5248275" algn="l"/>
+              </a:tabLst>
+            </a:pPr>
+            <a:endParaRPr lang="en-NL" sz="2150" dirty="0">
+              <a:latin typeface="Consolas"/>
+              <a:cs typeface="Consolas"/>
+            </a:endParaRPr>
+          </a:p>
           <a:p>
             <a:pPr marL="12700">
               <a:lnSpc>
@@ -8539,23 +8552,23 @@
               </a:lnSpc>
             </a:pPr>
             <a:r>
-              <a:rPr sz="2150" spc="-5" dirty="0">
+              <a:rPr lang="en-US" sz="2150" spc="-5" dirty="0">
                 <a:solidFill>
                   <a:srgbClr val="FF0000"/>
                 </a:solidFill>
                 <a:latin typeface="Consolas"/>
                 <a:cs typeface="Consolas"/>
               </a:rPr>
-              <a:t>@Component</a:t>
-            </a:r>
-            <a:r>
-              <a:rPr sz="2150" spc="-5" dirty="0">
+              <a:t>  @Component</a:t>
+            </a:r>
+            <a:r>
+              <a:rPr lang="en-US" sz="2150" spc="-5" dirty="0">
                 <a:latin typeface="Consolas"/>
                 <a:cs typeface="Consolas"/>
               </a:rPr>
               <a:t>({</a:t>
             </a:r>
-            <a:endParaRPr sz="2150" dirty="0">
+            <a:endParaRPr lang="en-US" sz="2150" dirty="0">
               <a:latin typeface="Consolas"/>
               <a:cs typeface="Consolas"/>
             </a:endParaRPr>
@@ -8570,11 +8583,11 @@
               </a:spcBef>
             </a:pPr>
             <a:r>
-              <a:rPr sz="2150" dirty="0">
-                <a:latin typeface="Consolas"/>
-                <a:cs typeface="Consolas"/>
-              </a:rPr>
-              <a:t>…</a:t>
+              <a:rPr lang="en-US" sz="2150" dirty="0">
+                <a:latin typeface="Consolas"/>
+                <a:cs typeface="Consolas"/>
+              </a:rPr>
+              <a:t>  …</a:t>
             </a:r>
           </a:p>
           <a:p>
@@ -8587,35 +8600,27 @@
               </a:spcBef>
             </a:pPr>
             <a:r>
-              <a:rPr sz="2150" dirty="0">
-                <a:latin typeface="Consolas"/>
-                <a:cs typeface="Consolas"/>
-              </a:rPr>
-              <a:t>})</a:t>
-            </a:r>
-          </a:p>
-        </p:txBody>
-      </p:sp>
-      <p:sp>
-        <p:nvSpPr>
-          <p:cNvPr id="5" name="object 5"/>
-          <p:cNvSpPr txBox="1"/>
-          <p:nvPr/>
-        </p:nvSpPr>
-        <p:spPr>
-          <a:xfrm>
-            <a:off x="1527950" y="5402531"/>
-            <a:ext cx="5342750" cy="992579"/>
-          </a:xfrm>
-          <a:prstGeom prst="rect">
-            <a:avLst/>
-          </a:prstGeom>
-        </p:spPr>
-        <p:txBody>
-          <a:bodyPr vert="horz" wrap="square" lIns="0" tIns="0" rIns="0" bIns="0" rtlCol="0">
-            <a:spAutoFit/>
-          </a:bodyPr>
-          <a:lstStyle/>
+              <a:rPr lang="en-US" sz="2150" dirty="0">
+                <a:latin typeface="Consolas"/>
+                <a:cs typeface="Consolas"/>
+              </a:rPr>
+              <a:t>  })</a:t>
+            </a:r>
+          </a:p>
+          <a:p>
+            <a:pPr marL="12700">
+              <a:lnSpc>
+                <a:spcPct val="100000"/>
+              </a:lnSpc>
+              <a:spcBef>
+                <a:spcPts val="10"/>
+              </a:spcBef>
+            </a:pPr>
+            <a:endParaRPr lang="en-US" sz="2150" dirty="0">
+              <a:latin typeface="Consolas"/>
+              <a:cs typeface="Consolas"/>
+            </a:endParaRPr>
+          </a:p>
           <a:p>
             <a:pPr marL="12700">
               <a:lnSpc>
@@ -8628,17 +8633,17 @@
               </a:tabLst>
             </a:pPr>
             <a:r>
-              <a:rPr sz="2150" spc="-5" dirty="0">
+              <a:rPr lang="en-US" sz="2150" spc="-5" dirty="0">
                 <a:solidFill>
                   <a:srgbClr val="000080"/>
                 </a:solidFill>
                 <a:latin typeface="Consolas"/>
                 <a:cs typeface="Consolas"/>
               </a:rPr>
-              <a:t>expor</a:t>
-            </a:r>
-            <a:r>
-              <a:rPr sz="2150" dirty="0">
+              <a:t>   expor</a:t>
+            </a:r>
+            <a:r>
+              <a:rPr lang="en-US" sz="2150" dirty="0">
                 <a:solidFill>
                   <a:srgbClr val="000080"/>
                 </a:solidFill>
@@ -8648,17 +8653,17 @@
               <a:t>t</a:t>
             </a:r>
             <a:r>
-              <a:rPr sz="2150" dirty="0">
+              <a:rPr lang="en-US" sz="2150" dirty="0">
                 <a:solidFill>
                   <a:srgbClr val="000080"/>
                 </a:solidFill>
                 <a:latin typeface="Times New Roman"/>
                 <a:cs typeface="Times New Roman"/>
               </a:rPr>
-              <a:t>	</a:t>
-            </a:r>
-            <a:r>
-              <a:rPr sz="2150" spc="-5" dirty="0">
+              <a:t> </a:t>
+            </a:r>
+            <a:r>
+              <a:rPr lang="en-US" sz="2150" spc="-5" dirty="0">
                 <a:solidFill>
                   <a:srgbClr val="000080"/>
                 </a:solidFill>
@@ -8668,7 +8673,7 @@
               <a:t>clas</a:t>
             </a:r>
             <a:r>
-              <a:rPr sz="2150" dirty="0">
+              <a:rPr lang="en-US" sz="2150" dirty="0">
                 <a:solidFill>
                   <a:srgbClr val="000080"/>
                 </a:solidFill>
@@ -8678,35 +8683,28 @@
               <a:t>s</a:t>
             </a:r>
             <a:r>
-              <a:rPr sz="2150" dirty="0">
+              <a:rPr lang="en-US" sz="2150" dirty="0">
                 <a:solidFill>
                   <a:srgbClr val="000080"/>
                 </a:solidFill>
                 <a:latin typeface="Times New Roman"/>
                 <a:cs typeface="Times New Roman"/>
               </a:rPr>
-              <a:t>	</a:t>
-            </a:r>
-            <a:r>
-              <a:rPr sz="2150" spc="-5" dirty="0" err="1">
+              <a:t> </a:t>
+            </a:r>
+            <a:r>
+              <a:rPr lang="en-US" sz="2150" spc="-5" dirty="0" err="1">
                 <a:latin typeface="Consolas"/>
                 <a:cs typeface="Consolas"/>
               </a:rPr>
               <a:t>CityDetai</a:t>
             </a:r>
             <a:r>
-              <a:rPr sz="2150" dirty="0" err="1">
-                <a:latin typeface="Consolas"/>
-                <a:cs typeface="Consolas"/>
-              </a:rPr>
-              <a:t>l</a:t>
-            </a:r>
-            <a:r>
-              <a:rPr lang="nl-NL" sz="2150" dirty="0">
-                <a:latin typeface="Consolas"/>
-                <a:cs typeface="Consolas"/>
-              </a:rPr>
-              <a:t>Component</a:t>
+              <a:rPr lang="en-US" sz="2150" dirty="0" err="1">
+                <a:latin typeface="Consolas"/>
+                <a:cs typeface="Consolas"/>
+              </a:rPr>
+              <a:t>lComponent</a:t>
             </a:r>
             <a:r>
               <a:rPr lang="en-US" sz="2150" dirty="0">
@@ -8716,7 +8714,7 @@
               <a:t> </a:t>
             </a:r>
             <a:r>
-              <a:rPr sz="2150" dirty="0">
+              <a:rPr lang="en-US" sz="2150" dirty="0">
                 <a:latin typeface="Consolas"/>
                 <a:cs typeface="Consolas"/>
               </a:rPr>
@@ -8737,17 +8735,17 @@
               </a:tabLst>
             </a:pPr>
             <a:r>
-              <a:rPr sz="2150" b="1" spc="-5" dirty="0">
+              <a:rPr lang="en-US" sz="2150" b="1" spc="-5" dirty="0">
                 <a:solidFill>
                   <a:srgbClr val="FF0000"/>
                 </a:solidFill>
                 <a:latin typeface="Consolas"/>
                 <a:cs typeface="Consolas"/>
               </a:rPr>
-              <a:t>@Input(</a:t>
-            </a:r>
-            <a:r>
-              <a:rPr sz="2150" b="1" dirty="0">
+              <a:t>   @Input(</a:t>
+            </a:r>
+            <a:r>
+              <a:rPr lang="en-US" sz="2150" b="1" dirty="0">
                 <a:solidFill>
                   <a:srgbClr val="FF0000"/>
                 </a:solidFill>
@@ -8757,41 +8755,44 @@
               <a:t>)</a:t>
             </a:r>
             <a:r>
-              <a:rPr sz="2150" dirty="0">
+              <a:rPr lang="en-US" sz="2150" b="1" dirty="0">
+                <a:solidFill>
+                  <a:srgbClr val="FF0000"/>
+                </a:solidFill>
                 <a:latin typeface="Times New Roman"/>
                 <a:cs typeface="Times New Roman"/>
               </a:rPr>
-              <a:t>	</a:t>
-            </a:r>
-            <a:r>
-              <a:rPr sz="2150" spc="-5" dirty="0">
+              <a:t> </a:t>
+            </a:r>
+            <a:r>
+              <a:rPr lang="en-US" sz="2150" spc="-5" dirty="0">
                 <a:latin typeface="Consolas"/>
                 <a:cs typeface="Consolas"/>
               </a:rPr>
               <a:t>city</a:t>
             </a:r>
             <a:r>
-              <a:rPr sz="2150" dirty="0">
+              <a:rPr lang="en-US" sz="2150" dirty="0">
                 <a:latin typeface="Consolas"/>
                 <a:cs typeface="Consolas"/>
               </a:rPr>
               <a:t>:</a:t>
             </a:r>
             <a:r>
-              <a:rPr sz="2150" dirty="0">
+              <a:rPr lang="en-US" sz="2150" dirty="0">
                 <a:latin typeface="Times New Roman"/>
                 <a:cs typeface="Times New Roman"/>
               </a:rPr>
-              <a:t>	</a:t>
-            </a:r>
-            <a:r>
-              <a:rPr sz="2150" spc="-5" dirty="0">
+              <a:t> </a:t>
+            </a:r>
+            <a:r>
+              <a:rPr lang="en-US" sz="2150" spc="-5" dirty="0">
                 <a:latin typeface="Consolas"/>
                 <a:cs typeface="Consolas"/>
               </a:rPr>
               <a:t>City;</a:t>
             </a:r>
-            <a:endParaRPr sz="2150" dirty="0">
+            <a:endParaRPr lang="en-US" sz="2150" dirty="0">
               <a:latin typeface="Consolas"/>
               <a:cs typeface="Consolas"/>
             </a:endParaRPr>
@@ -8806,12 +8807,37 @@
               </a:spcBef>
             </a:pPr>
             <a:r>
-              <a:rPr sz="2150" dirty="0">
-                <a:latin typeface="Consolas"/>
-                <a:cs typeface="Consolas"/>
-              </a:rPr>
-              <a:t>}</a:t>
-            </a:r>
+              <a:rPr lang="en-US" sz="2150" dirty="0">
+                <a:latin typeface="Consolas"/>
+                <a:cs typeface="Consolas"/>
+              </a:rPr>
+              <a:t>   }</a:t>
+            </a:r>
+          </a:p>
+          <a:p>
+            <a:pPr marL="273685" marR="5080" indent="-635">
+              <a:lnSpc>
+                <a:spcPct val="100000"/>
+              </a:lnSpc>
+              <a:spcBef>
+                <a:spcPts val="10"/>
+              </a:spcBef>
+              <a:tabLst>
+                <a:tab pos="1329055" algn="l"/>
+                <a:tab pos="1630680" algn="l"/>
+                <a:tab pos="2384425" algn="l"/>
+                <a:tab pos="2685415" algn="l"/>
+                <a:tab pos="3288029" algn="l"/>
+                <a:tab pos="3439160" algn="l"/>
+                <a:tab pos="4192904" algn="l"/>
+                <a:tab pos="4494530" algn="l"/>
+                <a:tab pos="5248275" algn="l"/>
+              </a:tabLst>
+            </a:pPr>
+            <a:endParaRPr sz="2150" dirty="0">
+              <a:latin typeface="Consolas"/>
+              <a:cs typeface="Consolas"/>
+            </a:endParaRPr>
           </a:p>
         </p:txBody>
       </p:sp>
@@ -9104,7 +9130,7 @@
         <p:spPr>
           <a:xfrm>
             <a:off x="1391552" y="1551004"/>
-            <a:ext cx="7699375" cy="2350770"/>
+            <a:ext cx="7699375" cy="4714239"/>
           </a:xfrm>
           <a:prstGeom prst="rect">
             <a:avLst/>
@@ -10101,33 +10127,11 @@
               </a:rPr>
               <a:t>&gt;</a:t>
             </a:r>
-            <a:endParaRPr sz="1700" dirty="0">
+            <a:endParaRPr lang="nl-NL" sz="1700" spc="5" dirty="0">
               <a:latin typeface="Consolas"/>
               <a:cs typeface="Consolas"/>
             </a:endParaRPr>
           </a:p>
-        </p:txBody>
-      </p:sp>
-      <p:sp>
-        <p:nvSpPr>
-          <p:cNvPr id="4" name="object 4"/>
-          <p:cNvSpPr txBox="1"/>
-          <p:nvPr/>
-        </p:nvSpPr>
-        <p:spPr>
-          <a:xfrm>
-            <a:off x="1391552" y="3919252"/>
-            <a:ext cx="6860540" cy="2092881"/>
-          </a:xfrm>
-          <a:prstGeom prst="rect">
-            <a:avLst/>
-          </a:prstGeom>
-        </p:spPr>
-        <p:txBody>
-          <a:bodyPr vert="horz" wrap="square" lIns="0" tIns="0" rIns="0" bIns="0" rtlCol="0">
-            <a:spAutoFit/>
-          </a:bodyPr>
-          <a:lstStyle/>
           <a:p>
             <a:pPr marL="731520">
               <a:lnSpc>
@@ -10135,21 +10139,21 @@
               </a:lnSpc>
             </a:pPr>
             <a:r>
-              <a:rPr sz="1700" dirty="0">
+              <a:rPr lang="en-US" sz="1700" dirty="0">
                 <a:latin typeface="Consolas"/>
                 <a:cs typeface="Consolas"/>
               </a:rPr>
               <a:t>&lt;</a:t>
             </a:r>
             <a:r>
-              <a:rPr sz="1700" spc="-5" dirty="0">
+              <a:rPr lang="en-US" sz="1700" spc="-5" dirty="0">
                 <a:latin typeface="Consolas"/>
                 <a:cs typeface="Consolas"/>
               </a:rPr>
               <a:t>/</a:t>
             </a:r>
             <a:r>
-              <a:rPr sz="1700" b="1" dirty="0">
+              <a:rPr lang="en-US" sz="1700" b="1" dirty="0">
                 <a:solidFill>
                   <a:srgbClr val="000080"/>
                 </a:solidFill>
@@ -10159,7 +10163,7 @@
               <a:t>u</a:t>
             </a:r>
             <a:r>
-              <a:rPr sz="1700" b="1" spc="-5" dirty="0">
+              <a:rPr lang="en-US" sz="1700" b="1" spc="-5" dirty="0">
                 <a:solidFill>
                   <a:srgbClr val="000080"/>
                 </a:solidFill>
@@ -10169,13 +10173,13 @@
               <a:t>l</a:t>
             </a:r>
             <a:r>
-              <a:rPr sz="1700" spc="5" dirty="0">
+              <a:rPr lang="en-US" sz="1700" spc="5" dirty="0">
                 <a:latin typeface="Consolas"/>
                 <a:cs typeface="Consolas"/>
               </a:rPr>
               <a:t>&gt;</a:t>
             </a:r>
-            <a:endParaRPr sz="1700" dirty="0">
+            <a:endParaRPr lang="en-US" sz="1700" dirty="0">
               <a:latin typeface="Consolas"/>
               <a:cs typeface="Consolas"/>
             </a:endParaRPr>
@@ -10190,14 +10194,14 @@
               </a:spcBef>
             </a:pPr>
             <a:r>
-              <a:rPr sz="1700" spc="-5" dirty="0">
+              <a:rPr lang="en-US" sz="1700" spc="-5" dirty="0">
                 <a:latin typeface="Consolas"/>
                 <a:cs typeface="Consolas"/>
               </a:rPr>
               <a:t>&lt;/</a:t>
             </a:r>
             <a:r>
-              <a:rPr sz="1700" b="1" dirty="0">
+              <a:rPr lang="en-US" sz="1700" b="1" dirty="0">
                 <a:solidFill>
                   <a:srgbClr val="000080"/>
                 </a:solidFill>
@@ -10207,7 +10211,7 @@
               <a:t>di</a:t>
             </a:r>
             <a:r>
-              <a:rPr sz="1700" b="1" spc="-5" dirty="0">
+              <a:rPr lang="en-US" sz="1700" b="1" spc="-5" dirty="0">
                 <a:solidFill>
                   <a:srgbClr val="000080"/>
                 </a:solidFill>
@@ -10217,16 +10221,12 @@
               <a:t>v</a:t>
             </a:r>
             <a:r>
-              <a:rPr sz="1700" spc="5" dirty="0">
+              <a:rPr lang="en-US" sz="1700" spc="5" dirty="0">
                 <a:latin typeface="Consolas"/>
                 <a:cs typeface="Consolas"/>
               </a:rPr>
               <a:t>&gt;</a:t>
             </a:r>
-            <a:endParaRPr lang="nl-NL" sz="1700" spc="5" dirty="0">
-              <a:latin typeface="Consolas"/>
-              <a:cs typeface="Consolas"/>
-            </a:endParaRPr>
           </a:p>
           <a:p>
             <a:pPr marL="372745">
@@ -10237,7 +10237,7 @@
                 <a:spcPts val="30"/>
               </a:spcBef>
             </a:pPr>
-            <a:endParaRPr sz="1700" dirty="0">
+            <a:endParaRPr lang="en-US" sz="1700" dirty="0">
               <a:latin typeface="Consolas"/>
               <a:cs typeface="Consolas"/>
             </a:endParaRPr>
@@ -10252,14 +10252,14 @@
               </a:spcBef>
             </a:pPr>
             <a:r>
-              <a:rPr sz="1700" spc="-5" dirty="0">
+              <a:rPr lang="en-US" sz="1700" spc="-5" dirty="0">
                 <a:latin typeface="Consolas"/>
                 <a:cs typeface="Consolas"/>
               </a:rPr>
               <a:t>&lt;</a:t>
             </a:r>
             <a:r>
-              <a:rPr sz="1700" b="1" spc="-5" dirty="0">
+              <a:rPr lang="en-US" sz="1700" b="1" spc="-5" dirty="0">
                 <a:solidFill>
                   <a:srgbClr val="000080"/>
                 </a:solidFill>
@@ -10269,7 +10269,7 @@
               <a:t>di</a:t>
             </a:r>
             <a:r>
-              <a:rPr sz="1700" b="1" spc="5" dirty="0">
+              <a:rPr lang="en-US" sz="1700" b="1" spc="5" dirty="0">
                 <a:solidFill>
                   <a:srgbClr val="000080"/>
                 </a:solidFill>
@@ -10279,7 +10279,7 @@
               <a:t>v</a:t>
             </a:r>
             <a:r>
-              <a:rPr sz="1700" b="1" dirty="0">
+              <a:rPr lang="en-US" sz="1700" b="1" dirty="0">
                 <a:solidFill>
                   <a:srgbClr val="000080"/>
                 </a:solidFill>
@@ -10289,7 +10289,7 @@
               <a:t> </a:t>
             </a:r>
             <a:r>
-              <a:rPr sz="1700" b="1" spc="85" dirty="0">
+              <a:rPr lang="en-US" sz="1700" b="1" spc="85" dirty="0">
                 <a:solidFill>
                   <a:srgbClr val="000080"/>
                 </a:solidFill>
@@ -10299,40 +10299,64 @@
               <a:t> </a:t>
             </a:r>
             <a:r>
-              <a:rPr sz="1700" spc="-5" dirty="0">
-                <a:latin typeface="Consolas"/>
-                <a:cs typeface="Consolas"/>
-              </a:rPr>
-              <a:t>*ngIf=</a:t>
-            </a:r>
-            <a:r>
-              <a:rPr sz="1700" b="1" spc="-5" dirty="0">
+              <a:rPr lang="en-US" sz="1700" spc="-5" dirty="0">
+                <a:latin typeface="Consolas"/>
+                <a:cs typeface="Consolas"/>
+              </a:rPr>
+              <a:t>*</a:t>
+            </a:r>
+            <a:r>
+              <a:rPr lang="en-US" sz="1700" spc="-5" dirty="0" err="1">
+                <a:latin typeface="Consolas"/>
+                <a:cs typeface="Consolas"/>
+              </a:rPr>
+              <a:t>ngIf</a:t>
+            </a:r>
+            <a:r>
+              <a:rPr lang="en-US" sz="1700" spc="-5" dirty="0">
+                <a:latin typeface="Consolas"/>
+                <a:cs typeface="Consolas"/>
+              </a:rPr>
+              <a:t>=</a:t>
+            </a:r>
+            <a:r>
+              <a:rPr lang="en-US" sz="1700" b="1" spc="-5" dirty="0">
                 <a:solidFill>
                   <a:srgbClr val="008000"/>
                 </a:solidFill>
                 <a:latin typeface="Consolas"/>
                 <a:cs typeface="Consolas"/>
               </a:rPr>
-              <a:t>"currentCity</a:t>
-            </a:r>
-            <a:r>
-              <a:rPr sz="1700" b="1" dirty="0">
+              <a:t>"</a:t>
+            </a:r>
+            <a:r>
+              <a:rPr lang="en-US" sz="1700" b="1" spc="-5" dirty="0" err="1">
                 <a:solidFill>
                   <a:srgbClr val="008000"/>
                 </a:solidFill>
                 <a:latin typeface="Consolas"/>
                 <a:cs typeface="Consolas"/>
               </a:rPr>
+              <a:t>currentCity</a:t>
+            </a:r>
+            <a:r>
+              <a:rPr lang="en-US" sz="1700" b="1" dirty="0">
+                <a:solidFill>
+                  <a:srgbClr val="008000"/>
+                </a:solidFill>
+                <a:latin typeface="Consolas"/>
+                <a:cs typeface="Consolas"/>
+              </a:rPr>
               <a:t>"</a:t>
             </a:r>
             <a:r>
-              <a:rPr sz="1700" spc="5" dirty="0">
+              <a:rPr lang="en-US" sz="1700" spc="5" dirty="0">
                 <a:latin typeface="Consolas"/>
                 <a:cs typeface="Consolas"/>
               </a:rPr>
               <a:t>&gt;</a:t>
             </a:r>
-            <a:endParaRPr sz="1700" dirty="0">
+            <a:endParaRPr lang="en-US" sz="1700" dirty="0">
               <a:latin typeface="Consolas"/>
               <a:cs typeface="Consolas"/>
             </a:endParaRPr>
@@ -10347,14 +10371,14 @@
               </a:spcBef>
             </a:pPr>
             <a:r>
-              <a:rPr sz="1700" spc="-5" dirty="0">
+              <a:rPr lang="en-US" sz="1700" spc="-5" dirty="0">
                 <a:latin typeface="Consolas"/>
                 <a:cs typeface="Consolas"/>
               </a:rPr>
               <a:t>&lt;</a:t>
             </a:r>
             <a:r>
-              <a:rPr sz="1700" b="1" spc="-5" dirty="0">
+              <a:rPr lang="en-US" sz="1700" b="1" spc="-5" dirty="0">
                 <a:solidFill>
                   <a:srgbClr val="000080"/>
                 </a:solidFill>
@@ -10364,7 +10388,7 @@
               <a:t>city</a:t>
             </a:r>
             <a:r>
-              <a:rPr sz="1700" b="1" dirty="0">
+              <a:rPr lang="en-US" sz="1700" b="1" dirty="0">
                 <a:solidFill>
                   <a:srgbClr val="000080"/>
                 </a:solidFill>
@@ -10374,7 +10398,7 @@
               <a:t>‐</a:t>
             </a:r>
             <a:r>
-              <a:rPr sz="1700" b="1" spc="-5" dirty="0">
+              <a:rPr lang="en-US" sz="1700" b="1" spc="-5" dirty="0">
                 <a:solidFill>
                   <a:srgbClr val="000080"/>
                 </a:solidFill>
@@ -10384,7 +10408,7 @@
               <a:t>detai</a:t>
             </a:r>
             <a:r>
-              <a:rPr sz="1700" b="1" spc="5" dirty="0">
+              <a:rPr lang="en-US" sz="1700" b="1" spc="5" dirty="0">
                 <a:solidFill>
                   <a:srgbClr val="000080"/>
                 </a:solidFill>
@@ -10394,7 +10418,7 @@
               <a:t>l</a:t>
             </a:r>
             <a:r>
-              <a:rPr sz="1700" b="1" dirty="0">
+              <a:rPr lang="en-US" sz="1700" b="1" dirty="0">
                 <a:solidFill>
                   <a:srgbClr val="000080"/>
                 </a:solidFill>
@@ -10404,7 +10428,7 @@
               <a:t> </a:t>
             </a:r>
             <a:r>
-              <a:rPr sz="1700" b="1" spc="85" dirty="0">
+              <a:rPr lang="en-US" sz="1700" b="1" spc="85" dirty="0">
                 <a:solidFill>
                   <a:srgbClr val="000080"/>
                 </a:solidFill>
@@ -10414,7 +10438,7 @@
               <a:t> </a:t>
             </a:r>
             <a:r>
-              <a:rPr sz="1700" spc="-5" dirty="0">
+              <a:rPr lang="en-US" sz="1700" spc="-5" dirty="0">
                 <a:solidFill>
                   <a:srgbClr val="FF0000"/>
                 </a:solidFill>
@@ -10424,14 +10448,14 @@
               <a:t>[city]</a:t>
             </a:r>
             <a:r>
-              <a:rPr sz="1700" spc="-5" dirty="0">
+              <a:rPr lang="en-US" sz="1700" spc="-5" dirty="0">
                 <a:latin typeface="Consolas"/>
                 <a:cs typeface="Consolas"/>
               </a:rPr>
               <a:t>=</a:t>
             </a:r>
             <a:r>
-              <a:rPr sz="1700" b="1" spc="-5" dirty="0">
+              <a:rPr lang="en-US" sz="1700" b="1" spc="-5" dirty="0">
                 <a:solidFill>
                   <a:srgbClr val="008000"/>
                 </a:solidFill>
@@ -10441,7 +10465,7 @@
               <a:t>"</a:t>
             </a:r>
             <a:r>
-              <a:rPr sz="1700" b="1" spc="-5" dirty="0">
+              <a:rPr lang="en-US" sz="1700" b="1" spc="-5" dirty="0" err="1">
                 <a:solidFill>
                   <a:srgbClr val="FF0000"/>
                 </a:solidFill>
@@ -10451,7 +10475,7 @@
               <a:t>currentCity</a:t>
             </a:r>
             <a:r>
-              <a:rPr sz="1700" b="1" spc="-5" dirty="0">
+              <a:rPr lang="en-US" sz="1700" b="1" spc="-5" dirty="0">
                 <a:solidFill>
                   <a:srgbClr val="008000"/>
                 </a:solidFill>
@@ -10461,14 +10485,14 @@
               <a:t>"</a:t>
             </a:r>
             <a:r>
-              <a:rPr sz="1700" dirty="0">
+              <a:rPr lang="en-US" sz="1700" dirty="0">
                 <a:latin typeface="Consolas"/>
                 <a:cs typeface="Consolas"/>
               </a:rPr>
               <a:t>&gt;&lt;/</a:t>
             </a:r>
             <a:r>
-              <a:rPr sz="1700" b="1" spc="-5" dirty="0">
+              <a:rPr lang="en-US" sz="1700" b="1" spc="-5" dirty="0">
                 <a:solidFill>
                   <a:srgbClr val="000080"/>
                 </a:solidFill>
@@ -10478,7 +10502,7 @@
               <a:t>cit</a:t>
             </a:r>
             <a:r>
-              <a:rPr sz="1700" b="1" dirty="0">
+              <a:rPr lang="en-US" sz="1700" b="1" dirty="0">
                 <a:solidFill>
                   <a:srgbClr val="000080"/>
                 </a:solidFill>
@@ -10488,7 +10512,7 @@
               <a:t>y</a:t>
             </a:r>
             <a:r>
-              <a:rPr sz="1700" b="1" spc="-5" dirty="0">
+              <a:rPr lang="en-US" sz="1700" b="1" spc="-5" dirty="0">
                 <a:solidFill>
                   <a:srgbClr val="000080"/>
                 </a:solidFill>
@@ -10498,13 +10522,13 @@
               <a:t>‐detail</a:t>
             </a:r>
             <a:r>
-              <a:rPr sz="1700" spc="5" dirty="0">
+              <a:rPr lang="en-US" sz="1700" spc="5" dirty="0">
                 <a:latin typeface="Consolas"/>
                 <a:cs typeface="Consolas"/>
               </a:rPr>
               <a:t>&gt;</a:t>
             </a:r>
-            <a:endParaRPr sz="1700" dirty="0">
+            <a:endParaRPr lang="en-US" sz="1700" dirty="0">
               <a:latin typeface="Consolas"/>
               <a:cs typeface="Consolas"/>
             </a:endParaRPr>
@@ -10519,21 +10543,21 @@
               </a:spcBef>
             </a:pPr>
             <a:r>
-              <a:rPr sz="1700" dirty="0">
+              <a:rPr lang="en-US" sz="1700" dirty="0">
                 <a:latin typeface="Consolas"/>
                 <a:cs typeface="Consolas"/>
               </a:rPr>
               <a:t>&lt;</a:t>
             </a:r>
             <a:r>
-              <a:rPr sz="1700" spc="-5" dirty="0">
+              <a:rPr lang="en-US" sz="1700" spc="-5" dirty="0">
                 <a:latin typeface="Consolas"/>
                 <a:cs typeface="Consolas"/>
               </a:rPr>
               <a:t>/</a:t>
             </a:r>
             <a:r>
-              <a:rPr sz="1700" b="1" dirty="0">
+              <a:rPr lang="en-US" sz="1700" b="1" dirty="0">
                 <a:solidFill>
                   <a:srgbClr val="000080"/>
                 </a:solidFill>
@@ -10543,7 +10567,7 @@
               <a:t>di</a:t>
             </a:r>
             <a:r>
-              <a:rPr sz="1700" b="1" spc="-5" dirty="0">
+              <a:rPr lang="en-US" sz="1700" b="1" spc="-5" dirty="0">
                 <a:solidFill>
                   <a:srgbClr val="000080"/>
                 </a:solidFill>
@@ -10553,13 +10577,13 @@
               <a:t>v</a:t>
             </a:r>
             <a:r>
-              <a:rPr sz="1700" spc="5" dirty="0">
+              <a:rPr lang="en-US" sz="1700" spc="5" dirty="0">
                 <a:latin typeface="Consolas"/>
                 <a:cs typeface="Consolas"/>
               </a:rPr>
               <a:t>&gt;</a:t>
             </a:r>
-            <a:endParaRPr sz="1700" dirty="0">
+            <a:endParaRPr lang="en-US" sz="1700" dirty="0">
               <a:latin typeface="Consolas"/>
               <a:cs typeface="Consolas"/>
             </a:endParaRPr>
@@ -10574,14 +10598,14 @@
               </a:spcBef>
             </a:pPr>
             <a:r>
-              <a:rPr sz="1700" spc="-5" dirty="0">
+              <a:rPr lang="en-US" sz="1700" spc="-5" dirty="0">
                 <a:latin typeface="Consolas"/>
                 <a:cs typeface="Consolas"/>
               </a:rPr>
               <a:t>&lt;/</a:t>
             </a:r>
             <a:r>
-              <a:rPr sz="1700" b="1" dirty="0">
+              <a:rPr lang="en-US" sz="1700" b="1" dirty="0">
                 <a:solidFill>
                   <a:srgbClr val="000080"/>
                 </a:solidFill>
@@ -10591,7 +10615,7 @@
               <a:t>di</a:t>
             </a:r>
             <a:r>
-              <a:rPr sz="1700" b="1" spc="-5" dirty="0">
+              <a:rPr lang="en-US" sz="1700" b="1" spc="-5" dirty="0">
                 <a:solidFill>
                   <a:srgbClr val="000080"/>
                 </a:solidFill>
@@ -10601,13 +10625,13 @@
               <a:t>v</a:t>
             </a:r>
             <a:r>
-              <a:rPr sz="1700" spc="5" dirty="0">
+              <a:rPr lang="en-US" sz="1700" spc="5" dirty="0">
                 <a:latin typeface="Consolas"/>
                 <a:cs typeface="Consolas"/>
               </a:rPr>
               <a:t>&gt;</a:t>
             </a:r>
-            <a:endParaRPr sz="1700" dirty="0">
+            <a:endParaRPr lang="en-US" sz="1700" dirty="0">
               <a:latin typeface="Consolas"/>
               <a:cs typeface="Consolas"/>
             </a:endParaRPr>
@@ -10622,21 +10646,21 @@
               </a:spcBef>
             </a:pPr>
             <a:r>
-              <a:rPr sz="1700" dirty="0">
+              <a:rPr lang="en-US" sz="1700" dirty="0">
                 <a:latin typeface="Consolas"/>
                 <a:cs typeface="Consolas"/>
               </a:rPr>
               <a:t>&lt;</a:t>
             </a:r>
             <a:r>
-              <a:rPr sz="1700" spc="-5" dirty="0">
+              <a:rPr lang="en-US" sz="1700" spc="-5" dirty="0">
                 <a:latin typeface="Consolas"/>
                 <a:cs typeface="Consolas"/>
               </a:rPr>
               <a:t>/</a:t>
             </a:r>
             <a:r>
-              <a:rPr sz="1700" b="1" dirty="0">
+              <a:rPr lang="en-US" sz="1700" b="1" dirty="0">
                 <a:solidFill>
                   <a:srgbClr val="000080"/>
                 </a:solidFill>
@@ -10646,7 +10670,7 @@
               <a:t>di</a:t>
             </a:r>
             <a:r>
-              <a:rPr sz="1700" b="1" spc="-5" dirty="0">
+              <a:rPr lang="en-US" sz="1700" b="1" spc="-5" dirty="0">
                 <a:solidFill>
                   <a:srgbClr val="000080"/>
                 </a:solidFill>
@@ -10656,12 +10680,26 @@
               <a:t>v</a:t>
             </a:r>
             <a:r>
-              <a:rPr sz="1700" spc="5" dirty="0">
+              <a:rPr lang="en-US" sz="1700" spc="5" dirty="0">
                 <a:latin typeface="Consolas"/>
                 <a:cs typeface="Consolas"/>
               </a:rPr>
               <a:t>&gt;</a:t>
             </a:r>
+            <a:endParaRPr lang="en-US" sz="1700" dirty="0">
+              <a:latin typeface="Consolas"/>
+              <a:cs typeface="Consolas"/>
+            </a:endParaRPr>
+          </a:p>
+          <a:p>
+            <a:pPr marL="1092200">
+              <a:lnSpc>
+                <a:spcPct val="100000"/>
+              </a:lnSpc>
+              <a:spcBef>
+                <a:spcPts val="30"/>
+              </a:spcBef>
+            </a:pPr>
             <a:endParaRPr sz="1700" dirty="0">
               <a:latin typeface="Consolas"/>
               <a:cs typeface="Consolas"/>
@@ -10936,7 +10974,7 @@
         <p:spPr>
           <a:xfrm>
             <a:off x="1553033" y="1334997"/>
-            <a:ext cx="6055995" cy="4329390"/>
+            <a:ext cx="8899067" cy="3662541"/>
           </a:xfrm>
           <a:prstGeom prst="rect">
             <a:avLst/>
@@ -11190,24 +11228,14 @@
               </a:tabLst>
             </a:pPr>
             <a:r>
-              <a:rPr sz="2150" b="1" spc="-5" dirty="0">
+              <a:rPr lang="nl-NL" sz="2150" b="1" spc="-5" dirty="0">
                 <a:solidFill>
                   <a:srgbClr val="000080"/>
                 </a:solidFill>
                 <a:latin typeface="Consolas"/>
                 <a:cs typeface="Consolas"/>
               </a:rPr>
-              <a:t>publi</a:t>
-            </a:r>
-            <a:r>
-              <a:rPr sz="2150" b="1" dirty="0">
-                <a:solidFill>
-                  <a:srgbClr val="000080"/>
-                </a:solidFill>
-                <a:latin typeface="Consolas"/>
-                <a:cs typeface="Consolas"/>
-              </a:rPr>
-              <a:t>c</a:t>
+              <a:t>private </a:t>
             </a:r>
             <a:r>
               <a:rPr sz="2150" b="1" dirty="0">
@@ -11240,24 +11268,14 @@
               </a:tabLst>
             </a:pPr>
             <a:r>
-              <a:rPr sz="2150" b="1" spc="-5" dirty="0">
+              <a:rPr lang="nl-NL" sz="2150" b="1" spc="-5" dirty="0">
                 <a:solidFill>
                   <a:srgbClr val="000080"/>
                 </a:solidFill>
                 <a:latin typeface="Consolas"/>
                 <a:cs typeface="Consolas"/>
               </a:rPr>
-              <a:t>publi</a:t>
-            </a:r>
-            <a:r>
-              <a:rPr sz="2150" b="1" dirty="0">
-                <a:solidFill>
-                  <a:srgbClr val="000080"/>
-                </a:solidFill>
-                <a:latin typeface="Consolas"/>
-                <a:cs typeface="Consolas"/>
-              </a:rPr>
-              <a:t>c</a:t>
+              <a:t>private </a:t>
             </a:r>
             <a:r>
               <a:rPr sz="2150" b="1" dirty="0">
@@ -11294,25 +11312,25 @@
               </a:tabLst>
             </a:pPr>
             <a:r>
-              <a:rPr sz="2150" dirty="0">
-                <a:latin typeface="Consolas"/>
-                <a:cs typeface="Consolas"/>
-              </a:rPr>
-              <a:t>…</a:t>
-            </a:r>
-            <a:r>
-              <a:rPr sz="2150" dirty="0">
-                <a:latin typeface="Times New Roman"/>
-                <a:cs typeface="Times New Roman"/>
-              </a:rPr>
-              <a:t>   </a:t>
+              <a:rPr lang="nl-NL" sz="2150" spc="-5" dirty="0">
+                <a:latin typeface="Consolas"/>
+                <a:cs typeface="Consolas"/>
+              </a:rPr>
+              <a:t>public </a:t>
+            </a:r>
+            <a:r>
+              <a:rPr sz="2150" spc="-5" dirty="0" err="1">
+                <a:latin typeface="Consolas"/>
+                <a:cs typeface="Consolas"/>
+              </a:rPr>
+              <a:t>getCity</a:t>
             </a:r>
             <a:r>
               <a:rPr sz="2150" spc="-5" dirty="0">
                 <a:latin typeface="Consolas"/>
                 <a:cs typeface="Consolas"/>
               </a:rPr>
-              <a:t>getCity(city</a:t>
+              <a:t>(city</a:t>
             </a:r>
             <a:r>
               <a:rPr sz="2150" dirty="0">
@@ -11569,14 +11587,14 @@
       </p:sp>
       <p:sp>
         <p:nvSpPr>
-          <p:cNvPr id="5" name="object 5"/>
+          <p:cNvPr id="7" name="object 7"/>
           <p:cNvSpPr txBox="1"/>
           <p:nvPr/>
         </p:nvSpPr>
         <p:spPr>
           <a:xfrm>
-            <a:off x="1469276" y="1399566"/>
-            <a:ext cx="5710555" cy="629920"/>
+            <a:off x="1308100" y="1495425"/>
+            <a:ext cx="8957945" cy="4762842"/>
           </a:xfrm>
           <a:prstGeom prst="rect">
             <a:avLst/>
@@ -11590,36 +11608,33 @@
           <a:p>
             <a:pPr marL="12700">
               <a:lnSpc>
-                <a:spcPct val="100000"/>
+                <a:spcPts val="2335"/>
               </a:lnSpc>
-              <a:tabLst>
-                <a:tab pos="418465" algn="l"/>
-              </a:tabLst>
             </a:pPr>
             <a:r>
-              <a:rPr sz="1950" i="1" spc="-20" dirty="0">
-                <a:solidFill>
-                  <a:srgbClr val="46C249"/>
-                </a:solidFill>
-                <a:latin typeface="Consolas"/>
-                <a:cs typeface="Consolas"/>
-              </a:rPr>
-              <a:t>/</a:t>
-            </a:r>
-            <a:r>
-              <a:rPr sz="1950" i="1" spc="-15" dirty="0">
-                <a:solidFill>
-                  <a:srgbClr val="46C249"/>
-                </a:solidFill>
-                <a:latin typeface="Consolas"/>
-                <a:cs typeface="Consolas"/>
-              </a:rPr>
-              <a:t>/</a:t>
-            </a:r>
-            <a:r>
-              <a:rPr sz="1950" i="1" dirty="0">
-                <a:solidFill>
-                  <a:srgbClr val="46C249"/>
+              <a:rPr lang="en-US" sz="1950" spc="-20" dirty="0">
+                <a:solidFill>
+                  <a:srgbClr val="000080"/>
+                </a:solidFill>
+                <a:latin typeface="Consolas"/>
+                <a:cs typeface="Consolas"/>
+              </a:rPr>
+              <a:t>impor</a:t>
+            </a:r>
+            <a:r>
+              <a:rPr lang="en-US" sz="1950" spc="-15" dirty="0">
+                <a:solidFill>
+                  <a:srgbClr val="000080"/>
+                </a:solidFill>
+                <a:latin typeface="Consolas"/>
+                <a:cs typeface="Consolas"/>
+              </a:rPr>
+              <a:t>t</a:t>
+            </a:r>
+            <a:r>
+              <a:rPr lang="en-US" sz="1950" dirty="0">
+                <a:solidFill>
+                  <a:srgbClr val="000080"/>
                 </a:solidFill>
                 <a:latin typeface="Times New Roman"/>
                 <a:cs typeface="Times New Roman"/>
@@ -11627,213 +11642,152 @@
               <a:t>	</a:t>
             </a:r>
             <a:r>
-              <a:rPr sz="1950" i="1" spc="-20" dirty="0">
-                <a:solidFill>
-                  <a:srgbClr val="46C249"/>
-                </a:solidFill>
-                <a:latin typeface="Consolas"/>
-                <a:cs typeface="Consolas"/>
-              </a:rPr>
-              <a:t>city.detail.ts</a:t>
-            </a:r>
-            <a:endParaRPr sz="1950">
+              <a:rPr lang="en-US" sz="1950" spc="-15" dirty="0">
+                <a:latin typeface="Consolas"/>
+                <a:cs typeface="Consolas"/>
+              </a:rPr>
+              <a:t>{</a:t>
+            </a:r>
+            <a:r>
+              <a:rPr lang="en-US" sz="1950" spc="-15" dirty="0">
+                <a:latin typeface="Times New Roman"/>
+                <a:cs typeface="Times New Roman"/>
+              </a:rPr>
+              <a:t> </a:t>
+            </a:r>
+            <a:r>
+              <a:rPr lang="en-US" sz="1950" spc="-20" dirty="0">
+                <a:latin typeface="Consolas"/>
+                <a:cs typeface="Consolas"/>
+              </a:rPr>
+              <a:t>Componen</a:t>
+            </a:r>
+            <a:r>
+              <a:rPr lang="en-US" sz="1950" spc="-15" dirty="0">
+                <a:latin typeface="Consolas"/>
+                <a:cs typeface="Consolas"/>
+              </a:rPr>
+              <a:t>t</a:t>
+            </a:r>
+            <a:r>
+              <a:rPr lang="en-US" sz="1950" spc="-15" dirty="0">
+                <a:latin typeface="Times New Roman"/>
+                <a:cs typeface="Times New Roman"/>
+              </a:rPr>
+              <a:t> </a:t>
+            </a:r>
+            <a:r>
+              <a:rPr lang="en-US" sz="1950" spc="-15" dirty="0">
+                <a:latin typeface="Consolas"/>
+                <a:cs typeface="Consolas"/>
+              </a:rPr>
+              <a:t>}</a:t>
+            </a:r>
+            <a:r>
+              <a:rPr lang="en-US" sz="1950" spc="-15" dirty="0">
+                <a:latin typeface="Times New Roman"/>
+                <a:cs typeface="Times New Roman"/>
+              </a:rPr>
+              <a:t> </a:t>
+            </a:r>
+            <a:r>
+              <a:rPr lang="en-US" sz="1950" spc="-20" dirty="0">
+                <a:solidFill>
+                  <a:srgbClr val="000080"/>
+                </a:solidFill>
+                <a:latin typeface="Consolas"/>
+                <a:cs typeface="Consolas"/>
+              </a:rPr>
+              <a:t>fro</a:t>
+            </a:r>
+            <a:r>
+              <a:rPr lang="en-US" sz="1950" spc="-15" dirty="0">
+                <a:solidFill>
+                  <a:srgbClr val="000080"/>
+                </a:solidFill>
+                <a:latin typeface="Consolas"/>
+                <a:cs typeface="Consolas"/>
+              </a:rPr>
+              <a:t>m</a:t>
+            </a:r>
+            <a:r>
+              <a:rPr lang="en-US" sz="1950" spc="-15" dirty="0">
+                <a:solidFill>
+                  <a:srgbClr val="000080"/>
+                </a:solidFill>
+                <a:latin typeface="Times New Roman"/>
+                <a:cs typeface="Times New Roman"/>
+              </a:rPr>
+              <a:t> </a:t>
+            </a:r>
+            <a:r>
+              <a:rPr lang="en-US" sz="1950" spc="-20" dirty="0">
+                <a:solidFill>
+                  <a:srgbClr val="008000"/>
+                </a:solidFill>
+                <a:latin typeface="Consolas"/>
+                <a:cs typeface="Consolas"/>
+              </a:rPr>
+              <a:t>'@angular/core</a:t>
+            </a:r>
+            <a:r>
+              <a:rPr lang="en-US" sz="1950" spc="-25" dirty="0">
+                <a:solidFill>
+                  <a:srgbClr val="008000"/>
+                </a:solidFill>
+                <a:latin typeface="Consolas"/>
+                <a:cs typeface="Consolas"/>
+              </a:rPr>
+              <a:t>’</a:t>
+            </a:r>
+            <a:r>
+              <a:rPr lang="en-US" sz="1950" spc="-15" dirty="0">
+                <a:latin typeface="Consolas"/>
+                <a:cs typeface="Consolas"/>
+              </a:rPr>
+              <a:t>;</a:t>
+            </a:r>
+            <a:endParaRPr lang="en-US" sz="1950" dirty="0">
               <a:latin typeface="Consolas"/>
               <a:cs typeface="Consolas"/>
             </a:endParaRPr>
           </a:p>
-          <a:p>
-            <a:pPr marL="12700">
-              <a:lnSpc>
-                <a:spcPct val="100000"/>
-              </a:lnSpc>
-              <a:spcBef>
-                <a:spcPts val="470"/>
-              </a:spcBef>
-              <a:tabLst>
-                <a:tab pos="960119" algn="l"/>
-                <a:tab pos="1230630" algn="l"/>
-                <a:tab pos="2583815" algn="l"/>
-                <a:tab pos="2854325" algn="l"/>
-                <a:tab pos="3531235" algn="l"/>
-              </a:tabLst>
-            </a:pPr>
-            <a:r>
-              <a:rPr sz="1950" spc="-20" dirty="0">
-                <a:solidFill>
-                  <a:srgbClr val="000080"/>
-                </a:solidFill>
-                <a:latin typeface="Consolas"/>
-                <a:cs typeface="Consolas"/>
-              </a:rPr>
-              <a:t>impor</a:t>
-            </a:r>
-            <a:r>
-              <a:rPr sz="1950" spc="-15" dirty="0">
-                <a:solidFill>
-                  <a:srgbClr val="000080"/>
-                </a:solidFill>
-                <a:latin typeface="Consolas"/>
-                <a:cs typeface="Consolas"/>
-              </a:rPr>
-              <a:t>t</a:t>
-            </a:r>
-            <a:r>
-              <a:rPr sz="1950" dirty="0">
-                <a:solidFill>
-                  <a:srgbClr val="000080"/>
-                </a:solidFill>
-                <a:latin typeface="Times New Roman"/>
-                <a:cs typeface="Times New Roman"/>
-              </a:rPr>
-              <a:t>	</a:t>
-            </a:r>
-            <a:r>
-              <a:rPr sz="1950" spc="-15" dirty="0">
-                <a:latin typeface="Consolas"/>
-                <a:cs typeface="Consolas"/>
-              </a:rPr>
-              <a:t>{</a:t>
-            </a:r>
-            <a:r>
-              <a:rPr sz="1950" dirty="0">
-                <a:latin typeface="Times New Roman"/>
-                <a:cs typeface="Times New Roman"/>
-              </a:rPr>
-              <a:t>	</a:t>
-            </a:r>
-            <a:r>
-              <a:rPr sz="1950" spc="-20" dirty="0">
-                <a:latin typeface="Consolas"/>
-                <a:cs typeface="Consolas"/>
-              </a:rPr>
-              <a:t>Componen</a:t>
-            </a:r>
-            <a:r>
-              <a:rPr sz="1950" spc="-15" dirty="0">
-                <a:latin typeface="Consolas"/>
-                <a:cs typeface="Consolas"/>
-              </a:rPr>
-              <a:t>t</a:t>
-            </a:r>
-            <a:r>
-              <a:rPr sz="1950" dirty="0">
-                <a:latin typeface="Times New Roman"/>
-                <a:cs typeface="Times New Roman"/>
-              </a:rPr>
-              <a:t>	</a:t>
-            </a:r>
-            <a:r>
-              <a:rPr sz="1950" spc="-15" dirty="0">
-                <a:latin typeface="Consolas"/>
-                <a:cs typeface="Consolas"/>
-              </a:rPr>
-              <a:t>}</a:t>
-            </a:r>
-            <a:r>
-              <a:rPr sz="1950" dirty="0">
-                <a:latin typeface="Times New Roman"/>
-                <a:cs typeface="Times New Roman"/>
-              </a:rPr>
-              <a:t>	</a:t>
-            </a:r>
-            <a:r>
-              <a:rPr sz="1950" spc="-20" dirty="0">
-                <a:solidFill>
-                  <a:srgbClr val="000080"/>
-                </a:solidFill>
-                <a:latin typeface="Consolas"/>
-                <a:cs typeface="Consolas"/>
-              </a:rPr>
-              <a:t>fro</a:t>
-            </a:r>
-            <a:r>
-              <a:rPr sz="1950" spc="-15" dirty="0">
-                <a:solidFill>
-                  <a:srgbClr val="000080"/>
-                </a:solidFill>
-                <a:latin typeface="Consolas"/>
-                <a:cs typeface="Consolas"/>
-              </a:rPr>
-              <a:t>m</a:t>
-            </a:r>
-            <a:r>
-              <a:rPr sz="1950" dirty="0">
-                <a:solidFill>
-                  <a:srgbClr val="000080"/>
-                </a:solidFill>
-                <a:latin typeface="Times New Roman"/>
-                <a:cs typeface="Times New Roman"/>
-              </a:rPr>
-              <a:t>	</a:t>
-            </a:r>
-            <a:r>
-              <a:rPr sz="1950" spc="-20" dirty="0">
-                <a:solidFill>
-                  <a:srgbClr val="008000"/>
-                </a:solidFill>
-                <a:latin typeface="Consolas"/>
-                <a:cs typeface="Consolas"/>
-              </a:rPr>
-              <a:t>'@angular/core</a:t>
-            </a:r>
-            <a:r>
-              <a:rPr sz="1950" spc="-25" dirty="0">
-                <a:solidFill>
-                  <a:srgbClr val="008000"/>
-                </a:solidFill>
-                <a:latin typeface="Consolas"/>
-                <a:cs typeface="Consolas"/>
-              </a:rPr>
-              <a:t>'</a:t>
-            </a:r>
-            <a:r>
-              <a:rPr sz="1950" spc="-15" dirty="0">
-                <a:latin typeface="Consolas"/>
-                <a:cs typeface="Consolas"/>
-              </a:rPr>
-              <a:t>;</a:t>
-            </a:r>
-            <a:endParaRPr sz="1950">
-              <a:latin typeface="Consolas"/>
-              <a:cs typeface="Consolas"/>
-            </a:endParaRPr>
-          </a:p>
-        </p:txBody>
-      </p:sp>
-      <p:sp>
-        <p:nvSpPr>
-          <p:cNvPr id="6" name="object 6"/>
-          <p:cNvSpPr txBox="1"/>
-          <p:nvPr/>
-        </p:nvSpPr>
-        <p:spPr>
-          <a:xfrm>
-            <a:off x="1469289" y="2349007"/>
-            <a:ext cx="3950335" cy="1456690"/>
-          </a:xfrm>
-          <a:prstGeom prst="rect">
-            <a:avLst/>
-          </a:prstGeom>
-        </p:spPr>
-        <p:txBody>
-          <a:bodyPr vert="horz" wrap="square" lIns="0" tIns="0" rIns="0" bIns="0" rtlCol="0">
-            <a:spAutoFit/>
-          </a:bodyPr>
-          <a:lstStyle/>
           <a:p>
             <a:pPr marL="12700">
               <a:lnSpc>
                 <a:spcPts val="2335"/>
               </a:lnSpc>
             </a:pPr>
-            <a:r>
-              <a:rPr sz="1950" spc="-20" dirty="0">
+            <a:endParaRPr lang="en-US" sz="1950" spc="-20" dirty="0">
+              <a:latin typeface="Consolas"/>
+              <a:cs typeface="Consolas"/>
+            </a:endParaRPr>
+          </a:p>
+          <a:p>
+            <a:pPr marL="12700">
+              <a:lnSpc>
+                <a:spcPts val="2335"/>
+              </a:lnSpc>
+            </a:pPr>
+            <a:endParaRPr lang="en-US" sz="1950" spc="-20" dirty="0">
+              <a:latin typeface="Consolas"/>
+              <a:cs typeface="Consolas"/>
+            </a:endParaRPr>
+          </a:p>
+          <a:p>
+            <a:pPr marL="12700">
+              <a:lnSpc>
+                <a:spcPts val="2335"/>
+              </a:lnSpc>
+            </a:pPr>
+            <a:r>
+              <a:rPr lang="en-US" sz="1950" spc="-20" dirty="0">
                 <a:latin typeface="Consolas"/>
                 <a:cs typeface="Consolas"/>
               </a:rPr>
               <a:t>@Component({</a:t>
             </a:r>
-            <a:endParaRPr sz="1950">
+            <a:endParaRPr lang="en-US" sz="1950" dirty="0">
               <a:latin typeface="Consolas"/>
               <a:cs typeface="Consolas"/>
             </a:endParaRPr>
@@ -11851,28 +11805,28 @@
               </a:tabLst>
             </a:pPr>
             <a:r>
-              <a:rPr sz="1950" spc="-20" dirty="0">
+              <a:rPr lang="en-US" sz="1950" spc="-20" dirty="0">
                 <a:latin typeface="Consolas"/>
                 <a:cs typeface="Consolas"/>
               </a:rPr>
               <a:t>selector</a:t>
             </a:r>
             <a:r>
-              <a:rPr sz="1950" spc="-15" dirty="0">
+              <a:rPr lang="en-US" sz="1950" spc="-15" dirty="0">
                 <a:latin typeface="Consolas"/>
                 <a:cs typeface="Consolas"/>
               </a:rPr>
               <a:t>:</a:t>
             </a:r>
             <a:r>
-              <a:rPr sz="1950" dirty="0">
+              <a:rPr lang="en-US" sz="1950" dirty="0">
                 <a:latin typeface="Times New Roman"/>
                 <a:cs typeface="Times New Roman"/>
               </a:rPr>
               <a:t>	</a:t>
             </a:r>
             <a:r>
-              <a:rPr sz="1950" spc="-20" dirty="0">
+              <a:rPr lang="en-US" sz="1950" spc="-20" dirty="0">
                 <a:solidFill>
                   <a:srgbClr val="008000"/>
                 </a:solidFill>
@@ -11882,7 +11836,7 @@
               <a:t>'cit</a:t>
             </a:r>
             <a:r>
-              <a:rPr sz="1950" spc="-25" dirty="0">
+              <a:rPr lang="en-US" sz="1950" spc="-25" dirty="0">
                 <a:solidFill>
                   <a:srgbClr val="008000"/>
                 </a:solidFill>
@@ -11892,52 +11846,65 @@
               <a:t>y</a:t>
             </a:r>
             <a:r>
-              <a:rPr sz="1950" spc="-20" dirty="0">
+              <a:rPr lang="en-US" sz="1950" spc="-20" dirty="0">
                 <a:solidFill>
                   <a:srgbClr val="008000"/>
                 </a:solidFill>
                 <a:latin typeface="Consolas"/>
                 <a:cs typeface="Consolas"/>
               </a:rPr>
-              <a:t>‐detail'</a:t>
-            </a:r>
-            <a:r>
-              <a:rPr sz="1950" spc="-15" dirty="0">
+              <a:t>‐detail’</a:t>
+            </a:r>
+            <a:r>
+              <a:rPr lang="en-US" sz="1950" spc="-15" dirty="0">
                 <a:latin typeface="Consolas"/>
                 <a:cs typeface="Consolas"/>
               </a:rPr>
               <a:t>,</a:t>
             </a:r>
             <a:r>
-              <a:rPr sz="1950" spc="-5" dirty="0">
+              <a:rPr lang="en-US" sz="1950" spc="-5" dirty="0">
                 <a:latin typeface="Times New Roman"/>
                 <a:cs typeface="Times New Roman"/>
               </a:rPr>
               <a:t> </a:t>
             </a:r>
-            <a:r>
-              <a:rPr sz="1950" spc="-20" dirty="0">
+          </a:p>
+          <a:p>
+            <a:pPr marL="418465" marR="274955" indent="-635">
+              <a:lnSpc>
+                <a:spcPts val="2330"/>
+              </a:lnSpc>
+              <a:spcBef>
+                <a:spcPts val="80"/>
+              </a:spcBef>
+              <a:tabLst>
+                <a:tab pos="1771650" algn="l"/>
+              </a:tabLst>
+            </a:pPr>
+            <a:r>
+              <a:rPr lang="en-US" sz="1950" spc="-20" dirty="0">
                 <a:latin typeface="Consolas"/>
                 <a:cs typeface="Consolas"/>
               </a:rPr>
               <a:t>template</a:t>
             </a:r>
             <a:r>
-              <a:rPr sz="1950" spc="-15" dirty="0">
+              <a:rPr lang="en-US" sz="1950" spc="-15" dirty="0">
                 <a:latin typeface="Consolas"/>
                 <a:cs typeface="Consolas"/>
               </a:rPr>
               <a:t>:</a:t>
             </a:r>
             <a:r>
-              <a:rPr sz="1950" dirty="0">
+              <a:rPr lang="en-US" sz="1950" dirty="0">
                 <a:latin typeface="Times New Roman"/>
                 <a:cs typeface="Times New Roman"/>
               </a:rPr>
               <a:t>	</a:t>
             </a:r>
             <a:r>
-              <a:rPr sz="1950" spc="-15" dirty="0">
+              <a:rPr lang="en-US" sz="1950" spc="-15" dirty="0">
                 <a:solidFill>
                   <a:srgbClr val="008000"/>
                 </a:solidFill>
@@ -11946,7 +11913,7 @@
               </a:rPr>
               <a:t>`</a:t>
             </a:r>
-            <a:endParaRPr sz="1950">
+            <a:endParaRPr lang="en-US" sz="1950" dirty="0">
               <a:latin typeface="Consolas"/>
               <a:cs typeface="Consolas"/>
             </a:endParaRPr>
@@ -11961,7 +11928,7 @@
               </a:tabLst>
             </a:pPr>
             <a:r>
-              <a:rPr sz="1950" spc="-20" dirty="0">
+              <a:rPr lang="en-US" sz="1950" spc="-20" dirty="0">
                 <a:solidFill>
                   <a:srgbClr val="008000"/>
                 </a:solidFill>
@@ -11971,7 +11938,7 @@
               <a:t>&lt;h2&gt;Cit</a:t>
             </a:r>
             <a:r>
-              <a:rPr sz="1950" spc="-15" dirty="0">
+              <a:rPr lang="en-US" sz="1950" spc="-15" dirty="0">
                 <a:solidFill>
                   <a:srgbClr val="008000"/>
                 </a:solidFill>
@@ -11981,7 +11948,7 @@
               <a:t>y</a:t>
             </a:r>
             <a:r>
-              <a:rPr sz="1950" dirty="0">
+              <a:rPr lang="en-US" sz="1950" dirty="0">
                 <a:solidFill>
                   <a:srgbClr val="008000"/>
                 </a:solidFill>
@@ -11991,7 +11958,7 @@
               <a:t>	</a:t>
             </a:r>
             <a:r>
-              <a:rPr sz="1950" spc="-20" dirty="0">
+              <a:rPr lang="en-US" sz="1950" spc="-20" dirty="0">
                 <a:solidFill>
                   <a:srgbClr val="008000"/>
                 </a:solidFill>
@@ -12000,7 +11967,7 @@
               </a:rPr>
               <a:t>details&lt;/h2&gt;</a:t>
             </a:r>
-            <a:endParaRPr sz="1950">
+            <a:endParaRPr lang="en-US" sz="1950" dirty="0">
               <a:latin typeface="Consolas"/>
               <a:cs typeface="Consolas"/>
             </a:endParaRPr>
@@ -12015,7 +11982,7 @@
               </a:tabLst>
             </a:pPr>
             <a:r>
-              <a:rPr sz="1950" spc="-20" dirty="0">
+              <a:rPr lang="en-US" sz="1950" spc="-20" dirty="0">
                 <a:solidFill>
                   <a:srgbClr val="008000"/>
                 </a:solidFill>
@@ -12025,7 +11992,7 @@
               <a:t>&lt;u</a:t>
             </a:r>
             <a:r>
-              <a:rPr sz="1950" spc="-15" dirty="0">
+              <a:rPr lang="en-US" sz="1950" spc="-15" dirty="0">
                 <a:solidFill>
                   <a:srgbClr val="008000"/>
                 </a:solidFill>
@@ -12035,7 +12002,7 @@
               <a:t>l</a:t>
             </a:r>
             <a:r>
-              <a:rPr sz="1950" dirty="0">
+              <a:rPr lang="en-US" sz="1950" dirty="0">
                 <a:solidFill>
                   <a:srgbClr val="008000"/>
                 </a:solidFill>
@@ -12045,7 +12012,7 @@
               <a:t>	</a:t>
             </a:r>
             <a:r>
-              <a:rPr sz="1950" spc="-20" dirty="0">
+              <a:rPr lang="en-US" sz="1950" spc="-20" dirty="0">
                 <a:solidFill>
                   <a:srgbClr val="008000"/>
                 </a:solidFill>
@@ -12054,33 +12021,14 @@
               </a:rPr>
               <a:t>class="list‐group"&gt;</a:t>
             </a:r>
-            <a:endParaRPr sz="1950">
+            <a:endParaRPr lang="nl-NL" sz="1950" spc="-20" dirty="0">
+              <a:solidFill>
+                <a:srgbClr val="008000"/>
+              </a:solidFill>
               <a:latin typeface="Consolas"/>
               <a:cs typeface="Consolas"/>
             </a:endParaRPr>
           </a:p>
-        </p:txBody>
-      </p:sp>
-      <p:sp>
-        <p:nvSpPr>
-          <p:cNvPr id="7" name="object 7"/>
-          <p:cNvSpPr txBox="1"/>
-          <p:nvPr/>
-        </p:nvSpPr>
-        <p:spPr>
-          <a:xfrm>
-            <a:off x="1469276" y="3828765"/>
-            <a:ext cx="8957945" cy="3300904"/>
-          </a:xfrm>
-          <a:prstGeom prst="rect">
-            <a:avLst/>
-          </a:prstGeom>
-        </p:spPr>
-        <p:txBody>
-          <a:bodyPr vert="horz" wrap="square" lIns="0" tIns="0" rIns="0" bIns="0" rtlCol="0">
-            <a:spAutoFit/>
-          </a:bodyPr>
-          <a:lstStyle/>
           <a:p>
             <a:pPr marL="1230630">
               <a:lnSpc>
@@ -12677,48 +12625,19 @@
               <a:t>Component</a:t>
             </a:r>
             <a:r>
-              <a:rPr sz="1950" spc="-20" dirty="0">
+              <a:rPr lang="en-NL" sz="1950" spc="-20" dirty="0">
                 <a:latin typeface="Consolas"/>
                 <a:cs typeface="Consolas"/>
               </a:rPr>
               <a:t>{</a:t>
             </a:r>
-            <a:endParaRPr sz="1950" dirty="0">
-              <a:latin typeface="Consolas"/>
-              <a:cs typeface="Consolas"/>
-            </a:endParaRPr>
-          </a:p>
-          <a:p>
-            <a:pPr>
-              <a:lnSpc>
-                <a:spcPct val="100000"/>
-              </a:lnSpc>
-            </a:pPr>
-            <a:endParaRPr sz="1900" dirty="0">
-              <a:latin typeface="Times New Roman"/>
-              <a:cs typeface="Times New Roman"/>
-            </a:endParaRPr>
-          </a:p>
-          <a:p>
-            <a:pPr>
-              <a:lnSpc>
-                <a:spcPct val="100000"/>
-              </a:lnSpc>
-              <a:spcBef>
-                <a:spcPts val="28"/>
-              </a:spcBef>
-            </a:pPr>
-            <a:endParaRPr sz="2150" dirty="0">
-              <a:latin typeface="Times New Roman"/>
-              <a:cs typeface="Times New Roman"/>
-            </a:endParaRPr>
-          </a:p>
-          <a:p>
-            <a:pPr marL="12700">
-              <a:lnSpc>
-                <a:spcPct val="100000"/>
-              </a:lnSpc>
-            </a:pPr>
+            <a:r>
+              <a:rPr lang="en-NL" sz="1950" dirty="0">
+                <a:latin typeface="Consolas"/>
+                <a:cs typeface="Consolas"/>
+              </a:rPr>
+              <a:t> </a:t>
+            </a:r>
             <a:r>
               <a:rPr sz="1950" spc="-15" dirty="0">
                 <a:latin typeface="Consolas"/>
@@ -12741,8 +12660,8 @@
         </p:nvSpPr>
         <p:spPr>
           <a:xfrm>
-            <a:off x="5022219" y="2378973"/>
-            <a:ext cx="2272665" cy="543560"/>
+            <a:off x="5118101" y="2355359"/>
+            <a:ext cx="3697546" cy="566920"/>
           </a:xfrm>
           <a:custGeom>
             <a:avLst/>
@@ -12800,7 +12719,7 @@
         </p:nvSpPr>
         <p:spPr>
           <a:xfrm>
-            <a:off x="5916312" y="2565884"/>
+            <a:off x="7437074" y="2529844"/>
             <a:ext cx="1278890" cy="190500"/>
           </a:xfrm>
           <a:prstGeom prst="rect">
@@ -12873,7 +12792,7 @@
         </p:nvSpPr>
         <p:spPr>
           <a:xfrm>
-            <a:off x="7679314" y="2922279"/>
+            <a:off x="7679073" y="2959200"/>
             <a:ext cx="1477010" cy="843280"/>
           </a:xfrm>
           <a:custGeom>
@@ -40355,7 +40274,7 @@
         <p:spPr>
           <a:xfrm>
             <a:off x="1434085" y="1643968"/>
-            <a:ext cx="4942205" cy="5089214"/>
+            <a:ext cx="8941815" cy="4827604"/>
           </a:xfrm>
           <a:prstGeom prst="rect">
             <a:avLst/>
@@ -40377,8 +40296,8 @@
                 <a:solidFill>
                   <a:srgbClr val="46C249"/>
                 </a:solidFill>
-                <a:latin typeface="Consolas"/>
-                <a:cs typeface="Consolas"/>
+                <a:latin typeface="Consolas" panose="020B0609020204030204" pitchFamily="49" charset="0"/>
+                <a:cs typeface="Consolas" panose="020B0609020204030204" pitchFamily="49" charset="0"/>
               </a:rPr>
               <a:t>/</a:t>
             </a:r>
@@ -40387,8 +40306,8 @@
                 <a:solidFill>
                   <a:srgbClr val="46C249"/>
                 </a:solidFill>
-                <a:latin typeface="Consolas"/>
-                <a:cs typeface="Consolas"/>
+                <a:latin typeface="Consolas" panose="020B0609020204030204" pitchFamily="49" charset="0"/>
+                <a:cs typeface="Consolas" panose="020B0609020204030204" pitchFamily="49" charset="0"/>
               </a:rPr>
               <a:t>/</a:t>
             </a:r>
@@ -40397,8 +40316,8 @@
                 <a:solidFill>
                   <a:srgbClr val="46C249"/>
                 </a:solidFill>
-                <a:latin typeface="Times New Roman"/>
-                <a:cs typeface="Times New Roman"/>
+                <a:latin typeface="Consolas" panose="020B0609020204030204" pitchFamily="49" charset="0"/>
+                <a:cs typeface="Consolas" panose="020B0609020204030204" pitchFamily="49" charset="0"/>
               </a:rPr>
               <a:t> </a:t>
             </a:r>
@@ -40407,8 +40326,8 @@
                 <a:solidFill>
                   <a:srgbClr val="46C249"/>
                 </a:solidFill>
-                <a:latin typeface="Times New Roman"/>
-                <a:cs typeface="Times New Roman"/>
+                <a:latin typeface="Consolas" panose="020B0609020204030204" pitchFamily="49" charset="0"/>
+                <a:cs typeface="Consolas" panose="020B0609020204030204" pitchFamily="49" charset="0"/>
               </a:rPr>
               <a:t> </a:t>
             </a:r>
@@ -40417,14 +40336,14 @@
                 <a:solidFill>
                   <a:srgbClr val="46C249"/>
                 </a:solidFill>
-                <a:latin typeface="Consolas"/>
-                <a:cs typeface="Consolas"/>
+                <a:latin typeface="Consolas" panose="020B0609020204030204" pitchFamily="49" charset="0"/>
+                <a:cs typeface="Consolas" panose="020B0609020204030204" pitchFamily="49" charset="0"/>
               </a:rPr>
               <a:t>order.service.ts</a:t>
             </a:r>
             <a:endParaRPr sz="1700" dirty="0">
-              <a:latin typeface="Consolas"/>
-              <a:cs typeface="Consolas"/>
+              <a:latin typeface="Consolas" panose="020B0609020204030204" pitchFamily="49" charset="0"/>
+              <a:cs typeface="Consolas" panose="020B0609020204030204" pitchFamily="49" charset="0"/>
             </a:endParaRPr>
           </a:p>
           <a:p>
@@ -40434,90 +40353,385 @@
               </a:lnSpc>
             </a:pPr>
             <a:r>
+              <a:rPr lang="en-US" sz="1700" spc="-5" dirty="0">
+                <a:solidFill>
+                  <a:srgbClr val="000080"/>
+                </a:solidFill>
+                <a:latin typeface="Consolas" panose="020B0609020204030204" pitchFamily="49" charset="0"/>
+                <a:cs typeface="Consolas" panose="020B0609020204030204" pitchFamily="49" charset="0"/>
+              </a:rPr>
+              <a:t>i</a:t>
+            </a:r>
+            <a:r>
               <a:rPr sz="1700" spc="-5" dirty="0">
                 <a:solidFill>
                   <a:srgbClr val="000080"/>
                 </a:solidFill>
-                <a:latin typeface="Consolas"/>
-                <a:cs typeface="Consolas"/>
-              </a:rPr>
-              <a:t>impor</a:t>
+                <a:latin typeface="Consolas" panose="020B0609020204030204" pitchFamily="49" charset="0"/>
+                <a:cs typeface="Consolas" panose="020B0609020204030204" pitchFamily="49" charset="0"/>
+              </a:rPr>
+              <a:t>mpor</a:t>
             </a:r>
             <a:r>
               <a:rPr sz="1700" spc="5" dirty="0">
                 <a:solidFill>
                   <a:srgbClr val="000080"/>
                 </a:solidFill>
-                <a:latin typeface="Consolas"/>
-                <a:cs typeface="Consolas"/>
+                <a:latin typeface="Consolas" panose="020B0609020204030204" pitchFamily="49" charset="0"/>
+                <a:cs typeface="Consolas" panose="020B0609020204030204" pitchFamily="49" charset="0"/>
               </a:rPr>
               <a:t>t</a:t>
             </a:r>
             <a:r>
+              <a:rPr lang="nl-NL" sz="1700" spc="5" dirty="0">
+                <a:solidFill>
+                  <a:srgbClr val="000080"/>
+                </a:solidFill>
+                <a:latin typeface="Consolas" panose="020B0609020204030204" pitchFamily="49" charset="0"/>
+                <a:cs typeface="Consolas" panose="020B0609020204030204" pitchFamily="49" charset="0"/>
+              </a:rPr>
+              <a:t> </a:t>
+            </a:r>
+            <a:r>
+              <a:rPr sz="1700" spc="-5" dirty="0">
+                <a:latin typeface="Consolas" panose="020B0609020204030204" pitchFamily="49" charset="0"/>
+                <a:cs typeface="Consolas" panose="020B0609020204030204" pitchFamily="49" charset="0"/>
+              </a:rPr>
+              <a:t>{</a:t>
+            </a:r>
+            <a:r>
+              <a:rPr sz="1700" b="1" spc="-5" dirty="0">
+                <a:solidFill>
+                  <a:srgbClr val="FF0000"/>
+                </a:solidFill>
+                <a:latin typeface="Consolas" panose="020B0609020204030204" pitchFamily="49" charset="0"/>
+                <a:cs typeface="Consolas" panose="020B0609020204030204" pitchFamily="49" charset="0"/>
+              </a:rPr>
+              <a:t>Subject</a:t>
+            </a:r>
+            <a:r>
+              <a:rPr sz="1700" spc="5" dirty="0">
+                <a:latin typeface="Consolas" panose="020B0609020204030204" pitchFamily="49" charset="0"/>
+                <a:cs typeface="Consolas" panose="020B0609020204030204" pitchFamily="49" charset="0"/>
+              </a:rPr>
+              <a:t>}</a:t>
+            </a:r>
+            <a:r>
+              <a:rPr lang="nl-NL" sz="1700" spc="5" dirty="0">
+                <a:latin typeface="Consolas" panose="020B0609020204030204" pitchFamily="49" charset="0"/>
+                <a:cs typeface="Consolas" panose="020B0609020204030204" pitchFamily="49" charset="0"/>
+              </a:rPr>
+              <a:t> </a:t>
+            </a:r>
+            <a:r>
+              <a:rPr sz="1700" spc="-5" dirty="0">
+                <a:solidFill>
+                  <a:srgbClr val="000080"/>
+                </a:solidFill>
+                <a:latin typeface="Consolas" panose="020B0609020204030204" pitchFamily="49" charset="0"/>
+                <a:cs typeface="Consolas" panose="020B0609020204030204" pitchFamily="49" charset="0"/>
+              </a:rPr>
+              <a:t>fro</a:t>
+            </a:r>
+            <a:r>
+              <a:rPr sz="1700" spc="5" dirty="0">
+                <a:solidFill>
+                  <a:srgbClr val="000080"/>
+                </a:solidFill>
+                <a:latin typeface="Consolas" panose="020B0609020204030204" pitchFamily="49" charset="0"/>
+                <a:cs typeface="Consolas" panose="020B0609020204030204" pitchFamily="49" charset="0"/>
+              </a:rPr>
+              <a:t>m</a:t>
+            </a:r>
+            <a:r>
               <a:rPr sz="1700" dirty="0">
                 <a:solidFill>
                   <a:srgbClr val="000080"/>
                 </a:solidFill>
-                <a:latin typeface="Times New Roman"/>
-                <a:cs typeface="Times New Roman"/>
+                <a:latin typeface="Consolas" panose="020B0609020204030204" pitchFamily="49" charset="0"/>
+                <a:cs typeface="Consolas" panose="020B0609020204030204" pitchFamily="49" charset="0"/>
               </a:rPr>
               <a:t> </a:t>
             </a:r>
             <a:r>
-              <a:rPr sz="1700" spc="90" dirty="0">
+              <a:rPr lang="nl-NL" sz="1700" spc="-5" dirty="0">
+                <a:solidFill>
+                  <a:srgbClr val="008000"/>
+                </a:solidFill>
+                <a:latin typeface="Consolas" panose="020B0609020204030204" pitchFamily="49" charset="0"/>
+                <a:cs typeface="Consolas" panose="020B0609020204030204" pitchFamily="49" charset="0"/>
+              </a:rPr>
+              <a:t>'</a:t>
+            </a:r>
+            <a:r>
+              <a:rPr sz="1700" spc="-5" dirty="0" err="1">
+                <a:solidFill>
+                  <a:srgbClr val="008000"/>
+                </a:solidFill>
+                <a:latin typeface="Consolas" panose="020B0609020204030204" pitchFamily="49" charset="0"/>
+                <a:cs typeface="Consolas" panose="020B0609020204030204" pitchFamily="49" charset="0"/>
+              </a:rPr>
+              <a:t>rxjs</a:t>
+            </a:r>
+            <a:r>
+              <a:rPr sz="1700" spc="-5" dirty="0">
+                <a:solidFill>
+                  <a:srgbClr val="008000"/>
+                </a:solidFill>
+                <a:latin typeface="Consolas" panose="020B0609020204030204" pitchFamily="49" charset="0"/>
+                <a:cs typeface="Consolas" panose="020B0609020204030204" pitchFamily="49" charset="0"/>
+              </a:rPr>
+              <a:t>/Subject</a:t>
+            </a:r>
+            <a:r>
+              <a:rPr lang="nl-NL" sz="1700" spc="-5" dirty="0">
+                <a:solidFill>
+                  <a:srgbClr val="008000"/>
+                </a:solidFill>
+                <a:latin typeface="Consolas" panose="020B0609020204030204" pitchFamily="49" charset="0"/>
+                <a:cs typeface="Consolas" panose="020B0609020204030204" pitchFamily="49" charset="0"/>
+              </a:rPr>
+              <a:t>’</a:t>
+            </a:r>
+            <a:r>
+              <a:rPr sz="1700" spc="5" dirty="0">
+                <a:latin typeface="Consolas" panose="020B0609020204030204" pitchFamily="49" charset="0"/>
+                <a:cs typeface="Consolas" panose="020B0609020204030204" pitchFamily="49" charset="0"/>
+              </a:rPr>
+              <a:t>;</a:t>
+            </a:r>
+            <a:r>
+              <a:rPr sz="1700" dirty="0">
+                <a:latin typeface="Consolas" panose="020B0609020204030204" pitchFamily="49" charset="0"/>
+                <a:cs typeface="Consolas" panose="020B0609020204030204" pitchFamily="49" charset="0"/>
+              </a:rPr>
+              <a:t> </a:t>
+            </a:r>
+            <a:endParaRPr lang="nl-NL" sz="1700" dirty="0">
+              <a:latin typeface="Consolas" panose="020B0609020204030204" pitchFamily="49" charset="0"/>
+              <a:cs typeface="Consolas" panose="020B0609020204030204" pitchFamily="49" charset="0"/>
+            </a:endParaRPr>
+          </a:p>
+          <a:p>
+            <a:pPr marL="12700" marR="5080">
+              <a:lnSpc>
+                <a:spcPct val="152400"/>
+              </a:lnSpc>
+            </a:pPr>
+            <a:r>
+              <a:rPr lang="en-US" sz="1700" spc="-5" dirty="0">
                 <a:solidFill>
                   <a:srgbClr val="000080"/>
                 </a:solidFill>
-                <a:latin typeface="Times New Roman"/>
-                <a:cs typeface="Times New Roman"/>
+                <a:latin typeface="Consolas" panose="020B0609020204030204" pitchFamily="49" charset="0"/>
+                <a:cs typeface="Consolas" panose="020B0609020204030204" pitchFamily="49" charset="0"/>
+              </a:rPr>
+              <a:t>i</a:t>
+            </a:r>
+            <a:r>
+              <a:rPr sz="1700" spc="-5" dirty="0">
+                <a:solidFill>
+                  <a:srgbClr val="000080"/>
+                </a:solidFill>
+                <a:latin typeface="Consolas" panose="020B0609020204030204" pitchFamily="49" charset="0"/>
+                <a:cs typeface="Consolas" panose="020B0609020204030204" pitchFamily="49" charset="0"/>
+              </a:rPr>
+              <a:t>mpor</a:t>
+            </a:r>
+            <a:r>
+              <a:rPr sz="1700" spc="5" dirty="0">
+                <a:solidFill>
+                  <a:srgbClr val="000080"/>
+                </a:solidFill>
+                <a:latin typeface="Consolas" panose="020B0609020204030204" pitchFamily="49" charset="0"/>
+                <a:cs typeface="Consolas" panose="020B0609020204030204" pitchFamily="49" charset="0"/>
+              </a:rPr>
+              <a:t>t</a:t>
+            </a:r>
+            <a:r>
+              <a:rPr lang="nl-NL" sz="1700" spc="5" dirty="0">
+                <a:solidFill>
+                  <a:srgbClr val="000080"/>
+                </a:solidFill>
+                <a:latin typeface="Consolas" panose="020B0609020204030204" pitchFamily="49" charset="0"/>
+                <a:cs typeface="Consolas" panose="020B0609020204030204" pitchFamily="49" charset="0"/>
               </a:rPr>
               <a:t> </a:t>
             </a:r>
             <a:r>
               <a:rPr sz="1700" spc="-5" dirty="0">
-                <a:latin typeface="Consolas"/>
-                <a:cs typeface="Consolas"/>
-              </a:rPr>
-              <a:t>{</a:t>
-            </a:r>
-            <a:r>
-              <a:rPr sz="1700" b="1" spc="-5" dirty="0">
-                <a:solidFill>
-                  <a:srgbClr val="FF0000"/>
-                </a:solidFill>
-                <a:latin typeface="Consolas"/>
-                <a:cs typeface="Consolas"/>
-              </a:rPr>
-              <a:t>Subject</a:t>
+                <a:latin typeface="Consolas" panose="020B0609020204030204" pitchFamily="49" charset="0"/>
+                <a:cs typeface="Consolas" panose="020B0609020204030204" pitchFamily="49" charset="0"/>
+              </a:rPr>
+              <a:t>{Injectable</a:t>
             </a:r>
             <a:r>
               <a:rPr sz="1700" spc="5" dirty="0">
-                <a:latin typeface="Consolas"/>
-                <a:cs typeface="Consolas"/>
+                <a:latin typeface="Consolas" panose="020B0609020204030204" pitchFamily="49" charset="0"/>
+                <a:cs typeface="Consolas" panose="020B0609020204030204" pitchFamily="49" charset="0"/>
               </a:rPr>
               <a:t>}</a:t>
             </a:r>
             <a:r>
+              <a:rPr lang="nl-NL" sz="1700" spc="5" dirty="0">
+                <a:latin typeface="Consolas" panose="020B0609020204030204" pitchFamily="49" charset="0"/>
+                <a:cs typeface="Consolas" panose="020B0609020204030204" pitchFamily="49" charset="0"/>
+              </a:rPr>
+              <a:t> </a:t>
+            </a:r>
+            <a:r>
+              <a:rPr sz="1700" spc="-5" dirty="0">
+                <a:solidFill>
+                  <a:srgbClr val="000080"/>
+                </a:solidFill>
+                <a:latin typeface="Consolas" panose="020B0609020204030204" pitchFamily="49" charset="0"/>
+                <a:cs typeface="Consolas" panose="020B0609020204030204" pitchFamily="49" charset="0"/>
+              </a:rPr>
+              <a:t>fro</a:t>
+            </a:r>
+            <a:r>
+              <a:rPr sz="1700" spc="5" dirty="0">
+                <a:solidFill>
+                  <a:srgbClr val="000080"/>
+                </a:solidFill>
+                <a:latin typeface="Consolas" panose="020B0609020204030204" pitchFamily="49" charset="0"/>
+                <a:cs typeface="Consolas" panose="020B0609020204030204" pitchFamily="49" charset="0"/>
+              </a:rPr>
+              <a:t>m</a:t>
+            </a:r>
+            <a:r>
               <a:rPr sz="1700" dirty="0">
-                <a:latin typeface="Times New Roman"/>
-                <a:cs typeface="Times New Roman"/>
+                <a:solidFill>
+                  <a:srgbClr val="000080"/>
+                </a:solidFill>
+                <a:latin typeface="Consolas" panose="020B0609020204030204" pitchFamily="49" charset="0"/>
+                <a:cs typeface="Consolas" panose="020B0609020204030204" pitchFamily="49" charset="0"/>
               </a:rPr>
               <a:t> </a:t>
             </a:r>
             <a:r>
-              <a:rPr sz="1700" spc="80" dirty="0">
-                <a:latin typeface="Times New Roman"/>
-                <a:cs typeface="Times New Roman"/>
+              <a:rPr lang="nl-NL" sz="1700" spc="-5" dirty="0">
+                <a:solidFill>
+                  <a:srgbClr val="008000"/>
+                </a:solidFill>
+                <a:latin typeface="Consolas" panose="020B0609020204030204" pitchFamily="49" charset="0"/>
+                <a:cs typeface="Consolas" panose="020B0609020204030204" pitchFamily="49" charset="0"/>
+              </a:rPr>
+              <a:t>'</a:t>
+            </a:r>
+            <a:r>
+              <a:rPr sz="1700" spc="-5" dirty="0">
+                <a:solidFill>
+                  <a:srgbClr val="008000"/>
+                </a:solidFill>
+                <a:latin typeface="Consolas" panose="020B0609020204030204" pitchFamily="49" charset="0"/>
+                <a:cs typeface="Consolas" panose="020B0609020204030204" pitchFamily="49" charset="0"/>
+              </a:rPr>
+              <a:t>@angular/core</a:t>
+            </a:r>
+            <a:r>
+              <a:rPr lang="nl-NL" sz="1700" spc="-10" dirty="0">
+                <a:solidFill>
+                  <a:srgbClr val="008000"/>
+                </a:solidFill>
+                <a:latin typeface="Consolas" panose="020B0609020204030204" pitchFamily="49" charset="0"/>
+                <a:cs typeface="Consolas" panose="020B0609020204030204" pitchFamily="49" charset="0"/>
+              </a:rPr>
+              <a:t>’</a:t>
+            </a:r>
+            <a:r>
+              <a:rPr sz="1700" spc="5" dirty="0">
+                <a:latin typeface="Consolas" panose="020B0609020204030204" pitchFamily="49" charset="0"/>
+                <a:cs typeface="Consolas" panose="020B0609020204030204" pitchFamily="49" charset="0"/>
+              </a:rPr>
+              <a:t>;</a:t>
+            </a:r>
+            <a:r>
+              <a:rPr sz="1700" dirty="0">
+                <a:latin typeface="Consolas" panose="020B0609020204030204" pitchFamily="49" charset="0"/>
+                <a:cs typeface="Consolas" panose="020B0609020204030204" pitchFamily="49" charset="0"/>
               </a:rPr>
               <a:t> </a:t>
             </a:r>
+            <a:endParaRPr lang="nl-NL" sz="1700" dirty="0">
+              <a:latin typeface="Consolas" panose="020B0609020204030204" pitchFamily="49" charset="0"/>
+              <a:cs typeface="Consolas" panose="020B0609020204030204" pitchFamily="49" charset="0"/>
+            </a:endParaRPr>
+          </a:p>
+          <a:p>
+            <a:pPr marL="12700" marR="5080">
+              <a:lnSpc>
+                <a:spcPct val="152400"/>
+              </a:lnSpc>
+            </a:pPr>
+            <a:r>
+              <a:rPr lang="en-US" sz="1700" spc="-5" dirty="0">
+                <a:solidFill>
+                  <a:srgbClr val="000080"/>
+                </a:solidFill>
+                <a:latin typeface="Consolas" panose="020B0609020204030204" pitchFamily="49" charset="0"/>
+                <a:cs typeface="Consolas" panose="020B0609020204030204" pitchFamily="49" charset="0"/>
+              </a:rPr>
+              <a:t>i</a:t>
+            </a:r>
             <a:r>
               <a:rPr sz="1700" spc="-5" dirty="0">
                 <a:solidFill>
                   <a:srgbClr val="000080"/>
                 </a:solidFill>
-                <a:latin typeface="Consolas"/>
-                <a:cs typeface="Consolas"/>
+                <a:latin typeface="Consolas" panose="020B0609020204030204" pitchFamily="49" charset="0"/>
+                <a:cs typeface="Consolas" panose="020B0609020204030204" pitchFamily="49" charset="0"/>
+              </a:rPr>
+              <a:t>mpor</a:t>
+            </a:r>
+            <a:r>
+              <a:rPr sz="1700" spc="5" dirty="0">
+                <a:solidFill>
+                  <a:srgbClr val="000080"/>
+                </a:solidFill>
+                <a:latin typeface="Consolas" panose="020B0609020204030204" pitchFamily="49" charset="0"/>
+                <a:cs typeface="Consolas" panose="020B0609020204030204" pitchFamily="49" charset="0"/>
+              </a:rPr>
+              <a:t>t</a:t>
+            </a:r>
+            <a:r>
+              <a:rPr lang="nl-NL" sz="1700" spc="5" dirty="0">
+                <a:solidFill>
+                  <a:srgbClr val="000080"/>
+                </a:solidFill>
+                <a:latin typeface="Consolas" panose="020B0609020204030204" pitchFamily="49" charset="0"/>
+                <a:cs typeface="Consolas" panose="020B0609020204030204" pitchFamily="49" charset="0"/>
+              </a:rPr>
+              <a:t> </a:t>
+            </a:r>
+            <a:r>
+              <a:rPr sz="1700" spc="-5" dirty="0">
+                <a:latin typeface="Consolas" panose="020B0609020204030204" pitchFamily="49" charset="0"/>
+                <a:cs typeface="Consolas" panose="020B0609020204030204" pitchFamily="49" charset="0"/>
+              </a:rPr>
+              <a:t>{City</a:t>
+            </a:r>
+            <a:r>
+              <a:rPr sz="1700" spc="5" dirty="0">
+                <a:latin typeface="Consolas" panose="020B0609020204030204" pitchFamily="49" charset="0"/>
+                <a:cs typeface="Consolas" panose="020B0609020204030204" pitchFamily="49" charset="0"/>
+              </a:rPr>
+              <a:t>}</a:t>
+            </a:r>
+            <a:r>
+              <a:rPr lang="nl-NL" sz="1700" spc="5" dirty="0">
+                <a:latin typeface="Consolas" panose="020B0609020204030204" pitchFamily="49" charset="0"/>
+                <a:cs typeface="Consolas" panose="020B0609020204030204" pitchFamily="49" charset="0"/>
+              </a:rPr>
+              <a:t> </a:t>
+            </a:r>
+            <a:r>
+              <a:rPr sz="1700" spc="-5" dirty="0">
+                <a:solidFill>
+                  <a:srgbClr val="000080"/>
+                </a:solidFill>
+                <a:latin typeface="Consolas" panose="020B0609020204030204" pitchFamily="49" charset="0"/>
+                <a:cs typeface="Consolas" panose="020B0609020204030204" pitchFamily="49" charset="0"/>
               </a:rPr>
               <a:t>fro</a:t>
             </a:r>
@@ -40526,335 +40740,71 @@
                 <a:solidFill>
                   <a:srgbClr val="000080"/>
                 </a:solidFill>
-                <a:latin typeface="Consolas"/>
-                <a:cs typeface="Consolas"/>
+                <a:latin typeface="Consolas" panose="020B0609020204030204" pitchFamily="49" charset="0"/>
+                <a:cs typeface="Consolas" panose="020B0609020204030204" pitchFamily="49" charset="0"/>
               </a:rPr>
               <a:t>m</a:t>
             </a:r>
             <a:r>
-              <a:rPr sz="1700" dirty="0">
+              <a:rPr lang="nl-NL" sz="1700" spc="5" dirty="0">
                 <a:solidFill>
                   <a:srgbClr val="000080"/>
                 </a:solidFill>
-                <a:latin typeface="Times New Roman"/>
-                <a:cs typeface="Times New Roman"/>
+                <a:latin typeface="Consolas" panose="020B0609020204030204" pitchFamily="49" charset="0"/>
+                <a:cs typeface="Consolas" panose="020B0609020204030204" pitchFamily="49" charset="0"/>
               </a:rPr>
               <a:t> </a:t>
             </a:r>
             <a:r>
-              <a:rPr sz="1700" spc="90" dirty="0">
-                <a:solidFill>
-                  <a:srgbClr val="000080"/>
-                </a:solidFill>
-                <a:latin typeface="Times New Roman"/>
-                <a:cs typeface="Times New Roman"/>
-              </a:rPr>
-              <a:t> </a:t>
+              <a:rPr lang="nl-NL" sz="1700" spc="-5" dirty="0">
+                <a:solidFill>
+                  <a:srgbClr val="008000"/>
+                </a:solidFill>
+                <a:latin typeface="Consolas" panose="020B0609020204030204" pitchFamily="49" charset="0"/>
+                <a:cs typeface="Consolas" panose="020B0609020204030204" pitchFamily="49" charset="0"/>
+              </a:rPr>
+              <a:t>'</a:t>
             </a:r>
             <a:r>
               <a:rPr sz="1700" spc="-5" dirty="0">
                 <a:solidFill>
                   <a:srgbClr val="008000"/>
                 </a:solidFill>
-                <a:latin typeface="Consolas"/>
-                <a:cs typeface="Consolas"/>
-              </a:rPr>
-              <a:t>"rxjs/Subject"</a:t>
+                <a:latin typeface="Consolas" panose="020B0609020204030204" pitchFamily="49" charset="0"/>
+                <a:cs typeface="Consolas" panose="020B0609020204030204" pitchFamily="49" charset="0"/>
+              </a:rPr>
+              <a:t>../model/</a:t>
+            </a:r>
+            <a:r>
+              <a:rPr sz="1700" spc="-5" dirty="0" err="1">
+                <a:solidFill>
+                  <a:srgbClr val="008000"/>
+                </a:solidFill>
+                <a:latin typeface="Consolas" panose="020B0609020204030204" pitchFamily="49" charset="0"/>
+                <a:cs typeface="Consolas" panose="020B0609020204030204" pitchFamily="49" charset="0"/>
+              </a:rPr>
+              <a:t>city.model</a:t>
+            </a:r>
+            <a:r>
+              <a:rPr lang="nl-NL" sz="1700" spc="-10" dirty="0">
+                <a:solidFill>
+                  <a:srgbClr val="008000"/>
+                </a:solidFill>
+                <a:latin typeface="Consolas" panose="020B0609020204030204" pitchFamily="49" charset="0"/>
+                <a:cs typeface="Consolas" panose="020B0609020204030204" pitchFamily="49" charset="0"/>
+              </a:rPr>
+              <a:t>'</a:t>
             </a:r>
             <a:r>
               <a:rPr sz="1700" spc="5" dirty="0">
-                <a:latin typeface="Consolas"/>
-                <a:cs typeface="Consolas"/>
+                <a:latin typeface="Consolas" panose="020B0609020204030204" pitchFamily="49" charset="0"/>
+                <a:cs typeface="Consolas" panose="020B0609020204030204" pitchFamily="49" charset="0"/>
               </a:rPr>
               <a:t>;</a:t>
             </a:r>
-            <a:r>
-              <a:rPr sz="1700" dirty="0">
-                <a:latin typeface="Times New Roman"/>
-                <a:cs typeface="Times New Roman"/>
-              </a:rPr>
-              <a:t> </a:t>
-            </a:r>
-            <a:r>
-              <a:rPr sz="1700" spc="-5" dirty="0">
-                <a:solidFill>
-                  <a:srgbClr val="000080"/>
-                </a:solidFill>
-                <a:latin typeface="Consolas"/>
-                <a:cs typeface="Consolas"/>
-              </a:rPr>
-              <a:t>impor</a:t>
-            </a:r>
-            <a:r>
-              <a:rPr sz="1700" spc="5" dirty="0">
-                <a:solidFill>
-                  <a:srgbClr val="000080"/>
-                </a:solidFill>
-                <a:latin typeface="Consolas"/>
-                <a:cs typeface="Consolas"/>
-              </a:rPr>
-              <a:t>t</a:t>
-            </a:r>
-            <a:r>
-              <a:rPr sz="1700" dirty="0">
-                <a:solidFill>
-                  <a:srgbClr val="000080"/>
-                </a:solidFill>
-                <a:latin typeface="Times New Roman"/>
-                <a:cs typeface="Times New Roman"/>
-              </a:rPr>
-              <a:t> </a:t>
-            </a:r>
-            <a:r>
-              <a:rPr sz="1700" spc="90" dirty="0">
-                <a:solidFill>
-                  <a:srgbClr val="000080"/>
-                </a:solidFill>
-                <a:latin typeface="Times New Roman"/>
-                <a:cs typeface="Times New Roman"/>
-              </a:rPr>
-              <a:t> </a:t>
-            </a:r>
-            <a:r>
-              <a:rPr sz="1700" spc="-5" dirty="0">
-                <a:latin typeface="Consolas"/>
-                <a:cs typeface="Consolas"/>
-              </a:rPr>
-              <a:t>{Injectable</a:t>
-            </a:r>
-            <a:r>
-              <a:rPr sz="1700" spc="5" dirty="0">
-                <a:latin typeface="Consolas"/>
-                <a:cs typeface="Consolas"/>
-              </a:rPr>
-              <a:t>}</a:t>
-            </a:r>
-            <a:r>
-              <a:rPr sz="1700" dirty="0">
-                <a:latin typeface="Times New Roman"/>
-                <a:cs typeface="Times New Roman"/>
-              </a:rPr>
-              <a:t> </a:t>
-            </a:r>
-            <a:r>
-              <a:rPr sz="1700" spc="85" dirty="0">
-                <a:latin typeface="Times New Roman"/>
-                <a:cs typeface="Times New Roman"/>
-              </a:rPr>
-              <a:t> </a:t>
-            </a:r>
-            <a:r>
-              <a:rPr sz="1700" spc="-5" dirty="0">
-                <a:solidFill>
-                  <a:srgbClr val="000080"/>
-                </a:solidFill>
-                <a:latin typeface="Consolas"/>
-                <a:cs typeface="Consolas"/>
-              </a:rPr>
-              <a:t>fro</a:t>
-            </a:r>
-            <a:r>
-              <a:rPr sz="1700" spc="5" dirty="0">
-                <a:solidFill>
-                  <a:srgbClr val="000080"/>
-                </a:solidFill>
-                <a:latin typeface="Consolas"/>
-                <a:cs typeface="Consolas"/>
-              </a:rPr>
-              <a:t>m</a:t>
-            </a:r>
-            <a:r>
-              <a:rPr sz="1700" dirty="0">
-                <a:solidFill>
-                  <a:srgbClr val="000080"/>
-                </a:solidFill>
-                <a:latin typeface="Times New Roman"/>
-                <a:cs typeface="Times New Roman"/>
-              </a:rPr>
-              <a:t> </a:t>
-            </a:r>
-            <a:r>
-              <a:rPr sz="1700" spc="90" dirty="0">
-                <a:solidFill>
-                  <a:srgbClr val="000080"/>
-                </a:solidFill>
-                <a:latin typeface="Times New Roman"/>
-                <a:cs typeface="Times New Roman"/>
-              </a:rPr>
-              <a:t> </a:t>
-            </a:r>
-            <a:r>
-              <a:rPr sz="1700" spc="-5" dirty="0">
-                <a:solidFill>
-                  <a:srgbClr val="008000"/>
-                </a:solidFill>
-                <a:latin typeface="Consolas"/>
-                <a:cs typeface="Consolas"/>
-              </a:rPr>
-              <a:t>"@angular/core</a:t>
-            </a:r>
-            <a:r>
-              <a:rPr sz="1700" spc="-10" dirty="0">
-                <a:solidFill>
-                  <a:srgbClr val="008000"/>
-                </a:solidFill>
-                <a:latin typeface="Consolas"/>
-                <a:cs typeface="Consolas"/>
-              </a:rPr>
-              <a:t>"</a:t>
-            </a:r>
-            <a:r>
-              <a:rPr sz="1700" spc="5" dirty="0">
-                <a:latin typeface="Consolas"/>
-                <a:cs typeface="Consolas"/>
-              </a:rPr>
-              <a:t>;</a:t>
-            </a:r>
-            <a:r>
-              <a:rPr sz="1700" dirty="0">
-                <a:latin typeface="Times New Roman"/>
-                <a:cs typeface="Times New Roman"/>
-              </a:rPr>
-              <a:t> </a:t>
-            </a:r>
-            <a:r>
-              <a:rPr sz="1700" spc="-5" dirty="0">
-                <a:solidFill>
-                  <a:srgbClr val="000080"/>
-                </a:solidFill>
-                <a:latin typeface="Consolas"/>
-                <a:cs typeface="Consolas"/>
-              </a:rPr>
-              <a:t>impor</a:t>
-            </a:r>
-            <a:r>
-              <a:rPr sz="1700" spc="5" dirty="0">
-                <a:solidFill>
-                  <a:srgbClr val="000080"/>
-                </a:solidFill>
-                <a:latin typeface="Consolas"/>
-                <a:cs typeface="Consolas"/>
-              </a:rPr>
-              <a:t>t</a:t>
-            </a:r>
-            <a:r>
-              <a:rPr sz="1700" dirty="0">
-                <a:solidFill>
-                  <a:srgbClr val="000080"/>
-                </a:solidFill>
-                <a:latin typeface="Times New Roman"/>
-                <a:cs typeface="Times New Roman"/>
-              </a:rPr>
-              <a:t> </a:t>
-            </a:r>
-            <a:r>
-              <a:rPr sz="1700" spc="90" dirty="0">
-                <a:solidFill>
-                  <a:srgbClr val="000080"/>
-                </a:solidFill>
-                <a:latin typeface="Times New Roman"/>
-                <a:cs typeface="Times New Roman"/>
-              </a:rPr>
-              <a:t> </a:t>
-            </a:r>
-            <a:r>
-              <a:rPr sz="1700" spc="-5" dirty="0">
-                <a:latin typeface="Consolas"/>
-                <a:cs typeface="Consolas"/>
-              </a:rPr>
-              <a:t>{City</a:t>
-            </a:r>
-            <a:r>
-              <a:rPr sz="1700" spc="5" dirty="0">
-                <a:latin typeface="Consolas"/>
-                <a:cs typeface="Consolas"/>
-              </a:rPr>
-              <a:t>}</a:t>
-            </a:r>
-            <a:r>
-              <a:rPr sz="1700" dirty="0">
-                <a:latin typeface="Times New Roman"/>
-                <a:cs typeface="Times New Roman"/>
-              </a:rPr>
-              <a:t> </a:t>
-            </a:r>
-            <a:r>
-              <a:rPr sz="1700" spc="85" dirty="0">
-                <a:latin typeface="Times New Roman"/>
-                <a:cs typeface="Times New Roman"/>
-              </a:rPr>
-              <a:t> </a:t>
-            </a:r>
-            <a:r>
-              <a:rPr sz="1700" spc="-5" dirty="0">
-                <a:solidFill>
-                  <a:srgbClr val="000080"/>
-                </a:solidFill>
-                <a:latin typeface="Consolas"/>
-                <a:cs typeface="Consolas"/>
-              </a:rPr>
-              <a:t>fro</a:t>
-            </a:r>
-            <a:r>
-              <a:rPr sz="1700" spc="5" dirty="0">
-                <a:solidFill>
-                  <a:srgbClr val="000080"/>
-                </a:solidFill>
-                <a:latin typeface="Consolas"/>
-                <a:cs typeface="Consolas"/>
-              </a:rPr>
-              <a:t>m</a:t>
-            </a:r>
-            <a:r>
-              <a:rPr sz="1700" dirty="0">
-                <a:solidFill>
-                  <a:srgbClr val="000080"/>
-                </a:solidFill>
-                <a:latin typeface="Times New Roman"/>
-                <a:cs typeface="Times New Roman"/>
-              </a:rPr>
-              <a:t> </a:t>
-            </a:r>
-            <a:r>
-              <a:rPr sz="1700" spc="90" dirty="0">
-                <a:solidFill>
-                  <a:srgbClr val="000080"/>
-                </a:solidFill>
-                <a:latin typeface="Times New Roman"/>
-                <a:cs typeface="Times New Roman"/>
-              </a:rPr>
-              <a:t> </a:t>
-            </a:r>
-            <a:r>
-              <a:rPr sz="1700" spc="-5" dirty="0">
-                <a:solidFill>
-                  <a:srgbClr val="008000"/>
-                </a:solidFill>
-                <a:latin typeface="Consolas"/>
-                <a:cs typeface="Consolas"/>
-              </a:rPr>
-              <a:t>"../model/city.model</a:t>
-            </a:r>
-            <a:r>
-              <a:rPr sz="1700" spc="-10" dirty="0">
-                <a:solidFill>
-                  <a:srgbClr val="008000"/>
-                </a:solidFill>
-                <a:latin typeface="Consolas"/>
-                <a:cs typeface="Consolas"/>
-              </a:rPr>
-              <a:t>"</a:t>
-            </a:r>
-            <a:r>
-              <a:rPr sz="1700" spc="5" dirty="0">
-                <a:latin typeface="Consolas"/>
-                <a:cs typeface="Consolas"/>
-              </a:rPr>
-              <a:t>;</a:t>
-            </a:r>
             <a:endParaRPr sz="1700" dirty="0">
-              <a:latin typeface="Consolas"/>
-              <a:cs typeface="Consolas"/>
+              <a:latin typeface="Consolas" panose="020B0609020204030204" pitchFamily="49" charset="0"/>
+              <a:cs typeface="Consolas" panose="020B0609020204030204" pitchFamily="49" charset="0"/>
             </a:endParaRPr>
           </a:p>
           <a:p>
@@ -40864,8 +40814,8 @@
               </a:lnSpc>
             </a:pPr>
             <a:endParaRPr sz="1700" dirty="0">
-              <a:latin typeface="Times New Roman"/>
-              <a:cs typeface="Times New Roman"/>
+              <a:latin typeface="Consolas" panose="020B0609020204030204" pitchFamily="49" charset="0"/>
+              <a:cs typeface="Consolas" panose="020B0609020204030204" pitchFamily="49" charset="0"/>
             </a:endParaRPr>
           </a:p>
           <a:p>
@@ -40878,8 +40828,8 @@
               </a:spcBef>
             </a:pPr>
             <a:endParaRPr sz="1900" dirty="0">
-              <a:latin typeface="Times New Roman"/>
-              <a:cs typeface="Times New Roman"/>
+              <a:latin typeface="Consolas" panose="020B0609020204030204" pitchFamily="49" charset="0"/>
+              <a:cs typeface="Consolas" panose="020B0609020204030204" pitchFamily="49" charset="0"/>
             </a:endParaRPr>
           </a:p>
           <a:p>
@@ -40890,14 +40840,14 @@
             </a:pPr>
             <a:r>
               <a:rPr sz="1700" spc="-5" dirty="0">
-                <a:latin typeface="Consolas"/>
-                <a:cs typeface="Consolas"/>
+                <a:latin typeface="Consolas" panose="020B0609020204030204" pitchFamily="49" charset="0"/>
+                <a:cs typeface="Consolas" panose="020B0609020204030204" pitchFamily="49" charset="0"/>
               </a:rPr>
               <a:t>@Injectable()</a:t>
             </a:r>
             <a:endParaRPr sz="1700" dirty="0">
-              <a:latin typeface="Consolas"/>
-              <a:cs typeface="Consolas"/>
+              <a:latin typeface="Consolas" panose="020B0609020204030204" pitchFamily="49" charset="0"/>
+              <a:cs typeface="Consolas" panose="020B0609020204030204" pitchFamily="49" charset="0"/>
             </a:endParaRPr>
           </a:p>
           <a:p>
@@ -40911,8 +40861,8 @@
                 <a:solidFill>
                   <a:srgbClr val="000080"/>
                 </a:solidFill>
-                <a:latin typeface="Consolas"/>
-                <a:cs typeface="Consolas"/>
+                <a:latin typeface="Consolas" panose="020B0609020204030204" pitchFamily="49" charset="0"/>
+                <a:cs typeface="Consolas" panose="020B0609020204030204" pitchFamily="49" charset="0"/>
               </a:rPr>
               <a:t>expor</a:t>
             </a:r>
@@ -40921,8 +40871,8 @@
                 <a:solidFill>
                   <a:srgbClr val="000080"/>
                 </a:solidFill>
-                <a:latin typeface="Consolas"/>
-                <a:cs typeface="Consolas"/>
+                <a:latin typeface="Consolas" panose="020B0609020204030204" pitchFamily="49" charset="0"/>
+                <a:cs typeface="Consolas" panose="020B0609020204030204" pitchFamily="49" charset="0"/>
               </a:rPr>
               <a:t>t</a:t>
             </a:r>
@@ -40931,148 +40881,156 @@
                 <a:solidFill>
                   <a:srgbClr val="000080"/>
                 </a:solidFill>
-                <a:latin typeface="Times New Roman"/>
-                <a:cs typeface="Times New Roman"/>
+                <a:latin typeface="Consolas" panose="020B0609020204030204" pitchFamily="49" charset="0"/>
+                <a:cs typeface="Consolas" panose="020B0609020204030204" pitchFamily="49" charset="0"/>
               </a:rPr>
               <a:t> </a:t>
             </a:r>
             <a:r>
+              <a:rPr sz="1700" spc="-5" dirty="0">
+                <a:solidFill>
+                  <a:srgbClr val="000080"/>
+                </a:solidFill>
+                <a:latin typeface="Consolas" panose="020B0609020204030204" pitchFamily="49" charset="0"/>
+                <a:cs typeface="Consolas" panose="020B0609020204030204" pitchFamily="49" charset="0"/>
+              </a:rPr>
+              <a:t>clas</a:t>
+            </a:r>
+            <a:r>
+              <a:rPr sz="1700" spc="5" dirty="0">
+                <a:solidFill>
+                  <a:srgbClr val="000080"/>
+                </a:solidFill>
+                <a:latin typeface="Consolas" panose="020B0609020204030204" pitchFamily="49" charset="0"/>
+                <a:cs typeface="Consolas" panose="020B0609020204030204" pitchFamily="49" charset="0"/>
+              </a:rPr>
+              <a:t>s</a:t>
+            </a:r>
+            <a:r>
+              <a:rPr sz="1700" dirty="0">
+                <a:solidFill>
+                  <a:srgbClr val="000080"/>
+                </a:solidFill>
+                <a:latin typeface="Consolas" panose="020B0609020204030204" pitchFamily="49" charset="0"/>
+                <a:cs typeface="Consolas" panose="020B0609020204030204" pitchFamily="49" charset="0"/>
+              </a:rPr>
+              <a:t> </a:t>
+            </a:r>
+            <a:r>
+              <a:rPr sz="1700" spc="-5" dirty="0" err="1">
+                <a:latin typeface="Consolas" panose="020B0609020204030204" pitchFamily="49" charset="0"/>
+                <a:cs typeface="Consolas" panose="020B0609020204030204" pitchFamily="49" charset="0"/>
+              </a:rPr>
+              <a:t>OrderServic</a:t>
+            </a:r>
+            <a:r>
+              <a:rPr sz="1700" spc="5" dirty="0" err="1">
+                <a:latin typeface="Consolas" panose="020B0609020204030204" pitchFamily="49" charset="0"/>
+                <a:cs typeface="Consolas" panose="020B0609020204030204" pitchFamily="49" charset="0"/>
+              </a:rPr>
+              <a:t>e</a:t>
+            </a:r>
+            <a:r>
+              <a:rPr sz="1700" dirty="0">
+                <a:latin typeface="Consolas" panose="020B0609020204030204" pitchFamily="49" charset="0"/>
+                <a:cs typeface="Consolas" panose="020B0609020204030204" pitchFamily="49" charset="0"/>
+              </a:rPr>
+              <a:t> </a:t>
+            </a:r>
+            <a:r>
               <a:rPr sz="1700" spc="90" dirty="0">
-                <a:solidFill>
-                  <a:srgbClr val="000080"/>
-                </a:solidFill>
-                <a:latin typeface="Times New Roman"/>
-                <a:cs typeface="Times New Roman"/>
+                <a:latin typeface="Consolas" panose="020B0609020204030204" pitchFamily="49" charset="0"/>
+                <a:cs typeface="Consolas" panose="020B0609020204030204" pitchFamily="49" charset="0"/>
               </a:rPr>
               <a:t> </a:t>
             </a:r>
             <a:r>
-              <a:rPr sz="1700" spc="-5" dirty="0">
-                <a:solidFill>
-                  <a:srgbClr val="000080"/>
-                </a:solidFill>
-                <a:latin typeface="Consolas"/>
-                <a:cs typeface="Consolas"/>
-              </a:rPr>
-              <a:t>clas</a:t>
-            </a:r>
-            <a:r>
               <a:rPr sz="1700" spc="5" dirty="0">
-                <a:solidFill>
-                  <a:srgbClr val="000080"/>
-                </a:solidFill>
-                <a:latin typeface="Consolas"/>
-                <a:cs typeface="Consolas"/>
-              </a:rPr>
-              <a:t>s</a:t>
+                <a:latin typeface="Consolas" panose="020B0609020204030204" pitchFamily="49" charset="0"/>
+                <a:cs typeface="Consolas" panose="020B0609020204030204" pitchFamily="49" charset="0"/>
+              </a:rPr>
+              <a:t>{</a:t>
             </a:r>
             <a:r>
               <a:rPr sz="1700" dirty="0">
-                <a:solidFill>
-                  <a:srgbClr val="000080"/>
-                </a:solidFill>
-                <a:latin typeface="Times New Roman"/>
-                <a:cs typeface="Times New Roman"/>
+                <a:latin typeface="Consolas" panose="020B0609020204030204" pitchFamily="49" charset="0"/>
+                <a:cs typeface="Consolas" panose="020B0609020204030204" pitchFamily="49" charset="0"/>
               </a:rPr>
               <a:t> </a:t>
             </a:r>
-            <a:r>
-              <a:rPr sz="1700" spc="90" dirty="0">
-                <a:solidFill>
-                  <a:srgbClr val="000080"/>
-                </a:solidFill>
-                <a:latin typeface="Times New Roman"/>
-                <a:cs typeface="Times New Roman"/>
-              </a:rPr>
-              <a:t> </a:t>
-            </a:r>
-            <a:r>
-              <a:rPr sz="1700" spc="-5" dirty="0">
-                <a:latin typeface="Consolas"/>
-                <a:cs typeface="Consolas"/>
-              </a:rPr>
-              <a:t>OrderServic</a:t>
-            </a:r>
-            <a:r>
-              <a:rPr sz="1700" spc="5" dirty="0">
-                <a:latin typeface="Consolas"/>
-                <a:cs typeface="Consolas"/>
-              </a:rPr>
-              <a:t>e</a:t>
-            </a:r>
-            <a:r>
-              <a:rPr sz="1700" dirty="0">
-                <a:latin typeface="Times New Roman"/>
-                <a:cs typeface="Times New Roman"/>
-              </a:rPr>
-              <a:t> </a:t>
-            </a:r>
-            <a:r>
-              <a:rPr sz="1700" spc="90" dirty="0">
-                <a:latin typeface="Times New Roman"/>
-                <a:cs typeface="Times New Roman"/>
-              </a:rPr>
-              <a:t> </a:t>
-            </a:r>
-            <a:r>
-              <a:rPr sz="1700" spc="5" dirty="0">
-                <a:latin typeface="Consolas"/>
-                <a:cs typeface="Consolas"/>
-              </a:rPr>
-              <a:t>{</a:t>
-            </a:r>
-            <a:r>
-              <a:rPr sz="1700" dirty="0">
-                <a:latin typeface="Times New Roman"/>
-                <a:cs typeface="Times New Roman"/>
-              </a:rPr>
-              <a:t> </a:t>
-            </a:r>
-            <a:r>
-              <a:rPr lang="nl-NL" sz="1700" spc="-5" dirty="0">
-                <a:latin typeface="Consolas"/>
-                <a:cs typeface="Consolas"/>
-              </a:rPr>
-              <a:t>s</a:t>
-            </a:r>
-            <a:r>
-              <a:rPr sz="1700" spc="-5" dirty="0" err="1">
-                <a:latin typeface="Consolas"/>
-                <a:cs typeface="Consolas"/>
-              </a:rPr>
-              <a:t>tream:</a:t>
-            </a:r>
-            <a:r>
-              <a:rPr sz="1700" b="1" spc="-5" dirty="0" err="1">
-                <a:solidFill>
-                  <a:srgbClr val="FF0000"/>
-                </a:solidFill>
-                <a:latin typeface="Consolas"/>
-                <a:cs typeface="Consolas"/>
-              </a:rPr>
-              <a:t>Subject</a:t>
-            </a:r>
-            <a:r>
-              <a:rPr sz="1700" spc="-5" dirty="0">
-                <a:latin typeface="Consolas"/>
-                <a:cs typeface="Consolas"/>
-              </a:rPr>
-              <a:t>&lt;City&gt;;</a:t>
-            </a:r>
-            <a:endParaRPr sz="1700" dirty="0">
-              <a:latin typeface="Consolas"/>
-              <a:cs typeface="Consolas"/>
+            <a:endParaRPr lang="nl-NL" sz="1700" dirty="0">
+              <a:latin typeface="Consolas" panose="020B0609020204030204" pitchFamily="49" charset="0"/>
+              <a:cs typeface="Consolas" panose="020B0609020204030204" pitchFamily="49" charset="0"/>
             </a:endParaRPr>
           </a:p>
           <a:p>
-            <a:pPr>
+            <a:pPr marL="372745" marR="1683385" indent="-360680">
               <a:lnSpc>
-                <a:spcPct val="100000"/>
+                <a:spcPct val="152300"/>
               </a:lnSpc>
             </a:pPr>
+            <a:r>
+              <a:rPr lang="en-NL" sz="1700" dirty="0">
+                <a:latin typeface="Consolas" panose="020B0609020204030204" pitchFamily="49" charset="0"/>
+                <a:cs typeface="Consolas" panose="020B0609020204030204" pitchFamily="49" charset="0"/>
+              </a:rPr>
+              <a:t>      </a:t>
+            </a:r>
+            <a:r>
+              <a:rPr lang="nl-NL" sz="1700" dirty="0">
+                <a:latin typeface="Consolas" panose="020B0609020204030204" pitchFamily="49" charset="0"/>
+                <a:cs typeface="Consolas" panose="020B0609020204030204" pitchFamily="49" charset="0"/>
+              </a:rPr>
+              <a:t>private </a:t>
+            </a:r>
+            <a:r>
+              <a:rPr lang="nl-NL" sz="1700" spc="-5" dirty="0">
+                <a:latin typeface="Consolas" panose="020B0609020204030204" pitchFamily="49" charset="0"/>
+                <a:cs typeface="Consolas" panose="020B0609020204030204" pitchFamily="49" charset="0"/>
+              </a:rPr>
+              <a:t>s</a:t>
+            </a:r>
+            <a:r>
+              <a:rPr sz="1700" spc="-5" dirty="0" err="1">
+                <a:latin typeface="Consolas" panose="020B0609020204030204" pitchFamily="49" charset="0"/>
+                <a:cs typeface="Consolas" panose="020B0609020204030204" pitchFamily="49" charset="0"/>
+              </a:rPr>
+              <a:t>tream</a:t>
+            </a:r>
+            <a:r>
+              <a:rPr sz="1700" spc="-5" dirty="0">
+                <a:latin typeface="Consolas" panose="020B0609020204030204" pitchFamily="49" charset="0"/>
+                <a:cs typeface="Consolas" panose="020B0609020204030204" pitchFamily="49" charset="0"/>
+              </a:rPr>
+              <a:t>:</a:t>
+            </a:r>
+            <a:r>
+              <a:rPr lang="nl-NL" sz="1700" spc="-5" dirty="0">
+                <a:latin typeface="Consolas" panose="020B0609020204030204" pitchFamily="49" charset="0"/>
+                <a:cs typeface="Consolas" panose="020B0609020204030204" pitchFamily="49" charset="0"/>
+              </a:rPr>
+              <a:t> </a:t>
+            </a:r>
+            <a:r>
+              <a:rPr sz="1700" b="1" spc="-5" dirty="0">
+                <a:solidFill>
+                  <a:srgbClr val="FF0000"/>
+                </a:solidFill>
+                <a:latin typeface="Consolas" panose="020B0609020204030204" pitchFamily="49" charset="0"/>
+                <a:cs typeface="Consolas" panose="020B0609020204030204" pitchFamily="49" charset="0"/>
+              </a:rPr>
+              <a:t>Subject</a:t>
+            </a:r>
+            <a:r>
+              <a:rPr sz="1700" spc="-5" dirty="0">
+                <a:latin typeface="Consolas" panose="020B0609020204030204" pitchFamily="49" charset="0"/>
+                <a:cs typeface="Consolas" panose="020B0609020204030204" pitchFamily="49" charset="0"/>
+              </a:rPr>
+              <a:t>&lt;City&gt;;</a:t>
+            </a:r>
             <a:endParaRPr sz="1700" dirty="0">
-              <a:latin typeface="Times New Roman"/>
-              <a:cs typeface="Times New Roman"/>
+              <a:latin typeface="Consolas" panose="020B0609020204030204" pitchFamily="49" charset="0"/>
+              <a:cs typeface="Consolas" panose="020B0609020204030204" pitchFamily="49" charset="0"/>
             </a:endParaRPr>
           </a:p>
           <a:p>
@@ -41085,8 +41043,8 @@
               </a:spcBef>
             </a:pPr>
             <a:endParaRPr sz="1900" dirty="0">
-              <a:latin typeface="Times New Roman"/>
-              <a:cs typeface="Times New Roman"/>
+              <a:latin typeface="Consolas" panose="020B0609020204030204" pitchFamily="49" charset="0"/>
+              <a:cs typeface="Consolas" panose="020B0609020204030204" pitchFamily="49" charset="0"/>
             </a:endParaRPr>
           </a:p>
           <a:p>
@@ -41096,53 +41054,63 @@
               </a:lnSpc>
             </a:pPr>
             <a:r>
+              <a:rPr lang="nl-NL" sz="1700" spc="-5" dirty="0">
+                <a:solidFill>
+                  <a:srgbClr val="000080"/>
+                </a:solidFill>
+                <a:latin typeface="Consolas" panose="020B0609020204030204" pitchFamily="49" charset="0"/>
+                <a:cs typeface="Consolas" panose="020B0609020204030204" pitchFamily="49" charset="0"/>
+              </a:rPr>
+              <a:t>   </a:t>
+            </a:r>
+            <a:r>
               <a:rPr sz="1700" spc="-5" dirty="0">
                 <a:solidFill>
                   <a:srgbClr val="000080"/>
                 </a:solidFill>
-                <a:latin typeface="Consolas"/>
-                <a:cs typeface="Consolas"/>
+                <a:latin typeface="Consolas" panose="020B0609020204030204" pitchFamily="49" charset="0"/>
+                <a:cs typeface="Consolas" panose="020B0609020204030204" pitchFamily="49" charset="0"/>
               </a:rPr>
               <a:t>constructor</a:t>
             </a:r>
             <a:r>
               <a:rPr sz="1700" dirty="0">
-                <a:latin typeface="Consolas"/>
-                <a:cs typeface="Consolas"/>
+                <a:latin typeface="Consolas" panose="020B0609020204030204" pitchFamily="49" charset="0"/>
+                <a:cs typeface="Consolas" panose="020B0609020204030204" pitchFamily="49" charset="0"/>
               </a:rPr>
               <a:t>(</a:t>
             </a:r>
             <a:r>
               <a:rPr sz="1700" spc="5" dirty="0">
-                <a:latin typeface="Consolas"/>
-                <a:cs typeface="Consolas"/>
+                <a:latin typeface="Consolas" panose="020B0609020204030204" pitchFamily="49" charset="0"/>
+                <a:cs typeface="Consolas" panose="020B0609020204030204" pitchFamily="49" charset="0"/>
               </a:rPr>
               <a:t>)</a:t>
             </a:r>
             <a:r>
               <a:rPr sz="1700" dirty="0">
-                <a:latin typeface="Times New Roman"/>
-                <a:cs typeface="Times New Roman"/>
+                <a:latin typeface="Consolas" panose="020B0609020204030204" pitchFamily="49" charset="0"/>
+                <a:cs typeface="Consolas" panose="020B0609020204030204" pitchFamily="49" charset="0"/>
               </a:rPr>
               <a:t> </a:t>
             </a:r>
             <a:r>
               <a:rPr sz="1700" spc="80" dirty="0">
-                <a:latin typeface="Times New Roman"/>
-                <a:cs typeface="Times New Roman"/>
+                <a:latin typeface="Consolas" panose="020B0609020204030204" pitchFamily="49" charset="0"/>
+                <a:cs typeface="Consolas" panose="020B0609020204030204" pitchFamily="49" charset="0"/>
               </a:rPr>
               <a:t> </a:t>
             </a:r>
             <a:r>
               <a:rPr sz="1700" spc="5" dirty="0">
-                <a:latin typeface="Consolas"/>
-                <a:cs typeface="Consolas"/>
+                <a:latin typeface="Consolas" panose="020B0609020204030204" pitchFamily="49" charset="0"/>
+                <a:cs typeface="Consolas" panose="020B0609020204030204" pitchFamily="49" charset="0"/>
               </a:rPr>
               <a:t>{</a:t>
             </a:r>
             <a:endParaRPr sz="1700" dirty="0">
-              <a:latin typeface="Consolas"/>
-              <a:cs typeface="Consolas"/>
+              <a:latin typeface="Consolas" panose="020B0609020204030204" pitchFamily="49" charset="0"/>
+              <a:cs typeface="Consolas" panose="020B0609020204030204" pitchFamily="49" charset="0"/>
             </a:endParaRPr>
           </a:p>
           <a:p>
@@ -41155,12 +41123,22 @@
               </a:spcBef>
             </a:pPr>
             <a:r>
+              <a:rPr lang="nl-NL" sz="1700" dirty="0">
+                <a:solidFill>
+                  <a:srgbClr val="000080"/>
+                </a:solidFill>
+                <a:latin typeface="Consolas" panose="020B0609020204030204" pitchFamily="49" charset="0"/>
+                <a:cs typeface="Consolas" panose="020B0609020204030204" pitchFamily="49" charset="0"/>
+              </a:rPr>
+              <a:t>    </a:t>
+            </a:r>
+            <a:r>
               <a:rPr sz="1700" dirty="0">
                 <a:solidFill>
                   <a:srgbClr val="000080"/>
                 </a:solidFill>
-                <a:latin typeface="Consolas"/>
-                <a:cs typeface="Consolas"/>
+                <a:latin typeface="Consolas" panose="020B0609020204030204" pitchFamily="49" charset="0"/>
+                <a:cs typeface="Consolas" panose="020B0609020204030204" pitchFamily="49" charset="0"/>
               </a:rPr>
               <a:t>thi</a:t>
             </a:r>
@@ -41169,134 +41147,110 @@
                 <a:solidFill>
                   <a:srgbClr val="000080"/>
                 </a:solidFill>
-                <a:latin typeface="Consolas"/>
-                <a:cs typeface="Consolas"/>
+                <a:latin typeface="Consolas" panose="020B0609020204030204" pitchFamily="49" charset="0"/>
+                <a:cs typeface="Consolas" panose="020B0609020204030204" pitchFamily="49" charset="0"/>
               </a:rPr>
               <a:t>s</a:t>
             </a:r>
             <a:r>
               <a:rPr sz="1700" spc="-5" dirty="0">
-                <a:latin typeface="Consolas"/>
-                <a:cs typeface="Consolas"/>
+                <a:latin typeface="Consolas" panose="020B0609020204030204" pitchFamily="49" charset="0"/>
+                <a:cs typeface="Consolas" panose="020B0609020204030204" pitchFamily="49" charset="0"/>
               </a:rPr>
               <a:t>.</a:t>
             </a:r>
             <a:r>
               <a:rPr lang="nl-NL" sz="1700" spc="-5" dirty="0">
-                <a:latin typeface="Consolas"/>
-                <a:cs typeface="Consolas"/>
+                <a:latin typeface="Consolas" panose="020B0609020204030204" pitchFamily="49" charset="0"/>
+                <a:cs typeface="Consolas" panose="020B0609020204030204" pitchFamily="49" charset="0"/>
               </a:rPr>
               <a:t>s</a:t>
             </a:r>
             <a:r>
               <a:rPr sz="1700" spc="-5" dirty="0" err="1">
-                <a:latin typeface="Consolas"/>
-                <a:cs typeface="Consolas"/>
+                <a:latin typeface="Consolas" panose="020B0609020204030204" pitchFamily="49" charset="0"/>
+                <a:cs typeface="Consolas" panose="020B0609020204030204" pitchFamily="49" charset="0"/>
               </a:rPr>
               <a:t>trea</a:t>
             </a:r>
             <a:r>
               <a:rPr sz="1700" spc="5" dirty="0" err="1">
-                <a:latin typeface="Consolas"/>
-                <a:cs typeface="Consolas"/>
+                <a:latin typeface="Consolas" panose="020B0609020204030204" pitchFamily="49" charset="0"/>
+                <a:cs typeface="Consolas" panose="020B0609020204030204" pitchFamily="49" charset="0"/>
               </a:rPr>
               <a:t>m</a:t>
             </a:r>
             <a:r>
+              <a:rPr lang="nl-NL" sz="1700" spc="5" dirty="0">
+                <a:latin typeface="Consolas" panose="020B0609020204030204" pitchFamily="49" charset="0"/>
+                <a:cs typeface="Consolas" panose="020B0609020204030204" pitchFamily="49" charset="0"/>
+              </a:rPr>
+              <a:t> </a:t>
+            </a:r>
+            <a:r>
+              <a:rPr sz="1700" spc="5" dirty="0">
+                <a:latin typeface="Consolas" panose="020B0609020204030204" pitchFamily="49" charset="0"/>
+                <a:cs typeface="Consolas" panose="020B0609020204030204" pitchFamily="49" charset="0"/>
+              </a:rPr>
+              <a:t>=</a:t>
+            </a:r>
+            <a:r>
+              <a:rPr lang="nl-NL" sz="1700" spc="5" dirty="0">
+                <a:latin typeface="Consolas" panose="020B0609020204030204" pitchFamily="49" charset="0"/>
+                <a:cs typeface="Consolas" panose="020B0609020204030204" pitchFamily="49" charset="0"/>
+              </a:rPr>
+              <a:t> </a:t>
+            </a:r>
+            <a:r>
               <a:rPr sz="1700" dirty="0">
-                <a:latin typeface="Times New Roman"/>
-                <a:cs typeface="Times New Roman"/>
+                <a:solidFill>
+                  <a:srgbClr val="000080"/>
+                </a:solidFill>
+                <a:latin typeface="Consolas" panose="020B0609020204030204" pitchFamily="49" charset="0"/>
+                <a:cs typeface="Consolas" panose="020B0609020204030204" pitchFamily="49" charset="0"/>
+              </a:rPr>
+              <a:t>ne</a:t>
+            </a:r>
+            <a:r>
+              <a:rPr sz="1700" spc="5" dirty="0">
+                <a:solidFill>
+                  <a:srgbClr val="000080"/>
+                </a:solidFill>
+                <a:latin typeface="Consolas" panose="020B0609020204030204" pitchFamily="49" charset="0"/>
+                <a:cs typeface="Consolas" panose="020B0609020204030204" pitchFamily="49" charset="0"/>
+              </a:rPr>
+              <a:t>w</a:t>
+            </a:r>
+            <a:r>
+              <a:rPr lang="nl-NL" sz="1700" spc="5" dirty="0">
+                <a:solidFill>
+                  <a:srgbClr val="000080"/>
+                </a:solidFill>
+                <a:latin typeface="Consolas" panose="020B0609020204030204" pitchFamily="49" charset="0"/>
+                <a:cs typeface="Consolas" panose="020B0609020204030204" pitchFamily="49" charset="0"/>
               </a:rPr>
               <a:t> </a:t>
             </a:r>
             <a:r>
-              <a:rPr sz="1700" spc="80" dirty="0">
-                <a:latin typeface="Times New Roman"/>
-                <a:cs typeface="Times New Roman"/>
-              </a:rPr>
-              <a:t> </a:t>
-            </a:r>
-            <a:r>
-              <a:rPr sz="1700" spc="5" dirty="0">
-                <a:latin typeface="Consolas"/>
-                <a:cs typeface="Consolas"/>
-              </a:rPr>
-              <a:t>=</a:t>
-            </a:r>
-            <a:r>
-              <a:rPr sz="1700" dirty="0">
-                <a:latin typeface="Times New Roman"/>
-                <a:cs typeface="Times New Roman"/>
-              </a:rPr>
-              <a:t> </a:t>
-            </a:r>
-            <a:r>
-              <a:rPr sz="1700" spc="85" dirty="0">
-                <a:latin typeface="Times New Roman"/>
-                <a:cs typeface="Times New Roman"/>
-              </a:rPr>
-              <a:t> </a:t>
-            </a:r>
-            <a:r>
-              <a:rPr sz="1700" dirty="0">
-                <a:solidFill>
-                  <a:srgbClr val="000080"/>
-                </a:solidFill>
-                <a:latin typeface="Consolas"/>
-                <a:cs typeface="Consolas"/>
-              </a:rPr>
-              <a:t>ne</a:t>
-            </a:r>
-            <a:r>
-              <a:rPr sz="1700" spc="5" dirty="0">
-                <a:solidFill>
-                  <a:srgbClr val="000080"/>
-                </a:solidFill>
-                <a:latin typeface="Consolas"/>
-                <a:cs typeface="Consolas"/>
-              </a:rPr>
-              <a:t>w</a:t>
-            </a:r>
-            <a:r>
-              <a:rPr sz="1700" dirty="0">
-                <a:solidFill>
-                  <a:srgbClr val="000080"/>
-                </a:solidFill>
-                <a:latin typeface="Times New Roman"/>
-                <a:cs typeface="Times New Roman"/>
-              </a:rPr>
-              <a:t> </a:t>
-            </a:r>
-            <a:r>
-              <a:rPr sz="1700" spc="80" dirty="0">
-                <a:solidFill>
-                  <a:srgbClr val="000080"/>
-                </a:solidFill>
-                <a:latin typeface="Times New Roman"/>
-                <a:cs typeface="Times New Roman"/>
-              </a:rPr>
-              <a:t> </a:t>
-            </a:r>
-            <a:r>
               <a:rPr sz="1700" b="1" spc="-5" dirty="0">
                 <a:solidFill>
                   <a:srgbClr val="FF0000"/>
                 </a:solidFill>
-                <a:latin typeface="Consolas"/>
-                <a:cs typeface="Consolas"/>
+                <a:latin typeface="Consolas" panose="020B0609020204030204" pitchFamily="49" charset="0"/>
+                <a:cs typeface="Consolas" panose="020B0609020204030204" pitchFamily="49" charset="0"/>
               </a:rPr>
               <a:t>Subject</a:t>
             </a:r>
             <a:r>
               <a:rPr sz="1700" spc="-5" dirty="0">
-                <a:latin typeface="Consolas"/>
-                <a:cs typeface="Consolas"/>
+                <a:latin typeface="Consolas" panose="020B0609020204030204" pitchFamily="49" charset="0"/>
+                <a:cs typeface="Consolas" panose="020B0609020204030204" pitchFamily="49" charset="0"/>
               </a:rPr>
               <a:t>&lt;City&gt;();</a:t>
             </a:r>
             <a:endParaRPr sz="1700" dirty="0">
-              <a:latin typeface="Consolas"/>
-              <a:cs typeface="Consolas"/>
+              <a:latin typeface="Consolas" panose="020B0609020204030204" pitchFamily="49" charset="0"/>
+              <a:cs typeface="Consolas" panose="020B0609020204030204" pitchFamily="49" charset="0"/>
             </a:endParaRPr>
           </a:p>
           <a:p>
@@ -41309,15 +41263,22 @@
               </a:spcBef>
             </a:pPr>
             <a:r>
+              <a:rPr lang="nl-NL" sz="1700" spc="5" dirty="0">
+                <a:latin typeface="Consolas" panose="020B0609020204030204" pitchFamily="49" charset="0"/>
+                <a:cs typeface="Consolas" panose="020B0609020204030204" pitchFamily="49" charset="0"/>
+              </a:rPr>
+              <a:t>   </a:t>
+            </a:r>
+            <a:r>
               <a:rPr sz="1700" spc="5" dirty="0">
-                <a:latin typeface="Consolas"/>
-                <a:cs typeface="Consolas"/>
+                <a:latin typeface="Consolas" panose="020B0609020204030204" pitchFamily="49" charset="0"/>
+                <a:cs typeface="Consolas" panose="020B0609020204030204" pitchFamily="49" charset="0"/>
               </a:rPr>
               <a:t>}</a:t>
             </a:r>
             <a:endParaRPr sz="1700" dirty="0">
-              <a:latin typeface="Consolas"/>
-              <a:cs typeface="Consolas"/>
+              <a:latin typeface="Consolas" panose="020B0609020204030204" pitchFamily="49" charset="0"/>
+              <a:cs typeface="Consolas" panose="020B0609020204030204" pitchFamily="49" charset="0"/>
             </a:endParaRPr>
           </a:p>
           <a:p>
@@ -41331,14 +41292,14 @@
             </a:pPr>
             <a:r>
               <a:rPr sz="1700" spc="5" dirty="0">
-                <a:latin typeface="Consolas"/>
-                <a:cs typeface="Consolas"/>
+                <a:latin typeface="Consolas" panose="020B0609020204030204" pitchFamily="49" charset="0"/>
+                <a:cs typeface="Consolas" panose="020B0609020204030204" pitchFamily="49" charset="0"/>
               </a:rPr>
               <a:t>}</a:t>
             </a:r>
             <a:endParaRPr sz="1700" dirty="0">
-              <a:latin typeface="Consolas"/>
-              <a:cs typeface="Consolas"/>
+              <a:latin typeface="Consolas" panose="020B0609020204030204" pitchFamily="49" charset="0"/>
+              <a:cs typeface="Consolas" panose="020B0609020204030204" pitchFamily="49" charset="0"/>
             </a:endParaRPr>
           </a:p>
         </p:txBody>
@@ -41602,7 +41563,7 @@
         <p:spPr>
           <a:xfrm>
             <a:off x="1391418" y="1513813"/>
-            <a:ext cx="7841481" cy="5109476"/>
+            <a:ext cx="9301982" cy="5373715"/>
           </a:xfrm>
           <a:prstGeom prst="rect">
             <a:avLst/>
@@ -41853,6 +41814,16 @@
               </a:spcBef>
             </a:pPr>
             <a:r>
+              <a:rPr lang="nl-NL" sz="1700" dirty="0">
+                <a:solidFill>
+                  <a:srgbClr val="008000"/>
+                </a:solidFill>
+                <a:latin typeface="Consolas"/>
+                <a:cs typeface="Consolas"/>
+              </a:rPr>
+              <a:t>    </a:t>
+            </a:r>
+            <a:r>
               <a:rPr sz="1700" dirty="0">
                 <a:solidFill>
                   <a:srgbClr val="008000"/>
@@ -42023,6 +41994,30 @@
                 <a:spcPct val="101499"/>
               </a:lnSpc>
             </a:pPr>
+            <a:endParaRPr lang="nl-NL" sz="1700" spc="-5" dirty="0">
+              <a:solidFill>
+                <a:srgbClr val="008000"/>
+              </a:solidFill>
+              <a:latin typeface="Consolas"/>
+              <a:cs typeface="Consolas"/>
+            </a:endParaRPr>
+          </a:p>
+          <a:p>
+            <a:pPr marL="372745" marR="2404110" indent="-360680">
+              <a:lnSpc>
+                <a:spcPct val="101499"/>
+              </a:lnSpc>
+            </a:pPr>
+            <a:r>
+              <a:rPr lang="nl-NL" sz="1700" spc="-5" dirty="0">
+                <a:solidFill>
+                  <a:srgbClr val="008000"/>
+                </a:solidFill>
+                <a:latin typeface="Consolas"/>
+                <a:cs typeface="Consolas"/>
+              </a:rPr>
+              <a:t>   </a:t>
+            </a:r>
             <a:r>
               <a:rPr sz="1700" spc="-5" dirty="0">
                 <a:solidFill>
@@ -43285,6 +43280,13 @@
                 <a:cs typeface="Consolas"/>
               </a:rPr>
               <a:t>}</a:t>
+            </a:r>
+            <a:r>
+              <a:rPr lang="nl-NL" sz="1700" spc="5" dirty="0">
+                <a:latin typeface="Consolas"/>
+                <a:cs typeface="Consolas"/>
+              </a:rPr>
+              <a:t> </a:t>
             </a:r>
             <a:endParaRPr sz="1700" dirty="0">
               <a:latin typeface="Consolas"/>
@@ -46162,14 +46164,14 @@
       </p:sp>
       <p:sp>
         <p:nvSpPr>
-          <p:cNvPr id="5" name="object 5"/>
+          <p:cNvPr id="7" name="object 7"/>
           <p:cNvSpPr txBox="1"/>
           <p:nvPr/>
         </p:nvSpPr>
         <p:spPr>
           <a:xfrm>
-            <a:off x="1469276" y="1399566"/>
-            <a:ext cx="5710555" cy="629920"/>
+            <a:off x="1437339" y="1571625"/>
+            <a:ext cx="8957945" cy="4467890"/>
           </a:xfrm>
           <a:prstGeom prst="rect">
             <a:avLst/>
@@ -46183,36 +46185,33 @@
           <a:p>
             <a:pPr marL="12700">
               <a:lnSpc>
-                <a:spcPct val="100000"/>
+                <a:spcPts val="2335"/>
               </a:lnSpc>
-              <a:tabLst>
-                <a:tab pos="418465" algn="l"/>
-              </a:tabLst>
             </a:pPr>
             <a:r>
-              <a:rPr sz="1950" i="1" spc="-20" dirty="0">
-                <a:solidFill>
-                  <a:srgbClr val="46C249"/>
-                </a:solidFill>
-                <a:latin typeface="Consolas"/>
-                <a:cs typeface="Consolas"/>
-              </a:rPr>
-              <a:t>/</a:t>
-            </a:r>
-            <a:r>
-              <a:rPr sz="1950" i="1" spc="-15" dirty="0">
-                <a:solidFill>
-                  <a:srgbClr val="46C249"/>
-                </a:solidFill>
-                <a:latin typeface="Consolas"/>
-                <a:cs typeface="Consolas"/>
-              </a:rPr>
-              <a:t>/</a:t>
-            </a:r>
-            <a:r>
-              <a:rPr sz="1950" i="1" dirty="0">
-                <a:solidFill>
-                  <a:srgbClr val="46C249"/>
+              <a:rPr lang="en-US" sz="1950" spc="-20" dirty="0">
+                <a:solidFill>
+                  <a:srgbClr val="000080"/>
+                </a:solidFill>
+                <a:latin typeface="Consolas"/>
+                <a:cs typeface="Consolas"/>
+              </a:rPr>
+              <a:t>impor</a:t>
+            </a:r>
+            <a:r>
+              <a:rPr lang="en-US" sz="1950" spc="-15" dirty="0">
+                <a:solidFill>
+                  <a:srgbClr val="000080"/>
+                </a:solidFill>
+                <a:latin typeface="Consolas"/>
+                <a:cs typeface="Consolas"/>
+              </a:rPr>
+              <a:t>t</a:t>
+            </a:r>
+            <a:r>
+              <a:rPr lang="en-US" sz="1950" dirty="0">
+                <a:solidFill>
+                  <a:srgbClr val="000080"/>
                 </a:solidFill>
                 <a:latin typeface="Times New Roman"/>
                 <a:cs typeface="Times New Roman"/>
@@ -46220,213 +46219,141 @@
               <a:t>	</a:t>
             </a:r>
             <a:r>
-              <a:rPr sz="1950" i="1" spc="-20" dirty="0">
-                <a:solidFill>
-                  <a:srgbClr val="46C249"/>
-                </a:solidFill>
-                <a:latin typeface="Consolas"/>
-                <a:cs typeface="Consolas"/>
-              </a:rPr>
-              <a:t>city.detail.ts</a:t>
-            </a:r>
-            <a:endParaRPr sz="1950">
+              <a:rPr lang="en-US" sz="1950" spc="-15" dirty="0">
+                <a:latin typeface="Consolas"/>
+                <a:cs typeface="Consolas"/>
+              </a:rPr>
+              <a:t>{</a:t>
+            </a:r>
+            <a:r>
+              <a:rPr lang="en-US" sz="1950" spc="-15" dirty="0">
+                <a:latin typeface="Times New Roman"/>
+                <a:cs typeface="Times New Roman"/>
+              </a:rPr>
+              <a:t> </a:t>
+            </a:r>
+            <a:r>
+              <a:rPr lang="en-US" sz="1950" spc="-20" dirty="0">
+                <a:latin typeface="Consolas"/>
+                <a:cs typeface="Consolas"/>
+              </a:rPr>
+              <a:t>Componen</a:t>
+            </a:r>
+            <a:r>
+              <a:rPr lang="en-US" sz="1950" spc="-15" dirty="0">
+                <a:latin typeface="Consolas"/>
+                <a:cs typeface="Consolas"/>
+              </a:rPr>
+              <a:t>t</a:t>
+            </a:r>
+            <a:r>
+              <a:rPr lang="en-US" sz="1950" spc="-15" dirty="0">
+                <a:latin typeface="Times New Roman"/>
+                <a:cs typeface="Times New Roman"/>
+              </a:rPr>
+              <a:t> </a:t>
+            </a:r>
+            <a:r>
+              <a:rPr lang="en-US" sz="1950" spc="-15" dirty="0">
+                <a:latin typeface="Consolas"/>
+                <a:cs typeface="Consolas"/>
+              </a:rPr>
+              <a:t>}</a:t>
+            </a:r>
+            <a:r>
+              <a:rPr lang="en-US" sz="1950" spc="-15" dirty="0">
+                <a:latin typeface="Times New Roman"/>
+                <a:cs typeface="Times New Roman"/>
+              </a:rPr>
+              <a:t> </a:t>
+            </a:r>
+            <a:r>
+              <a:rPr lang="en-US" sz="1950" spc="-20" dirty="0">
+                <a:solidFill>
+                  <a:srgbClr val="000080"/>
+                </a:solidFill>
+                <a:latin typeface="Consolas"/>
+                <a:cs typeface="Consolas"/>
+              </a:rPr>
+              <a:t>fro</a:t>
+            </a:r>
+            <a:r>
+              <a:rPr lang="en-US" sz="1950" spc="-15" dirty="0">
+                <a:solidFill>
+                  <a:srgbClr val="000080"/>
+                </a:solidFill>
+                <a:latin typeface="Consolas"/>
+                <a:cs typeface="Consolas"/>
+              </a:rPr>
+              <a:t>m</a:t>
+            </a:r>
+            <a:r>
+              <a:rPr lang="en-US" sz="1950" spc="-15" dirty="0">
+                <a:solidFill>
+                  <a:srgbClr val="000080"/>
+                </a:solidFill>
+                <a:latin typeface="Times New Roman"/>
+                <a:cs typeface="Times New Roman"/>
+              </a:rPr>
+              <a:t> </a:t>
+            </a:r>
+            <a:r>
+              <a:rPr lang="en-US" sz="1950" spc="-20" dirty="0">
+                <a:solidFill>
+                  <a:srgbClr val="008000"/>
+                </a:solidFill>
+                <a:latin typeface="Consolas"/>
+                <a:cs typeface="Consolas"/>
+              </a:rPr>
+              <a:t>'@angular/core</a:t>
+            </a:r>
+            <a:r>
+              <a:rPr lang="en-US" sz="1950" spc="-25" dirty="0">
+                <a:solidFill>
+                  <a:srgbClr val="008000"/>
+                </a:solidFill>
+                <a:latin typeface="Consolas"/>
+                <a:cs typeface="Consolas"/>
+              </a:rPr>
+              <a:t>'</a:t>
+            </a:r>
+            <a:r>
+              <a:rPr lang="en-US" sz="1950" spc="-15" dirty="0">
+                <a:latin typeface="Consolas"/>
+                <a:cs typeface="Consolas"/>
+              </a:rPr>
+              <a:t>;</a:t>
+            </a:r>
+            <a:endParaRPr lang="en-US" sz="1950" spc="-20" dirty="0">
               <a:latin typeface="Consolas"/>
               <a:cs typeface="Consolas"/>
             </a:endParaRPr>
           </a:p>
-          <a:p>
-            <a:pPr marL="12700">
-              <a:lnSpc>
-                <a:spcPct val="100000"/>
-              </a:lnSpc>
-              <a:spcBef>
-                <a:spcPts val="470"/>
-              </a:spcBef>
-              <a:tabLst>
-                <a:tab pos="960119" algn="l"/>
-                <a:tab pos="1230630" algn="l"/>
-                <a:tab pos="2583815" algn="l"/>
-                <a:tab pos="2854325" algn="l"/>
-                <a:tab pos="3531235" algn="l"/>
-              </a:tabLst>
-            </a:pPr>
-            <a:r>
-              <a:rPr sz="1950" spc="-20" dirty="0">
-                <a:solidFill>
-                  <a:srgbClr val="000080"/>
-                </a:solidFill>
-                <a:latin typeface="Consolas"/>
-                <a:cs typeface="Consolas"/>
-              </a:rPr>
-              <a:t>impor</a:t>
-            </a:r>
-            <a:r>
-              <a:rPr sz="1950" spc="-15" dirty="0">
-                <a:solidFill>
-                  <a:srgbClr val="000080"/>
-                </a:solidFill>
-                <a:latin typeface="Consolas"/>
-                <a:cs typeface="Consolas"/>
-              </a:rPr>
-              <a:t>t</a:t>
-            </a:r>
-            <a:r>
-              <a:rPr sz="1950" dirty="0">
-                <a:solidFill>
-                  <a:srgbClr val="000080"/>
-                </a:solidFill>
-                <a:latin typeface="Times New Roman"/>
-                <a:cs typeface="Times New Roman"/>
-              </a:rPr>
-              <a:t>	</a:t>
-            </a:r>
-            <a:r>
-              <a:rPr sz="1950" spc="-15" dirty="0">
-                <a:latin typeface="Consolas"/>
-                <a:cs typeface="Consolas"/>
-              </a:rPr>
-              <a:t>{</a:t>
-            </a:r>
-            <a:r>
-              <a:rPr sz="1950" dirty="0">
-                <a:latin typeface="Times New Roman"/>
-                <a:cs typeface="Times New Roman"/>
-              </a:rPr>
-              <a:t>	</a:t>
-            </a:r>
-            <a:r>
-              <a:rPr sz="1950" spc="-20" dirty="0">
-                <a:latin typeface="Consolas"/>
-                <a:cs typeface="Consolas"/>
-              </a:rPr>
-              <a:t>Componen</a:t>
-            </a:r>
-            <a:r>
-              <a:rPr sz="1950" spc="-15" dirty="0">
-                <a:latin typeface="Consolas"/>
-                <a:cs typeface="Consolas"/>
-              </a:rPr>
-              <a:t>t</a:t>
-            </a:r>
-            <a:r>
-              <a:rPr sz="1950" dirty="0">
-                <a:latin typeface="Times New Roman"/>
-                <a:cs typeface="Times New Roman"/>
-              </a:rPr>
-              <a:t>	</a:t>
-            </a:r>
-            <a:r>
-              <a:rPr sz="1950" spc="-15" dirty="0">
-                <a:latin typeface="Consolas"/>
-                <a:cs typeface="Consolas"/>
-              </a:rPr>
-              <a:t>}</a:t>
-            </a:r>
-            <a:r>
-              <a:rPr sz="1950" dirty="0">
-                <a:latin typeface="Times New Roman"/>
-                <a:cs typeface="Times New Roman"/>
-              </a:rPr>
-              <a:t>	</a:t>
-            </a:r>
-            <a:r>
-              <a:rPr sz="1950" spc="-20" dirty="0">
-                <a:solidFill>
-                  <a:srgbClr val="000080"/>
-                </a:solidFill>
-                <a:latin typeface="Consolas"/>
-                <a:cs typeface="Consolas"/>
-              </a:rPr>
-              <a:t>fro</a:t>
-            </a:r>
-            <a:r>
-              <a:rPr sz="1950" spc="-15" dirty="0">
-                <a:solidFill>
-                  <a:srgbClr val="000080"/>
-                </a:solidFill>
-                <a:latin typeface="Consolas"/>
-                <a:cs typeface="Consolas"/>
-              </a:rPr>
-              <a:t>m</a:t>
-            </a:r>
-            <a:r>
-              <a:rPr sz="1950" dirty="0">
-                <a:solidFill>
-                  <a:srgbClr val="000080"/>
-                </a:solidFill>
-                <a:latin typeface="Times New Roman"/>
-                <a:cs typeface="Times New Roman"/>
-              </a:rPr>
-              <a:t>	</a:t>
-            </a:r>
-            <a:r>
-              <a:rPr sz="1950" spc="-20" dirty="0">
-                <a:solidFill>
-                  <a:srgbClr val="008000"/>
-                </a:solidFill>
-                <a:latin typeface="Consolas"/>
-                <a:cs typeface="Consolas"/>
-              </a:rPr>
-              <a:t>'@angular/core</a:t>
-            </a:r>
-            <a:r>
-              <a:rPr sz="1950" spc="-25" dirty="0">
-                <a:solidFill>
-                  <a:srgbClr val="008000"/>
-                </a:solidFill>
-                <a:latin typeface="Consolas"/>
-                <a:cs typeface="Consolas"/>
-              </a:rPr>
-              <a:t>'</a:t>
-            </a:r>
-            <a:r>
-              <a:rPr sz="1950" spc="-15" dirty="0">
-                <a:latin typeface="Consolas"/>
-                <a:cs typeface="Consolas"/>
-              </a:rPr>
-              <a:t>;</a:t>
-            </a:r>
-            <a:endParaRPr sz="1950">
-              <a:latin typeface="Consolas"/>
-              <a:cs typeface="Consolas"/>
-            </a:endParaRPr>
-          </a:p>
-        </p:txBody>
-      </p:sp>
-      <p:sp>
-        <p:nvSpPr>
-          <p:cNvPr id="6" name="object 6"/>
-          <p:cNvSpPr txBox="1"/>
-          <p:nvPr/>
-        </p:nvSpPr>
-        <p:spPr>
-          <a:xfrm>
-            <a:off x="1469289" y="2349007"/>
-            <a:ext cx="3950335" cy="1456690"/>
-          </a:xfrm>
-          <a:prstGeom prst="rect">
-            <a:avLst/>
-          </a:prstGeom>
-        </p:spPr>
-        <p:txBody>
-          <a:bodyPr vert="horz" wrap="square" lIns="0" tIns="0" rIns="0" bIns="0" rtlCol="0">
-            <a:spAutoFit/>
-          </a:bodyPr>
-          <a:lstStyle/>
           <a:p>
             <a:pPr marL="12700">
               <a:lnSpc>
                 <a:spcPts val="2335"/>
               </a:lnSpc>
             </a:pPr>
-            <a:r>
-              <a:rPr sz="1950" spc="-20" dirty="0">
+            <a:endParaRPr lang="en-US" sz="1950" spc="-20" dirty="0">
+              <a:latin typeface="Consolas"/>
+              <a:cs typeface="Consolas"/>
+            </a:endParaRPr>
+          </a:p>
+          <a:p>
+            <a:pPr marL="12700">
+              <a:lnSpc>
+                <a:spcPts val="2335"/>
+              </a:lnSpc>
+            </a:pPr>
+            <a:r>
+              <a:rPr lang="en-US" sz="1950" spc="-20" dirty="0">
                 <a:latin typeface="Consolas"/>
                 <a:cs typeface="Consolas"/>
               </a:rPr>
               <a:t>@Component({</a:t>
             </a:r>
-            <a:endParaRPr sz="1950">
+            <a:endParaRPr lang="en-US" sz="1950" dirty="0">
               <a:latin typeface="Consolas"/>
               <a:cs typeface="Consolas"/>
             </a:endParaRPr>
@@ -46444,28 +46371,28 @@
               </a:tabLst>
             </a:pPr>
             <a:r>
-              <a:rPr sz="1950" spc="-20" dirty="0">
+              <a:rPr lang="en-US" sz="1950" spc="-20" dirty="0">
                 <a:latin typeface="Consolas"/>
                 <a:cs typeface="Consolas"/>
               </a:rPr>
               <a:t>selector</a:t>
             </a:r>
             <a:r>
-              <a:rPr sz="1950" spc="-15" dirty="0">
+              <a:rPr lang="en-US" sz="1950" spc="-15" dirty="0">
                 <a:latin typeface="Consolas"/>
                 <a:cs typeface="Consolas"/>
               </a:rPr>
               <a:t>:</a:t>
             </a:r>
             <a:r>
-              <a:rPr sz="1950" dirty="0">
+              <a:rPr lang="en-US" sz="1950" dirty="0">
                 <a:latin typeface="Times New Roman"/>
                 <a:cs typeface="Times New Roman"/>
               </a:rPr>
               <a:t>	</a:t>
             </a:r>
             <a:r>
-              <a:rPr sz="1950" spc="-20" dirty="0">
+              <a:rPr lang="en-US" sz="1950" spc="-20" dirty="0">
                 <a:solidFill>
                   <a:srgbClr val="008000"/>
                 </a:solidFill>
@@ -46475,7 +46402,7 @@
               <a:t>'cit</a:t>
             </a:r>
             <a:r>
-              <a:rPr sz="1950" spc="-25" dirty="0">
+              <a:rPr lang="en-US" sz="1950" spc="-25" dirty="0">
                 <a:solidFill>
                   <a:srgbClr val="008000"/>
                 </a:solidFill>
@@ -46485,52 +46412,65 @@
               <a:t>y</a:t>
             </a:r>
             <a:r>
-              <a:rPr sz="1950" spc="-20" dirty="0">
+              <a:rPr lang="en-US" sz="1950" spc="-20" dirty="0">
                 <a:solidFill>
                   <a:srgbClr val="008000"/>
                 </a:solidFill>
                 <a:latin typeface="Consolas"/>
                 <a:cs typeface="Consolas"/>
               </a:rPr>
-              <a:t>‐detail'</a:t>
-            </a:r>
-            <a:r>
-              <a:rPr sz="1950" spc="-15" dirty="0">
+              <a:t>‐detail’</a:t>
+            </a:r>
+            <a:r>
+              <a:rPr lang="en-US" sz="1950" spc="-15" dirty="0">
                 <a:latin typeface="Consolas"/>
                 <a:cs typeface="Consolas"/>
               </a:rPr>
               <a:t>,</a:t>
             </a:r>
-            <a:r>
-              <a:rPr sz="1950" spc="-5" dirty="0">
+          </a:p>
+          <a:p>
+            <a:pPr marL="418465" marR="274955" indent="-635">
+              <a:lnSpc>
+                <a:spcPts val="2330"/>
+              </a:lnSpc>
+              <a:spcBef>
+                <a:spcPts val="80"/>
+              </a:spcBef>
+              <a:tabLst>
+                <a:tab pos="1771650" algn="l"/>
+              </a:tabLst>
+            </a:pPr>
+            <a:r>
+              <a:rPr lang="en-US" sz="1950" spc="-5" dirty="0">
                 <a:latin typeface="Times New Roman"/>
                 <a:cs typeface="Times New Roman"/>
               </a:rPr>
               <a:t> </a:t>
             </a:r>
             <a:r>
-              <a:rPr sz="1950" spc="-20" dirty="0">
+              <a:rPr lang="en-US" sz="1950" spc="-20" dirty="0">
                 <a:latin typeface="Consolas"/>
                 <a:cs typeface="Consolas"/>
               </a:rPr>
               <a:t>template</a:t>
             </a:r>
             <a:r>
-              <a:rPr sz="1950" spc="-15" dirty="0">
+              <a:rPr lang="en-US" sz="1950" spc="-15" dirty="0">
                 <a:latin typeface="Consolas"/>
                 <a:cs typeface="Consolas"/>
               </a:rPr>
               <a:t>:</a:t>
             </a:r>
             <a:r>
-              <a:rPr sz="1950" dirty="0">
+              <a:rPr lang="en-US" sz="1950" dirty="0">
                 <a:latin typeface="Times New Roman"/>
                 <a:cs typeface="Times New Roman"/>
               </a:rPr>
               <a:t>	</a:t>
             </a:r>
             <a:r>
-              <a:rPr sz="1950" spc="-15" dirty="0">
+              <a:rPr lang="en-US" sz="1950" spc="-15" dirty="0">
                 <a:solidFill>
                   <a:srgbClr val="008000"/>
                 </a:solidFill>
@@ -46539,7 +46479,7 @@
               </a:rPr>
               <a:t>`</a:t>
             </a:r>
-            <a:endParaRPr sz="1950">
+            <a:endParaRPr lang="en-US" sz="1950" dirty="0">
               <a:latin typeface="Consolas"/>
               <a:cs typeface="Consolas"/>
             </a:endParaRPr>
@@ -46554,7 +46494,7 @@
               </a:tabLst>
             </a:pPr>
             <a:r>
-              <a:rPr sz="1950" spc="-20" dirty="0">
+              <a:rPr lang="en-US" sz="1950" spc="-20" dirty="0">
                 <a:solidFill>
                   <a:srgbClr val="008000"/>
                 </a:solidFill>
@@ -46564,7 +46504,7 @@
               <a:t>&lt;h2&gt;Cit</a:t>
             </a:r>
             <a:r>
-              <a:rPr sz="1950" spc="-15" dirty="0">
+              <a:rPr lang="en-US" sz="1950" spc="-15" dirty="0">
                 <a:solidFill>
                   <a:srgbClr val="008000"/>
                 </a:solidFill>
@@ -46574,7 +46514,7 @@
               <a:t>y</a:t>
             </a:r>
             <a:r>
-              <a:rPr sz="1950" dirty="0">
+              <a:rPr lang="en-US" sz="1950" dirty="0">
                 <a:solidFill>
                   <a:srgbClr val="008000"/>
                 </a:solidFill>
@@ -46584,7 +46524,7 @@
               <a:t>	</a:t>
             </a:r>
             <a:r>
-              <a:rPr sz="1950" spc="-20" dirty="0">
+              <a:rPr lang="en-US" sz="1950" spc="-20" dirty="0">
                 <a:solidFill>
                   <a:srgbClr val="008000"/>
                 </a:solidFill>
@@ -46593,7 +46533,7 @@
               </a:rPr>
               <a:t>details&lt;/h2&gt;</a:t>
             </a:r>
-            <a:endParaRPr sz="1950">
+            <a:endParaRPr lang="en-US" sz="1950" dirty="0">
               <a:latin typeface="Consolas"/>
               <a:cs typeface="Consolas"/>
             </a:endParaRPr>
@@ -46608,7 +46548,7 @@
               </a:tabLst>
             </a:pPr>
             <a:r>
-              <a:rPr sz="1950" spc="-20" dirty="0">
+              <a:rPr lang="en-US" sz="1950" spc="-20" dirty="0">
                 <a:solidFill>
                   <a:srgbClr val="008000"/>
                 </a:solidFill>
@@ -46618,7 +46558,7 @@
               <a:t>&lt;u</a:t>
             </a:r>
             <a:r>
-              <a:rPr sz="1950" spc="-15" dirty="0">
+              <a:rPr lang="en-US" sz="1950" spc="-15" dirty="0">
                 <a:solidFill>
                   <a:srgbClr val="008000"/>
                 </a:solidFill>
@@ -46628,7 +46568,7 @@
               <a:t>l</a:t>
             </a:r>
             <a:r>
-              <a:rPr sz="1950" dirty="0">
+              <a:rPr lang="en-US" sz="1950" dirty="0">
                 <a:solidFill>
                   <a:srgbClr val="008000"/>
                 </a:solidFill>
@@ -46638,7 +46578,7 @@
               <a:t>	</a:t>
             </a:r>
             <a:r>
-              <a:rPr sz="1950" spc="-20" dirty="0">
+              <a:rPr lang="en-US" sz="1950" spc="-20" dirty="0">
                 <a:solidFill>
                   <a:srgbClr val="008000"/>
                 </a:solidFill>
@@ -46647,33 +46587,14 @@
               </a:rPr>
               <a:t>class="list‐group"&gt;</a:t>
             </a:r>
-            <a:endParaRPr sz="1950">
+            <a:endParaRPr lang="nl-NL" sz="1950" spc="-20" dirty="0">
+              <a:solidFill>
+                <a:srgbClr val="008000"/>
+              </a:solidFill>
               <a:latin typeface="Consolas"/>
               <a:cs typeface="Consolas"/>
             </a:endParaRPr>
           </a:p>
-        </p:txBody>
-      </p:sp>
-      <p:sp>
-        <p:nvSpPr>
-          <p:cNvPr id="7" name="object 7"/>
-          <p:cNvSpPr txBox="1"/>
-          <p:nvPr/>
-        </p:nvSpPr>
-        <p:spPr>
-          <a:xfrm>
-            <a:off x="1469276" y="3828765"/>
-            <a:ext cx="8957945" cy="3300904"/>
-          </a:xfrm>
-          <a:prstGeom prst="rect">
-            <a:avLst/>
-          </a:prstGeom>
-        </p:spPr>
-        <p:txBody>
-          <a:bodyPr vert="horz" wrap="square" lIns="0" tIns="0" rIns="0" bIns="0" rtlCol="0">
-            <a:spAutoFit/>
-          </a:bodyPr>
-          <a:lstStyle/>
           <a:p>
             <a:pPr marL="1230630">
               <a:lnSpc>
@@ -47267,7 +47188,7 @@
                 <a:latin typeface="Consolas"/>
                 <a:cs typeface="Consolas"/>
               </a:rPr>
-              <a:t>Component</a:t>
+              <a:t>Component </a:t>
             </a:r>
             <a:r>
               <a:rPr sz="1950" spc="-20" dirty="0">
@@ -47276,44 +47197,8 @@
               </a:rPr>
               <a:t>{</a:t>
             </a:r>
-            <a:endParaRPr sz="1950" dirty="0">
-              <a:latin typeface="Consolas"/>
-              <a:cs typeface="Consolas"/>
-            </a:endParaRPr>
-          </a:p>
-          <a:p>
-            <a:pPr>
-              <a:lnSpc>
-                <a:spcPct val="100000"/>
-              </a:lnSpc>
-            </a:pPr>
-            <a:endParaRPr sz="1900" dirty="0">
-              <a:latin typeface="Times New Roman"/>
-              <a:cs typeface="Times New Roman"/>
-            </a:endParaRPr>
-          </a:p>
-          <a:p>
-            <a:pPr>
-              <a:lnSpc>
-                <a:spcPct val="100000"/>
-              </a:lnSpc>
-              <a:spcBef>
-                <a:spcPts val="28"/>
-              </a:spcBef>
-            </a:pPr>
-            <a:endParaRPr sz="2150" dirty="0">
-              <a:latin typeface="Times New Roman"/>
-              <a:cs typeface="Times New Roman"/>
-            </a:endParaRPr>
-          </a:p>
-          <a:p>
-            <a:pPr marL="12700">
-              <a:lnSpc>
-                <a:spcPct val="100000"/>
-              </a:lnSpc>
-            </a:pPr>
-            <a:r>
-              <a:rPr sz="1950" spc="-15" dirty="0">
+            <a:r>
+              <a:rPr lang="nl-NL" sz="1950" spc="-20" dirty="0">
                 <a:latin typeface="Consolas"/>
                 <a:cs typeface="Consolas"/>
               </a:rPr>
@@ -47334,7 +47219,7 @@
         </p:nvSpPr>
         <p:spPr>
           <a:xfrm>
-            <a:off x="5022219" y="2378973"/>
+            <a:off x="6337300" y="2284883"/>
             <a:ext cx="2272665" cy="543560"/>
           </a:xfrm>
           <a:custGeom>
@@ -47393,7 +47278,7 @@
         </p:nvSpPr>
         <p:spPr>
           <a:xfrm>
-            <a:off x="5916312" y="2565884"/>
+            <a:off x="7231393" y="2471794"/>
             <a:ext cx="1278890" cy="190500"/>
           </a:xfrm>
           <a:prstGeom prst="rect">
@@ -47619,7 +47504,7 @@
               </a:rPr>
               <a:t>vullen</a:t>
             </a:r>
-            <a:endParaRPr sz="1300">
+            <a:endParaRPr sz="1300" dirty="0">
               <a:latin typeface="Arial"/>
               <a:cs typeface="Arial"/>
             </a:endParaRPr>
@@ -47732,7 +47617,7 @@
         <p:spPr>
           <a:xfrm>
             <a:off x="1275728" y="1697308"/>
-            <a:ext cx="8418830" cy="771525"/>
+            <a:ext cx="8418830" cy="784830"/>
           </a:xfrm>
           <a:prstGeom prst="rect">
             <a:avLst/>
@@ -47946,6 +47831,16 @@
               <a:t> </a:t>
             </a:r>
             <a:r>
+              <a:rPr lang="nl-NL" sz="1700" spc="-5" dirty="0">
+                <a:solidFill>
+                  <a:srgbClr val="008000"/>
+                </a:solidFill>
+                <a:latin typeface="Consolas"/>
+                <a:cs typeface="Consolas"/>
+              </a:rPr>
+              <a:t>'</a:t>
+            </a:r>
+            <a:r>
               <a:rPr sz="1700" spc="-5" dirty="0">
                 <a:solidFill>
                   <a:srgbClr val="008000"/>
@@ -47953,17 +47848,27 @@
                 <a:latin typeface="Consolas"/>
                 <a:cs typeface="Consolas"/>
               </a:rPr>
-              <a:t>"./city.detail</a:t>
-            </a:r>
-            <a:r>
-              <a:rPr sz="1700" spc="-10" dirty="0">
+              <a:t>./</a:t>
+            </a:r>
+            <a:r>
+              <a:rPr sz="1700" spc="-5" dirty="0" err="1">
                 <a:solidFill>
                   <a:srgbClr val="008000"/>
                 </a:solidFill>
                 <a:latin typeface="Consolas"/>
                 <a:cs typeface="Consolas"/>
               </a:rPr>
-              <a:t>"</a:t>
+              <a:t>city.detail</a:t>
+            </a:r>
+            <a:r>
+              <a:rPr lang="nl-NL" sz="1700" spc="-10" dirty="0">
+                <a:solidFill>
+                  <a:srgbClr val="008000"/>
+                </a:solidFill>
+                <a:latin typeface="Consolas"/>
+                <a:cs typeface="Consolas"/>
+              </a:rPr>
+              <a:t>'</a:t>
             </a:r>
             <a:r>
               <a:rPr sz="1700" spc="5" dirty="0">
@@ -48734,14 +48639,14 @@
       </p:sp>
       <p:sp>
         <p:nvSpPr>
-          <p:cNvPr id="3" name="object 3"/>
+          <p:cNvPr id="4" name="object 4"/>
           <p:cNvSpPr txBox="1"/>
           <p:nvPr/>
         </p:nvSpPr>
         <p:spPr>
           <a:xfrm>
-            <a:off x="1230765" y="1404138"/>
-            <a:ext cx="2327275" cy="1160780"/>
+            <a:off x="1198897" y="1952625"/>
+            <a:ext cx="4492625" cy="3170099"/>
           </a:xfrm>
           <a:prstGeom prst="rect">
             <a:avLst/>
@@ -48762,7 +48667,7 @@
               </a:tabLst>
             </a:pPr>
             <a:r>
-              <a:rPr sz="1950" i="1" spc="-20" dirty="0">
+              <a:rPr lang="en-US" sz="1950" i="1" spc="-20" dirty="0">
                 <a:solidFill>
                   <a:srgbClr val="12B124"/>
                 </a:solidFill>
@@ -48772,7 +48677,7 @@
               <a:t>&lt;!</a:t>
             </a:r>
             <a:r>
-              <a:rPr sz="1950" i="1" spc="-25" dirty="0">
+              <a:rPr lang="en-US" sz="1950" i="1" spc="-25" dirty="0">
                 <a:solidFill>
                   <a:srgbClr val="12B124"/>
                 </a:solidFill>
@@ -48782,7 +48687,7 @@
               <a:t>‐</a:t>
             </a:r>
             <a:r>
-              <a:rPr sz="1950" i="1" spc="-15" dirty="0">
+              <a:rPr lang="en-US" sz="1950" i="1" spc="-15" dirty="0">
                 <a:solidFill>
                   <a:srgbClr val="12B124"/>
                 </a:solidFill>
@@ -48792,7 +48697,7 @@
               <a:t>‐ </a:t>
             </a:r>
             <a:r>
-              <a:rPr sz="1950" i="1" spc="-20" dirty="0">
+              <a:rPr lang="en-US" sz="1950" i="1" spc="-20" dirty="0" err="1">
                 <a:solidFill>
                   <a:srgbClr val="12B124"/>
                 </a:solidFill>
@@ -48802,7 +48707,7 @@
               <a:t>app.htm</a:t>
             </a:r>
             <a:r>
-              <a:rPr sz="1950" i="1" spc="-15" dirty="0">
+              <a:rPr lang="en-US" sz="1950" i="1" spc="-15" dirty="0" err="1">
                 <a:solidFill>
                   <a:srgbClr val="12B124"/>
                 </a:solidFill>
@@ -48812,7 +48717,7 @@
               <a:t>l</a:t>
             </a:r>
             <a:r>
-              <a:rPr sz="1950" i="1" dirty="0">
+              <a:rPr lang="en-US" sz="1950" i="1" dirty="0">
                 <a:solidFill>
                   <a:srgbClr val="12B124"/>
                 </a:solidFill>
@@ -48822,7 +48727,7 @@
               <a:t>	</a:t>
             </a:r>
             <a:r>
-              <a:rPr sz="1950" i="1" spc="-20" dirty="0">
+              <a:rPr lang="en-US" sz="1950" i="1" spc="-20" dirty="0">
                 <a:solidFill>
                   <a:srgbClr val="12B124"/>
                 </a:solidFill>
@@ -48832,7 +48737,7 @@
               <a:t>‐‐</a:t>
             </a:r>
             <a:r>
-              <a:rPr sz="1950" i="1" spc="-15" dirty="0">
+              <a:rPr lang="en-US" sz="1950" i="1" spc="-15" dirty="0">
                 <a:solidFill>
                   <a:srgbClr val="12B124"/>
                 </a:solidFill>
@@ -48841,7 +48746,7 @@
               </a:rPr>
               <a:t>&gt;</a:t>
             </a:r>
-            <a:endParaRPr sz="1950">
+            <a:endParaRPr lang="en-US" sz="1950" dirty="0">
               <a:latin typeface="Consolas"/>
               <a:cs typeface="Consolas"/>
             </a:endParaRPr>
@@ -48859,14 +48764,14 @@
               </a:tabLst>
             </a:pPr>
             <a:r>
-              <a:rPr sz="1950" spc="-20" dirty="0">
+              <a:rPr lang="en-US" sz="1950" spc="-20" dirty="0">
                 <a:latin typeface="Consolas"/>
                 <a:cs typeface="Consolas"/>
               </a:rPr>
               <a:t>&lt;</a:t>
             </a:r>
             <a:r>
-              <a:rPr sz="1950" b="1" spc="-20" dirty="0">
+              <a:rPr lang="en-US" sz="1950" b="1" spc="-20" dirty="0">
                 <a:solidFill>
                   <a:srgbClr val="000080"/>
                 </a:solidFill>
@@ -48876,7 +48781,7 @@
               <a:t>di</a:t>
             </a:r>
             <a:r>
-              <a:rPr sz="1950" b="1" spc="-15" dirty="0">
+              <a:rPr lang="en-US" sz="1950" b="1" spc="-15" dirty="0">
                 <a:solidFill>
                   <a:srgbClr val="000080"/>
                 </a:solidFill>
@@ -48886,7 +48791,7 @@
               <a:t>v</a:t>
             </a:r>
             <a:r>
-              <a:rPr sz="1950" b="1" dirty="0">
+              <a:rPr lang="en-US" sz="1950" b="1" dirty="0">
                 <a:solidFill>
                   <a:srgbClr val="000080"/>
                 </a:solidFill>
@@ -48896,14 +48801,14 @@
               <a:t>	</a:t>
             </a:r>
             <a:r>
-              <a:rPr sz="1950" spc="-20" dirty="0">
+              <a:rPr lang="en-US" sz="1950" spc="-20" dirty="0">
                 <a:latin typeface="Consolas"/>
                 <a:cs typeface="Consolas"/>
               </a:rPr>
               <a:t>class=</a:t>
             </a:r>
             <a:r>
-              <a:rPr sz="1950" b="1" spc="-20" dirty="0">
+              <a:rPr lang="en-US" sz="1950" b="1" spc="-20" dirty="0">
                 <a:solidFill>
                   <a:srgbClr val="008000"/>
                 </a:solidFill>
@@ -48913,60 +48818,17 @@
               <a:t>"row"</a:t>
             </a:r>
             <a:r>
-              <a:rPr sz="1950" spc="-15" dirty="0">
+              <a:rPr lang="en-US" sz="1950" spc="-15" dirty="0">
                 <a:latin typeface="Consolas"/>
                 <a:cs typeface="Consolas"/>
               </a:rPr>
               <a:t>&gt;</a:t>
             </a:r>
-            <a:endParaRPr sz="1950">
+            <a:endParaRPr lang="en-US" sz="1950" dirty="0">
               <a:latin typeface="Consolas"/>
               <a:cs typeface="Consolas"/>
             </a:endParaRPr>
           </a:p>
-          <a:p>
-            <a:pPr marL="554355">
-              <a:lnSpc>
-                <a:spcPct val="100000"/>
-              </a:lnSpc>
-              <a:spcBef>
-                <a:spcPts val="1155"/>
-              </a:spcBef>
-            </a:pPr>
-            <a:r>
-              <a:rPr sz="1950" spc="-15" dirty="0">
-                <a:latin typeface="Consolas"/>
-                <a:cs typeface="Consolas"/>
-              </a:rPr>
-              <a:t>…</a:t>
-            </a:r>
-            <a:endParaRPr sz="1950">
-              <a:latin typeface="Consolas"/>
-              <a:cs typeface="Consolas"/>
-            </a:endParaRPr>
-          </a:p>
-        </p:txBody>
-      </p:sp>
-      <p:sp>
-        <p:nvSpPr>
-          <p:cNvPr id="4" name="object 4"/>
-          <p:cNvSpPr txBox="1"/>
-          <p:nvPr/>
-        </p:nvSpPr>
-        <p:spPr>
-          <a:xfrm>
-            <a:off x="1230886" y="2736103"/>
-            <a:ext cx="4492625" cy="2048510"/>
-          </a:xfrm>
-          <a:prstGeom prst="rect">
-            <a:avLst/>
-          </a:prstGeom>
-        </p:spPr>
-        <p:txBody>
-          <a:bodyPr vert="horz" wrap="square" lIns="0" tIns="0" rIns="0" bIns="0" rtlCol="0">
-            <a:spAutoFit/>
-          </a:bodyPr>
-          <a:lstStyle/>
           <a:p>
             <a:pPr marL="418465">
               <a:lnSpc>
@@ -48976,6 +48838,20 @@
                 <a:tab pos="1095375" algn="l"/>
               </a:tabLst>
             </a:pPr>
+            <a:endParaRPr lang="nl-NL" sz="1950" spc="-20" dirty="0">
+              <a:latin typeface="Consolas"/>
+              <a:cs typeface="Consolas"/>
+            </a:endParaRPr>
+          </a:p>
+          <a:p>
+            <a:pPr marL="418465">
+              <a:lnSpc>
+                <a:spcPct val="100000"/>
+              </a:lnSpc>
+              <a:tabLst>
+                <a:tab pos="1095375" algn="l"/>
+              </a:tabLst>
+            </a:pPr>
             <a:r>
               <a:rPr sz="1950" spc="-20" dirty="0">
                 <a:latin typeface="Consolas"/>
@@ -49097,7 +48973,7 @@
               </a:rPr>
               <a:t>&gt;</a:t>
             </a:r>
-            <a:endParaRPr sz="1950">
+            <a:endParaRPr sz="1950" dirty="0">
               <a:latin typeface="Consolas"/>
               <a:cs typeface="Consolas"/>
             </a:endParaRPr>
@@ -49118,7 +48994,7 @@
               </a:rPr>
               <a:t>…</a:t>
             </a:r>
-            <a:endParaRPr sz="1950">
+            <a:endParaRPr sz="1950" dirty="0">
               <a:latin typeface="Consolas"/>
               <a:cs typeface="Consolas"/>
             </a:endParaRPr>
@@ -49203,7 +49079,7 @@
               </a:rPr>
               <a:t>&gt;</a:t>
             </a:r>
-            <a:endParaRPr sz="1950">
+            <a:endParaRPr sz="1950" dirty="0">
               <a:latin typeface="Consolas"/>
               <a:cs typeface="Consolas"/>
             </a:endParaRPr>
@@ -49258,7 +49134,7 @@
               </a:rPr>
               <a:t>&gt;</a:t>
             </a:r>
-            <a:endParaRPr sz="1950">
+            <a:endParaRPr sz="1950" dirty="0">
               <a:latin typeface="Consolas"/>
               <a:cs typeface="Consolas"/>
             </a:endParaRPr>
@@ -49306,7 +49182,7 @@
               </a:rPr>
               <a:t>&gt;</a:t>
             </a:r>
-            <a:endParaRPr sz="1950">
+            <a:endParaRPr sz="1950" dirty="0">
               <a:latin typeface="Consolas"/>
               <a:cs typeface="Consolas"/>
             </a:endParaRPr>

--- a/PPT/04- Angular Component Tree.pptx
+++ b/PPT/04- Angular Component Tree.pptx
@@ -2753,7 +2753,7 @@
           <a:p>
             <a:fld id="{3684521C-F147-C24A-A391-648ECBD2901C}" type="datetime1">
               <a:rPr lang="en-US" smtClean="0"/>
-              <a:t>1/8/22</a:t>
+              <a:t>1/9/22</a:t>
             </a:fld>
             <a:endParaRPr lang="en-US"/>
           </a:p>
@@ -2907,7 +2907,7 @@
           <a:p>
             <a:fld id="{E850CB69-7D8B-9F4E-BED9-901DCAE946AB}" type="datetime1">
               <a:rPr lang="en-US" smtClean="0"/>
-              <a:t>1/8/22</a:t>
+              <a:t>1/9/22</a:t>
             </a:fld>
             <a:endParaRPr lang="en-US"/>
           </a:p>
@@ -3140,7 +3140,7 @@
           <a:p>
             <a:fld id="{FDA6B9DC-9839-E24A-9DBE-68BCC9C6D304}" type="datetime1">
               <a:rPr lang="en-US" smtClean="0"/>
-              <a:t>1/8/22</a:t>
+              <a:t>1/9/22</a:t>
             </a:fld>
             <a:endParaRPr lang="en-US"/>
           </a:p>
@@ -3265,7 +3265,7 @@
           <a:p>
             <a:fld id="{16B0123C-B19C-2541-A249-CC118E280FC0}" type="datetime1">
               <a:rPr lang="en-US" smtClean="0"/>
-              <a:t>1/8/22</a:t>
+              <a:t>1/9/22</a:t>
             </a:fld>
             <a:endParaRPr lang="en-US"/>
           </a:p>
@@ -3361,7 +3361,7 @@
           <a:p>
             <a:fld id="{7A20ED1D-FFB4-6144-9B3D-3C04FD3360E4}" type="datetime1">
               <a:rPr lang="en-US" smtClean="0"/>
-              <a:t>1/8/22</a:t>
+              <a:t>1/9/22</a:t>
             </a:fld>
             <a:endParaRPr lang="en-US"/>
           </a:p>
@@ -4213,7 +4213,7 @@
           <a:p>
             <a:fld id="{5ADC4E92-36BB-AA43-A533-B6B376F1612C}" type="datetime1">
               <a:rPr lang="en-US" smtClean="0"/>
-              <a:t>1/8/22</a:t>
+              <a:t>1/9/22</a:t>
             </a:fld>
             <a:endParaRPr lang="en-US"/>
           </a:p>
@@ -6210,7 +6210,7 @@
               </a:rPr>
               <a:t>app&gt;</a:t>
             </a:r>
-            <a:endParaRPr sz="3200">
+            <a:endParaRPr sz="3200" dirty="0">
               <a:latin typeface="Verdana"/>
               <a:cs typeface="Verdana"/>
             </a:endParaRPr>
@@ -7654,7 +7654,7 @@
               </a:rPr>
               <a:t>”</a:t>
             </a:r>
-            <a:endParaRPr sz="1300">
+            <a:endParaRPr sz="1300" dirty="0">
               <a:latin typeface="Arial"/>
               <a:cs typeface="Arial"/>
             </a:endParaRPr>
@@ -7678,7 +7678,7 @@
               </a:rPr>
               <a:t>…</a:t>
             </a:r>
-            <a:endParaRPr sz="1300">
+            <a:endParaRPr sz="1300" dirty="0">
               <a:latin typeface="Arial"/>
               <a:cs typeface="Arial"/>
             </a:endParaRPr>
@@ -7762,7 +7762,7 @@
               </a:rPr>
               <a:t>City</a:t>
             </a:r>
-            <a:endParaRPr sz="1300">
+            <a:endParaRPr sz="1300" dirty="0">
               <a:latin typeface="Arial"/>
               <a:cs typeface="Arial"/>
             </a:endParaRPr>
@@ -8765,32 +8765,49 @@
               <a:t> </a:t>
             </a:r>
             <a:r>
+              <a:rPr lang="en-US" sz="2150" dirty="0">
+                <a:latin typeface="Consolas" panose="020B0609020204030204" pitchFamily="49" charset="0"/>
+                <a:cs typeface="Consolas" panose="020B0609020204030204" pitchFamily="49" charset="0"/>
+              </a:rPr>
+              <a:t>public</a:t>
+            </a:r>
+            <a:r>
+              <a:rPr lang="en-US" sz="2150" b="1" dirty="0">
+                <a:solidFill>
+                  <a:srgbClr val="FF0000"/>
+                </a:solidFill>
+                <a:latin typeface="Consolas" panose="020B0609020204030204" pitchFamily="49" charset="0"/>
+                <a:cs typeface="Consolas" panose="020B0609020204030204" pitchFamily="49" charset="0"/>
+              </a:rPr>
+              <a:t> </a:t>
+            </a:r>
+            <a:r>
               <a:rPr lang="en-US" sz="2150" spc="-5" dirty="0">
-                <a:latin typeface="Consolas"/>
-                <a:cs typeface="Consolas"/>
+                <a:latin typeface="Consolas" panose="020B0609020204030204" pitchFamily="49" charset="0"/>
+                <a:cs typeface="Consolas" panose="020B0609020204030204" pitchFamily="49" charset="0"/>
               </a:rPr>
               <a:t>city</a:t>
             </a:r>
             <a:r>
               <a:rPr lang="en-US" sz="2150" dirty="0">
-                <a:latin typeface="Consolas"/>
-                <a:cs typeface="Consolas"/>
-              </a:rPr>
-              <a:t>:</a:t>
-            </a:r>
-            <a:r>
-              <a:rPr lang="en-US" sz="2150" dirty="0">
-                <a:latin typeface="Times New Roman"/>
-                <a:cs typeface="Times New Roman"/>
-              </a:rPr>
-              <a:t> </a:t>
+                <a:latin typeface="Consolas" panose="020B0609020204030204" pitchFamily="49" charset="0"/>
+                <a:cs typeface="Consolas" panose="020B0609020204030204" pitchFamily="49" charset="0"/>
+              </a:rPr>
+              <a:t>: </a:t>
             </a:r>
             <a:r>
               <a:rPr lang="en-US" sz="2150" spc="-5" dirty="0">
-                <a:latin typeface="Consolas"/>
-                <a:cs typeface="Consolas"/>
-              </a:rPr>
-              <a:t>City;</a:t>
+                <a:latin typeface="Consolas" panose="020B0609020204030204" pitchFamily="49" charset="0"/>
+                <a:cs typeface="Consolas" panose="020B0609020204030204" pitchFamily="49" charset="0"/>
+              </a:rPr>
+              <a:t>City</a:t>
+            </a:r>
+            <a:r>
+              <a:rPr lang="en-US" sz="2150" spc="-5" dirty="0">
+                <a:latin typeface="Consolas"/>
+                <a:cs typeface="Consolas"/>
+              </a:rPr>
+              <a:t>;</a:t>
             </a:r>
             <a:endParaRPr lang="en-US" sz="2150" dirty="0">
               <a:latin typeface="Consolas"/>
@@ -9900,7 +9917,27 @@
                 <a:latin typeface="Consolas"/>
                 <a:cs typeface="Consolas"/>
               </a:rPr>
-              <a:t>"getCity(</a:t>
+              <a:t>"</a:t>
+            </a:r>
+            <a:r>
+              <a:rPr sz="1700" b="1" spc="-5" dirty="0">
+                <a:solidFill>
+                  <a:srgbClr val="C00000"/>
+                </a:solidFill>
+                <a:latin typeface="Consolas"/>
+                <a:cs typeface="Consolas"/>
+              </a:rPr>
+              <a:t>getCity</a:t>
+            </a:r>
+            <a:r>
+              <a:rPr sz="1700" b="1" spc="-5" dirty="0">
+                <a:solidFill>
+                  <a:srgbClr val="008000"/>
+                </a:solidFill>
+                <a:latin typeface="Consolas"/>
+                <a:cs typeface="Consolas"/>
+              </a:rPr>
+              <a:t>(</a:t>
             </a:r>
             <a:r>
               <a:rPr sz="1700" b="1" spc="-5" dirty="0">
@@ -11238,21 +11275,25 @@
               <a:t>private </a:t>
             </a:r>
             <a:r>
-              <a:rPr sz="2150" b="1" dirty="0">
-                <a:solidFill>
-                  <a:srgbClr val="000080"/>
-                </a:solidFill>
-                <a:latin typeface="Times New Roman"/>
-                <a:cs typeface="Times New Roman"/>
-              </a:rPr>
-              <a:t>	</a:t>
-            </a:r>
-            <a:r>
               <a:rPr sz="2150" dirty="0">
                 <a:latin typeface="Consolas"/>
                 <a:cs typeface="Consolas"/>
               </a:rPr>
-              <a:t>cities:City[];</a:t>
+              <a:t>cities:</a:t>
+            </a:r>
+            <a:r>
+              <a:rPr lang="nl-NL" sz="2150" dirty="0">
+                <a:latin typeface="Consolas"/>
+                <a:cs typeface="Consolas"/>
+              </a:rPr>
+              <a:t> </a:t>
+            </a:r>
+            <a:r>
+              <a:rPr sz="2150" dirty="0">
+                <a:latin typeface="Consolas"/>
+                <a:cs typeface="Consolas"/>
+              </a:rPr>
+              <a:t>City[];</a:t>
             </a:r>
           </a:p>
           <a:p>
@@ -11278,21 +11319,32 @@
               <a:t>private </a:t>
             </a:r>
             <a:r>
-              <a:rPr sz="2150" b="1" dirty="0">
-                <a:solidFill>
-                  <a:srgbClr val="000080"/>
-                </a:solidFill>
-                <a:latin typeface="Times New Roman"/>
-                <a:cs typeface="Times New Roman"/>
-              </a:rPr>
-              <a:t>	</a:t>
+              <a:rPr sz="2150" spc="-5" dirty="0" err="1">
+                <a:latin typeface="Consolas"/>
+                <a:cs typeface="Consolas"/>
+              </a:rPr>
+              <a:t>currentCity</a:t>
             </a:r>
             <a:r>
               <a:rPr sz="2150" spc="-5" dirty="0">
                 <a:latin typeface="Consolas"/>
                 <a:cs typeface="Consolas"/>
               </a:rPr>
-              <a:t>currentCity:City;</a:t>
+              <a:t>:</a:t>
+            </a:r>
+            <a:r>
+              <a:rPr lang="nl-NL" sz="2150" spc="-5" dirty="0">
+                <a:latin typeface="Consolas"/>
+                <a:cs typeface="Consolas"/>
+              </a:rPr>
+              <a:t> </a:t>
+            </a:r>
+            <a:r>
+              <a:rPr sz="2150" spc="-5" dirty="0">
+                <a:latin typeface="Consolas"/>
+                <a:cs typeface="Consolas"/>
+              </a:rPr>
+              <a:t>City;</a:t>
             </a:r>
             <a:endParaRPr sz="2150" dirty="0">
               <a:latin typeface="Consolas"/>
@@ -11319,7 +11371,7 @@
               <a:t>public </a:t>
             </a:r>
             <a:r>
-              <a:rPr sz="2150" spc="-5" dirty="0" err="1">
+              <a:rPr sz="2150" b="1" spc="-5" dirty="0" err="1">
                 <a:latin typeface="Consolas"/>
                 <a:cs typeface="Consolas"/>
               </a:rPr>
@@ -11338,6 +11390,20 @@
                 <a:cs typeface="Consolas"/>
               </a:rPr>
               <a:t>)</a:t>
+            </a:r>
+            <a:r>
+              <a:rPr lang="nl-NL" sz="2150" dirty="0">
+                <a:latin typeface="Consolas"/>
+                <a:cs typeface="Consolas"/>
+              </a:rPr>
+              <a:t>: </a:t>
+            </a:r>
+            <a:r>
+              <a:rPr lang="nl-NL" sz="2150" dirty="0" err="1">
+                <a:latin typeface="Consolas"/>
+                <a:cs typeface="Consolas"/>
+              </a:rPr>
+              <a:t>void</a:t>
             </a:r>
             <a:r>
               <a:rPr sz="2150" dirty="0">
@@ -11594,7 +11660,7 @@
         <p:spPr>
           <a:xfrm>
             <a:off x="1308100" y="1495425"/>
-            <a:ext cx="8957945" cy="4762842"/>
+            <a:ext cx="9525000" cy="5284845"/>
           </a:xfrm>
           <a:prstGeom prst="rect">
             <a:avLst/>
@@ -11612,145 +11678,363 @@
               </a:lnSpc>
             </a:pPr>
             <a:r>
-              <a:rPr lang="en-US" sz="1950" spc="-20" dirty="0">
-                <a:solidFill>
-                  <a:srgbClr val="000080"/>
-                </a:solidFill>
-                <a:latin typeface="Consolas"/>
-                <a:cs typeface="Consolas"/>
-              </a:rPr>
-              <a:t>impor</a:t>
-            </a:r>
-            <a:r>
-              <a:rPr lang="en-US" sz="1950" spc="-15" dirty="0">
-                <a:solidFill>
-                  <a:srgbClr val="000080"/>
-                </a:solidFill>
-                <a:latin typeface="Consolas"/>
-                <a:cs typeface="Consolas"/>
-              </a:rPr>
-              <a:t>t</a:t>
-            </a:r>
-            <a:r>
-              <a:rPr lang="en-US" sz="1950" dirty="0">
-                <a:solidFill>
-                  <a:srgbClr val="000080"/>
-                </a:solidFill>
-                <a:latin typeface="Times New Roman"/>
-                <a:cs typeface="Times New Roman"/>
-              </a:rPr>
-              <a:t>	</a:t>
-            </a:r>
-            <a:r>
-              <a:rPr lang="en-US" sz="1950" spc="-15" dirty="0">
-                <a:latin typeface="Consolas"/>
-                <a:cs typeface="Consolas"/>
-              </a:rPr>
-              <a:t>{</a:t>
-            </a:r>
-            <a:r>
-              <a:rPr lang="en-US" sz="1950" spc="-15" dirty="0">
-                <a:latin typeface="Times New Roman"/>
-                <a:cs typeface="Times New Roman"/>
+              <a:rPr lang="en-US" sz="1500" dirty="0">
+                <a:latin typeface="Consolas" panose="020B0609020204030204" pitchFamily="49" charset="0"/>
+                <a:cs typeface="Consolas" panose="020B0609020204030204" pitchFamily="49" charset="0"/>
+              </a:rPr>
+              <a:t>@Component({</a:t>
+            </a:r>
+            <a:br>
+              <a:rPr lang="en-US" sz="1500" dirty="0">
+                <a:latin typeface="Consolas" panose="020B0609020204030204" pitchFamily="49" charset="0"/>
+                <a:cs typeface="Consolas" panose="020B0609020204030204" pitchFamily="49" charset="0"/>
+              </a:rPr>
+            </a:br>
+            <a:r>
+              <a:rPr lang="en-US" sz="1500" dirty="0">
+                <a:latin typeface="Consolas" panose="020B0609020204030204" pitchFamily="49" charset="0"/>
+                <a:cs typeface="Consolas" panose="020B0609020204030204" pitchFamily="49" charset="0"/>
+              </a:rPr>
+              <a:t>  	selector: </a:t>
+            </a:r>
+            <a:r>
+              <a:rPr lang="en-US" sz="1500" dirty="0">
+                <a:solidFill>
+                  <a:srgbClr val="00B050"/>
+                </a:solidFill>
+                <a:latin typeface="Consolas" panose="020B0609020204030204" pitchFamily="49" charset="0"/>
+                <a:cs typeface="Consolas" panose="020B0609020204030204" pitchFamily="49" charset="0"/>
+              </a:rPr>
+              <a:t>'city-detail'</a:t>
+            </a:r>
+            <a:r>
+              <a:rPr lang="en-US" sz="1500" dirty="0">
+                <a:latin typeface="Consolas" panose="020B0609020204030204" pitchFamily="49" charset="0"/>
+                <a:cs typeface="Consolas" panose="020B0609020204030204" pitchFamily="49" charset="0"/>
+              </a:rPr>
+              <a:t>,</a:t>
+            </a:r>
+            <a:br>
+              <a:rPr lang="en-US" sz="1500" dirty="0">
+                <a:latin typeface="Consolas" panose="020B0609020204030204" pitchFamily="49" charset="0"/>
+                <a:cs typeface="Consolas" panose="020B0609020204030204" pitchFamily="49" charset="0"/>
+              </a:rPr>
+            </a:br>
+            <a:r>
+              <a:rPr lang="en-US" sz="1500" dirty="0">
+                <a:latin typeface="Consolas" panose="020B0609020204030204" pitchFamily="49" charset="0"/>
+                <a:cs typeface="Consolas" panose="020B0609020204030204" pitchFamily="49" charset="0"/>
+              </a:rPr>
+              <a:t>  	template: `</a:t>
+            </a:r>
+            <a:br>
+              <a:rPr lang="en-US" sz="1500" dirty="0">
+                <a:latin typeface="Consolas" panose="020B0609020204030204" pitchFamily="49" charset="0"/>
+                <a:cs typeface="Consolas" panose="020B0609020204030204" pitchFamily="49" charset="0"/>
+              </a:rPr>
+            </a:br>
+            <a:r>
+              <a:rPr lang="en-US" sz="1500" dirty="0">
+                <a:latin typeface="Consolas" panose="020B0609020204030204" pitchFamily="49" charset="0"/>
+                <a:cs typeface="Consolas" panose="020B0609020204030204" pitchFamily="49" charset="0"/>
+              </a:rPr>
+              <a:t> 	&lt;h2&gt;City details&lt;/h2&gt;</a:t>
+            </a:r>
+            <a:br>
+              <a:rPr lang="en-US" sz="1500" dirty="0">
+                <a:latin typeface="Consolas" panose="020B0609020204030204" pitchFamily="49" charset="0"/>
+                <a:cs typeface="Consolas" panose="020B0609020204030204" pitchFamily="49" charset="0"/>
+              </a:rPr>
+            </a:br>
+            <a:r>
+              <a:rPr lang="en-US" sz="1500" dirty="0">
+                <a:latin typeface="Consolas" panose="020B0609020204030204" pitchFamily="49" charset="0"/>
+                <a:cs typeface="Consolas" panose="020B0609020204030204" pitchFamily="49" charset="0"/>
+              </a:rPr>
+              <a:t> 	&lt;div *</a:t>
+            </a:r>
+            <a:r>
+              <a:rPr lang="en-US" sz="1500" dirty="0" err="1">
+                <a:latin typeface="Consolas" panose="020B0609020204030204" pitchFamily="49" charset="0"/>
+                <a:cs typeface="Consolas" panose="020B0609020204030204" pitchFamily="49" charset="0"/>
+              </a:rPr>
+              <a:t>ngIf</a:t>
+            </a:r>
+            <a:r>
+              <a:rPr lang="en-US" sz="1500" dirty="0">
+                <a:latin typeface="Consolas" panose="020B0609020204030204" pitchFamily="49" charset="0"/>
+                <a:cs typeface="Consolas" panose="020B0609020204030204" pitchFamily="49" charset="0"/>
+              </a:rPr>
+              <a:t>="city"&gt;</a:t>
+            </a:r>
+            <a:br>
+              <a:rPr lang="en-US" sz="1500" dirty="0">
+                <a:latin typeface="Consolas" panose="020B0609020204030204" pitchFamily="49" charset="0"/>
+                <a:cs typeface="Consolas" panose="020B0609020204030204" pitchFamily="49" charset="0"/>
+              </a:rPr>
+            </a:br>
+            <a:r>
+              <a:rPr lang="en-US" sz="1500" dirty="0">
+                <a:latin typeface="Consolas" panose="020B0609020204030204" pitchFamily="49" charset="0"/>
+                <a:cs typeface="Consolas" panose="020B0609020204030204" pitchFamily="49" charset="0"/>
+              </a:rPr>
+              <a:t>  		&lt;ul class="list-group"&gt;</a:t>
+            </a:r>
+            <a:br>
+              <a:rPr lang="en-US" sz="1500" dirty="0">
+                <a:latin typeface="Consolas" panose="020B0609020204030204" pitchFamily="49" charset="0"/>
+                <a:cs typeface="Consolas" panose="020B0609020204030204" pitchFamily="49" charset="0"/>
+              </a:rPr>
+            </a:br>
+            <a:r>
+              <a:rPr lang="en-US" sz="1500" dirty="0">
+                <a:latin typeface="Consolas" panose="020B0609020204030204" pitchFamily="49" charset="0"/>
+                <a:cs typeface="Consolas" panose="020B0609020204030204" pitchFamily="49" charset="0"/>
+              </a:rPr>
+              <a:t>   		    &lt;li class="list-group-item"&gt;Name: </a:t>
+            </a:r>
+            <a:r>
+              <a:rPr lang="en-US" sz="1500" b="1" dirty="0">
+                <a:solidFill>
+                  <a:srgbClr val="C00000"/>
+                </a:solidFill>
+                <a:latin typeface="Consolas" panose="020B0609020204030204" pitchFamily="49" charset="0"/>
+                <a:cs typeface="Consolas" panose="020B0609020204030204" pitchFamily="49" charset="0"/>
+              </a:rPr>
+              <a:t>{{ </a:t>
+            </a:r>
+            <a:r>
+              <a:rPr lang="en-US" sz="1500" b="1" dirty="0" err="1">
+                <a:solidFill>
+                  <a:srgbClr val="C00000"/>
+                </a:solidFill>
+                <a:latin typeface="Consolas" panose="020B0609020204030204" pitchFamily="49" charset="0"/>
+                <a:cs typeface="Consolas" panose="020B0609020204030204" pitchFamily="49" charset="0"/>
+              </a:rPr>
+              <a:t>city.name</a:t>
+            </a:r>
+            <a:r>
+              <a:rPr lang="en-US" sz="1500" b="1" dirty="0">
+                <a:solidFill>
+                  <a:srgbClr val="C00000"/>
+                </a:solidFill>
+                <a:latin typeface="Consolas" panose="020B0609020204030204" pitchFamily="49" charset="0"/>
+                <a:cs typeface="Consolas" panose="020B0609020204030204" pitchFamily="49" charset="0"/>
+              </a:rPr>
+              <a:t> }}</a:t>
+            </a:r>
+            <a:r>
+              <a:rPr lang="en-US" sz="1500" dirty="0">
+                <a:latin typeface="Consolas" panose="020B0609020204030204" pitchFamily="49" charset="0"/>
+                <a:cs typeface="Consolas" panose="020B0609020204030204" pitchFamily="49" charset="0"/>
+              </a:rPr>
+              <a:t>&lt;/li&gt;</a:t>
+            </a:r>
+            <a:br>
+              <a:rPr lang="en-US" sz="1500" dirty="0">
+                <a:latin typeface="Consolas" panose="020B0609020204030204" pitchFamily="49" charset="0"/>
+                <a:cs typeface="Consolas" panose="020B0609020204030204" pitchFamily="49" charset="0"/>
+              </a:rPr>
+            </a:br>
+            <a:r>
+              <a:rPr lang="en-US" sz="1500" dirty="0">
+                <a:latin typeface="Consolas" panose="020B0609020204030204" pitchFamily="49" charset="0"/>
+                <a:cs typeface="Consolas" panose="020B0609020204030204" pitchFamily="49" charset="0"/>
+              </a:rPr>
+              <a:t>   		    &lt;li class="list-group-item"&gt;Province: </a:t>
+            </a:r>
+            <a:r>
+              <a:rPr lang="en-US" sz="1500" b="1" dirty="0">
+                <a:solidFill>
+                  <a:srgbClr val="C00000"/>
+                </a:solidFill>
+                <a:latin typeface="Consolas" panose="020B0609020204030204" pitchFamily="49" charset="0"/>
+                <a:cs typeface="Consolas" panose="020B0609020204030204" pitchFamily="49" charset="0"/>
+              </a:rPr>
+              <a:t>{{</a:t>
+            </a:r>
+            <a:r>
+              <a:rPr lang="en-US" sz="1500" b="1" dirty="0" err="1">
+                <a:solidFill>
+                  <a:srgbClr val="C00000"/>
+                </a:solidFill>
+                <a:latin typeface="Consolas" panose="020B0609020204030204" pitchFamily="49" charset="0"/>
+                <a:cs typeface="Consolas" panose="020B0609020204030204" pitchFamily="49" charset="0"/>
+              </a:rPr>
+              <a:t>city.province</a:t>
+            </a:r>
+            <a:r>
+              <a:rPr lang="en-US" sz="1500" b="1" dirty="0">
+                <a:solidFill>
+                  <a:srgbClr val="C00000"/>
+                </a:solidFill>
+                <a:latin typeface="Consolas" panose="020B0609020204030204" pitchFamily="49" charset="0"/>
+                <a:cs typeface="Consolas" panose="020B0609020204030204" pitchFamily="49" charset="0"/>
+              </a:rPr>
+              <a:t>}}</a:t>
+            </a:r>
+            <a:r>
+              <a:rPr lang="en-US" sz="1500" dirty="0">
+                <a:latin typeface="Consolas" panose="020B0609020204030204" pitchFamily="49" charset="0"/>
+                <a:cs typeface="Consolas" panose="020B0609020204030204" pitchFamily="49" charset="0"/>
+              </a:rPr>
+              <a:t>&lt;/li&gt;</a:t>
+            </a:r>
+            <a:br>
+              <a:rPr lang="en-US" sz="1500" dirty="0">
+                <a:latin typeface="Consolas" panose="020B0609020204030204" pitchFamily="49" charset="0"/>
+                <a:cs typeface="Consolas" panose="020B0609020204030204" pitchFamily="49" charset="0"/>
+              </a:rPr>
+            </a:br>
+            <a:r>
+              <a:rPr lang="en-US" sz="1500" dirty="0">
+                <a:latin typeface="Consolas" panose="020B0609020204030204" pitchFamily="49" charset="0"/>
+                <a:cs typeface="Consolas" panose="020B0609020204030204" pitchFamily="49" charset="0"/>
+              </a:rPr>
+              <a:t>   		    &lt;li class="list-group-item"&gt;Highlights: </a:t>
+            </a:r>
+            <a:r>
+              <a:rPr lang="en-US" sz="1500" b="1" dirty="0">
+                <a:solidFill>
+                  <a:srgbClr val="C00000"/>
+                </a:solidFill>
+                <a:latin typeface="Consolas" panose="020B0609020204030204" pitchFamily="49" charset="0"/>
+                <a:cs typeface="Consolas" panose="020B0609020204030204" pitchFamily="49" charset="0"/>
+              </a:rPr>
+              <a:t>{{</a:t>
+            </a:r>
+            <a:r>
+              <a:rPr lang="en-US" sz="1500" b="1" dirty="0" err="1">
+                <a:solidFill>
+                  <a:srgbClr val="C00000"/>
+                </a:solidFill>
+                <a:latin typeface="Consolas" panose="020B0609020204030204" pitchFamily="49" charset="0"/>
+                <a:cs typeface="Consolas" panose="020B0609020204030204" pitchFamily="49" charset="0"/>
+              </a:rPr>
+              <a:t>city.highlights</a:t>
+            </a:r>
+            <a:r>
+              <a:rPr lang="en-US" sz="1500" b="1" dirty="0">
+                <a:solidFill>
+                  <a:srgbClr val="C00000"/>
+                </a:solidFill>
+                <a:latin typeface="Consolas" panose="020B0609020204030204" pitchFamily="49" charset="0"/>
+                <a:cs typeface="Consolas" panose="020B0609020204030204" pitchFamily="49" charset="0"/>
+              </a:rPr>
+              <a:t>}}</a:t>
+            </a:r>
+            <a:r>
+              <a:rPr lang="en-US" sz="1500" dirty="0">
+                <a:latin typeface="Consolas" panose="020B0609020204030204" pitchFamily="49" charset="0"/>
+                <a:cs typeface="Consolas" panose="020B0609020204030204" pitchFamily="49" charset="0"/>
+              </a:rPr>
+              <a:t>&lt;/li&gt;</a:t>
+            </a:r>
+            <a:br>
+              <a:rPr lang="en-US" sz="1500" dirty="0">
+                <a:latin typeface="Consolas" panose="020B0609020204030204" pitchFamily="49" charset="0"/>
+                <a:cs typeface="Consolas" panose="020B0609020204030204" pitchFamily="49" charset="0"/>
+              </a:rPr>
+            </a:br>
+            <a:r>
+              <a:rPr lang="en-US" sz="1500" dirty="0">
+                <a:latin typeface="Consolas" panose="020B0609020204030204" pitchFamily="49" charset="0"/>
+                <a:cs typeface="Consolas" panose="020B0609020204030204" pitchFamily="49" charset="0"/>
+              </a:rPr>
+              <a:t>  		&lt;/ul&gt;</a:t>
+            </a:r>
+            <a:br>
+              <a:rPr lang="en-US" sz="1500" dirty="0">
+                <a:latin typeface="Consolas" panose="020B0609020204030204" pitchFamily="49" charset="0"/>
+                <a:cs typeface="Consolas" panose="020B0609020204030204" pitchFamily="49" charset="0"/>
+              </a:rPr>
+            </a:br>
+            <a:r>
+              <a:rPr lang="en-US" sz="1500" dirty="0">
+                <a:latin typeface="Consolas" panose="020B0609020204030204" pitchFamily="49" charset="0"/>
+                <a:cs typeface="Consolas" panose="020B0609020204030204" pitchFamily="49" charset="0"/>
+              </a:rPr>
+              <a:t>  		   &lt;</a:t>
+            </a:r>
+            <a:r>
+              <a:rPr lang="en-US" sz="1500" dirty="0" err="1">
+                <a:latin typeface="Consolas" panose="020B0609020204030204" pitchFamily="49" charset="0"/>
+                <a:cs typeface="Consolas" panose="020B0609020204030204" pitchFamily="49" charset="0"/>
+              </a:rPr>
+              <a:t>img</a:t>
+            </a:r>
+            <a:r>
+              <a:rPr lang="en-US" sz="1500" dirty="0">
+                <a:latin typeface="Consolas" panose="020B0609020204030204" pitchFamily="49" charset="0"/>
+                <a:cs typeface="Consolas" panose="020B0609020204030204" pitchFamily="49" charset="0"/>
               </a:rPr>
               <a:t> </a:t>
             </a:r>
             <a:r>
-              <a:rPr lang="en-US" sz="1950" spc="-20" dirty="0">
-                <a:latin typeface="Consolas"/>
-                <a:cs typeface="Consolas"/>
-              </a:rPr>
-              <a:t>Componen</a:t>
-            </a:r>
-            <a:r>
-              <a:rPr lang="en-US" sz="1950" spc="-15" dirty="0">
-                <a:latin typeface="Consolas"/>
-                <a:cs typeface="Consolas"/>
-              </a:rPr>
-              <a:t>t</a:t>
-            </a:r>
-            <a:r>
-              <a:rPr lang="en-US" sz="1950" spc="-15" dirty="0">
-                <a:latin typeface="Times New Roman"/>
-                <a:cs typeface="Times New Roman"/>
-              </a:rPr>
-              <a:t> </a:t>
-            </a:r>
-            <a:r>
-              <a:rPr lang="en-US" sz="1950" spc="-15" dirty="0">
-                <a:latin typeface="Consolas"/>
-                <a:cs typeface="Consolas"/>
-              </a:rPr>
-              <a:t>}</a:t>
-            </a:r>
-            <a:r>
-              <a:rPr lang="en-US" sz="1950" spc="-15" dirty="0">
-                <a:latin typeface="Times New Roman"/>
-                <a:cs typeface="Times New Roman"/>
-              </a:rPr>
-              <a:t> </a:t>
-            </a:r>
-            <a:r>
-              <a:rPr lang="en-US" sz="1950" spc="-20" dirty="0">
-                <a:solidFill>
-                  <a:srgbClr val="000080"/>
-                </a:solidFill>
-                <a:latin typeface="Consolas"/>
-                <a:cs typeface="Consolas"/>
-              </a:rPr>
-              <a:t>fro</a:t>
-            </a:r>
-            <a:r>
-              <a:rPr lang="en-US" sz="1950" spc="-15" dirty="0">
-                <a:solidFill>
-                  <a:srgbClr val="000080"/>
-                </a:solidFill>
-                <a:latin typeface="Consolas"/>
-                <a:cs typeface="Consolas"/>
-              </a:rPr>
-              <a:t>m</a:t>
-            </a:r>
-            <a:r>
-              <a:rPr lang="en-US" sz="1950" spc="-15" dirty="0">
-                <a:solidFill>
-                  <a:srgbClr val="000080"/>
-                </a:solidFill>
-                <a:latin typeface="Times New Roman"/>
-                <a:cs typeface="Times New Roman"/>
-              </a:rPr>
-              <a:t> </a:t>
-            </a:r>
-            <a:r>
-              <a:rPr lang="en-US" sz="1950" spc="-20" dirty="0">
-                <a:solidFill>
-                  <a:srgbClr val="008000"/>
-                </a:solidFill>
-                <a:latin typeface="Consolas"/>
-                <a:cs typeface="Consolas"/>
-              </a:rPr>
-              <a:t>'@angular/core</a:t>
-            </a:r>
-            <a:r>
-              <a:rPr lang="en-US" sz="1950" spc="-25" dirty="0">
-                <a:solidFill>
-                  <a:srgbClr val="008000"/>
-                </a:solidFill>
-                <a:latin typeface="Consolas"/>
-                <a:cs typeface="Consolas"/>
-              </a:rPr>
-              <a:t>’</a:t>
-            </a:r>
-            <a:r>
-              <a:rPr lang="en-US" sz="1950" spc="-15" dirty="0">
-                <a:latin typeface="Consolas"/>
-                <a:cs typeface="Consolas"/>
-              </a:rPr>
-              <a:t>;</a:t>
-            </a:r>
-            <a:endParaRPr lang="en-US" sz="1950" dirty="0">
-              <a:latin typeface="Consolas"/>
-              <a:cs typeface="Consolas"/>
-            </a:endParaRPr>
+              <a:rPr lang="en-US" sz="1500" dirty="0" err="1">
+                <a:latin typeface="Consolas" panose="020B0609020204030204" pitchFamily="49" charset="0"/>
+                <a:cs typeface="Consolas" panose="020B0609020204030204" pitchFamily="49" charset="0"/>
+              </a:rPr>
+              <a:t>src</a:t>
+            </a:r>
+            <a:r>
+              <a:rPr lang="en-US" sz="1500" dirty="0">
+                <a:latin typeface="Consolas" panose="020B0609020204030204" pitchFamily="49" charset="0"/>
+                <a:cs typeface="Consolas" panose="020B0609020204030204" pitchFamily="49" charset="0"/>
+              </a:rPr>
+              <a:t>="../assets/</a:t>
+            </a:r>
+            <a:r>
+              <a:rPr lang="en-US" sz="1500" dirty="0" err="1">
+                <a:latin typeface="Consolas" panose="020B0609020204030204" pitchFamily="49" charset="0"/>
+                <a:cs typeface="Consolas" panose="020B0609020204030204" pitchFamily="49" charset="0"/>
+              </a:rPr>
+              <a:t>img</a:t>
+            </a:r>
+            <a:r>
+              <a:rPr lang="en-US" sz="1500" b="1" dirty="0">
+                <a:latin typeface="Consolas" panose="020B0609020204030204" pitchFamily="49" charset="0"/>
+                <a:cs typeface="Consolas" panose="020B0609020204030204" pitchFamily="49" charset="0"/>
+              </a:rPr>
+              <a:t>/</a:t>
+            </a:r>
+            <a:r>
+              <a:rPr lang="en-US" sz="1500" b="1" dirty="0">
+                <a:solidFill>
+                  <a:srgbClr val="C00000"/>
+                </a:solidFill>
+                <a:latin typeface="Consolas" panose="020B0609020204030204" pitchFamily="49" charset="0"/>
+                <a:cs typeface="Consolas" panose="020B0609020204030204" pitchFamily="49" charset="0"/>
+              </a:rPr>
+              <a:t>{{ </a:t>
+            </a:r>
+            <a:r>
+              <a:rPr lang="en-US" sz="1500" b="1" dirty="0" err="1">
+                <a:solidFill>
+                  <a:srgbClr val="C00000"/>
+                </a:solidFill>
+                <a:latin typeface="Consolas" panose="020B0609020204030204" pitchFamily="49" charset="0"/>
+                <a:cs typeface="Consolas" panose="020B0609020204030204" pitchFamily="49" charset="0"/>
+              </a:rPr>
+              <a:t>city.name</a:t>
+            </a:r>
+            <a:r>
+              <a:rPr lang="en-US" sz="1500" b="1" dirty="0">
+                <a:solidFill>
+                  <a:srgbClr val="C00000"/>
+                </a:solidFill>
+                <a:latin typeface="Consolas" panose="020B0609020204030204" pitchFamily="49" charset="0"/>
+                <a:cs typeface="Consolas" panose="020B0609020204030204" pitchFamily="49" charset="0"/>
+              </a:rPr>
+              <a:t> }}</a:t>
+            </a:r>
+            <a:r>
+              <a:rPr lang="en-US" sz="1500" dirty="0">
+                <a:latin typeface="Consolas" panose="020B0609020204030204" pitchFamily="49" charset="0"/>
+                <a:cs typeface="Consolas" panose="020B0609020204030204" pitchFamily="49" charset="0"/>
+              </a:rPr>
+              <a:t>.jpg" </a:t>
+            </a:r>
           </a:p>
           <a:p>
             <a:pPr marL="12700">
@@ -11758,956 +12042,177 @@
                 <a:spcPts val="2335"/>
               </a:lnSpc>
             </a:pPr>
-            <a:endParaRPr lang="en-US" sz="1950" spc="-20" dirty="0">
-              <a:latin typeface="Consolas"/>
-              <a:cs typeface="Consolas"/>
+            <a:r>
+              <a:rPr lang="en-US" sz="1500" dirty="0">
+                <a:latin typeface="Consolas" panose="020B0609020204030204" pitchFamily="49" charset="0"/>
+                <a:cs typeface="Consolas" panose="020B0609020204030204" pitchFamily="49" charset="0"/>
+              </a:rPr>
+              <a:t>                     alt="Photo of </a:t>
+            </a:r>
+            <a:r>
+              <a:rPr lang="en-US" sz="1500" b="1" dirty="0">
+                <a:solidFill>
+                  <a:srgbClr val="C00000"/>
+                </a:solidFill>
+                <a:latin typeface="Consolas" panose="020B0609020204030204" pitchFamily="49" charset="0"/>
+                <a:cs typeface="Consolas" panose="020B0609020204030204" pitchFamily="49" charset="0"/>
+              </a:rPr>
+              <a:t>{{ </a:t>
+            </a:r>
+            <a:r>
+              <a:rPr lang="en-US" sz="1500" b="1" dirty="0" err="1">
+                <a:solidFill>
+                  <a:srgbClr val="C00000"/>
+                </a:solidFill>
+                <a:latin typeface="Consolas" panose="020B0609020204030204" pitchFamily="49" charset="0"/>
+                <a:cs typeface="Consolas" panose="020B0609020204030204" pitchFamily="49" charset="0"/>
+              </a:rPr>
+              <a:t>city.name</a:t>
+            </a:r>
+            <a:r>
+              <a:rPr lang="en-US" sz="1500" b="1" dirty="0">
+                <a:solidFill>
+                  <a:srgbClr val="C00000"/>
+                </a:solidFill>
+                <a:latin typeface="Consolas" panose="020B0609020204030204" pitchFamily="49" charset="0"/>
+                <a:cs typeface="Consolas" panose="020B0609020204030204" pitchFamily="49" charset="0"/>
+              </a:rPr>
+              <a:t> }}</a:t>
+            </a:r>
+            <a:r>
+              <a:rPr lang="en-US" sz="1500" dirty="0">
+                <a:latin typeface="Consolas" panose="020B0609020204030204" pitchFamily="49" charset="0"/>
+                <a:cs typeface="Consolas" panose="020B0609020204030204" pitchFamily="49" charset="0"/>
+              </a:rPr>
+              <a:t>" class="</a:t>
+            </a:r>
+            <a:r>
+              <a:rPr lang="en-US" sz="1500" dirty="0" err="1">
+                <a:latin typeface="Consolas" panose="020B0609020204030204" pitchFamily="49" charset="0"/>
+                <a:cs typeface="Consolas" panose="020B0609020204030204" pitchFamily="49" charset="0"/>
+              </a:rPr>
+              <a:t>img</a:t>
+            </a:r>
+            <a:r>
+              <a:rPr lang="en-US" sz="1500" dirty="0">
+                <a:latin typeface="Consolas" panose="020B0609020204030204" pitchFamily="49" charset="0"/>
+                <a:cs typeface="Consolas" panose="020B0609020204030204" pitchFamily="49" charset="0"/>
+              </a:rPr>
+              <a:t>-fluid"/&gt;</a:t>
+            </a:r>
+            <a:br>
+              <a:rPr lang="en-US" sz="1500" dirty="0">
+                <a:latin typeface="Consolas" panose="020B0609020204030204" pitchFamily="49" charset="0"/>
+                <a:cs typeface="Consolas" panose="020B0609020204030204" pitchFamily="49" charset="0"/>
+              </a:rPr>
+            </a:br>
+            <a:r>
+              <a:rPr lang="en-US" sz="1500" dirty="0">
+                <a:latin typeface="Consolas" panose="020B0609020204030204" pitchFamily="49" charset="0"/>
+                <a:cs typeface="Consolas" panose="020B0609020204030204" pitchFamily="49" charset="0"/>
+              </a:rPr>
+              <a:t> 	&lt;/div&gt;</a:t>
+            </a:r>
+            <a:br>
+              <a:rPr lang="en-US" sz="1500" dirty="0">
+                <a:latin typeface="Consolas" panose="020B0609020204030204" pitchFamily="49" charset="0"/>
+                <a:cs typeface="Consolas" panose="020B0609020204030204" pitchFamily="49" charset="0"/>
+              </a:rPr>
+            </a:br>
+            <a:r>
+              <a:rPr lang="en-US" sz="1500" dirty="0">
+                <a:latin typeface="Consolas" panose="020B0609020204030204" pitchFamily="49" charset="0"/>
+                <a:cs typeface="Consolas" panose="020B0609020204030204" pitchFamily="49" charset="0"/>
+              </a:rPr>
+              <a:t> `</a:t>
+            </a:r>
+            <a:br>
+              <a:rPr lang="en-US" sz="1500" dirty="0">
+                <a:latin typeface="Consolas" panose="020B0609020204030204" pitchFamily="49" charset="0"/>
+                <a:cs typeface="Consolas" panose="020B0609020204030204" pitchFamily="49" charset="0"/>
+              </a:rPr>
+            </a:br>
+            <a:r>
+              <a:rPr lang="en-US" sz="1500" dirty="0">
+                <a:latin typeface="Consolas" panose="020B0609020204030204" pitchFamily="49" charset="0"/>
+                <a:cs typeface="Consolas" panose="020B0609020204030204" pitchFamily="49" charset="0"/>
+              </a:rPr>
+              <a:t>})</a:t>
+            </a:r>
+            <a:br>
+              <a:rPr lang="en-US" sz="1500" dirty="0">
+                <a:latin typeface="Consolas" panose="020B0609020204030204" pitchFamily="49" charset="0"/>
+                <a:cs typeface="Consolas" panose="020B0609020204030204" pitchFamily="49" charset="0"/>
+              </a:rPr>
+            </a:br>
+            <a:r>
+              <a:rPr lang="en-US" sz="1500" dirty="0">
+                <a:latin typeface="Consolas" panose="020B0609020204030204" pitchFamily="49" charset="0"/>
+                <a:cs typeface="Consolas" panose="020B0609020204030204" pitchFamily="49" charset="0"/>
+              </a:rPr>
+              <a:t>export class </a:t>
+            </a:r>
+            <a:r>
+              <a:rPr lang="en-US" sz="1500" b="1" dirty="0" err="1">
+                <a:latin typeface="Consolas" panose="020B0609020204030204" pitchFamily="49" charset="0"/>
+                <a:cs typeface="Consolas" panose="020B0609020204030204" pitchFamily="49" charset="0"/>
+              </a:rPr>
+              <a:t>CityDetailComponent</a:t>
+            </a:r>
+            <a:r>
+              <a:rPr lang="en-US" sz="1500" dirty="0">
+                <a:latin typeface="Consolas" panose="020B0609020204030204" pitchFamily="49" charset="0"/>
+                <a:cs typeface="Consolas" panose="020B0609020204030204" pitchFamily="49" charset="0"/>
+              </a:rPr>
+              <a:t> {</a:t>
+            </a:r>
+            <a:br>
+              <a:rPr lang="en-US" sz="1500" i="1" dirty="0">
+                <a:latin typeface="Consolas" panose="020B0609020204030204" pitchFamily="49" charset="0"/>
+                <a:cs typeface="Consolas" panose="020B0609020204030204" pitchFamily="49" charset="0"/>
+              </a:rPr>
+            </a:br>
+            <a:r>
+              <a:rPr lang="en-US" sz="1500" i="1" dirty="0">
+                <a:latin typeface="Consolas" panose="020B0609020204030204" pitchFamily="49" charset="0"/>
+                <a:cs typeface="Consolas" panose="020B0609020204030204" pitchFamily="49" charset="0"/>
+              </a:rPr>
+              <a:t>     </a:t>
+            </a:r>
+            <a:r>
+              <a:rPr lang="en-US" sz="1500" b="1" dirty="0">
+                <a:solidFill>
+                  <a:srgbClr val="C00000"/>
+                </a:solidFill>
+                <a:latin typeface="Consolas" panose="020B0609020204030204" pitchFamily="49" charset="0"/>
+                <a:cs typeface="Consolas" panose="020B0609020204030204" pitchFamily="49" charset="0"/>
+              </a:rPr>
+              <a:t>@Input()</a:t>
+            </a:r>
+            <a:r>
+              <a:rPr lang="en-US" sz="1500" dirty="0">
+                <a:latin typeface="Consolas" panose="020B0609020204030204" pitchFamily="49" charset="0"/>
+                <a:cs typeface="Consolas" panose="020B0609020204030204" pitchFamily="49" charset="0"/>
+              </a:rPr>
+              <a:t> public city: City;</a:t>
+            </a:r>
+            <a:br>
+              <a:rPr lang="en-US" sz="1500" dirty="0">
+                <a:latin typeface="Consolas" panose="020B0609020204030204" pitchFamily="49" charset="0"/>
+                <a:cs typeface="Consolas" panose="020B0609020204030204" pitchFamily="49" charset="0"/>
+              </a:rPr>
+            </a:br>
+            <a:r>
+              <a:rPr lang="en-US" sz="1500" dirty="0">
+                <a:latin typeface="Consolas" panose="020B0609020204030204" pitchFamily="49" charset="0"/>
+                <a:cs typeface="Consolas" panose="020B0609020204030204" pitchFamily="49" charset="0"/>
+              </a:rPr>
+              <a:t>}</a:t>
+            </a:r>
+            <a:endParaRPr sz="1500" dirty="0">
+              <a:latin typeface="Consolas" panose="020B0609020204030204" pitchFamily="49" charset="0"/>
+              <a:cs typeface="Consolas" panose="020B0609020204030204" pitchFamily="49" charset="0"/>
             </a:endParaRPr>
-          </a:p>
-          <a:p>
-            <a:pPr marL="12700">
-              <a:lnSpc>
-                <a:spcPts val="2335"/>
-              </a:lnSpc>
-            </a:pPr>
-            <a:endParaRPr lang="en-US" sz="1950" spc="-20" dirty="0">
-              <a:latin typeface="Consolas"/>
-              <a:cs typeface="Consolas"/>
-            </a:endParaRPr>
-          </a:p>
-          <a:p>
-            <a:pPr marL="12700">
-              <a:lnSpc>
-                <a:spcPts val="2335"/>
-              </a:lnSpc>
-            </a:pPr>
-            <a:r>
-              <a:rPr lang="en-US" sz="1950" spc="-20" dirty="0">
-                <a:latin typeface="Consolas"/>
-                <a:cs typeface="Consolas"/>
-              </a:rPr>
-              <a:t>@Component({</a:t>
-            </a:r>
-            <a:endParaRPr lang="en-US" sz="1950" dirty="0">
-              <a:latin typeface="Consolas"/>
-              <a:cs typeface="Consolas"/>
-            </a:endParaRPr>
-          </a:p>
-          <a:p>
-            <a:pPr marL="418465" marR="274955" indent="-635">
-              <a:lnSpc>
-                <a:spcPts val="2330"/>
-              </a:lnSpc>
-              <a:spcBef>
-                <a:spcPts val="80"/>
-              </a:spcBef>
-              <a:tabLst>
-                <a:tab pos="1771650" algn="l"/>
-              </a:tabLst>
-            </a:pPr>
-            <a:r>
-              <a:rPr lang="en-US" sz="1950" spc="-20" dirty="0">
-                <a:latin typeface="Consolas"/>
-                <a:cs typeface="Consolas"/>
-              </a:rPr>
-              <a:t>selector</a:t>
-            </a:r>
-            <a:r>
-              <a:rPr lang="en-US" sz="1950" spc="-15" dirty="0">
-                <a:latin typeface="Consolas"/>
-                <a:cs typeface="Consolas"/>
-              </a:rPr>
-              <a:t>:</a:t>
-            </a:r>
-            <a:r>
-              <a:rPr lang="en-US" sz="1950" dirty="0">
-                <a:latin typeface="Times New Roman"/>
-                <a:cs typeface="Times New Roman"/>
-              </a:rPr>
-              <a:t>	</a:t>
-            </a:r>
-            <a:r>
-              <a:rPr lang="en-US" sz="1950" spc="-20" dirty="0">
-                <a:solidFill>
-                  <a:srgbClr val="008000"/>
-                </a:solidFill>
-                <a:latin typeface="Consolas"/>
-                <a:cs typeface="Consolas"/>
-              </a:rPr>
-              <a:t>'cit</a:t>
-            </a:r>
-            <a:r>
-              <a:rPr lang="en-US" sz="1950" spc="-25" dirty="0">
-                <a:solidFill>
-                  <a:srgbClr val="008000"/>
-                </a:solidFill>
-                <a:latin typeface="Consolas"/>
-                <a:cs typeface="Consolas"/>
-              </a:rPr>
-              <a:t>y</a:t>
-            </a:r>
-            <a:r>
-              <a:rPr lang="en-US" sz="1950" spc="-20" dirty="0">
-                <a:solidFill>
-                  <a:srgbClr val="008000"/>
-                </a:solidFill>
-                <a:latin typeface="Consolas"/>
-                <a:cs typeface="Consolas"/>
-              </a:rPr>
-              <a:t>‐detail’</a:t>
-            </a:r>
-            <a:r>
-              <a:rPr lang="en-US" sz="1950" spc="-15" dirty="0">
-                <a:latin typeface="Consolas"/>
-                <a:cs typeface="Consolas"/>
-              </a:rPr>
-              <a:t>,</a:t>
-            </a:r>
-            <a:r>
-              <a:rPr lang="en-US" sz="1950" spc="-5" dirty="0">
-                <a:latin typeface="Times New Roman"/>
-                <a:cs typeface="Times New Roman"/>
-              </a:rPr>
-              <a:t> </a:t>
-            </a:r>
-          </a:p>
-          <a:p>
-            <a:pPr marL="418465" marR="274955" indent="-635">
-              <a:lnSpc>
-                <a:spcPts val="2330"/>
-              </a:lnSpc>
-              <a:spcBef>
-                <a:spcPts val="80"/>
-              </a:spcBef>
-              <a:tabLst>
-                <a:tab pos="1771650" algn="l"/>
-              </a:tabLst>
-            </a:pPr>
-            <a:r>
-              <a:rPr lang="en-US" sz="1950" spc="-20" dirty="0">
-                <a:latin typeface="Consolas"/>
-                <a:cs typeface="Consolas"/>
-              </a:rPr>
-              <a:t>template</a:t>
-            </a:r>
-            <a:r>
-              <a:rPr lang="en-US" sz="1950" spc="-15" dirty="0">
-                <a:latin typeface="Consolas"/>
-                <a:cs typeface="Consolas"/>
-              </a:rPr>
-              <a:t>:</a:t>
-            </a:r>
-            <a:r>
-              <a:rPr lang="en-US" sz="1950" dirty="0">
-                <a:latin typeface="Times New Roman"/>
-                <a:cs typeface="Times New Roman"/>
-              </a:rPr>
-              <a:t>	</a:t>
-            </a:r>
-            <a:r>
-              <a:rPr lang="en-US" sz="1950" spc="-15" dirty="0">
-                <a:solidFill>
-                  <a:srgbClr val="008000"/>
-                </a:solidFill>
-                <a:latin typeface="Consolas"/>
-                <a:cs typeface="Consolas"/>
-              </a:rPr>
-              <a:t>`</a:t>
-            </a:r>
-            <a:endParaRPr lang="en-US" sz="1950" dirty="0">
-              <a:latin typeface="Consolas"/>
-              <a:cs typeface="Consolas"/>
-            </a:endParaRPr>
-          </a:p>
-          <a:p>
-            <a:pPr marL="418465">
-              <a:lnSpc>
-                <a:spcPts val="2250"/>
-              </a:lnSpc>
-              <a:tabLst>
-                <a:tab pos="1637030" algn="l"/>
-              </a:tabLst>
-            </a:pPr>
-            <a:r>
-              <a:rPr lang="en-US" sz="1950" spc="-20" dirty="0">
-                <a:solidFill>
-                  <a:srgbClr val="008000"/>
-                </a:solidFill>
-                <a:latin typeface="Consolas"/>
-                <a:cs typeface="Consolas"/>
-              </a:rPr>
-              <a:t>&lt;h2&gt;Cit</a:t>
-            </a:r>
-            <a:r>
-              <a:rPr lang="en-US" sz="1950" spc="-15" dirty="0">
-                <a:solidFill>
-                  <a:srgbClr val="008000"/>
-                </a:solidFill>
-                <a:latin typeface="Consolas"/>
-                <a:cs typeface="Consolas"/>
-              </a:rPr>
-              <a:t>y</a:t>
-            </a:r>
-            <a:r>
-              <a:rPr lang="en-US" sz="1950" dirty="0">
-                <a:solidFill>
-                  <a:srgbClr val="008000"/>
-                </a:solidFill>
-                <a:latin typeface="Times New Roman"/>
-                <a:cs typeface="Times New Roman"/>
-              </a:rPr>
-              <a:t>	</a:t>
-            </a:r>
-            <a:r>
-              <a:rPr lang="en-US" sz="1950" spc="-20" dirty="0">
-                <a:solidFill>
-                  <a:srgbClr val="008000"/>
-                </a:solidFill>
-                <a:latin typeface="Consolas"/>
-                <a:cs typeface="Consolas"/>
-              </a:rPr>
-              <a:t>details&lt;/h2&gt;</a:t>
-            </a:r>
-            <a:endParaRPr lang="en-US" sz="1950" dirty="0">
-              <a:latin typeface="Consolas"/>
-              <a:cs typeface="Consolas"/>
-            </a:endParaRPr>
-          </a:p>
-          <a:p>
-            <a:pPr marL="824865">
-              <a:lnSpc>
-                <a:spcPts val="2335"/>
-              </a:lnSpc>
-              <a:tabLst>
-                <a:tab pos="1365885" algn="l"/>
-              </a:tabLst>
-            </a:pPr>
-            <a:r>
-              <a:rPr lang="en-US" sz="1950" spc="-20" dirty="0">
-                <a:solidFill>
-                  <a:srgbClr val="008000"/>
-                </a:solidFill>
-                <a:latin typeface="Consolas"/>
-                <a:cs typeface="Consolas"/>
-              </a:rPr>
-              <a:t>&lt;u</a:t>
-            </a:r>
-            <a:r>
-              <a:rPr lang="en-US" sz="1950" spc="-15" dirty="0">
-                <a:solidFill>
-                  <a:srgbClr val="008000"/>
-                </a:solidFill>
-                <a:latin typeface="Consolas"/>
-                <a:cs typeface="Consolas"/>
-              </a:rPr>
-              <a:t>l</a:t>
-            </a:r>
-            <a:r>
-              <a:rPr lang="en-US" sz="1950" dirty="0">
-                <a:solidFill>
-                  <a:srgbClr val="008000"/>
-                </a:solidFill>
-                <a:latin typeface="Times New Roman"/>
-                <a:cs typeface="Times New Roman"/>
-              </a:rPr>
-              <a:t>	</a:t>
-            </a:r>
-            <a:r>
-              <a:rPr lang="en-US" sz="1950" spc="-20" dirty="0">
-                <a:solidFill>
-                  <a:srgbClr val="008000"/>
-                </a:solidFill>
-                <a:latin typeface="Consolas"/>
-                <a:cs typeface="Consolas"/>
-              </a:rPr>
-              <a:t>class="list‐group"&gt;</a:t>
-            </a:r>
-            <a:endParaRPr lang="nl-NL" sz="1950" spc="-20" dirty="0">
-              <a:solidFill>
-                <a:srgbClr val="008000"/>
-              </a:solidFill>
-              <a:latin typeface="Consolas"/>
-              <a:cs typeface="Consolas"/>
-            </a:endParaRPr>
-          </a:p>
-          <a:p>
-            <a:pPr marL="1230630">
-              <a:lnSpc>
-                <a:spcPts val="2335"/>
-              </a:lnSpc>
-              <a:tabLst>
-                <a:tab pos="1771650" algn="l"/>
-                <a:tab pos="5831840" algn="l"/>
-                <a:tab pos="6644005" algn="l"/>
-                <a:tab pos="7185025" algn="l"/>
-              </a:tabLst>
-            </a:pPr>
-            <a:r>
-              <a:rPr sz="1950" spc="-20" dirty="0">
-                <a:solidFill>
-                  <a:srgbClr val="008000"/>
-                </a:solidFill>
-                <a:latin typeface="Consolas"/>
-                <a:cs typeface="Consolas"/>
-              </a:rPr>
-              <a:t>&lt;l</a:t>
-            </a:r>
-            <a:r>
-              <a:rPr sz="1950" spc="-15" dirty="0">
-                <a:solidFill>
-                  <a:srgbClr val="008000"/>
-                </a:solidFill>
-                <a:latin typeface="Consolas"/>
-                <a:cs typeface="Consolas"/>
-              </a:rPr>
-              <a:t>i</a:t>
-            </a:r>
-            <a:r>
-              <a:rPr sz="1950" dirty="0">
-                <a:solidFill>
-                  <a:srgbClr val="008000"/>
-                </a:solidFill>
-                <a:latin typeface="Times New Roman"/>
-                <a:cs typeface="Times New Roman"/>
-              </a:rPr>
-              <a:t>	</a:t>
-            </a:r>
-            <a:r>
-              <a:rPr sz="1950" spc="-20" dirty="0">
-                <a:solidFill>
-                  <a:srgbClr val="008000"/>
-                </a:solidFill>
-                <a:latin typeface="Consolas"/>
-                <a:cs typeface="Consolas"/>
-              </a:rPr>
-              <a:t>class="lis</a:t>
-            </a:r>
-            <a:r>
-              <a:rPr sz="1950" spc="-25" dirty="0">
-                <a:solidFill>
-                  <a:srgbClr val="008000"/>
-                </a:solidFill>
-                <a:latin typeface="Consolas"/>
-                <a:cs typeface="Consolas"/>
-              </a:rPr>
-              <a:t>t‐</a:t>
-            </a:r>
-            <a:r>
-              <a:rPr sz="1950" spc="-20" dirty="0">
-                <a:solidFill>
-                  <a:srgbClr val="008000"/>
-                </a:solidFill>
-                <a:latin typeface="Consolas"/>
-                <a:cs typeface="Consolas"/>
-              </a:rPr>
-              <a:t>grou</a:t>
-            </a:r>
-            <a:r>
-              <a:rPr sz="1950" spc="-25" dirty="0">
-                <a:solidFill>
-                  <a:srgbClr val="008000"/>
-                </a:solidFill>
-                <a:latin typeface="Consolas"/>
-                <a:cs typeface="Consolas"/>
-              </a:rPr>
-              <a:t>p</a:t>
-            </a:r>
-            <a:r>
-              <a:rPr sz="1950" spc="-20" dirty="0">
-                <a:solidFill>
-                  <a:srgbClr val="008000"/>
-                </a:solidFill>
-                <a:latin typeface="Consolas"/>
-                <a:cs typeface="Consolas"/>
-              </a:rPr>
-              <a:t>‐item"&gt;Naam</a:t>
-            </a:r>
-            <a:r>
-              <a:rPr sz="1950" spc="-15" dirty="0">
-                <a:solidFill>
-                  <a:srgbClr val="008000"/>
-                </a:solidFill>
-                <a:latin typeface="Consolas"/>
-                <a:cs typeface="Consolas"/>
-              </a:rPr>
-              <a:t>:</a:t>
-            </a:r>
-            <a:r>
-              <a:rPr sz="1950" dirty="0">
-                <a:solidFill>
-                  <a:srgbClr val="008000"/>
-                </a:solidFill>
-                <a:latin typeface="Times New Roman"/>
-                <a:cs typeface="Times New Roman"/>
-              </a:rPr>
-              <a:t>	</a:t>
-            </a:r>
-            <a:r>
-              <a:rPr sz="1950" spc="-20" dirty="0">
-                <a:solidFill>
-                  <a:srgbClr val="008000"/>
-                </a:solidFill>
-                <a:latin typeface="Consolas"/>
-                <a:cs typeface="Consolas"/>
-              </a:rPr>
-              <a:t>[naa</a:t>
-            </a:r>
-            <a:r>
-              <a:rPr sz="1950" spc="-15" dirty="0">
-                <a:solidFill>
-                  <a:srgbClr val="008000"/>
-                </a:solidFill>
-                <a:latin typeface="Consolas"/>
-                <a:cs typeface="Consolas"/>
-              </a:rPr>
-              <a:t>m</a:t>
-            </a:r>
-            <a:r>
-              <a:rPr sz="1950" dirty="0">
-                <a:solidFill>
-                  <a:srgbClr val="008000"/>
-                </a:solidFill>
-                <a:latin typeface="Times New Roman"/>
-                <a:cs typeface="Times New Roman"/>
-              </a:rPr>
-              <a:t>	</a:t>
-            </a:r>
-            <a:r>
-              <a:rPr sz="1950" spc="-20" dirty="0">
-                <a:solidFill>
-                  <a:srgbClr val="008000"/>
-                </a:solidFill>
-                <a:latin typeface="Consolas"/>
-                <a:cs typeface="Consolas"/>
-              </a:rPr>
-              <a:t>va</a:t>
-            </a:r>
-            <a:r>
-              <a:rPr sz="1950" spc="-15" dirty="0">
-                <a:solidFill>
-                  <a:srgbClr val="008000"/>
-                </a:solidFill>
-                <a:latin typeface="Consolas"/>
-                <a:cs typeface="Consolas"/>
-              </a:rPr>
-              <a:t>n</a:t>
-            </a:r>
-            <a:r>
-              <a:rPr sz="1950" dirty="0">
-                <a:solidFill>
-                  <a:srgbClr val="008000"/>
-                </a:solidFill>
-                <a:latin typeface="Times New Roman"/>
-                <a:cs typeface="Times New Roman"/>
-              </a:rPr>
-              <a:t>	</a:t>
-            </a:r>
-            <a:r>
-              <a:rPr sz="1950" spc="-20" dirty="0">
-                <a:solidFill>
-                  <a:srgbClr val="008000"/>
-                </a:solidFill>
-                <a:latin typeface="Consolas"/>
-                <a:cs typeface="Consolas"/>
-              </a:rPr>
-              <a:t>stad]&lt;/li&gt;</a:t>
-            </a:r>
-            <a:endParaRPr sz="1950" dirty="0">
-              <a:latin typeface="Consolas"/>
-              <a:cs typeface="Consolas"/>
-            </a:endParaRPr>
-          </a:p>
-          <a:p>
-            <a:pPr marL="1230630">
-              <a:lnSpc>
-                <a:spcPts val="2330"/>
-              </a:lnSpc>
-              <a:tabLst>
-                <a:tab pos="1771650" algn="l"/>
-                <a:tab pos="6508115" algn="l"/>
-              </a:tabLst>
-            </a:pPr>
-            <a:r>
-              <a:rPr sz="1950" spc="-20" dirty="0">
-                <a:solidFill>
-                  <a:srgbClr val="008000"/>
-                </a:solidFill>
-                <a:latin typeface="Consolas"/>
-                <a:cs typeface="Consolas"/>
-              </a:rPr>
-              <a:t>&lt;l</a:t>
-            </a:r>
-            <a:r>
-              <a:rPr sz="1950" spc="-15" dirty="0">
-                <a:solidFill>
-                  <a:srgbClr val="008000"/>
-                </a:solidFill>
-                <a:latin typeface="Consolas"/>
-                <a:cs typeface="Consolas"/>
-              </a:rPr>
-              <a:t>i</a:t>
-            </a:r>
-            <a:r>
-              <a:rPr sz="1950" dirty="0">
-                <a:solidFill>
-                  <a:srgbClr val="008000"/>
-                </a:solidFill>
-                <a:latin typeface="Times New Roman"/>
-                <a:cs typeface="Times New Roman"/>
-              </a:rPr>
-              <a:t>	</a:t>
-            </a:r>
-            <a:r>
-              <a:rPr sz="1950" spc="-20" dirty="0">
-                <a:solidFill>
-                  <a:srgbClr val="008000"/>
-                </a:solidFill>
-                <a:latin typeface="Consolas"/>
-                <a:cs typeface="Consolas"/>
-              </a:rPr>
-              <a:t>class="lis</a:t>
-            </a:r>
-            <a:r>
-              <a:rPr sz="1950" spc="-25" dirty="0">
-                <a:solidFill>
-                  <a:srgbClr val="008000"/>
-                </a:solidFill>
-                <a:latin typeface="Consolas"/>
-                <a:cs typeface="Consolas"/>
-              </a:rPr>
-              <a:t>t‐</a:t>
-            </a:r>
-            <a:r>
-              <a:rPr sz="1950" spc="-20" dirty="0">
-                <a:solidFill>
-                  <a:srgbClr val="008000"/>
-                </a:solidFill>
-                <a:latin typeface="Consolas"/>
-                <a:cs typeface="Consolas"/>
-              </a:rPr>
-              <a:t>grou</a:t>
-            </a:r>
-            <a:r>
-              <a:rPr sz="1950" spc="-25" dirty="0">
-                <a:solidFill>
-                  <a:srgbClr val="008000"/>
-                </a:solidFill>
-                <a:latin typeface="Consolas"/>
-                <a:cs typeface="Consolas"/>
-              </a:rPr>
-              <a:t>p</a:t>
-            </a:r>
-            <a:r>
-              <a:rPr sz="1950" spc="-20" dirty="0">
-                <a:solidFill>
-                  <a:srgbClr val="008000"/>
-                </a:solidFill>
-                <a:latin typeface="Consolas"/>
-                <a:cs typeface="Consolas"/>
-              </a:rPr>
-              <a:t>‐item"&gt;Provincie</a:t>
-            </a:r>
-            <a:r>
-              <a:rPr sz="1950" spc="-15" dirty="0">
-                <a:solidFill>
-                  <a:srgbClr val="008000"/>
-                </a:solidFill>
-                <a:latin typeface="Consolas"/>
-                <a:cs typeface="Consolas"/>
-              </a:rPr>
-              <a:t>:</a:t>
-            </a:r>
-            <a:r>
-              <a:rPr sz="1950" dirty="0">
-                <a:solidFill>
-                  <a:srgbClr val="008000"/>
-                </a:solidFill>
-                <a:latin typeface="Times New Roman"/>
-                <a:cs typeface="Times New Roman"/>
-              </a:rPr>
-              <a:t>	</a:t>
-            </a:r>
-            <a:r>
-              <a:rPr sz="1950" spc="-20" dirty="0">
-                <a:solidFill>
-                  <a:srgbClr val="008000"/>
-                </a:solidFill>
-                <a:latin typeface="Consolas"/>
-                <a:cs typeface="Consolas"/>
-              </a:rPr>
-              <a:t>[provincie]&lt;/li&gt;</a:t>
-            </a:r>
-            <a:endParaRPr sz="1950" dirty="0">
-              <a:latin typeface="Consolas"/>
-              <a:cs typeface="Consolas"/>
-            </a:endParaRPr>
-          </a:p>
-          <a:p>
-            <a:pPr marL="1230630">
-              <a:lnSpc>
-                <a:spcPts val="2330"/>
-              </a:lnSpc>
-              <a:tabLst>
-                <a:tab pos="1771650" algn="l"/>
-                <a:tab pos="6644005" algn="l"/>
-              </a:tabLst>
-            </a:pPr>
-            <a:r>
-              <a:rPr sz="1950" spc="-20" dirty="0">
-                <a:solidFill>
-                  <a:srgbClr val="008000"/>
-                </a:solidFill>
-                <a:latin typeface="Consolas"/>
-                <a:cs typeface="Consolas"/>
-              </a:rPr>
-              <a:t>&lt;l</a:t>
-            </a:r>
-            <a:r>
-              <a:rPr sz="1950" spc="-15" dirty="0">
-                <a:solidFill>
-                  <a:srgbClr val="008000"/>
-                </a:solidFill>
-                <a:latin typeface="Consolas"/>
-                <a:cs typeface="Consolas"/>
-              </a:rPr>
-              <a:t>i</a:t>
-            </a:r>
-            <a:r>
-              <a:rPr sz="1950" dirty="0">
-                <a:solidFill>
-                  <a:srgbClr val="008000"/>
-                </a:solidFill>
-                <a:latin typeface="Times New Roman"/>
-                <a:cs typeface="Times New Roman"/>
-              </a:rPr>
-              <a:t>	</a:t>
-            </a:r>
-            <a:r>
-              <a:rPr sz="1950" spc="-20" dirty="0">
-                <a:solidFill>
-                  <a:srgbClr val="008000"/>
-                </a:solidFill>
-                <a:latin typeface="Consolas"/>
-                <a:cs typeface="Consolas"/>
-              </a:rPr>
-              <a:t>class="lis</a:t>
-            </a:r>
-            <a:r>
-              <a:rPr sz="1950" spc="-25" dirty="0">
-                <a:solidFill>
-                  <a:srgbClr val="008000"/>
-                </a:solidFill>
-                <a:latin typeface="Consolas"/>
-                <a:cs typeface="Consolas"/>
-              </a:rPr>
-              <a:t>t‐</a:t>
-            </a:r>
-            <a:r>
-              <a:rPr sz="1950" spc="-20" dirty="0">
-                <a:solidFill>
-                  <a:srgbClr val="008000"/>
-                </a:solidFill>
-                <a:latin typeface="Consolas"/>
-                <a:cs typeface="Consolas"/>
-              </a:rPr>
-              <a:t>grou</a:t>
-            </a:r>
-            <a:r>
-              <a:rPr sz="1950" spc="-25" dirty="0">
-                <a:solidFill>
-                  <a:srgbClr val="008000"/>
-                </a:solidFill>
-                <a:latin typeface="Consolas"/>
-                <a:cs typeface="Consolas"/>
-              </a:rPr>
-              <a:t>p</a:t>
-            </a:r>
-            <a:r>
-              <a:rPr sz="1950" spc="-20" dirty="0">
-                <a:solidFill>
-                  <a:srgbClr val="008000"/>
-                </a:solidFill>
-                <a:latin typeface="Consolas"/>
-                <a:cs typeface="Consolas"/>
-              </a:rPr>
-              <a:t>‐item"&gt;Highlights</a:t>
-            </a:r>
-            <a:r>
-              <a:rPr sz="1950" spc="-15" dirty="0">
-                <a:solidFill>
-                  <a:srgbClr val="008000"/>
-                </a:solidFill>
-                <a:latin typeface="Consolas"/>
-                <a:cs typeface="Consolas"/>
-              </a:rPr>
-              <a:t>:</a:t>
-            </a:r>
-            <a:r>
-              <a:rPr sz="1950" dirty="0">
-                <a:solidFill>
-                  <a:srgbClr val="008000"/>
-                </a:solidFill>
-                <a:latin typeface="Times New Roman"/>
-                <a:cs typeface="Times New Roman"/>
-              </a:rPr>
-              <a:t>	</a:t>
-            </a:r>
-            <a:r>
-              <a:rPr sz="1950" spc="-20" dirty="0">
-                <a:solidFill>
-                  <a:srgbClr val="008000"/>
-                </a:solidFill>
-                <a:latin typeface="Consolas"/>
-                <a:cs typeface="Consolas"/>
-              </a:rPr>
-              <a:t>[highlights]&lt;/li&gt;</a:t>
-            </a:r>
-            <a:endParaRPr sz="1950" dirty="0">
-              <a:latin typeface="Consolas"/>
-              <a:cs typeface="Consolas"/>
-            </a:endParaRPr>
-          </a:p>
-          <a:p>
-            <a:pPr marL="824865">
-              <a:lnSpc>
-                <a:spcPts val="2330"/>
-              </a:lnSpc>
-            </a:pPr>
-            <a:r>
-              <a:rPr sz="1950" spc="-20" dirty="0">
-                <a:solidFill>
-                  <a:srgbClr val="008000"/>
-                </a:solidFill>
-                <a:latin typeface="Consolas"/>
-                <a:cs typeface="Consolas"/>
-              </a:rPr>
-              <a:t>&lt;/ul&gt;</a:t>
-            </a:r>
-            <a:endParaRPr sz="1950" dirty="0">
-              <a:latin typeface="Consolas"/>
-              <a:cs typeface="Consolas"/>
-            </a:endParaRPr>
-          </a:p>
-          <a:p>
-            <a:pPr marL="418465">
-              <a:lnSpc>
-                <a:spcPts val="2330"/>
-              </a:lnSpc>
-            </a:pPr>
-            <a:r>
-              <a:rPr sz="1950" spc="-15" dirty="0">
-                <a:solidFill>
-                  <a:srgbClr val="008000"/>
-                </a:solidFill>
-                <a:latin typeface="Consolas"/>
-                <a:cs typeface="Consolas"/>
-              </a:rPr>
-              <a:t>`</a:t>
-            </a:r>
-            <a:endParaRPr sz="1950" dirty="0">
-              <a:latin typeface="Consolas"/>
-              <a:cs typeface="Consolas"/>
-            </a:endParaRPr>
-          </a:p>
-          <a:p>
-            <a:pPr marL="12700">
-              <a:lnSpc>
-                <a:spcPts val="2335"/>
-              </a:lnSpc>
-            </a:pPr>
-            <a:r>
-              <a:rPr sz="1950" spc="-20" dirty="0">
-                <a:latin typeface="Consolas"/>
-                <a:cs typeface="Consolas"/>
-              </a:rPr>
-              <a:t>})</a:t>
-            </a:r>
-            <a:endParaRPr sz="1950" dirty="0">
-              <a:latin typeface="Consolas"/>
-              <a:cs typeface="Consolas"/>
-            </a:endParaRPr>
-          </a:p>
-          <a:p>
-            <a:pPr>
-              <a:lnSpc>
-                <a:spcPct val="100000"/>
-              </a:lnSpc>
-              <a:spcBef>
-                <a:spcPts val="22"/>
-              </a:spcBef>
-            </a:pPr>
-            <a:endParaRPr sz="2000" dirty="0">
-              <a:latin typeface="Times New Roman"/>
-              <a:cs typeface="Times New Roman"/>
-            </a:endParaRPr>
-          </a:p>
-          <a:p>
-            <a:pPr marL="12700">
-              <a:lnSpc>
-                <a:spcPct val="100000"/>
-              </a:lnSpc>
-              <a:tabLst>
-                <a:tab pos="960119" algn="l"/>
-                <a:tab pos="1771650" algn="l"/>
-              </a:tabLst>
-            </a:pPr>
-            <a:r>
-              <a:rPr sz="1950" spc="-20" dirty="0">
-                <a:solidFill>
-                  <a:srgbClr val="000080"/>
-                </a:solidFill>
-                <a:latin typeface="Consolas"/>
-                <a:cs typeface="Consolas"/>
-              </a:rPr>
-              <a:t>expor</a:t>
-            </a:r>
-            <a:r>
-              <a:rPr sz="1950" spc="-15" dirty="0">
-                <a:solidFill>
-                  <a:srgbClr val="000080"/>
-                </a:solidFill>
-                <a:latin typeface="Consolas"/>
-                <a:cs typeface="Consolas"/>
-              </a:rPr>
-              <a:t>t</a:t>
-            </a:r>
-            <a:r>
-              <a:rPr sz="1950" dirty="0">
-                <a:solidFill>
-                  <a:srgbClr val="000080"/>
-                </a:solidFill>
-                <a:latin typeface="Times New Roman"/>
-                <a:cs typeface="Times New Roman"/>
-              </a:rPr>
-              <a:t>	</a:t>
-            </a:r>
-            <a:r>
-              <a:rPr sz="1950" spc="-20" dirty="0">
-                <a:solidFill>
-                  <a:srgbClr val="000080"/>
-                </a:solidFill>
-                <a:latin typeface="Consolas"/>
-                <a:cs typeface="Consolas"/>
-              </a:rPr>
-              <a:t>clas</a:t>
-            </a:r>
-            <a:r>
-              <a:rPr sz="1950" spc="-15" dirty="0">
-                <a:solidFill>
-                  <a:srgbClr val="000080"/>
-                </a:solidFill>
-                <a:latin typeface="Consolas"/>
-                <a:cs typeface="Consolas"/>
-              </a:rPr>
-              <a:t>s</a:t>
-            </a:r>
-            <a:r>
-              <a:rPr sz="1950" dirty="0">
-                <a:solidFill>
-                  <a:srgbClr val="000080"/>
-                </a:solidFill>
-                <a:latin typeface="Times New Roman"/>
-                <a:cs typeface="Times New Roman"/>
-              </a:rPr>
-              <a:t>	</a:t>
-            </a:r>
-            <a:r>
-              <a:rPr sz="1950" spc="-20" dirty="0" err="1">
-                <a:latin typeface="Consolas"/>
-                <a:cs typeface="Consolas"/>
-              </a:rPr>
-              <a:t>CityDetail</a:t>
-            </a:r>
-            <a:r>
-              <a:rPr lang="nl-NL" sz="1950" spc="-20" dirty="0">
-                <a:latin typeface="Consolas"/>
-                <a:cs typeface="Consolas"/>
-              </a:rPr>
-              <a:t>Component</a:t>
-            </a:r>
-            <a:r>
-              <a:rPr lang="en-NL" sz="1950" spc="-20" dirty="0">
-                <a:latin typeface="Consolas"/>
-                <a:cs typeface="Consolas"/>
-              </a:rPr>
-              <a:t>{</a:t>
-            </a:r>
-            <a:r>
-              <a:rPr lang="en-NL" sz="1950" dirty="0">
-                <a:latin typeface="Consolas"/>
-                <a:cs typeface="Consolas"/>
-              </a:rPr>
-              <a:t> </a:t>
-            </a:r>
-            <a:r>
-              <a:rPr sz="1950" spc="-15" dirty="0">
-                <a:latin typeface="Consolas"/>
-                <a:cs typeface="Consolas"/>
-              </a:rPr>
-              <a:t>}</a:t>
-            </a:r>
-            <a:endParaRPr sz="1950" dirty="0">
-              <a:latin typeface="Consolas"/>
-              <a:cs typeface="Consolas"/>
-            </a:endParaRPr>
-          </a:p>
-        </p:txBody>
-      </p:sp>
-      <p:sp>
-        <p:nvSpPr>
-          <p:cNvPr id="8" name="object 8"/>
-          <p:cNvSpPr/>
-          <p:nvPr/>
-        </p:nvSpPr>
-        <p:spPr>
-          <a:xfrm>
-            <a:off x="5118101" y="2355359"/>
-            <a:ext cx="3697546" cy="566920"/>
-          </a:xfrm>
-          <a:custGeom>
-            <a:avLst/>
-            <a:gdLst/>
-            <a:ahLst/>
-            <a:cxnLst/>
-            <a:rect l="l" t="t" r="r" b="b"/>
-            <a:pathLst>
-              <a:path w="2272665" h="543560">
-                <a:moveTo>
-                  <a:pt x="2272283" y="0"/>
-                </a:moveTo>
-                <a:lnTo>
-                  <a:pt x="795527" y="0"/>
-                </a:lnTo>
-                <a:lnTo>
-                  <a:pt x="795527" y="316991"/>
-                </a:lnTo>
-                <a:lnTo>
-                  <a:pt x="0" y="323087"/>
-                </a:lnTo>
-                <a:lnTo>
-                  <a:pt x="795527" y="453389"/>
-                </a:lnTo>
-                <a:lnTo>
-                  <a:pt x="795527" y="543305"/>
-                </a:lnTo>
-                <a:lnTo>
-                  <a:pt x="2272283" y="543305"/>
-                </a:lnTo>
-                <a:lnTo>
-                  <a:pt x="2272283" y="0"/>
-                </a:lnTo>
-                <a:close/>
-              </a:path>
-            </a:pathLst>
-          </a:custGeom>
-          <a:solidFill>
-            <a:srgbClr val="FF0000"/>
-          </a:solidFill>
-        </p:spPr>
-        <p:txBody>
-          <a:bodyPr wrap="square" lIns="0" tIns="0" rIns="0" bIns="0" rtlCol="0"/>
-          <a:lstStyle/>
-          <a:p>
-            <a:endParaRPr/>
           </a:p>
         </p:txBody>
       </p:sp>
@@ -12781,71 +12286,6 @@
               <a:latin typeface="Arial"/>
               <a:cs typeface="Arial"/>
             </a:endParaRPr>
-          </a:p>
-        </p:txBody>
-      </p:sp>
-      <p:sp>
-        <p:nvSpPr>
-          <p:cNvPr id="10" name="object 10"/>
-          <p:cNvSpPr/>
-          <p:nvPr/>
-        </p:nvSpPr>
-        <p:spPr>
-          <a:xfrm>
-            <a:off x="7679073" y="2959200"/>
-            <a:ext cx="1477010" cy="843280"/>
-          </a:xfrm>
-          <a:custGeom>
-            <a:avLst/>
-            <a:gdLst/>
-            <a:ahLst/>
-            <a:cxnLst/>
-            <a:rect l="l" t="t" r="r" b="b"/>
-            <a:pathLst>
-              <a:path w="1477009" h="843279">
-                <a:moveTo>
-                  <a:pt x="614933" y="544067"/>
-                </a:moveTo>
-                <a:lnTo>
-                  <a:pt x="246125" y="544067"/>
-                </a:lnTo>
-                <a:lnTo>
-                  <a:pt x="140969" y="842771"/>
-                </a:lnTo>
-                <a:lnTo>
-                  <a:pt x="614933" y="544067"/>
-                </a:lnTo>
-                <a:close/>
-              </a:path>
-              <a:path w="1477009" h="843279">
-                <a:moveTo>
-                  <a:pt x="1476755" y="0"/>
-                </a:moveTo>
-                <a:lnTo>
-                  <a:pt x="0" y="0"/>
-                </a:lnTo>
-                <a:lnTo>
-                  <a:pt x="0" y="544067"/>
-                </a:lnTo>
-                <a:lnTo>
-                  <a:pt x="1476755" y="544067"/>
-                </a:lnTo>
-                <a:lnTo>
-                  <a:pt x="1476755" y="0"/>
-                </a:lnTo>
-                <a:close/>
-              </a:path>
-            </a:pathLst>
-          </a:custGeom>
-          <a:solidFill>
-            <a:srgbClr val="FF0000"/>
-          </a:solidFill>
-        </p:spPr>
-        <p:txBody>
-          <a:bodyPr wrap="square" lIns="0" tIns="0" rIns="0" bIns="0" rtlCol="0"/>
-          <a:lstStyle/>
-          <a:p>
-            <a:endParaRPr/>
           </a:p>
         </p:txBody>
       </p:sp>
@@ -20133,7 +19573,7 @@
         <p:spPr>
           <a:xfrm>
             <a:off x="1358786" y="999061"/>
-            <a:ext cx="8419465" cy="523220"/>
+            <a:ext cx="9300412" cy="5663089"/>
           </a:xfrm>
           <a:prstGeom prst="rect">
             <a:avLst/>
@@ -20151,58 +19591,58 @@
               </a:lnSpc>
             </a:pPr>
             <a:r>
-              <a:rPr sz="1700" i="1" dirty="0">
+              <a:rPr sz="1600" i="1" dirty="0">
                 <a:solidFill>
                   <a:srgbClr val="46C249"/>
                 </a:solidFill>
-                <a:latin typeface="Consolas"/>
-                <a:cs typeface="Consolas"/>
+                <a:latin typeface="Consolas" panose="020B0609020204030204" pitchFamily="49" charset="0"/>
+                <a:cs typeface="Consolas" panose="020B0609020204030204" pitchFamily="49" charset="0"/>
               </a:rPr>
               <a:t>/</a:t>
             </a:r>
             <a:r>
-              <a:rPr sz="1700" i="1" spc="5" dirty="0">
+              <a:rPr sz="1600" i="1" spc="5" dirty="0">
                 <a:solidFill>
                   <a:srgbClr val="46C249"/>
                 </a:solidFill>
-                <a:latin typeface="Consolas"/>
-                <a:cs typeface="Consolas"/>
+                <a:latin typeface="Consolas" panose="020B0609020204030204" pitchFamily="49" charset="0"/>
+                <a:cs typeface="Consolas" panose="020B0609020204030204" pitchFamily="49" charset="0"/>
               </a:rPr>
               <a:t>/</a:t>
             </a:r>
             <a:r>
-              <a:rPr sz="1700" i="1" dirty="0">
+              <a:rPr sz="1600" i="1" dirty="0">
                 <a:solidFill>
                   <a:srgbClr val="46C249"/>
                 </a:solidFill>
-                <a:latin typeface="Times New Roman"/>
-                <a:cs typeface="Times New Roman"/>
+                <a:latin typeface="Consolas" panose="020B0609020204030204" pitchFamily="49" charset="0"/>
+                <a:cs typeface="Consolas" panose="020B0609020204030204" pitchFamily="49" charset="0"/>
               </a:rPr>
               <a:t> </a:t>
             </a:r>
             <a:r>
-              <a:rPr sz="1700" i="1" spc="85" dirty="0">
+              <a:rPr sz="1600" i="1" spc="85" dirty="0">
                 <a:solidFill>
                   <a:srgbClr val="46C249"/>
                 </a:solidFill>
-                <a:latin typeface="Times New Roman"/>
-                <a:cs typeface="Times New Roman"/>
+                <a:latin typeface="Consolas" panose="020B0609020204030204" pitchFamily="49" charset="0"/>
+                <a:cs typeface="Consolas" panose="020B0609020204030204" pitchFamily="49" charset="0"/>
               </a:rPr>
               <a:t> </a:t>
             </a:r>
             <a:r>
-              <a:rPr sz="1700" i="1" spc="-5" dirty="0">
+              <a:rPr sz="1600" i="1" spc="-5" dirty="0" err="1">
                 <a:solidFill>
                   <a:srgbClr val="46C249"/>
                 </a:solidFill>
-                <a:latin typeface="Consolas"/>
-                <a:cs typeface="Consolas"/>
+                <a:latin typeface="Consolas" panose="020B0609020204030204" pitchFamily="49" charset="0"/>
+                <a:cs typeface="Consolas" panose="020B0609020204030204" pitchFamily="49" charset="0"/>
               </a:rPr>
               <a:t>city.detail.ts</a:t>
             </a:r>
-            <a:endParaRPr sz="1700" dirty="0">
-              <a:latin typeface="Consolas"/>
-              <a:cs typeface="Consolas"/>
+            <a:endParaRPr lang="en-NL" sz="1600" spc="5" dirty="0">
+              <a:latin typeface="Consolas" panose="020B0609020204030204" pitchFamily="49" charset="0"/>
+              <a:cs typeface="Consolas" panose="020B0609020204030204" pitchFamily="49" charset="0"/>
             </a:endParaRPr>
           </a:p>
           <a:p>
@@ -20215,719 +19655,529 @@
               </a:spcBef>
             </a:pPr>
             <a:r>
-              <a:rPr sz="1700" spc="-5" dirty="0">
-                <a:solidFill>
-                  <a:srgbClr val="000080"/>
-                </a:solidFill>
-                <a:latin typeface="Consolas"/>
-                <a:cs typeface="Consolas"/>
-              </a:rPr>
-              <a:t>impor</a:t>
-            </a:r>
-            <a:r>
-              <a:rPr sz="1700" spc="5" dirty="0">
-                <a:solidFill>
-                  <a:srgbClr val="000080"/>
-                </a:solidFill>
-                <a:latin typeface="Consolas"/>
-                <a:cs typeface="Consolas"/>
-              </a:rPr>
-              <a:t>t</a:t>
-            </a:r>
-            <a:r>
-              <a:rPr sz="1700" dirty="0">
-                <a:solidFill>
-                  <a:srgbClr val="000080"/>
-                </a:solidFill>
-                <a:latin typeface="Times New Roman"/>
-                <a:cs typeface="Times New Roman"/>
-              </a:rPr>
-              <a:t> </a:t>
-            </a:r>
-            <a:r>
-              <a:rPr sz="1700" spc="90" dirty="0">
-                <a:solidFill>
-                  <a:srgbClr val="000080"/>
-                </a:solidFill>
-                <a:latin typeface="Times New Roman"/>
-                <a:cs typeface="Times New Roman"/>
-              </a:rPr>
-              <a:t> </a:t>
-            </a:r>
-            <a:r>
-              <a:rPr sz="1700" spc="5" dirty="0">
-                <a:latin typeface="Consolas"/>
-                <a:cs typeface="Consolas"/>
-              </a:rPr>
-              <a:t>{</a:t>
-            </a:r>
-            <a:r>
-              <a:rPr sz="1700" dirty="0">
-                <a:latin typeface="Times New Roman"/>
-                <a:cs typeface="Times New Roman"/>
-              </a:rPr>
-              <a:t> </a:t>
-            </a:r>
-            <a:r>
-              <a:rPr sz="1700" spc="85" dirty="0">
-                <a:latin typeface="Times New Roman"/>
-                <a:cs typeface="Times New Roman"/>
-              </a:rPr>
-              <a:t> </a:t>
-            </a:r>
-            <a:r>
-              <a:rPr sz="1700" spc="-5" dirty="0">
-                <a:latin typeface="Consolas"/>
-                <a:cs typeface="Consolas"/>
-              </a:rPr>
-              <a:t>Component</a:t>
-            </a:r>
-            <a:r>
-              <a:rPr sz="1700" spc="5" dirty="0">
-                <a:latin typeface="Consolas"/>
-                <a:cs typeface="Consolas"/>
-              </a:rPr>
-              <a:t>,</a:t>
-            </a:r>
-            <a:r>
-              <a:rPr sz="1700" dirty="0">
-                <a:latin typeface="Times New Roman"/>
-                <a:cs typeface="Times New Roman"/>
-              </a:rPr>
-              <a:t> </a:t>
-            </a:r>
-            <a:r>
-              <a:rPr sz="1700" spc="85" dirty="0">
-                <a:latin typeface="Times New Roman"/>
-                <a:cs typeface="Times New Roman"/>
-              </a:rPr>
-              <a:t> </a:t>
-            </a:r>
-            <a:r>
-              <a:rPr sz="1700" spc="-5" dirty="0">
-                <a:latin typeface="Consolas"/>
-                <a:cs typeface="Consolas"/>
-              </a:rPr>
-              <a:t>Input</a:t>
-            </a:r>
-            <a:r>
-              <a:rPr sz="1700" spc="5" dirty="0">
-                <a:latin typeface="Consolas"/>
-                <a:cs typeface="Consolas"/>
-              </a:rPr>
-              <a:t>,</a:t>
-            </a:r>
-            <a:r>
-              <a:rPr sz="1700" dirty="0">
-                <a:latin typeface="Times New Roman"/>
-                <a:cs typeface="Times New Roman"/>
-              </a:rPr>
-              <a:t> </a:t>
-            </a:r>
-            <a:r>
-              <a:rPr sz="1700" spc="85" dirty="0">
-                <a:latin typeface="Times New Roman"/>
-                <a:cs typeface="Times New Roman"/>
-              </a:rPr>
-              <a:t> </a:t>
-            </a:r>
-            <a:r>
-              <a:rPr sz="1700" b="1" spc="-5" dirty="0">
-                <a:solidFill>
-                  <a:srgbClr val="FF0000"/>
-                </a:solidFill>
-                <a:latin typeface="Consolas"/>
-                <a:cs typeface="Consolas"/>
-              </a:rPr>
-              <a:t>Output</a:t>
-            </a:r>
-            <a:r>
-              <a:rPr sz="1700" spc="5" dirty="0">
-                <a:latin typeface="Consolas"/>
-                <a:cs typeface="Consolas"/>
-              </a:rPr>
-              <a:t>,</a:t>
-            </a:r>
-            <a:r>
-              <a:rPr sz="1700" dirty="0">
-                <a:latin typeface="Times New Roman"/>
-                <a:cs typeface="Times New Roman"/>
-              </a:rPr>
-              <a:t> </a:t>
-            </a:r>
-            <a:r>
-              <a:rPr sz="1700" spc="80" dirty="0">
-                <a:latin typeface="Times New Roman"/>
-                <a:cs typeface="Times New Roman"/>
-              </a:rPr>
-              <a:t> </a:t>
-            </a:r>
-            <a:r>
-              <a:rPr sz="1700" spc="-5" dirty="0">
-                <a:latin typeface="Consolas"/>
-                <a:cs typeface="Consolas"/>
+              <a:rPr lang="en-US" sz="1600" dirty="0">
+                <a:latin typeface="Consolas" panose="020B0609020204030204" pitchFamily="49" charset="0"/>
+                <a:cs typeface="Consolas" panose="020B0609020204030204" pitchFamily="49" charset="0"/>
+              </a:rPr>
+              <a:t>import { Component, </a:t>
+            </a:r>
+            <a:r>
+              <a:rPr lang="en-US" sz="1600" b="1" dirty="0" err="1">
+                <a:solidFill>
+                  <a:srgbClr val="C00000"/>
+                </a:solidFill>
+                <a:latin typeface="Consolas" panose="020B0609020204030204" pitchFamily="49" charset="0"/>
+                <a:cs typeface="Consolas" panose="020B0609020204030204" pitchFamily="49" charset="0"/>
               </a:rPr>
               <a:t>EventEmitter</a:t>
             </a:r>
             <a:r>
-              <a:rPr sz="1700" spc="5" dirty="0">
-                <a:latin typeface="Consolas"/>
-                <a:cs typeface="Consolas"/>
-              </a:rPr>
-              <a:t>}</a:t>
-            </a:r>
-            <a:r>
-              <a:rPr sz="1700" dirty="0">
-                <a:latin typeface="Times New Roman"/>
-                <a:cs typeface="Times New Roman"/>
-              </a:rPr>
-              <a:t> </a:t>
-            </a:r>
-            <a:r>
-              <a:rPr sz="1700" spc="85" dirty="0">
-                <a:latin typeface="Times New Roman"/>
-                <a:cs typeface="Times New Roman"/>
-              </a:rPr>
-              <a:t> </a:t>
-            </a:r>
-            <a:r>
-              <a:rPr sz="1700" spc="-5" dirty="0">
-                <a:solidFill>
-                  <a:srgbClr val="000080"/>
-                </a:solidFill>
-                <a:latin typeface="Consolas"/>
-                <a:cs typeface="Consolas"/>
-              </a:rPr>
-              <a:t>fro</a:t>
-            </a:r>
-            <a:r>
-              <a:rPr sz="1700" spc="5" dirty="0">
-                <a:solidFill>
-                  <a:srgbClr val="000080"/>
-                </a:solidFill>
-                <a:latin typeface="Consolas"/>
-                <a:cs typeface="Consolas"/>
-              </a:rPr>
-              <a:t>m</a:t>
-            </a:r>
-            <a:r>
-              <a:rPr sz="1700" dirty="0">
-                <a:solidFill>
-                  <a:srgbClr val="000080"/>
-                </a:solidFill>
-                <a:latin typeface="Times New Roman"/>
-                <a:cs typeface="Times New Roman"/>
-              </a:rPr>
-              <a:t> </a:t>
-            </a:r>
-            <a:r>
-              <a:rPr sz="1700" spc="80" dirty="0">
-                <a:solidFill>
-                  <a:srgbClr val="000080"/>
-                </a:solidFill>
-                <a:latin typeface="Times New Roman"/>
-                <a:cs typeface="Times New Roman"/>
-              </a:rPr>
-              <a:t> </a:t>
-            </a:r>
-            <a:r>
-              <a:rPr sz="1700" spc="-5" dirty="0">
-                <a:solidFill>
-                  <a:srgbClr val="008000"/>
-                </a:solidFill>
-                <a:latin typeface="Consolas"/>
-                <a:cs typeface="Consolas"/>
-              </a:rPr>
-              <a:t>’@angular/core</a:t>
-            </a:r>
-            <a:r>
-              <a:rPr sz="1700" dirty="0">
-                <a:solidFill>
-                  <a:srgbClr val="008000"/>
-                </a:solidFill>
-                <a:latin typeface="Consolas"/>
-                <a:cs typeface="Consolas"/>
-              </a:rPr>
-              <a:t>'</a:t>
-            </a:r>
-            <a:r>
-              <a:rPr sz="1700" spc="5" dirty="0">
-                <a:latin typeface="Consolas"/>
-                <a:cs typeface="Consolas"/>
-              </a:rPr>
-              <a:t>;</a:t>
-            </a:r>
-            <a:endParaRPr sz="1700" dirty="0">
-              <a:latin typeface="Consolas"/>
-              <a:cs typeface="Consolas"/>
-            </a:endParaRPr>
-          </a:p>
-        </p:txBody>
-      </p:sp>
-      <p:sp>
-        <p:nvSpPr>
-          <p:cNvPr id="6" name="object 6"/>
-          <p:cNvSpPr txBox="1"/>
-          <p:nvPr/>
-        </p:nvSpPr>
-        <p:spPr>
-          <a:xfrm>
-            <a:off x="1358647" y="1775794"/>
-            <a:ext cx="5301615" cy="2613660"/>
-          </a:xfrm>
-          <a:prstGeom prst="rect">
-            <a:avLst/>
-          </a:prstGeom>
-        </p:spPr>
-        <p:txBody>
-          <a:bodyPr vert="horz" wrap="square" lIns="0" tIns="0" rIns="0" bIns="0" rtlCol="0">
-            <a:spAutoFit/>
-          </a:bodyPr>
-          <a:lstStyle/>
+              <a:rPr lang="en-US" sz="1600" b="1" dirty="0">
+                <a:solidFill>
+                  <a:srgbClr val="C00000"/>
+                </a:solidFill>
+                <a:latin typeface="Consolas" panose="020B0609020204030204" pitchFamily="49" charset="0"/>
+                <a:cs typeface="Consolas" panose="020B0609020204030204" pitchFamily="49" charset="0"/>
+              </a:rPr>
+              <a:t>, Input, Output </a:t>
+            </a:r>
+            <a:r>
+              <a:rPr lang="en-US" sz="1600" dirty="0">
+                <a:latin typeface="Consolas" panose="020B0609020204030204" pitchFamily="49" charset="0"/>
+                <a:cs typeface="Consolas" panose="020B0609020204030204" pitchFamily="49" charset="0"/>
+              </a:rPr>
+              <a:t>} from '@angular/core';</a:t>
+            </a:r>
+            <a:br>
+              <a:rPr lang="en-US" sz="1600" dirty="0">
+                <a:latin typeface="Consolas" panose="020B0609020204030204" pitchFamily="49" charset="0"/>
+                <a:cs typeface="Consolas" panose="020B0609020204030204" pitchFamily="49" charset="0"/>
+              </a:rPr>
+            </a:br>
+            <a:br>
+              <a:rPr lang="en-US" sz="1600" dirty="0">
+                <a:latin typeface="Consolas" panose="020B0609020204030204" pitchFamily="49" charset="0"/>
+                <a:cs typeface="Consolas" panose="020B0609020204030204" pitchFamily="49" charset="0"/>
+              </a:rPr>
+            </a:br>
+            <a:r>
+              <a:rPr lang="en-US" sz="1600" dirty="0">
+                <a:latin typeface="Consolas" panose="020B0609020204030204" pitchFamily="49" charset="0"/>
+                <a:cs typeface="Consolas" panose="020B0609020204030204" pitchFamily="49" charset="0"/>
+              </a:rPr>
+              <a:t>@Component({</a:t>
+            </a:r>
+          </a:p>
           <a:p>
             <a:pPr marL="12700">
-              <a:lnSpc>
-                <a:spcPct val="100000"/>
-              </a:lnSpc>
-            </a:pPr>
-            <a:r>
-              <a:rPr sz="1700" spc="-5" dirty="0">
-                <a:latin typeface="Consolas"/>
-                <a:cs typeface="Consolas"/>
-              </a:rPr>
-              <a:t>@Component({</a:t>
-            </a:r>
-            <a:endParaRPr sz="1700" dirty="0">
-              <a:latin typeface="Consolas"/>
-              <a:cs typeface="Consolas"/>
-            </a:endParaRPr>
-          </a:p>
-          <a:p>
-            <a:pPr marL="372745" marR="3601085">
-              <a:lnSpc>
-                <a:spcPct val="101499"/>
-              </a:lnSpc>
-              <a:spcBef>
-                <a:spcPts val="5"/>
-              </a:spcBef>
-            </a:pPr>
-            <a:r>
-              <a:rPr sz="1700" spc="5" dirty="0">
-                <a:latin typeface="Consolas"/>
-                <a:cs typeface="Consolas"/>
-              </a:rPr>
-              <a:t>…</a:t>
-            </a:r>
-            <a:r>
-              <a:rPr sz="1700" dirty="0">
-                <a:latin typeface="Times New Roman"/>
-                <a:cs typeface="Times New Roman"/>
-              </a:rPr>
-              <a:t>   </a:t>
-            </a:r>
-            <a:r>
-              <a:rPr sz="1700" spc="-5" dirty="0">
-                <a:latin typeface="Consolas"/>
-                <a:cs typeface="Consolas"/>
-              </a:rPr>
-              <a:t>template</a:t>
-            </a:r>
-            <a:r>
-              <a:rPr sz="1700" spc="5" dirty="0">
-                <a:latin typeface="Consolas"/>
-                <a:cs typeface="Consolas"/>
-              </a:rPr>
-              <a:t>:</a:t>
-            </a:r>
-            <a:r>
-              <a:rPr sz="1700" dirty="0">
-                <a:latin typeface="Times New Roman"/>
-                <a:cs typeface="Times New Roman"/>
-              </a:rPr>
-              <a:t> </a:t>
-            </a:r>
-            <a:r>
-              <a:rPr sz="1700" spc="85" dirty="0">
-                <a:latin typeface="Times New Roman"/>
-                <a:cs typeface="Times New Roman"/>
-              </a:rPr>
-              <a:t> </a:t>
-            </a:r>
-            <a:r>
-              <a:rPr sz="1700" spc="5" dirty="0">
-                <a:solidFill>
-                  <a:srgbClr val="008000"/>
-                </a:solidFill>
-                <a:latin typeface="Consolas"/>
-                <a:cs typeface="Consolas"/>
-              </a:rPr>
-              <a:t>`</a:t>
-            </a:r>
-            <a:endParaRPr sz="1700" dirty="0">
-              <a:latin typeface="Consolas"/>
-              <a:cs typeface="Consolas"/>
-            </a:endParaRPr>
-          </a:p>
-          <a:p>
-            <a:pPr marL="372745">
-              <a:lnSpc>
-                <a:spcPct val="100000"/>
-              </a:lnSpc>
-              <a:spcBef>
-                <a:spcPts val="30"/>
-              </a:spcBef>
-            </a:pPr>
-            <a:r>
-              <a:rPr sz="1700" spc="-5" dirty="0">
-                <a:solidFill>
-                  <a:srgbClr val="008000"/>
-                </a:solidFill>
-                <a:latin typeface="Consolas"/>
-                <a:cs typeface="Consolas"/>
-              </a:rPr>
-              <a:t>&lt;h2&gt;Cit</a:t>
-            </a:r>
-            <a:r>
-              <a:rPr sz="1700" spc="5" dirty="0">
-                <a:solidFill>
-                  <a:srgbClr val="008000"/>
-                </a:solidFill>
-                <a:latin typeface="Consolas"/>
-                <a:cs typeface="Consolas"/>
-              </a:rPr>
-              <a:t>y</a:t>
-            </a:r>
-            <a:r>
-              <a:rPr sz="1700" dirty="0">
-                <a:solidFill>
-                  <a:srgbClr val="008000"/>
-                </a:solidFill>
-                <a:latin typeface="Times New Roman"/>
-                <a:cs typeface="Times New Roman"/>
-              </a:rPr>
-              <a:t> </a:t>
-            </a:r>
-            <a:r>
-              <a:rPr sz="1700" spc="80" dirty="0">
-                <a:solidFill>
-                  <a:srgbClr val="008000"/>
-                </a:solidFill>
-                <a:latin typeface="Times New Roman"/>
-                <a:cs typeface="Times New Roman"/>
-              </a:rPr>
-              <a:t> </a:t>
-            </a:r>
-            <a:r>
-              <a:rPr sz="1700" spc="-5" dirty="0">
-                <a:solidFill>
-                  <a:srgbClr val="008000"/>
-                </a:solidFill>
-                <a:latin typeface="Consolas"/>
-                <a:cs typeface="Consolas"/>
-              </a:rPr>
-              <a:t>details</a:t>
-            </a:r>
-            <a:endParaRPr sz="1700" dirty="0">
-              <a:latin typeface="Consolas"/>
-              <a:cs typeface="Consolas"/>
-            </a:endParaRPr>
-          </a:p>
-          <a:p>
-            <a:pPr marL="731520">
-              <a:lnSpc>
-                <a:spcPct val="100000"/>
-              </a:lnSpc>
               <a:spcBef>
                 <a:spcPts val="35"/>
               </a:spcBef>
             </a:pPr>
             <a:r>
-              <a:rPr sz="1700" spc="-5" dirty="0">
-                <a:solidFill>
-                  <a:srgbClr val="008000"/>
-                </a:solidFill>
-                <a:latin typeface="Consolas"/>
-                <a:cs typeface="Consolas"/>
-              </a:rPr>
-              <a:t>&lt;butto</a:t>
-            </a:r>
-            <a:r>
-              <a:rPr sz="1700" spc="5" dirty="0">
-                <a:solidFill>
-                  <a:srgbClr val="008000"/>
-                </a:solidFill>
-                <a:latin typeface="Consolas"/>
-                <a:cs typeface="Consolas"/>
-              </a:rPr>
-              <a:t>n</a:t>
-            </a:r>
-            <a:r>
-              <a:rPr sz="1700" dirty="0">
-                <a:solidFill>
-                  <a:srgbClr val="008000"/>
-                </a:solidFill>
+              <a:rPr lang="en-US" sz="1600" dirty="0">
+                <a:latin typeface="Consolas" panose="020B0609020204030204" pitchFamily="49" charset="0"/>
+                <a:cs typeface="Consolas" panose="020B0609020204030204" pitchFamily="49" charset="0"/>
+              </a:rPr>
+              <a:t>    </a:t>
+            </a:r>
+            <a:r>
+              <a:rPr lang="en-US" sz="1600" spc="-20" dirty="0">
+                <a:latin typeface="Consolas"/>
+                <a:cs typeface="Consolas"/>
+              </a:rPr>
+              <a:t>selector</a:t>
+            </a:r>
+            <a:r>
+              <a:rPr lang="en-US" sz="1600" spc="-15" dirty="0">
+                <a:latin typeface="Consolas"/>
+                <a:cs typeface="Consolas"/>
+              </a:rPr>
+              <a:t>:</a:t>
+            </a:r>
+            <a:r>
+              <a:rPr lang="en-US" sz="1600" spc="-15" dirty="0">
                 <a:latin typeface="Times New Roman"/>
                 <a:cs typeface="Times New Roman"/>
               </a:rPr>
               <a:t> </a:t>
             </a:r>
             <a:r>
-              <a:rPr sz="1700" spc="85" dirty="0">
+              <a:rPr lang="en-US" sz="1600" spc="-20" dirty="0">
                 <a:solidFill>
                   <a:srgbClr val="008000"/>
                 </a:solidFill>
-                <a:latin typeface="Times New Roman"/>
-                <a:cs typeface="Times New Roman"/>
-              </a:rPr>
-              <a:t> </a:t>
-            </a:r>
-            <a:r>
-              <a:rPr sz="1700" spc="-5" dirty="0">
+                <a:latin typeface="Consolas"/>
+                <a:cs typeface="Consolas"/>
+              </a:rPr>
+              <a:t>'cit</a:t>
+            </a:r>
+            <a:r>
+              <a:rPr lang="en-US" sz="1600" spc="-25" dirty="0">
                 <a:solidFill>
                   <a:srgbClr val="008000"/>
                 </a:solidFill>
                 <a:latin typeface="Consolas"/>
                 <a:cs typeface="Consolas"/>
               </a:rPr>
-              <a:t>(click)="rat</a:t>
-            </a:r>
-            <a:r>
-              <a:rPr sz="1700" dirty="0">
+              <a:t>y</a:t>
+            </a:r>
+            <a:r>
+              <a:rPr lang="en-US" sz="1600" spc="-20" dirty="0">
                 <a:solidFill>
                   <a:srgbClr val="008000"/>
                 </a:solidFill>
                 <a:latin typeface="Consolas"/>
                 <a:cs typeface="Consolas"/>
               </a:rPr>
-              <a:t>e</a:t>
-            </a:r>
-            <a:r>
-              <a:rPr sz="1700" spc="-5" dirty="0">
-                <a:solidFill>
-                  <a:srgbClr val="008000"/>
-                </a:solidFill>
-                <a:latin typeface="Consolas"/>
-                <a:cs typeface="Consolas"/>
+              <a:t>‐detail'</a:t>
+            </a:r>
+            <a:r>
+              <a:rPr lang="en-US" sz="1600" spc="-15" dirty="0">
+                <a:latin typeface="Consolas"/>
+                <a:cs typeface="Consolas"/>
+              </a:rPr>
+              <a:t>,</a:t>
+            </a:r>
+            <a:br>
+              <a:rPr lang="en-US" sz="1600" dirty="0">
+                <a:latin typeface="Consolas" panose="020B0609020204030204" pitchFamily="49" charset="0"/>
+                <a:cs typeface="Consolas" panose="020B0609020204030204" pitchFamily="49" charset="0"/>
+              </a:rPr>
+            </a:br>
+            <a:r>
+              <a:rPr lang="en-US" sz="1600" dirty="0">
+                <a:latin typeface="Consolas" panose="020B0609020204030204" pitchFamily="49" charset="0"/>
+                <a:cs typeface="Consolas" panose="020B0609020204030204" pitchFamily="49" charset="0"/>
+              </a:rPr>
+              <a:t>    template: `</a:t>
+            </a:r>
+            <a:br>
+              <a:rPr lang="en-US" sz="1600" dirty="0">
+                <a:latin typeface="Consolas" panose="020B0609020204030204" pitchFamily="49" charset="0"/>
+                <a:cs typeface="Consolas" panose="020B0609020204030204" pitchFamily="49" charset="0"/>
+              </a:rPr>
+            </a:br>
+            <a:r>
+              <a:rPr lang="en-US" sz="1600" dirty="0">
+                <a:latin typeface="Consolas" panose="020B0609020204030204" pitchFamily="49" charset="0"/>
+                <a:cs typeface="Consolas" panose="020B0609020204030204" pitchFamily="49" charset="0"/>
+              </a:rPr>
+              <a:t>        &lt;h2&gt;City details</a:t>
+            </a:r>
+            <a:br>
+              <a:rPr lang="en-US" sz="1600" dirty="0">
+                <a:latin typeface="Consolas" panose="020B0609020204030204" pitchFamily="49" charset="0"/>
+                <a:cs typeface="Consolas" panose="020B0609020204030204" pitchFamily="49" charset="0"/>
+              </a:rPr>
+            </a:br>
+            <a:r>
+              <a:rPr lang="en-US" sz="1600" dirty="0">
+                <a:latin typeface="Consolas" panose="020B0609020204030204" pitchFamily="49" charset="0"/>
+                <a:cs typeface="Consolas" panose="020B0609020204030204" pitchFamily="49" charset="0"/>
+              </a:rPr>
+              <a:t>            &lt;button (click)="</a:t>
+            </a:r>
+            <a:r>
+              <a:rPr lang="en-US" sz="1600" b="1" dirty="0">
+                <a:solidFill>
+                  <a:srgbClr val="C00000"/>
+                </a:solidFill>
+                <a:latin typeface="Consolas" panose="020B0609020204030204" pitchFamily="49" charset="0"/>
+                <a:cs typeface="Consolas" panose="020B0609020204030204" pitchFamily="49" charset="0"/>
+              </a:rPr>
+              <a:t>rate</a:t>
+            </a:r>
+            <a:r>
+              <a:rPr lang="en-US" sz="1600" dirty="0">
+                <a:latin typeface="Consolas" panose="020B0609020204030204" pitchFamily="49" charset="0"/>
+                <a:cs typeface="Consolas" panose="020B0609020204030204" pitchFamily="49" charset="0"/>
               </a:rPr>
               <a:t>(1)"&gt;+1&lt;/button&gt;</a:t>
             </a:r>
-            <a:endParaRPr sz="1700" dirty="0">
-              <a:latin typeface="Consolas"/>
-              <a:cs typeface="Consolas"/>
+            <a:br>
+              <a:rPr lang="en-US" sz="1600" dirty="0">
+                <a:latin typeface="Consolas" panose="020B0609020204030204" pitchFamily="49" charset="0"/>
+                <a:cs typeface="Consolas" panose="020B0609020204030204" pitchFamily="49" charset="0"/>
+              </a:rPr>
+            </a:br>
+            <a:r>
+              <a:rPr lang="en-US" sz="1600" dirty="0">
+                <a:latin typeface="Consolas" panose="020B0609020204030204" pitchFamily="49" charset="0"/>
+                <a:cs typeface="Consolas" panose="020B0609020204030204" pitchFamily="49" charset="0"/>
+              </a:rPr>
+              <a:t>            &lt;button (click)="</a:t>
+            </a:r>
+            <a:r>
+              <a:rPr lang="en-US" sz="1600" b="1" dirty="0">
+                <a:solidFill>
+                  <a:srgbClr val="C00000"/>
+                </a:solidFill>
+                <a:latin typeface="Consolas" panose="020B0609020204030204" pitchFamily="49" charset="0"/>
+                <a:cs typeface="Consolas" panose="020B0609020204030204" pitchFamily="49" charset="0"/>
+              </a:rPr>
+              <a:t>rate</a:t>
+            </a:r>
+            <a:r>
+              <a:rPr lang="en-US" sz="1600" dirty="0">
+                <a:latin typeface="Consolas" panose="020B0609020204030204" pitchFamily="49" charset="0"/>
+                <a:cs typeface="Consolas" panose="020B0609020204030204" pitchFamily="49" charset="0"/>
+              </a:rPr>
+              <a:t>(-1)"&gt;‐1&lt;/button&gt;</a:t>
+            </a:r>
+            <a:br>
+              <a:rPr lang="en-US" sz="1600" dirty="0">
+                <a:latin typeface="Consolas" panose="020B0609020204030204" pitchFamily="49" charset="0"/>
+                <a:cs typeface="Consolas" panose="020B0609020204030204" pitchFamily="49" charset="0"/>
+              </a:rPr>
+            </a:br>
+            <a:r>
+              <a:rPr lang="en-US" sz="1600" dirty="0">
+                <a:latin typeface="Consolas" panose="020B0609020204030204" pitchFamily="49" charset="0"/>
+                <a:cs typeface="Consolas" panose="020B0609020204030204" pitchFamily="49" charset="0"/>
+              </a:rPr>
+              <a:t>        &lt;/h2&gt;</a:t>
+            </a:r>
+            <a:br>
+              <a:rPr lang="en-US" sz="1600" dirty="0">
+                <a:latin typeface="Consolas" panose="020B0609020204030204" pitchFamily="49" charset="0"/>
+                <a:cs typeface="Consolas" panose="020B0609020204030204" pitchFamily="49" charset="0"/>
+              </a:rPr>
+            </a:br>
+            <a:r>
+              <a:rPr lang="en-US" sz="1600" dirty="0">
+                <a:latin typeface="Consolas" panose="020B0609020204030204" pitchFamily="49" charset="0"/>
+                <a:cs typeface="Consolas" panose="020B0609020204030204" pitchFamily="49" charset="0"/>
+              </a:rPr>
+              <a:t>    `</a:t>
+            </a:r>
+            <a:br>
+              <a:rPr lang="en-US" sz="1600" dirty="0">
+                <a:latin typeface="Consolas" panose="020B0609020204030204" pitchFamily="49" charset="0"/>
+                <a:cs typeface="Consolas" panose="020B0609020204030204" pitchFamily="49" charset="0"/>
+              </a:rPr>
+            </a:br>
+            <a:r>
+              <a:rPr lang="en-US" sz="1600" dirty="0">
+                <a:latin typeface="Consolas" panose="020B0609020204030204" pitchFamily="49" charset="0"/>
+                <a:cs typeface="Consolas" panose="020B0609020204030204" pitchFamily="49" charset="0"/>
+              </a:rPr>
+              <a:t>})</a:t>
+            </a:r>
+            <a:br>
+              <a:rPr lang="en-US" sz="1600" dirty="0">
+                <a:latin typeface="Consolas" panose="020B0609020204030204" pitchFamily="49" charset="0"/>
+                <a:cs typeface="Consolas" panose="020B0609020204030204" pitchFamily="49" charset="0"/>
+              </a:rPr>
+            </a:br>
+            <a:br>
+              <a:rPr lang="en-US" sz="1600" dirty="0">
+                <a:latin typeface="Consolas" panose="020B0609020204030204" pitchFamily="49" charset="0"/>
+                <a:cs typeface="Consolas" panose="020B0609020204030204" pitchFamily="49" charset="0"/>
+              </a:rPr>
+            </a:br>
+            <a:r>
+              <a:rPr lang="en-US" sz="1600" dirty="0">
+                <a:latin typeface="Consolas" panose="020B0609020204030204" pitchFamily="49" charset="0"/>
+                <a:cs typeface="Consolas" panose="020B0609020204030204" pitchFamily="49" charset="0"/>
+              </a:rPr>
+              <a:t>export class </a:t>
+            </a:r>
+            <a:r>
+              <a:rPr lang="en-US" sz="1600" b="1" dirty="0" err="1">
+                <a:latin typeface="Consolas" panose="020B0609020204030204" pitchFamily="49" charset="0"/>
+                <a:cs typeface="Consolas" panose="020B0609020204030204" pitchFamily="49" charset="0"/>
+              </a:rPr>
+              <a:t>CityDetailComponent</a:t>
+            </a:r>
+            <a:r>
+              <a:rPr lang="en-US" sz="1600" dirty="0">
+                <a:latin typeface="Consolas" panose="020B0609020204030204" pitchFamily="49" charset="0"/>
+                <a:cs typeface="Consolas" panose="020B0609020204030204" pitchFamily="49" charset="0"/>
+              </a:rPr>
+              <a:t> {</a:t>
+            </a:r>
+            <a:br>
+              <a:rPr lang="en-US" sz="1600" dirty="0">
+                <a:latin typeface="Consolas" panose="020B0609020204030204" pitchFamily="49" charset="0"/>
+                <a:cs typeface="Consolas" panose="020B0609020204030204" pitchFamily="49" charset="0"/>
+              </a:rPr>
+            </a:br>
+            <a:r>
+              <a:rPr lang="en-US" sz="1600" dirty="0">
+                <a:latin typeface="Consolas" panose="020B0609020204030204" pitchFamily="49" charset="0"/>
+                <a:cs typeface="Consolas" panose="020B0609020204030204" pitchFamily="49" charset="0"/>
+              </a:rPr>
+              <a:t>    @Input()  public city: City;</a:t>
+            </a:r>
+            <a:br>
+              <a:rPr lang="en-US" sz="1600" dirty="0">
+                <a:latin typeface="Consolas" panose="020B0609020204030204" pitchFamily="49" charset="0"/>
+                <a:cs typeface="Consolas" panose="020B0609020204030204" pitchFamily="49" charset="0"/>
+              </a:rPr>
+            </a:br>
+            <a:r>
+              <a:rPr lang="en-US" sz="1600" dirty="0">
+                <a:latin typeface="Consolas" panose="020B0609020204030204" pitchFamily="49" charset="0"/>
+                <a:cs typeface="Consolas" panose="020B0609020204030204" pitchFamily="49" charset="0"/>
+              </a:rPr>
+              <a:t>    </a:t>
+            </a:r>
+            <a:r>
+              <a:rPr lang="en-US" sz="1600" b="1" dirty="0">
+                <a:solidFill>
+                  <a:srgbClr val="C00000"/>
+                </a:solidFill>
+                <a:latin typeface="Consolas" panose="020B0609020204030204" pitchFamily="49" charset="0"/>
+                <a:cs typeface="Consolas" panose="020B0609020204030204" pitchFamily="49" charset="0"/>
+              </a:rPr>
+              <a:t>@Output() </a:t>
+            </a:r>
+            <a:r>
+              <a:rPr lang="en-US" sz="1600" dirty="0">
+                <a:latin typeface="Consolas" panose="020B0609020204030204" pitchFamily="49" charset="0"/>
+                <a:cs typeface="Consolas" panose="020B0609020204030204" pitchFamily="49" charset="0"/>
+              </a:rPr>
+              <a:t>public rating: </a:t>
+            </a:r>
+            <a:r>
+              <a:rPr lang="en-US" sz="1600" b="1" dirty="0" err="1">
+                <a:solidFill>
+                  <a:srgbClr val="C00000"/>
+                </a:solidFill>
+                <a:latin typeface="Consolas" panose="020B0609020204030204" pitchFamily="49" charset="0"/>
+                <a:cs typeface="Consolas" panose="020B0609020204030204" pitchFamily="49" charset="0"/>
+              </a:rPr>
+              <a:t>EventEmitter</a:t>
+            </a:r>
+            <a:r>
+              <a:rPr lang="en-US" sz="1600" dirty="0">
+                <a:latin typeface="Consolas" panose="020B0609020204030204" pitchFamily="49" charset="0"/>
+                <a:cs typeface="Consolas" panose="020B0609020204030204" pitchFamily="49" charset="0"/>
+              </a:rPr>
+              <a:t>&lt;number&gt; = </a:t>
+            </a:r>
+            <a:r>
+              <a:rPr lang="en-US" sz="1600" b="1" dirty="0">
+                <a:solidFill>
+                  <a:srgbClr val="C00000"/>
+                </a:solidFill>
+                <a:latin typeface="Consolas" panose="020B0609020204030204" pitchFamily="49" charset="0"/>
+                <a:cs typeface="Consolas" panose="020B0609020204030204" pitchFamily="49" charset="0"/>
+              </a:rPr>
+              <a:t>new </a:t>
+            </a:r>
+            <a:r>
+              <a:rPr lang="en-US" sz="1600" b="1" dirty="0" err="1">
+                <a:solidFill>
+                  <a:srgbClr val="C00000"/>
+                </a:solidFill>
+                <a:latin typeface="Consolas" panose="020B0609020204030204" pitchFamily="49" charset="0"/>
+                <a:cs typeface="Consolas" panose="020B0609020204030204" pitchFamily="49" charset="0"/>
+              </a:rPr>
+              <a:t>EventEmitter</a:t>
+            </a:r>
+            <a:r>
+              <a:rPr lang="en-US" sz="1600" dirty="0">
+                <a:latin typeface="Consolas" panose="020B0609020204030204" pitchFamily="49" charset="0"/>
+                <a:cs typeface="Consolas" panose="020B0609020204030204" pitchFamily="49" charset="0"/>
+              </a:rPr>
+              <a:t>&lt;number&gt;();</a:t>
+            </a:r>
+            <a:br>
+              <a:rPr lang="en-US" sz="1600" dirty="0">
+                <a:latin typeface="Consolas" panose="020B0609020204030204" pitchFamily="49" charset="0"/>
+                <a:cs typeface="Consolas" panose="020B0609020204030204" pitchFamily="49" charset="0"/>
+              </a:rPr>
+            </a:br>
+            <a:br>
+              <a:rPr lang="en-US" sz="1600" dirty="0">
+                <a:latin typeface="Consolas" panose="020B0609020204030204" pitchFamily="49" charset="0"/>
+                <a:cs typeface="Consolas" panose="020B0609020204030204" pitchFamily="49" charset="0"/>
+              </a:rPr>
+            </a:br>
+            <a:r>
+              <a:rPr lang="en-US" sz="1600" dirty="0">
+                <a:latin typeface="Consolas" panose="020B0609020204030204" pitchFamily="49" charset="0"/>
+                <a:cs typeface="Consolas" panose="020B0609020204030204" pitchFamily="49" charset="0"/>
+              </a:rPr>
+              <a:t>    public </a:t>
+            </a:r>
+            <a:r>
+              <a:rPr lang="en-US" sz="1600" b="1" dirty="0">
+                <a:solidFill>
+                  <a:srgbClr val="C00000"/>
+                </a:solidFill>
+                <a:latin typeface="Consolas" panose="020B0609020204030204" pitchFamily="49" charset="0"/>
+                <a:cs typeface="Consolas" panose="020B0609020204030204" pitchFamily="49" charset="0"/>
+              </a:rPr>
+              <a:t>rate(num)</a:t>
+            </a:r>
+            <a:r>
+              <a:rPr lang="en-US" sz="1600" dirty="0">
+                <a:latin typeface="Consolas" panose="020B0609020204030204" pitchFamily="49" charset="0"/>
+                <a:cs typeface="Consolas" panose="020B0609020204030204" pitchFamily="49" charset="0"/>
+              </a:rPr>
+              <a:t>: void {</a:t>
+            </a:r>
+            <a:br>
+              <a:rPr lang="en-US" sz="1600" dirty="0">
+                <a:latin typeface="Consolas" panose="020B0609020204030204" pitchFamily="49" charset="0"/>
+                <a:cs typeface="Consolas" panose="020B0609020204030204" pitchFamily="49" charset="0"/>
+              </a:rPr>
+            </a:br>
+            <a:r>
+              <a:rPr lang="en-US" sz="1600" dirty="0">
+                <a:latin typeface="Consolas" panose="020B0609020204030204" pitchFamily="49" charset="0"/>
+                <a:cs typeface="Consolas" panose="020B0609020204030204" pitchFamily="49" charset="0"/>
+              </a:rPr>
+              <a:t>        </a:t>
+            </a:r>
+            <a:r>
+              <a:rPr lang="en-US" sz="1600" dirty="0" err="1">
+                <a:latin typeface="Consolas" panose="020B0609020204030204" pitchFamily="49" charset="0"/>
+                <a:cs typeface="Consolas" panose="020B0609020204030204" pitchFamily="49" charset="0"/>
+              </a:rPr>
+              <a:t>console.log</a:t>
+            </a:r>
+            <a:r>
+              <a:rPr lang="en-US" sz="1600" dirty="0">
+                <a:latin typeface="Consolas" panose="020B0609020204030204" pitchFamily="49" charset="0"/>
+                <a:cs typeface="Consolas" panose="020B0609020204030204" pitchFamily="49" charset="0"/>
+              </a:rPr>
+              <a:t>('rating  </a:t>
+            </a:r>
+            <a:r>
+              <a:rPr lang="en-US" sz="1600" dirty="0" err="1">
+                <a:latin typeface="Consolas" panose="020B0609020204030204" pitchFamily="49" charset="0"/>
+                <a:cs typeface="Consolas" panose="020B0609020204030204" pitchFamily="49" charset="0"/>
+              </a:rPr>
+              <a:t>voor</a:t>
+            </a:r>
+            <a:r>
+              <a:rPr lang="en-US" sz="1600" dirty="0">
+                <a:latin typeface="Consolas" panose="020B0609020204030204" pitchFamily="49" charset="0"/>
+                <a:cs typeface="Consolas" panose="020B0609020204030204" pitchFamily="49" charset="0"/>
+              </a:rPr>
+              <a:t>  ', </a:t>
+            </a:r>
+            <a:r>
+              <a:rPr lang="en-US" sz="1600" dirty="0" err="1">
+                <a:latin typeface="Consolas" panose="020B0609020204030204" pitchFamily="49" charset="0"/>
+                <a:cs typeface="Consolas" panose="020B0609020204030204" pitchFamily="49" charset="0"/>
+              </a:rPr>
+              <a:t>this.city.name</a:t>
+            </a:r>
+            <a:r>
+              <a:rPr lang="en-US" sz="1600" dirty="0">
+                <a:latin typeface="Consolas" panose="020B0609020204030204" pitchFamily="49" charset="0"/>
+                <a:cs typeface="Consolas" panose="020B0609020204030204" pitchFamily="49" charset="0"/>
+              </a:rPr>
+              <a:t>, ':  ', num);</a:t>
+            </a:r>
+            <a:br>
+              <a:rPr lang="en-US" sz="1600" dirty="0">
+                <a:latin typeface="Consolas" panose="020B0609020204030204" pitchFamily="49" charset="0"/>
+                <a:cs typeface="Consolas" panose="020B0609020204030204" pitchFamily="49" charset="0"/>
+              </a:rPr>
+            </a:br>
+            <a:r>
+              <a:rPr lang="en-US" sz="1600" dirty="0">
+                <a:latin typeface="Consolas" panose="020B0609020204030204" pitchFamily="49" charset="0"/>
+                <a:cs typeface="Consolas" panose="020B0609020204030204" pitchFamily="49" charset="0"/>
+              </a:rPr>
+              <a:t>        </a:t>
+            </a:r>
+            <a:r>
+              <a:rPr lang="en-US" sz="1600" dirty="0" err="1">
+                <a:latin typeface="Consolas" panose="020B0609020204030204" pitchFamily="49" charset="0"/>
+                <a:cs typeface="Consolas" panose="020B0609020204030204" pitchFamily="49" charset="0"/>
+              </a:rPr>
+              <a:t>this.rating.emit</a:t>
+            </a:r>
+            <a:r>
+              <a:rPr lang="en-US" sz="1600" dirty="0">
+                <a:latin typeface="Consolas" panose="020B0609020204030204" pitchFamily="49" charset="0"/>
+                <a:cs typeface="Consolas" panose="020B0609020204030204" pitchFamily="49" charset="0"/>
+              </a:rPr>
+              <a:t>(num);</a:t>
+            </a:r>
+            <a:br>
+              <a:rPr lang="en-US" sz="1600" dirty="0">
+                <a:latin typeface="Consolas" panose="020B0609020204030204" pitchFamily="49" charset="0"/>
+                <a:cs typeface="Consolas" panose="020B0609020204030204" pitchFamily="49" charset="0"/>
+              </a:rPr>
+            </a:br>
+            <a:r>
+              <a:rPr lang="en-US" sz="1600" dirty="0">
+                <a:latin typeface="Consolas" panose="020B0609020204030204" pitchFamily="49" charset="0"/>
+                <a:cs typeface="Consolas" panose="020B0609020204030204" pitchFamily="49" charset="0"/>
+              </a:rPr>
+              <a:t>    }</a:t>
+            </a:r>
+            <a:br>
+              <a:rPr lang="en-US" sz="1600" dirty="0">
+                <a:latin typeface="Consolas" panose="020B0609020204030204" pitchFamily="49" charset="0"/>
+                <a:cs typeface="Consolas" panose="020B0609020204030204" pitchFamily="49" charset="0"/>
+              </a:rPr>
+            </a:br>
+            <a:r>
+              <a:rPr lang="en-US" sz="1600" dirty="0">
+                <a:latin typeface="Consolas" panose="020B0609020204030204" pitchFamily="49" charset="0"/>
+                <a:cs typeface="Consolas" panose="020B0609020204030204" pitchFamily="49" charset="0"/>
+              </a:rPr>
+              <a:t>}</a:t>
+            </a:r>
+            <a:br>
+              <a:rPr lang="en-US" sz="1600" dirty="0">
+                <a:latin typeface="Consolas" panose="020B0609020204030204" pitchFamily="49" charset="0"/>
+                <a:cs typeface="Consolas" panose="020B0609020204030204" pitchFamily="49" charset="0"/>
+              </a:rPr>
+            </a:br>
+            <a:endParaRPr sz="1600" dirty="0">
+              <a:latin typeface="Consolas" panose="020B0609020204030204" pitchFamily="49" charset="0"/>
+              <a:cs typeface="Consolas" panose="020B0609020204030204" pitchFamily="49" charset="0"/>
             </a:endParaRPr>
-          </a:p>
-          <a:p>
-            <a:pPr marL="731520">
-              <a:lnSpc>
-                <a:spcPct val="100000"/>
-              </a:lnSpc>
-              <a:spcBef>
-                <a:spcPts val="30"/>
-              </a:spcBef>
-            </a:pPr>
-            <a:r>
-              <a:rPr sz="1700" spc="-5" dirty="0">
-                <a:solidFill>
-                  <a:srgbClr val="008000"/>
-                </a:solidFill>
-                <a:latin typeface="Consolas"/>
-                <a:cs typeface="Consolas"/>
-              </a:rPr>
-              <a:t>&lt;butto</a:t>
-            </a:r>
-            <a:r>
-              <a:rPr sz="1700" spc="5" dirty="0">
-                <a:solidFill>
-                  <a:srgbClr val="008000"/>
-                </a:solidFill>
-                <a:latin typeface="Consolas"/>
-                <a:cs typeface="Consolas"/>
-              </a:rPr>
-              <a:t>n</a:t>
-            </a:r>
-            <a:r>
-              <a:rPr sz="1700" dirty="0">
-                <a:solidFill>
-                  <a:srgbClr val="008000"/>
-                </a:solidFill>
-                <a:latin typeface="Times New Roman"/>
-                <a:cs typeface="Times New Roman"/>
-              </a:rPr>
-              <a:t> </a:t>
-            </a:r>
-            <a:r>
-              <a:rPr sz="1700" spc="85" dirty="0">
-                <a:solidFill>
-                  <a:srgbClr val="008000"/>
-                </a:solidFill>
-                <a:latin typeface="Times New Roman"/>
-                <a:cs typeface="Times New Roman"/>
-              </a:rPr>
-              <a:t> </a:t>
-            </a:r>
-            <a:r>
-              <a:rPr sz="1700" spc="-5" dirty="0">
-                <a:solidFill>
-                  <a:srgbClr val="008000"/>
-                </a:solidFill>
-                <a:latin typeface="Consolas"/>
-                <a:cs typeface="Consolas"/>
-              </a:rPr>
-              <a:t>(click)="rate</a:t>
-            </a:r>
-            <a:r>
-              <a:rPr sz="1700" spc="-10" dirty="0">
-                <a:solidFill>
-                  <a:srgbClr val="008000"/>
-                </a:solidFill>
-                <a:latin typeface="Consolas"/>
-                <a:cs typeface="Consolas"/>
-              </a:rPr>
-              <a:t>(</a:t>
-            </a:r>
-            <a:r>
-              <a:rPr lang="nl-NL" sz="1700" spc="-5" dirty="0">
-                <a:solidFill>
-                  <a:srgbClr val="008000"/>
-                </a:solidFill>
-                <a:latin typeface="Consolas"/>
-                <a:cs typeface="Consolas"/>
-              </a:rPr>
-              <a:t>-1</a:t>
-            </a:r>
-            <a:r>
-              <a:rPr sz="1700" spc="-5" dirty="0">
-                <a:solidFill>
-                  <a:srgbClr val="008000"/>
-                </a:solidFill>
-                <a:latin typeface="Consolas"/>
-                <a:cs typeface="Consolas"/>
-              </a:rPr>
-              <a:t>)"</a:t>
-            </a:r>
-            <a:r>
-              <a:rPr sz="1700" dirty="0">
-                <a:solidFill>
-                  <a:srgbClr val="008000"/>
-                </a:solidFill>
-                <a:latin typeface="Consolas"/>
-                <a:cs typeface="Consolas"/>
-              </a:rPr>
-              <a:t>&gt;</a:t>
-            </a:r>
-            <a:r>
-              <a:rPr sz="1700" spc="-5" dirty="0">
-                <a:solidFill>
-                  <a:srgbClr val="008000"/>
-                </a:solidFill>
-                <a:latin typeface="Consolas"/>
-                <a:cs typeface="Consolas"/>
-              </a:rPr>
-              <a:t>‐1&lt;/button&gt;</a:t>
-            </a:r>
-            <a:endParaRPr sz="1700" dirty="0">
-              <a:latin typeface="Consolas"/>
-              <a:cs typeface="Consolas"/>
-            </a:endParaRPr>
-          </a:p>
-          <a:p>
-            <a:pPr marL="372745">
-              <a:lnSpc>
-                <a:spcPct val="100000"/>
-              </a:lnSpc>
-              <a:spcBef>
-                <a:spcPts val="30"/>
-              </a:spcBef>
-            </a:pPr>
-            <a:r>
-              <a:rPr sz="1700" spc="-5" dirty="0">
-                <a:solidFill>
-                  <a:srgbClr val="008000"/>
-                </a:solidFill>
-                <a:latin typeface="Consolas"/>
-                <a:cs typeface="Consolas"/>
-              </a:rPr>
-              <a:t>&lt;/h2&gt;</a:t>
-            </a:r>
-            <a:endParaRPr sz="1700" dirty="0">
-              <a:latin typeface="Consolas"/>
-              <a:cs typeface="Consolas"/>
-            </a:endParaRPr>
-          </a:p>
-          <a:p>
-            <a:pPr marL="372745">
-              <a:lnSpc>
-                <a:spcPct val="100000"/>
-              </a:lnSpc>
-              <a:spcBef>
-                <a:spcPts val="35"/>
-              </a:spcBef>
-            </a:pPr>
-            <a:r>
-              <a:rPr sz="1700" spc="5" dirty="0">
-                <a:solidFill>
-                  <a:srgbClr val="008000"/>
-                </a:solidFill>
-                <a:latin typeface="Consolas"/>
-                <a:cs typeface="Consolas"/>
-              </a:rPr>
-              <a:t>…</a:t>
-            </a:r>
-            <a:r>
-              <a:rPr lang="nl-NL" sz="1700" spc="5" dirty="0">
-                <a:solidFill>
-                  <a:srgbClr val="008000"/>
-                </a:solidFill>
-                <a:latin typeface="Consolas"/>
-                <a:cs typeface="Consolas"/>
-              </a:rPr>
-              <a:t>…</a:t>
-            </a:r>
-            <a:endParaRPr sz="1700" dirty="0">
-              <a:latin typeface="Consolas"/>
-              <a:cs typeface="Consolas"/>
-            </a:endParaRPr>
-          </a:p>
-          <a:p>
-            <a:pPr marL="372745">
-              <a:lnSpc>
-                <a:spcPct val="100000"/>
-              </a:lnSpc>
-              <a:spcBef>
-                <a:spcPts val="30"/>
-              </a:spcBef>
-            </a:pPr>
-            <a:r>
-              <a:rPr sz="1700" spc="5" dirty="0">
-                <a:solidFill>
-                  <a:srgbClr val="008000"/>
-                </a:solidFill>
-                <a:latin typeface="Consolas"/>
-                <a:cs typeface="Consolas"/>
-              </a:rPr>
-              <a:t>`</a:t>
-            </a:r>
-            <a:endParaRPr sz="1700" dirty="0">
-              <a:latin typeface="Consolas"/>
-              <a:cs typeface="Consolas"/>
-            </a:endParaRPr>
-          </a:p>
-          <a:p>
-            <a:pPr marL="12700">
-              <a:lnSpc>
-                <a:spcPct val="100000"/>
-              </a:lnSpc>
-              <a:spcBef>
-                <a:spcPts val="30"/>
-              </a:spcBef>
-            </a:pPr>
-            <a:r>
-              <a:rPr sz="1700" dirty="0">
-                <a:latin typeface="Consolas"/>
-                <a:cs typeface="Consolas"/>
-              </a:rPr>
-              <a:t>})</a:t>
-            </a:r>
           </a:p>
         </p:txBody>
       </p:sp>
@@ -21013,7 +20263,7 @@
         </p:nvSpPr>
         <p:spPr>
           <a:xfrm>
-            <a:off x="6722241" y="2879607"/>
+            <a:off x="6722746" y="2509040"/>
             <a:ext cx="3970654" cy="868680"/>
           </a:xfrm>
           <a:custGeom>
@@ -21209,906 +20459,6 @@
           <a:lstStyle/>
           <a:p>
             <a:endParaRPr/>
-          </a:p>
-        </p:txBody>
-      </p:sp>
-      <p:sp>
-        <p:nvSpPr>
-          <p:cNvPr id="11" name="object 11"/>
-          <p:cNvSpPr txBox="1"/>
-          <p:nvPr/>
-        </p:nvSpPr>
-        <p:spPr>
-          <a:xfrm>
-            <a:off x="1358647" y="4670596"/>
-            <a:ext cx="9383395" cy="1023357"/>
-          </a:xfrm>
-          <a:prstGeom prst="rect">
-            <a:avLst/>
-          </a:prstGeom>
-        </p:spPr>
-        <p:txBody>
-          <a:bodyPr vert="horz" wrap="square" lIns="0" tIns="0" rIns="0" bIns="0" rtlCol="0">
-            <a:spAutoFit/>
-          </a:bodyPr>
-          <a:lstStyle/>
-          <a:p>
-            <a:pPr marR="6351905" algn="ctr">
-              <a:lnSpc>
-                <a:spcPct val="100000"/>
-              </a:lnSpc>
-            </a:pPr>
-            <a:r>
-              <a:rPr sz="1700" spc="-5" dirty="0">
-                <a:solidFill>
-                  <a:srgbClr val="000080"/>
-                </a:solidFill>
-                <a:latin typeface="Consolas"/>
-                <a:cs typeface="Consolas"/>
-              </a:rPr>
-              <a:t>expor</a:t>
-            </a:r>
-            <a:r>
-              <a:rPr sz="1700" spc="5" dirty="0">
-                <a:solidFill>
-                  <a:srgbClr val="000080"/>
-                </a:solidFill>
-                <a:latin typeface="Consolas"/>
-                <a:cs typeface="Consolas"/>
-              </a:rPr>
-              <a:t>t</a:t>
-            </a:r>
-            <a:r>
-              <a:rPr sz="1700" dirty="0">
-                <a:solidFill>
-                  <a:srgbClr val="000080"/>
-                </a:solidFill>
-                <a:latin typeface="Times New Roman"/>
-                <a:cs typeface="Times New Roman"/>
-              </a:rPr>
-              <a:t> </a:t>
-            </a:r>
-            <a:r>
-              <a:rPr sz="1700" spc="90" dirty="0">
-                <a:solidFill>
-                  <a:srgbClr val="000080"/>
-                </a:solidFill>
-                <a:latin typeface="Times New Roman"/>
-                <a:cs typeface="Times New Roman"/>
-              </a:rPr>
-              <a:t> </a:t>
-            </a:r>
-            <a:r>
-              <a:rPr sz="1700" spc="-5" dirty="0">
-                <a:solidFill>
-                  <a:srgbClr val="000080"/>
-                </a:solidFill>
-                <a:latin typeface="Consolas"/>
-                <a:cs typeface="Consolas"/>
-              </a:rPr>
-              <a:t>clas</a:t>
-            </a:r>
-            <a:r>
-              <a:rPr sz="1700" spc="5" dirty="0">
-                <a:solidFill>
-                  <a:srgbClr val="000080"/>
-                </a:solidFill>
-                <a:latin typeface="Consolas"/>
-                <a:cs typeface="Consolas"/>
-              </a:rPr>
-              <a:t>s</a:t>
-            </a:r>
-            <a:r>
-              <a:rPr sz="1700" dirty="0">
-                <a:solidFill>
-                  <a:srgbClr val="000080"/>
-                </a:solidFill>
-                <a:latin typeface="Times New Roman"/>
-                <a:cs typeface="Times New Roman"/>
-              </a:rPr>
-              <a:t> </a:t>
-            </a:r>
-            <a:r>
-              <a:rPr sz="1700" spc="90" dirty="0">
-                <a:solidFill>
-                  <a:srgbClr val="000080"/>
-                </a:solidFill>
-                <a:latin typeface="Times New Roman"/>
-                <a:cs typeface="Times New Roman"/>
-              </a:rPr>
-              <a:t> </a:t>
-            </a:r>
-            <a:r>
-              <a:rPr sz="1700" spc="-5" dirty="0" err="1">
-                <a:latin typeface="Consolas"/>
-                <a:cs typeface="Consolas"/>
-              </a:rPr>
-              <a:t>CityDetai</a:t>
-            </a:r>
-            <a:r>
-              <a:rPr sz="1700" spc="5" dirty="0" err="1">
-                <a:latin typeface="Consolas"/>
-                <a:cs typeface="Consolas"/>
-              </a:rPr>
-              <a:t>l</a:t>
-            </a:r>
-            <a:r>
-              <a:rPr sz="1700" dirty="0">
-                <a:latin typeface="Times New Roman"/>
-                <a:cs typeface="Times New Roman"/>
-              </a:rPr>
-              <a:t> </a:t>
-            </a:r>
-            <a:r>
-              <a:rPr sz="1700" spc="80" dirty="0">
-                <a:latin typeface="Times New Roman"/>
-                <a:cs typeface="Times New Roman"/>
-              </a:rPr>
-              <a:t> </a:t>
-            </a:r>
-            <a:r>
-              <a:rPr sz="1700" spc="5" dirty="0">
-                <a:latin typeface="Consolas"/>
-                <a:cs typeface="Consolas"/>
-              </a:rPr>
-              <a:t>{</a:t>
-            </a:r>
-            <a:endParaRPr sz="1700" dirty="0">
-              <a:latin typeface="Consolas"/>
-              <a:cs typeface="Consolas"/>
-            </a:endParaRPr>
-          </a:p>
-          <a:p>
-            <a:pPr marL="372745">
-              <a:lnSpc>
-                <a:spcPct val="100000"/>
-              </a:lnSpc>
-              <a:spcBef>
-                <a:spcPts val="30"/>
-              </a:spcBef>
-            </a:pPr>
-            <a:r>
-              <a:rPr sz="1700" spc="-5" dirty="0">
-                <a:latin typeface="Consolas"/>
-                <a:cs typeface="Consolas"/>
-              </a:rPr>
-              <a:t>@Input(</a:t>
-            </a:r>
-            <a:r>
-              <a:rPr sz="1700" spc="5" dirty="0">
-                <a:latin typeface="Consolas"/>
-                <a:cs typeface="Consolas"/>
-              </a:rPr>
-              <a:t>)</a:t>
-            </a:r>
-            <a:r>
-              <a:rPr sz="1700" dirty="0">
-                <a:latin typeface="Times New Roman"/>
-                <a:cs typeface="Times New Roman"/>
-              </a:rPr>
-              <a:t> </a:t>
-            </a:r>
-            <a:r>
-              <a:rPr sz="1700" spc="80" dirty="0">
-                <a:latin typeface="Times New Roman"/>
-                <a:cs typeface="Times New Roman"/>
-              </a:rPr>
-              <a:t> </a:t>
-            </a:r>
-            <a:r>
-              <a:rPr sz="1700" dirty="0">
-                <a:latin typeface="Consolas"/>
-                <a:cs typeface="Consolas"/>
-              </a:rPr>
-              <a:t>city:City;</a:t>
-            </a:r>
-          </a:p>
-          <a:p>
-            <a:pPr marL="372745">
-              <a:lnSpc>
-                <a:spcPct val="100000"/>
-              </a:lnSpc>
-              <a:spcBef>
-                <a:spcPts val="35"/>
-              </a:spcBef>
-            </a:pPr>
-            <a:r>
-              <a:rPr sz="1700" b="1" spc="-5" dirty="0">
-                <a:solidFill>
-                  <a:srgbClr val="FF0000"/>
-                </a:solidFill>
-                <a:latin typeface="Consolas"/>
-                <a:cs typeface="Consolas"/>
-              </a:rPr>
-              <a:t>@Output(</a:t>
-            </a:r>
-            <a:r>
-              <a:rPr sz="1700" b="1" spc="5" dirty="0">
-                <a:solidFill>
-                  <a:srgbClr val="FF0000"/>
-                </a:solidFill>
-                <a:latin typeface="Consolas"/>
-                <a:cs typeface="Consolas"/>
-              </a:rPr>
-              <a:t>)</a:t>
-            </a:r>
-            <a:r>
-              <a:rPr sz="1700" b="1" dirty="0">
-                <a:solidFill>
-                  <a:srgbClr val="FF0000"/>
-                </a:solidFill>
-                <a:latin typeface="Times New Roman"/>
-                <a:cs typeface="Times New Roman"/>
-              </a:rPr>
-              <a:t> </a:t>
-            </a:r>
-            <a:r>
-              <a:rPr sz="1700" b="1" spc="85" dirty="0">
-                <a:solidFill>
-                  <a:srgbClr val="FF0000"/>
-                </a:solidFill>
-                <a:latin typeface="Times New Roman"/>
-                <a:cs typeface="Times New Roman"/>
-              </a:rPr>
-              <a:t> </a:t>
-            </a:r>
-            <a:r>
-              <a:rPr sz="1700" b="1" spc="-5" dirty="0">
-                <a:solidFill>
-                  <a:srgbClr val="00B050"/>
-                </a:solidFill>
-                <a:latin typeface="Consolas"/>
-                <a:cs typeface="Consolas"/>
-              </a:rPr>
-              <a:t>rating</a:t>
-            </a:r>
-            <a:r>
-              <a:rPr sz="1700" spc="5" dirty="0">
-                <a:latin typeface="Consolas"/>
-                <a:cs typeface="Consolas"/>
-              </a:rPr>
-              <a:t>:</a:t>
-            </a:r>
-            <a:r>
-              <a:rPr sz="1700" dirty="0">
-                <a:latin typeface="Times New Roman"/>
-                <a:cs typeface="Times New Roman"/>
-              </a:rPr>
-              <a:t> </a:t>
-            </a:r>
-            <a:r>
-              <a:rPr sz="1700" spc="85" dirty="0">
-                <a:latin typeface="Times New Roman"/>
-                <a:cs typeface="Times New Roman"/>
-              </a:rPr>
-              <a:t> </a:t>
-            </a:r>
-            <a:r>
-              <a:rPr sz="1700" spc="-5" dirty="0">
-                <a:solidFill>
-                  <a:srgbClr val="FF0000"/>
-                </a:solidFill>
-                <a:latin typeface="Consolas"/>
-                <a:cs typeface="Consolas"/>
-              </a:rPr>
-              <a:t>EventEmitter</a:t>
-            </a:r>
-            <a:r>
-              <a:rPr sz="1700" spc="-10" dirty="0">
-                <a:latin typeface="Consolas"/>
-                <a:cs typeface="Consolas"/>
-              </a:rPr>
-              <a:t>&lt;</a:t>
-            </a:r>
-            <a:r>
-              <a:rPr sz="1700" spc="-5" dirty="0">
-                <a:solidFill>
-                  <a:srgbClr val="000080"/>
-                </a:solidFill>
-                <a:latin typeface="Consolas"/>
-                <a:cs typeface="Consolas"/>
-              </a:rPr>
-              <a:t>number</a:t>
-            </a:r>
-            <a:r>
-              <a:rPr sz="1700" spc="5" dirty="0">
-                <a:latin typeface="Consolas"/>
-                <a:cs typeface="Consolas"/>
-              </a:rPr>
-              <a:t>&gt;</a:t>
-            </a:r>
-            <a:r>
-              <a:rPr sz="1700" dirty="0">
-                <a:latin typeface="Times New Roman"/>
-                <a:cs typeface="Times New Roman"/>
-              </a:rPr>
-              <a:t> </a:t>
-            </a:r>
-            <a:r>
-              <a:rPr sz="1700" spc="80" dirty="0">
-                <a:latin typeface="Times New Roman"/>
-                <a:cs typeface="Times New Roman"/>
-              </a:rPr>
-              <a:t> </a:t>
-            </a:r>
-            <a:r>
-              <a:rPr sz="1700" spc="5" dirty="0">
-                <a:latin typeface="Consolas"/>
-                <a:cs typeface="Consolas"/>
-              </a:rPr>
-              <a:t>=</a:t>
-            </a:r>
-            <a:r>
-              <a:rPr sz="1700" dirty="0">
-                <a:latin typeface="Times New Roman"/>
-                <a:cs typeface="Times New Roman"/>
-              </a:rPr>
-              <a:t> </a:t>
-            </a:r>
-            <a:r>
-              <a:rPr sz="1700" spc="90" dirty="0">
-                <a:latin typeface="Times New Roman"/>
-                <a:cs typeface="Times New Roman"/>
-              </a:rPr>
-              <a:t> </a:t>
-            </a:r>
-            <a:r>
-              <a:rPr sz="1700" dirty="0">
-                <a:solidFill>
-                  <a:srgbClr val="000080"/>
-                </a:solidFill>
-                <a:latin typeface="Consolas"/>
-                <a:cs typeface="Consolas"/>
-              </a:rPr>
-              <a:t>ne</a:t>
-            </a:r>
-            <a:r>
-              <a:rPr sz="1700" spc="5" dirty="0">
-                <a:solidFill>
-                  <a:srgbClr val="000080"/>
-                </a:solidFill>
-                <a:latin typeface="Consolas"/>
-                <a:cs typeface="Consolas"/>
-              </a:rPr>
-              <a:t>w</a:t>
-            </a:r>
-            <a:r>
-              <a:rPr sz="1700" dirty="0">
-                <a:solidFill>
-                  <a:srgbClr val="000080"/>
-                </a:solidFill>
-                <a:latin typeface="Times New Roman"/>
-                <a:cs typeface="Times New Roman"/>
-              </a:rPr>
-              <a:t> </a:t>
-            </a:r>
-            <a:r>
-              <a:rPr sz="1700" spc="80" dirty="0">
-                <a:solidFill>
-                  <a:srgbClr val="000080"/>
-                </a:solidFill>
-                <a:latin typeface="Times New Roman"/>
-                <a:cs typeface="Times New Roman"/>
-              </a:rPr>
-              <a:t> </a:t>
-            </a:r>
-            <a:r>
-              <a:rPr sz="1700" spc="-5" dirty="0">
-                <a:solidFill>
-                  <a:srgbClr val="FF0000"/>
-                </a:solidFill>
-                <a:latin typeface="Consolas"/>
-                <a:cs typeface="Consolas"/>
-              </a:rPr>
-              <a:t>EventEmitter</a:t>
-            </a:r>
-            <a:r>
-              <a:rPr sz="1700" spc="-5" dirty="0">
-                <a:latin typeface="Consolas"/>
-                <a:cs typeface="Consolas"/>
-              </a:rPr>
-              <a:t>&lt;number&gt;();</a:t>
-            </a:r>
-            <a:endParaRPr sz="1700" dirty="0">
-              <a:latin typeface="Consolas"/>
-              <a:cs typeface="Consolas"/>
-            </a:endParaRPr>
-          </a:p>
-          <a:p>
-            <a:pPr marR="5080" algn="r">
-              <a:lnSpc>
-                <a:spcPct val="100000"/>
-              </a:lnSpc>
-              <a:spcBef>
-                <a:spcPts val="265"/>
-              </a:spcBef>
-            </a:pPr>
-            <a:r>
-              <a:rPr sz="1300" b="1" spc="-10" dirty="0">
-                <a:solidFill>
-                  <a:srgbClr val="FFFFFF"/>
-                </a:solidFill>
-                <a:latin typeface="Arial"/>
-                <a:cs typeface="Arial"/>
-              </a:rPr>
-              <a:t>Define &amp;</a:t>
-            </a:r>
-            <a:r>
-              <a:rPr sz="1300" b="1" spc="-5" dirty="0">
-                <a:solidFill>
-                  <a:srgbClr val="FFFFFF"/>
-                </a:solidFill>
-                <a:latin typeface="Arial"/>
-                <a:cs typeface="Arial"/>
-              </a:rPr>
-              <a:t> </a:t>
-            </a:r>
-            <a:r>
-              <a:rPr sz="1300" b="1" spc="-10" dirty="0">
-                <a:solidFill>
-                  <a:srgbClr val="FFFFFF"/>
-                </a:solidFill>
-                <a:latin typeface="Arial"/>
-                <a:cs typeface="Arial"/>
-              </a:rPr>
-              <a:t>handle</a:t>
-            </a:r>
-            <a:endParaRPr sz="1300" dirty="0">
-              <a:latin typeface="Arial"/>
-              <a:cs typeface="Arial"/>
-            </a:endParaRPr>
-          </a:p>
-        </p:txBody>
-      </p:sp>
-      <p:sp>
-        <p:nvSpPr>
-          <p:cNvPr id="12" name="object 12"/>
-          <p:cNvSpPr txBox="1"/>
-          <p:nvPr/>
-        </p:nvSpPr>
-        <p:spPr>
-          <a:xfrm>
-            <a:off x="1718922" y="5722919"/>
-            <a:ext cx="6978650" cy="1051698"/>
-          </a:xfrm>
-          <a:prstGeom prst="rect">
-            <a:avLst/>
-          </a:prstGeom>
-        </p:spPr>
-        <p:txBody>
-          <a:bodyPr vert="horz" wrap="square" lIns="0" tIns="0" rIns="0" bIns="0" rtlCol="0">
-            <a:spAutoFit/>
-          </a:bodyPr>
-          <a:lstStyle/>
-          <a:p>
-            <a:pPr marL="12700">
-              <a:lnSpc>
-                <a:spcPct val="100000"/>
-              </a:lnSpc>
-            </a:pPr>
-            <a:r>
-              <a:rPr lang="nl-NL" sz="1700" spc="-5" dirty="0">
-                <a:latin typeface="Consolas"/>
-                <a:cs typeface="Consolas"/>
-              </a:rPr>
-              <a:t>public </a:t>
-            </a:r>
-            <a:r>
-              <a:rPr sz="1700" spc="-5" dirty="0">
-                <a:latin typeface="Consolas"/>
-                <a:cs typeface="Consolas"/>
-              </a:rPr>
-              <a:t>rate(num</a:t>
-            </a:r>
-            <a:r>
-              <a:rPr sz="1700" spc="5" dirty="0">
-                <a:latin typeface="Consolas"/>
-                <a:cs typeface="Consolas"/>
-              </a:rPr>
-              <a:t>)</a:t>
-            </a:r>
-            <a:r>
-              <a:rPr sz="1700" dirty="0">
-                <a:latin typeface="Times New Roman"/>
-                <a:cs typeface="Times New Roman"/>
-              </a:rPr>
-              <a:t> </a:t>
-            </a:r>
-            <a:r>
-              <a:rPr sz="1700" spc="85" dirty="0">
-                <a:latin typeface="Times New Roman"/>
-                <a:cs typeface="Times New Roman"/>
-              </a:rPr>
-              <a:t> </a:t>
-            </a:r>
-            <a:r>
-              <a:rPr sz="1700" spc="5" dirty="0">
-                <a:latin typeface="Consolas"/>
-                <a:cs typeface="Consolas"/>
-              </a:rPr>
-              <a:t>{</a:t>
-            </a:r>
-            <a:endParaRPr sz="1700" dirty="0">
-              <a:latin typeface="Consolas"/>
-              <a:cs typeface="Consolas"/>
-            </a:endParaRPr>
-          </a:p>
-          <a:p>
-            <a:pPr marL="371475" marR="5080">
-              <a:lnSpc>
-                <a:spcPct val="101499"/>
-              </a:lnSpc>
-              <a:spcBef>
-                <a:spcPts val="5"/>
-              </a:spcBef>
-            </a:pPr>
-            <a:r>
-              <a:rPr sz="1700" spc="-5" dirty="0">
-                <a:latin typeface="Consolas"/>
-                <a:cs typeface="Consolas"/>
-              </a:rPr>
-              <a:t>console.log(</a:t>
-            </a:r>
-            <a:r>
-              <a:rPr sz="1700" spc="-5" dirty="0">
-                <a:solidFill>
-                  <a:srgbClr val="008000"/>
-                </a:solidFill>
-                <a:latin typeface="Consolas"/>
-                <a:cs typeface="Consolas"/>
-              </a:rPr>
-              <a:t>'ratin</a:t>
-            </a:r>
-            <a:r>
-              <a:rPr sz="1700" spc="5" dirty="0">
-                <a:solidFill>
-                  <a:srgbClr val="008000"/>
-                </a:solidFill>
-                <a:latin typeface="Consolas"/>
-                <a:cs typeface="Consolas"/>
-              </a:rPr>
-              <a:t>g</a:t>
-            </a:r>
-            <a:r>
-              <a:rPr sz="1700" dirty="0">
-                <a:solidFill>
-                  <a:srgbClr val="008000"/>
-                </a:solidFill>
-                <a:latin typeface="Times New Roman"/>
-                <a:cs typeface="Times New Roman"/>
-              </a:rPr>
-              <a:t> </a:t>
-            </a:r>
-            <a:r>
-              <a:rPr sz="1700" spc="85" dirty="0">
-                <a:solidFill>
-                  <a:srgbClr val="008000"/>
-                </a:solidFill>
-                <a:latin typeface="Times New Roman"/>
-                <a:cs typeface="Times New Roman"/>
-              </a:rPr>
-              <a:t> </a:t>
-            </a:r>
-            <a:r>
-              <a:rPr sz="1700" spc="-5" dirty="0">
-                <a:solidFill>
-                  <a:srgbClr val="008000"/>
-                </a:solidFill>
-                <a:latin typeface="Consolas"/>
-                <a:cs typeface="Consolas"/>
-              </a:rPr>
-              <a:t>voo</a:t>
-            </a:r>
-            <a:r>
-              <a:rPr sz="1700" spc="5" dirty="0">
-                <a:solidFill>
-                  <a:srgbClr val="008000"/>
-                </a:solidFill>
-                <a:latin typeface="Consolas"/>
-                <a:cs typeface="Consolas"/>
-              </a:rPr>
-              <a:t>r</a:t>
-            </a:r>
-            <a:r>
-              <a:rPr sz="1700" dirty="0">
-                <a:solidFill>
-                  <a:srgbClr val="008000"/>
-                </a:solidFill>
-                <a:latin typeface="Times New Roman"/>
-                <a:cs typeface="Times New Roman"/>
-              </a:rPr>
-              <a:t> </a:t>
-            </a:r>
-            <a:r>
-              <a:rPr sz="1700" spc="90" dirty="0">
-                <a:solidFill>
-                  <a:srgbClr val="008000"/>
-                </a:solidFill>
-                <a:latin typeface="Times New Roman"/>
-                <a:cs typeface="Times New Roman"/>
-              </a:rPr>
-              <a:t> </a:t>
-            </a:r>
-            <a:r>
-              <a:rPr sz="1700" spc="-5" dirty="0">
-                <a:solidFill>
-                  <a:srgbClr val="008000"/>
-                </a:solidFill>
-                <a:latin typeface="Consolas"/>
-                <a:cs typeface="Consolas"/>
-              </a:rPr>
-              <a:t>'</a:t>
-            </a:r>
-            <a:r>
-              <a:rPr sz="1700" spc="5" dirty="0">
-                <a:latin typeface="Consolas"/>
-                <a:cs typeface="Consolas"/>
-              </a:rPr>
-              <a:t>,</a:t>
-            </a:r>
-            <a:r>
-              <a:rPr sz="1700" dirty="0">
-                <a:latin typeface="Times New Roman"/>
-                <a:cs typeface="Times New Roman"/>
-              </a:rPr>
-              <a:t> </a:t>
-            </a:r>
-            <a:r>
-              <a:rPr sz="1700" spc="85" dirty="0">
-                <a:latin typeface="Times New Roman"/>
-                <a:cs typeface="Times New Roman"/>
-              </a:rPr>
-              <a:t> </a:t>
-            </a:r>
-            <a:r>
-              <a:rPr sz="1700" spc="-5" dirty="0">
-                <a:solidFill>
-                  <a:srgbClr val="000080"/>
-                </a:solidFill>
-                <a:latin typeface="Consolas"/>
-                <a:cs typeface="Consolas"/>
-              </a:rPr>
-              <a:t>this</a:t>
-            </a:r>
-            <a:r>
-              <a:rPr sz="1700" spc="-5" dirty="0">
-                <a:latin typeface="Consolas"/>
-                <a:cs typeface="Consolas"/>
-              </a:rPr>
-              <a:t>.city.name</a:t>
-            </a:r>
-            <a:r>
-              <a:rPr sz="1700" spc="5" dirty="0">
-                <a:latin typeface="Consolas"/>
-                <a:cs typeface="Consolas"/>
-              </a:rPr>
-              <a:t>,</a:t>
-            </a:r>
-            <a:r>
-              <a:rPr sz="1700" dirty="0">
-                <a:latin typeface="Times New Roman"/>
-                <a:cs typeface="Times New Roman"/>
-              </a:rPr>
-              <a:t> </a:t>
-            </a:r>
-            <a:r>
-              <a:rPr sz="1700" spc="85" dirty="0">
-                <a:latin typeface="Times New Roman"/>
-                <a:cs typeface="Times New Roman"/>
-              </a:rPr>
-              <a:t> </a:t>
-            </a:r>
-            <a:r>
-              <a:rPr sz="1700" dirty="0">
-                <a:solidFill>
-                  <a:srgbClr val="008000"/>
-                </a:solidFill>
-                <a:latin typeface="Consolas"/>
-                <a:cs typeface="Consolas"/>
-              </a:rPr>
-              <a:t>'</a:t>
-            </a:r>
-            <a:r>
-              <a:rPr sz="1700" spc="5" dirty="0">
-                <a:solidFill>
-                  <a:srgbClr val="008000"/>
-                </a:solidFill>
-                <a:latin typeface="Consolas"/>
-                <a:cs typeface="Consolas"/>
-              </a:rPr>
-              <a:t>:</a:t>
-            </a:r>
-            <a:r>
-              <a:rPr sz="1700" dirty="0">
-                <a:solidFill>
-                  <a:srgbClr val="008000"/>
-                </a:solidFill>
-                <a:latin typeface="Times New Roman"/>
-                <a:cs typeface="Times New Roman"/>
-              </a:rPr>
-              <a:t> </a:t>
-            </a:r>
-            <a:r>
-              <a:rPr sz="1700" spc="80" dirty="0">
-                <a:solidFill>
-                  <a:srgbClr val="008000"/>
-                </a:solidFill>
-                <a:latin typeface="Times New Roman"/>
-                <a:cs typeface="Times New Roman"/>
-              </a:rPr>
-              <a:t> </a:t>
-            </a:r>
-            <a:r>
-              <a:rPr sz="1700" spc="-5" dirty="0">
-                <a:solidFill>
-                  <a:srgbClr val="008000"/>
-                </a:solidFill>
-                <a:latin typeface="Consolas"/>
-                <a:cs typeface="Consolas"/>
-              </a:rPr>
-              <a:t>'</a:t>
-            </a:r>
-            <a:r>
-              <a:rPr sz="1700" spc="5" dirty="0">
-                <a:latin typeface="Consolas"/>
-                <a:cs typeface="Consolas"/>
-              </a:rPr>
-              <a:t>,</a:t>
-            </a:r>
-            <a:r>
-              <a:rPr sz="1700" dirty="0">
-                <a:latin typeface="Times New Roman"/>
-                <a:cs typeface="Times New Roman"/>
-              </a:rPr>
-              <a:t> </a:t>
-            </a:r>
-            <a:r>
-              <a:rPr sz="1700" spc="90" dirty="0">
-                <a:latin typeface="Times New Roman"/>
-                <a:cs typeface="Times New Roman"/>
-              </a:rPr>
-              <a:t> </a:t>
-            </a:r>
-            <a:r>
-              <a:rPr sz="1700" spc="-5" dirty="0">
-                <a:latin typeface="Consolas"/>
-                <a:cs typeface="Consolas"/>
-              </a:rPr>
-              <a:t>num);</a:t>
-            </a:r>
-            <a:r>
-              <a:rPr sz="1700" spc="-10" dirty="0">
-                <a:latin typeface="Times New Roman"/>
-                <a:cs typeface="Times New Roman"/>
-              </a:rPr>
-              <a:t> </a:t>
-            </a:r>
-            <a:r>
-              <a:rPr sz="1700" dirty="0">
-                <a:solidFill>
-                  <a:srgbClr val="000080"/>
-                </a:solidFill>
-                <a:latin typeface="Consolas"/>
-                <a:cs typeface="Consolas"/>
-              </a:rPr>
-              <a:t>thi</a:t>
-            </a:r>
-            <a:r>
-              <a:rPr sz="1700" spc="-10" dirty="0">
-                <a:solidFill>
-                  <a:srgbClr val="000080"/>
-                </a:solidFill>
-                <a:latin typeface="Consolas"/>
-                <a:cs typeface="Consolas"/>
-              </a:rPr>
-              <a:t>s</a:t>
-            </a:r>
-            <a:r>
-              <a:rPr sz="1700" spc="-5" dirty="0">
-                <a:latin typeface="Consolas"/>
-                <a:cs typeface="Consolas"/>
-              </a:rPr>
-              <a:t>.</a:t>
-            </a:r>
-            <a:r>
-              <a:rPr sz="1700" b="1" spc="-5" dirty="0">
-                <a:solidFill>
-                  <a:srgbClr val="00B050"/>
-                </a:solidFill>
-                <a:latin typeface="Consolas"/>
-                <a:cs typeface="Consolas"/>
-              </a:rPr>
-              <a:t>rating</a:t>
-            </a:r>
-            <a:r>
-              <a:rPr sz="1700" spc="-5" dirty="0">
-                <a:latin typeface="Consolas"/>
-                <a:cs typeface="Consolas"/>
-              </a:rPr>
-              <a:t>.</a:t>
-            </a:r>
-            <a:r>
-              <a:rPr sz="1700" b="1" spc="-5" dirty="0">
-                <a:solidFill>
-                  <a:srgbClr val="FF0000"/>
-                </a:solidFill>
-                <a:latin typeface="Consolas"/>
-                <a:cs typeface="Consolas"/>
-              </a:rPr>
-              <a:t>emit</a:t>
-            </a:r>
-            <a:r>
-              <a:rPr sz="1700" spc="-5" dirty="0">
-                <a:latin typeface="Consolas"/>
-                <a:cs typeface="Consolas"/>
-              </a:rPr>
-              <a:t>(num);</a:t>
-            </a:r>
-            <a:endParaRPr sz="1700" dirty="0">
-              <a:latin typeface="Consolas"/>
-              <a:cs typeface="Consolas"/>
-            </a:endParaRPr>
-          </a:p>
-          <a:p>
-            <a:pPr marL="12700">
-              <a:lnSpc>
-                <a:spcPct val="100000"/>
-              </a:lnSpc>
-              <a:spcBef>
-                <a:spcPts val="30"/>
-              </a:spcBef>
-            </a:pPr>
-            <a:r>
-              <a:rPr sz="1700" spc="5" dirty="0">
-                <a:latin typeface="Consolas"/>
-                <a:cs typeface="Consolas"/>
-              </a:rPr>
-              <a:t>}</a:t>
-            </a:r>
-            <a:endParaRPr sz="1700" dirty="0">
-              <a:latin typeface="Consolas"/>
-              <a:cs typeface="Consolas"/>
-            </a:endParaRPr>
-          </a:p>
-        </p:txBody>
-      </p:sp>
-      <p:sp>
-        <p:nvSpPr>
-          <p:cNvPr id="13" name="object 13"/>
-          <p:cNvSpPr txBox="1"/>
-          <p:nvPr/>
-        </p:nvSpPr>
-        <p:spPr>
-          <a:xfrm>
-            <a:off x="1358495" y="6776760"/>
-            <a:ext cx="146050" cy="245110"/>
-          </a:xfrm>
-          <a:prstGeom prst="rect">
-            <a:avLst/>
-          </a:prstGeom>
-        </p:spPr>
-        <p:txBody>
-          <a:bodyPr vert="horz" wrap="square" lIns="0" tIns="0" rIns="0" bIns="0" rtlCol="0">
-            <a:spAutoFit/>
-          </a:bodyPr>
-          <a:lstStyle/>
-          <a:p>
-            <a:pPr marL="12700">
-              <a:lnSpc>
-                <a:spcPct val="100000"/>
-              </a:lnSpc>
-            </a:pPr>
-            <a:r>
-              <a:rPr sz="1700" spc="5" dirty="0">
-                <a:latin typeface="Consolas"/>
-                <a:cs typeface="Consolas"/>
-              </a:rPr>
-              <a:t>}</a:t>
-            </a:r>
-            <a:endParaRPr sz="1700">
-              <a:latin typeface="Consolas"/>
-              <a:cs typeface="Consolas"/>
-            </a:endParaRPr>
           </a:p>
         </p:txBody>
       </p:sp>
@@ -22163,7 +20513,7 @@
         </p:nvSpPr>
         <p:spPr>
           <a:xfrm>
-            <a:off x="9495417" y="3130526"/>
+            <a:off x="9495417" y="2879153"/>
             <a:ext cx="1177290" cy="387350"/>
           </a:xfrm>
           <a:prstGeom prst="rect">
@@ -22306,7 +20656,7 @@
         </p:nvSpPr>
         <p:spPr>
           <a:xfrm>
-            <a:off x="9801753" y="5666464"/>
+            <a:off x="9751668" y="5544495"/>
             <a:ext cx="610870" cy="190500"/>
           </a:xfrm>
           <a:prstGeom prst="rect">
@@ -22334,7 +20684,7 @@
               </a:rPr>
               <a:t>custom</a:t>
             </a:r>
-            <a:endParaRPr sz="1300">
+            <a:endParaRPr sz="1300" dirty="0">
               <a:latin typeface="Arial"/>
               <a:cs typeface="Arial"/>
             </a:endParaRPr>
@@ -22349,7 +20699,7 @@
         </p:nvSpPr>
         <p:spPr>
           <a:xfrm>
-            <a:off x="9505323" y="5863823"/>
+            <a:off x="9455238" y="5741854"/>
             <a:ext cx="1203960" cy="190500"/>
           </a:xfrm>
           <a:prstGeom prst="rect">
@@ -23071,7 +21421,7 @@
         </p:nvSpPr>
         <p:spPr>
           <a:xfrm>
-            <a:off x="1478420" y="4450617"/>
+            <a:off x="1460500" y="4391025"/>
             <a:ext cx="6387465" cy="2115964"/>
           </a:xfrm>
           <a:prstGeom prst="rect">
@@ -23390,21 +21740,59 @@
               </a:spcBef>
             </a:pPr>
             <a:r>
+              <a:rPr lang="nl-NL" sz="1950" spc="-20" dirty="0">
+                <a:latin typeface="Consolas"/>
+                <a:cs typeface="Consolas"/>
+              </a:rPr>
+              <a:t>public</a:t>
+            </a:r>
+            <a:r>
+              <a:rPr lang="nl-NL" sz="1950" spc="-20" dirty="0">
+                <a:solidFill>
+                  <a:srgbClr val="C00000"/>
+                </a:solidFill>
+                <a:latin typeface="Consolas"/>
+                <a:cs typeface="Consolas"/>
+              </a:rPr>
+              <a:t> </a:t>
+            </a:r>
+            <a:r>
+              <a:rPr sz="1950" spc="-20" dirty="0" err="1">
+                <a:solidFill>
+                  <a:srgbClr val="C00000"/>
+                </a:solidFill>
+                <a:latin typeface="Consolas"/>
+                <a:cs typeface="Consolas"/>
+              </a:rPr>
+              <a:t>updateRating</a:t>
+            </a:r>
+            <a:r>
               <a:rPr sz="1950" spc="-20" dirty="0">
-                <a:solidFill>
-                  <a:srgbClr val="C00000"/>
-                </a:solidFill>
-                <a:latin typeface="Consolas"/>
-                <a:cs typeface="Consolas"/>
-              </a:rPr>
-              <a:t>updateRating</a:t>
+                <a:latin typeface="Consolas"/>
+                <a:cs typeface="Consolas"/>
+              </a:rPr>
+              <a:t>(rating)</a:t>
+            </a:r>
+            <a:r>
+              <a:rPr lang="nl-NL" sz="1950" spc="-20" dirty="0">
+                <a:latin typeface="Consolas"/>
+                <a:cs typeface="Consolas"/>
+              </a:rPr>
+              <a:t>: </a:t>
+            </a:r>
+            <a:r>
+              <a:rPr lang="nl-NL" sz="1950" spc="-20" dirty="0" err="1">
+                <a:latin typeface="Consolas"/>
+                <a:cs typeface="Consolas"/>
+              </a:rPr>
+              <a:t>void</a:t>
             </a:r>
             <a:r>
               <a:rPr sz="1950" spc="-20" dirty="0">
                 <a:latin typeface="Consolas"/>
                 <a:cs typeface="Consolas"/>
               </a:rPr>
-              <a:t>(rating){</a:t>
+              <a:t>{</a:t>
             </a:r>
             <a:endParaRPr sz="1950" dirty="0">
               <a:latin typeface="Consolas"/>
@@ -29444,7 +27832,7 @@
         </p:nvSpPr>
         <p:spPr>
           <a:xfrm>
-            <a:off x="6746626" y="4924809"/>
+            <a:off x="6646038" y="3728841"/>
             <a:ext cx="3308350" cy="838200"/>
           </a:xfrm>
           <a:custGeom>
@@ -29494,7 +27882,7 @@
         </p:nvSpPr>
         <p:spPr>
           <a:xfrm>
-            <a:off x="6739767" y="4917951"/>
+            <a:off x="6639179" y="3721983"/>
             <a:ext cx="3321685" cy="852169"/>
           </a:xfrm>
           <a:custGeom>
@@ -29694,7 +28082,7 @@
         </p:nvSpPr>
         <p:spPr>
           <a:xfrm>
-            <a:off x="3793113" y="2767593"/>
+            <a:off x="3692525" y="1571625"/>
             <a:ext cx="3308350" cy="837565"/>
           </a:xfrm>
           <a:custGeom>
@@ -29749,7 +28137,7 @@
         </p:nvSpPr>
         <p:spPr>
           <a:xfrm>
-            <a:off x="3786256" y="2760735"/>
+            <a:off x="3685668" y="1564767"/>
             <a:ext cx="3321685" cy="851535"/>
           </a:xfrm>
           <a:custGeom>
@@ -29949,7 +28337,7 @@
         </p:nvSpPr>
         <p:spPr>
           <a:xfrm>
-            <a:off x="6377056" y="3549405"/>
+            <a:off x="6234824" y="2329053"/>
             <a:ext cx="986155" cy="1480185"/>
           </a:xfrm>
           <a:custGeom>
@@ -30023,7 +28411,7 @@
         </p:nvSpPr>
         <p:spPr>
           <a:xfrm>
-            <a:off x="6349624" y="3521211"/>
+            <a:off x="6207392" y="2300859"/>
             <a:ext cx="1046480" cy="1533525"/>
           </a:xfrm>
           <a:custGeom>
@@ -30415,7 +28803,7 @@
         </p:nvSpPr>
         <p:spPr>
           <a:xfrm>
-            <a:off x="1383673" y="4924809"/>
+            <a:off x="1283085" y="3728841"/>
             <a:ext cx="3308350" cy="838200"/>
           </a:xfrm>
           <a:custGeom>
@@ -30465,7 +28853,7 @@
         </p:nvSpPr>
         <p:spPr>
           <a:xfrm>
-            <a:off x="1376815" y="4917951"/>
+            <a:off x="1276227" y="3721983"/>
             <a:ext cx="3321685" cy="852169"/>
           </a:xfrm>
           <a:custGeom>
@@ -30665,7 +29053,7 @@
         </p:nvSpPr>
         <p:spPr>
           <a:xfrm>
-            <a:off x="3767968" y="3550167"/>
+            <a:off x="3667380" y="2354199"/>
             <a:ext cx="986155" cy="1480185"/>
           </a:xfrm>
           <a:custGeom>
@@ -30739,7 +29127,7 @@
         </p:nvSpPr>
         <p:spPr>
           <a:xfrm>
-            <a:off x="3739774" y="3525022"/>
+            <a:off x="3639186" y="2329054"/>
             <a:ext cx="1046480" cy="1533525"/>
           </a:xfrm>
           <a:custGeom>
@@ -31199,7 +29587,7 @@
         </p:nvSpPr>
         <p:spPr>
           <a:xfrm>
-            <a:off x="7348111" y="5152357"/>
+            <a:off x="7247523" y="3956389"/>
             <a:ext cx="2101850" cy="436880"/>
           </a:xfrm>
           <a:prstGeom prst="rect">
@@ -31227,7 +29615,7 @@
               </a:rPr>
               <a:t>&lt;child-2&gt;</a:t>
             </a:r>
-            <a:endParaRPr sz="3200">
+            <a:endParaRPr sz="3200" dirty="0">
               <a:latin typeface="Verdana"/>
               <a:cs typeface="Verdana"/>
             </a:endParaRPr>
@@ -31242,7 +29630,7 @@
         </p:nvSpPr>
         <p:spPr>
           <a:xfrm>
-            <a:off x="1985913" y="5152357"/>
+            <a:off x="1885325" y="3956389"/>
             <a:ext cx="1504315" cy="436880"/>
           </a:xfrm>
           <a:prstGeom prst="rect">
@@ -31285,7 +29673,7 @@
         </p:nvSpPr>
         <p:spPr>
           <a:xfrm>
-            <a:off x="3476799" y="5165057"/>
+            <a:off x="3376211" y="3969089"/>
             <a:ext cx="1155065" cy="1449070"/>
           </a:xfrm>
           <a:prstGeom prst="rect">
@@ -31334,7 +29722,7 @@
         </p:nvSpPr>
         <p:spPr>
           <a:xfrm>
-            <a:off x="7107941" y="6195027"/>
+            <a:off x="7039327" y="5460733"/>
             <a:ext cx="3308350" cy="838200"/>
           </a:xfrm>
           <a:custGeom>
@@ -31378,10 +29766,79 @@
       </p:sp>
       <p:sp>
         <p:nvSpPr>
-          <p:cNvPr id="21" name="object 6">
+          <p:cNvPr id="22" name="object 18">
             <a:extLst>
               <a:ext uri="{FF2B5EF4-FFF2-40B4-BE49-F238E27FC236}">
-                <a16:creationId xmlns:a16="http://schemas.microsoft.com/office/drawing/2014/main" id="{2F800335-F651-5846-B1B6-72942E0E72B5}"/>
+                <a16:creationId xmlns:a16="http://schemas.microsoft.com/office/drawing/2014/main" id="{9F41DC34-0EF7-B940-8CF9-4A7136003D4E}"/>
+              </a:ext>
+            </a:extLst>
+          </p:cNvPr>
+          <p:cNvSpPr txBox="1"/>
+          <p:nvPr/>
+        </p:nvSpPr>
+        <p:spPr>
+          <a:xfrm>
+            <a:off x="8025482" y="5601447"/>
+            <a:ext cx="2101850" cy="492443"/>
+          </a:xfrm>
+          <a:prstGeom prst="rect">
+            <a:avLst/>
+          </a:prstGeom>
+        </p:spPr>
+        <p:txBody>
+          <a:bodyPr vert="horz" wrap="square" lIns="0" tIns="0" rIns="0" bIns="0" rtlCol="0">
+            <a:spAutoFit/>
+          </a:bodyPr>
+          <a:lstStyle/>
+          <a:p>
+            <a:pPr marL="12700">
+              <a:lnSpc>
+                <a:spcPct val="100000"/>
+              </a:lnSpc>
+            </a:pPr>
+            <a:r>
+              <a:rPr sz="3200" spc="10" dirty="0">
+                <a:solidFill>
+                  <a:srgbClr val="FFFFFF"/>
+                </a:solidFill>
+                <a:latin typeface="Verdana"/>
+                <a:cs typeface="Verdana"/>
+              </a:rPr>
+              <a:t>&lt;child-</a:t>
+            </a:r>
+            <a:r>
+              <a:rPr lang="nl-NL" sz="3200" spc="10" dirty="0">
+                <a:solidFill>
+                  <a:srgbClr val="FFFFFF"/>
+                </a:solidFill>
+                <a:latin typeface="Verdana"/>
+                <a:cs typeface="Verdana"/>
+              </a:rPr>
+              <a:t>3</a:t>
+            </a:r>
+            <a:r>
+              <a:rPr sz="3200" spc="10" dirty="0">
+                <a:solidFill>
+                  <a:srgbClr val="FFFFFF"/>
+                </a:solidFill>
+                <a:latin typeface="Verdana"/>
+                <a:cs typeface="Verdana"/>
+              </a:rPr>
+              <a:t>&gt;</a:t>
+            </a:r>
+            <a:endParaRPr sz="3200" dirty="0">
+              <a:latin typeface="Verdana"/>
+              <a:cs typeface="Verdana"/>
+            </a:endParaRPr>
+          </a:p>
+        </p:txBody>
+      </p:sp>
+      <p:sp>
+        <p:nvSpPr>
+          <p:cNvPr id="24" name="object 6">
+            <a:extLst>
+              <a:ext uri="{FF2B5EF4-FFF2-40B4-BE49-F238E27FC236}">
+                <a16:creationId xmlns:a16="http://schemas.microsoft.com/office/drawing/2014/main" id="{4FB77A30-956D-594E-A5B1-F9FE5F839742}"/>
               </a:ext>
             </a:extLst>
           </p:cNvPr>
@@ -31390,7 +29847,7 @@
         </p:nvSpPr>
         <p:spPr>
           <a:xfrm>
-            <a:off x="7063363" y="5292436"/>
+            <a:off x="6807256" y="4232025"/>
             <a:ext cx="986155" cy="1480185"/>
           </a:xfrm>
           <a:custGeom>
@@ -31446,6 +29903,404 @@
           </a:custGeom>
           <a:solidFill>
             <a:srgbClr val="FFFFFF"/>
+          </a:solidFill>
+        </p:spPr>
+        <p:txBody>
+          <a:bodyPr wrap="square" lIns="0" tIns="0" rIns="0" bIns="0" rtlCol="0"/>
+          <a:lstStyle/>
+          <a:p>
+            <a:endParaRPr/>
+          </a:p>
+        </p:txBody>
+      </p:sp>
+      <p:sp>
+        <p:nvSpPr>
+          <p:cNvPr id="25" name="object 7">
+            <a:extLst>
+              <a:ext uri="{FF2B5EF4-FFF2-40B4-BE49-F238E27FC236}">
+                <a16:creationId xmlns:a16="http://schemas.microsoft.com/office/drawing/2014/main" id="{C3AF4EF8-9F62-E749-8C8A-6E2B838B3A3C}"/>
+              </a:ext>
+            </a:extLst>
+          </p:cNvPr>
+          <p:cNvSpPr/>
+          <p:nvPr/>
+        </p:nvSpPr>
+        <p:spPr>
+          <a:xfrm>
+            <a:off x="6779824" y="4203831"/>
+            <a:ext cx="1046480" cy="1533525"/>
+          </a:xfrm>
+          <a:custGeom>
+            <a:avLst/>
+            <a:gdLst/>
+            <a:ahLst/>
+            <a:cxnLst/>
+            <a:rect l="l" t="t" r="r" b="b"/>
+            <a:pathLst>
+              <a:path w="1046479" h="1533525">
+                <a:moveTo>
+                  <a:pt x="724996" y="1377311"/>
+                </a:moveTo>
+                <a:lnTo>
+                  <a:pt x="612647" y="1441697"/>
+                </a:lnTo>
+                <a:lnTo>
+                  <a:pt x="954785" y="1533137"/>
+                </a:lnTo>
+                <a:lnTo>
+                  <a:pt x="962950" y="1502657"/>
+                </a:lnTo>
+                <a:lnTo>
+                  <a:pt x="920495" y="1502657"/>
+                </a:lnTo>
+                <a:lnTo>
+                  <a:pt x="925783" y="1482884"/>
+                </a:lnTo>
+                <a:lnTo>
+                  <a:pt x="811339" y="1452365"/>
+                </a:lnTo>
+                <a:lnTo>
+                  <a:pt x="676655" y="1452365"/>
+                </a:lnTo>
+                <a:lnTo>
+                  <a:pt x="671321" y="1415027"/>
+                </a:lnTo>
+                <a:lnTo>
+                  <a:pt x="741406" y="1415027"/>
+                </a:lnTo>
+                <a:lnTo>
+                  <a:pt x="775764" y="1395215"/>
+                </a:lnTo>
+                <a:lnTo>
+                  <a:pt x="735329" y="1395215"/>
+                </a:lnTo>
+                <a:lnTo>
+                  <a:pt x="724996" y="1377311"/>
+                </a:lnTo>
+                <a:close/>
+              </a:path>
+              <a:path w="1046479" h="1533525">
+                <a:moveTo>
+                  <a:pt x="925783" y="1482884"/>
+                </a:moveTo>
+                <a:lnTo>
+                  <a:pt x="920495" y="1502657"/>
+                </a:lnTo>
+                <a:lnTo>
+                  <a:pt x="945641" y="1488179"/>
+                </a:lnTo>
+                <a:lnTo>
+                  <a:pt x="925783" y="1482884"/>
+                </a:lnTo>
+                <a:close/>
+              </a:path>
+              <a:path w="1046479" h="1533525">
+                <a:moveTo>
+                  <a:pt x="1036224" y="1229099"/>
+                </a:moveTo>
+                <a:lnTo>
+                  <a:pt x="993647" y="1229099"/>
+                </a:lnTo>
+                <a:lnTo>
+                  <a:pt x="1024127" y="1251959"/>
+                </a:lnTo>
+                <a:lnTo>
+                  <a:pt x="980821" y="1277064"/>
+                </a:lnTo>
+                <a:lnTo>
+                  <a:pt x="925783" y="1482884"/>
+                </a:lnTo>
+                <a:lnTo>
+                  <a:pt x="945641" y="1488179"/>
+                </a:lnTo>
+                <a:lnTo>
+                  <a:pt x="920495" y="1502657"/>
+                </a:lnTo>
+                <a:lnTo>
+                  <a:pt x="962950" y="1502657"/>
+                </a:lnTo>
+                <a:lnTo>
+                  <a:pt x="1036224" y="1229099"/>
+                </a:lnTo>
+                <a:close/>
+              </a:path>
+              <a:path w="1046479" h="1533525">
+                <a:moveTo>
+                  <a:pt x="671321" y="1415027"/>
+                </a:moveTo>
+                <a:lnTo>
+                  <a:pt x="676655" y="1452365"/>
+                </a:lnTo>
+                <a:lnTo>
+                  <a:pt x="719244" y="1427807"/>
+                </a:lnTo>
+                <a:lnTo>
+                  <a:pt x="671321" y="1415027"/>
+                </a:lnTo>
+                <a:close/>
+              </a:path>
+              <a:path w="1046479" h="1533525">
+                <a:moveTo>
+                  <a:pt x="719244" y="1427807"/>
+                </a:moveTo>
+                <a:lnTo>
+                  <a:pt x="676655" y="1452365"/>
+                </a:lnTo>
+                <a:lnTo>
+                  <a:pt x="811339" y="1452365"/>
+                </a:lnTo>
+                <a:lnTo>
+                  <a:pt x="719244" y="1427807"/>
+                </a:lnTo>
+                <a:close/>
+              </a:path>
+              <a:path w="1046479" h="1533525">
+                <a:moveTo>
+                  <a:pt x="741406" y="1415027"/>
+                </a:moveTo>
+                <a:lnTo>
+                  <a:pt x="671321" y="1415027"/>
+                </a:lnTo>
+                <a:lnTo>
+                  <a:pt x="719244" y="1427807"/>
+                </a:lnTo>
+                <a:lnTo>
+                  <a:pt x="741406" y="1415027"/>
+                </a:lnTo>
+                <a:close/>
+              </a:path>
+              <a:path w="1046479" h="1533525">
+                <a:moveTo>
+                  <a:pt x="742949" y="1367021"/>
+                </a:moveTo>
+                <a:lnTo>
+                  <a:pt x="724996" y="1377311"/>
+                </a:lnTo>
+                <a:lnTo>
+                  <a:pt x="735329" y="1395215"/>
+                </a:lnTo>
+                <a:lnTo>
+                  <a:pt x="742949" y="1367021"/>
+                </a:lnTo>
+                <a:close/>
+              </a:path>
+              <a:path w="1046479" h="1533525">
+                <a:moveTo>
+                  <a:pt x="766536" y="1367021"/>
+                </a:moveTo>
+                <a:lnTo>
+                  <a:pt x="742949" y="1367021"/>
+                </a:lnTo>
+                <a:lnTo>
+                  <a:pt x="735329" y="1395215"/>
+                </a:lnTo>
+                <a:lnTo>
+                  <a:pt x="775764" y="1395215"/>
+                </a:lnTo>
+                <a:lnTo>
+                  <a:pt x="781049" y="1392167"/>
+                </a:lnTo>
+                <a:lnTo>
+                  <a:pt x="766536" y="1367021"/>
+                </a:lnTo>
+                <a:close/>
+              </a:path>
+              <a:path w="1046479" h="1533525">
+                <a:moveTo>
+                  <a:pt x="208787" y="0"/>
+                </a:moveTo>
+                <a:lnTo>
+                  <a:pt x="0" y="121157"/>
+                </a:lnTo>
+                <a:lnTo>
+                  <a:pt x="724996" y="1377311"/>
+                </a:lnTo>
+                <a:lnTo>
+                  <a:pt x="742949" y="1367021"/>
+                </a:lnTo>
+                <a:lnTo>
+                  <a:pt x="766536" y="1367021"/>
+                </a:lnTo>
+                <a:lnTo>
+                  <a:pt x="61992" y="146303"/>
+                </a:lnTo>
+                <a:lnTo>
+                  <a:pt x="38099" y="146303"/>
+                </a:lnTo>
+                <a:lnTo>
+                  <a:pt x="45719" y="118109"/>
+                </a:lnTo>
+                <a:lnTo>
+                  <a:pt x="86798" y="118109"/>
+                </a:lnTo>
+                <a:lnTo>
+                  <a:pt x="193670" y="56237"/>
+                </a:lnTo>
+                <a:lnTo>
+                  <a:pt x="183641" y="38861"/>
+                </a:lnTo>
+                <a:lnTo>
+                  <a:pt x="231217" y="38861"/>
+                </a:lnTo>
+                <a:lnTo>
+                  <a:pt x="208787" y="0"/>
+                </a:lnTo>
+                <a:close/>
+              </a:path>
+              <a:path w="1046479" h="1533525">
+                <a:moveTo>
+                  <a:pt x="231217" y="38861"/>
+                </a:moveTo>
+                <a:lnTo>
+                  <a:pt x="183641" y="38861"/>
+                </a:lnTo>
+                <a:lnTo>
+                  <a:pt x="211835" y="45719"/>
+                </a:lnTo>
+                <a:lnTo>
+                  <a:pt x="193670" y="56237"/>
+                </a:lnTo>
+                <a:lnTo>
+                  <a:pt x="918971" y="1312919"/>
+                </a:lnTo>
+                <a:lnTo>
+                  <a:pt x="980821" y="1277064"/>
+                </a:lnTo>
+                <a:lnTo>
+                  <a:pt x="981625" y="1274057"/>
+                </a:lnTo>
+                <a:lnTo>
+                  <a:pt x="944117" y="1274057"/>
+                </a:lnTo>
+                <a:lnTo>
+                  <a:pt x="916685" y="1266437"/>
+                </a:lnTo>
+                <a:lnTo>
+                  <a:pt x="933969" y="1256474"/>
+                </a:lnTo>
+                <a:lnTo>
+                  <a:pt x="231217" y="38861"/>
+                </a:lnTo>
+                <a:close/>
+              </a:path>
+              <a:path w="1046479" h="1533525">
+                <a:moveTo>
+                  <a:pt x="993647" y="1229099"/>
+                </a:moveTo>
+                <a:lnTo>
+                  <a:pt x="980821" y="1277064"/>
+                </a:lnTo>
+                <a:lnTo>
+                  <a:pt x="1024127" y="1251959"/>
+                </a:lnTo>
+                <a:lnTo>
+                  <a:pt x="993647" y="1229099"/>
+                </a:lnTo>
+                <a:close/>
+              </a:path>
+              <a:path w="1046479" h="1533525">
+                <a:moveTo>
+                  <a:pt x="933969" y="1256474"/>
+                </a:moveTo>
+                <a:lnTo>
+                  <a:pt x="916685" y="1266437"/>
+                </a:lnTo>
+                <a:lnTo>
+                  <a:pt x="944117" y="1274057"/>
+                </a:lnTo>
+                <a:lnTo>
+                  <a:pt x="933969" y="1256474"/>
+                </a:lnTo>
+                <a:close/>
+              </a:path>
+              <a:path w="1046479" h="1533525">
+                <a:moveTo>
+                  <a:pt x="1046225" y="1191761"/>
+                </a:moveTo>
+                <a:lnTo>
+                  <a:pt x="933969" y="1256474"/>
+                </a:lnTo>
+                <a:lnTo>
+                  <a:pt x="944117" y="1274057"/>
+                </a:lnTo>
+                <a:lnTo>
+                  <a:pt x="981625" y="1274057"/>
+                </a:lnTo>
+                <a:lnTo>
+                  <a:pt x="993647" y="1229099"/>
+                </a:lnTo>
+                <a:lnTo>
+                  <a:pt x="1036224" y="1229099"/>
+                </a:lnTo>
+                <a:lnTo>
+                  <a:pt x="1046225" y="1191761"/>
+                </a:lnTo>
+                <a:close/>
+              </a:path>
+              <a:path w="1046479" h="1533525">
+                <a:moveTo>
+                  <a:pt x="45719" y="118109"/>
+                </a:moveTo>
+                <a:lnTo>
+                  <a:pt x="38099" y="146303"/>
+                </a:lnTo>
+                <a:lnTo>
+                  <a:pt x="56008" y="135935"/>
+                </a:lnTo>
+                <a:lnTo>
+                  <a:pt x="45719" y="118109"/>
+                </a:lnTo>
+                <a:close/>
+              </a:path>
+              <a:path w="1046479" h="1533525">
+                <a:moveTo>
+                  <a:pt x="56008" y="135935"/>
+                </a:moveTo>
+                <a:lnTo>
+                  <a:pt x="38099" y="146303"/>
+                </a:lnTo>
+                <a:lnTo>
+                  <a:pt x="61992" y="146303"/>
+                </a:lnTo>
+                <a:lnTo>
+                  <a:pt x="56008" y="135935"/>
+                </a:lnTo>
+                <a:close/>
+              </a:path>
+              <a:path w="1046479" h="1533525">
+                <a:moveTo>
+                  <a:pt x="86798" y="118109"/>
+                </a:moveTo>
+                <a:lnTo>
+                  <a:pt x="45719" y="118109"/>
+                </a:lnTo>
+                <a:lnTo>
+                  <a:pt x="56008" y="135935"/>
+                </a:lnTo>
+                <a:lnTo>
+                  <a:pt x="86798" y="118109"/>
+                </a:lnTo>
+                <a:close/>
+              </a:path>
+              <a:path w="1046479" h="1533525">
+                <a:moveTo>
+                  <a:pt x="183641" y="38861"/>
+                </a:moveTo>
+                <a:lnTo>
+                  <a:pt x="193670" y="56237"/>
+                </a:lnTo>
+                <a:lnTo>
+                  <a:pt x="211835" y="45719"/>
+                </a:lnTo>
+                <a:lnTo>
+                  <a:pt x="183641" y="38861"/>
+                </a:lnTo>
+                <a:close/>
+              </a:path>
+            </a:pathLst>
+          </a:custGeom>
+          <a:solidFill>
+            <a:srgbClr val="00956F"/>
           </a:solidFill>
         </p:spPr>
         <p:txBody>
@@ -40917,14 +39772,20 @@
               <a:t> </a:t>
             </a:r>
             <a:r>
-              <a:rPr sz="1700" spc="-5" dirty="0" err="1">
+              <a:rPr sz="1700" b="1" spc="-5" dirty="0" err="1">
+                <a:solidFill>
+                  <a:srgbClr val="C00000"/>
+                </a:solidFill>
                 <a:latin typeface="Consolas" panose="020B0609020204030204" pitchFamily="49" charset="0"/>
                 <a:cs typeface="Consolas" panose="020B0609020204030204" pitchFamily="49" charset="0"/>
               </a:rPr>
               <a:t>OrderServic</a:t>
             </a:r>
             <a:r>
-              <a:rPr sz="1700" spc="5" dirty="0" err="1">
+              <a:rPr sz="1700" b="1" spc="5" dirty="0" err="1">
+                <a:solidFill>
+                  <a:srgbClr val="C00000"/>
+                </a:solidFill>
                 <a:latin typeface="Consolas" panose="020B0609020204030204" pitchFamily="49" charset="0"/>
                 <a:cs typeface="Consolas" panose="020B0609020204030204" pitchFamily="49" charset="0"/>
               </a:rPr>
@@ -40981,7 +39842,7 @@
                 <a:latin typeface="Consolas" panose="020B0609020204030204" pitchFamily="49" charset="0"/>
                 <a:cs typeface="Consolas" panose="020B0609020204030204" pitchFamily="49" charset="0"/>
               </a:rPr>
-              <a:t>private </a:t>
+              <a:t>public </a:t>
             </a:r>
             <a:r>
               <a:rPr lang="nl-NL" sz="1700" spc="-5" dirty="0">
@@ -41563,7 +40424,7 @@
         <p:spPr>
           <a:xfrm>
             <a:off x="1391418" y="1513813"/>
-            <a:ext cx="9301982" cy="5373715"/>
+            <a:ext cx="9301982" cy="5044714"/>
           </a:xfrm>
           <a:prstGeom prst="rect">
             <a:avLst/>
@@ -41581,43 +40442,43 @@
               </a:lnSpc>
             </a:pPr>
             <a:r>
-              <a:rPr sz="2150" spc="-5" dirty="0">
-                <a:latin typeface="Arial"/>
-                <a:cs typeface="Arial"/>
+              <a:rPr sz="1400" b="1" spc="-5" dirty="0">
+                <a:latin typeface="Consolas" panose="020B0609020204030204" pitchFamily="49" charset="0"/>
+                <a:cs typeface="Consolas" panose="020B0609020204030204" pitchFamily="49" charset="0"/>
               </a:rPr>
               <a:t>I</a:t>
             </a:r>
             <a:r>
-              <a:rPr sz="2150" dirty="0">
-                <a:latin typeface="Arial"/>
-                <a:cs typeface="Arial"/>
+              <a:rPr sz="1400" b="1" dirty="0">
+                <a:latin typeface="Consolas" panose="020B0609020204030204" pitchFamily="49" charset="0"/>
+                <a:cs typeface="Consolas" panose="020B0609020204030204" pitchFamily="49" charset="0"/>
               </a:rPr>
               <a:t>n</a:t>
             </a:r>
             <a:r>
-              <a:rPr sz="2150" spc="-5" dirty="0">
-                <a:latin typeface="Arial"/>
-                <a:cs typeface="Arial"/>
-              </a:rPr>
-              <a:t> d</a:t>
-            </a:r>
-            <a:r>
-              <a:rPr sz="2150" dirty="0">
-                <a:latin typeface="Arial"/>
-                <a:cs typeface="Arial"/>
-              </a:rPr>
-              <a:t>e</a:t>
-            </a:r>
-            <a:r>
-              <a:rPr sz="2150" spc="-5" dirty="0">
-                <a:latin typeface="Arial"/>
-                <a:cs typeface="Arial"/>
+              <a:rPr sz="1400" b="1" spc="-5" dirty="0">
+                <a:latin typeface="Consolas" panose="020B0609020204030204" pitchFamily="49" charset="0"/>
+                <a:cs typeface="Consolas" panose="020B0609020204030204" pitchFamily="49" charset="0"/>
+              </a:rPr>
+              <a:t> </a:t>
+            </a:r>
+            <a:r>
+              <a:rPr lang="nl-NL" sz="1400" b="1" spc="-5" dirty="0" err="1">
+                <a:latin typeface="Consolas" panose="020B0609020204030204" pitchFamily="49" charset="0"/>
+                <a:cs typeface="Consolas" panose="020B0609020204030204" pitchFamily="49" charset="0"/>
+              </a:rPr>
+              <a:t>the</a:t>
+            </a:r>
+            <a:r>
+              <a:rPr sz="1400" b="1" spc="-5" dirty="0">
+                <a:latin typeface="Consolas" panose="020B0609020204030204" pitchFamily="49" charset="0"/>
+                <a:cs typeface="Consolas" panose="020B0609020204030204" pitchFamily="49" charset="0"/>
               </a:rPr>
               <a:t> HTML:</a:t>
             </a:r>
-            <a:endParaRPr sz="2150" dirty="0">
-              <a:latin typeface="Arial"/>
-              <a:cs typeface="Arial"/>
+            <a:endParaRPr sz="1400" b="1" dirty="0">
+              <a:latin typeface="Consolas" panose="020B0609020204030204" pitchFamily="49" charset="0"/>
+              <a:cs typeface="Consolas" panose="020B0609020204030204" pitchFamily="49" charset="0"/>
             </a:endParaRPr>
           </a:p>
           <a:p>
@@ -41630,178 +40491,178 @@
               </a:spcBef>
             </a:pPr>
             <a:r>
-              <a:rPr sz="1700" spc="-5" dirty="0">
+              <a:rPr sz="1400" spc="-5" dirty="0">
                 <a:solidFill>
                   <a:srgbClr val="008000"/>
                 </a:solidFill>
-                <a:latin typeface="Consolas"/>
-                <a:cs typeface="Consolas"/>
+                <a:latin typeface="Consolas" panose="020B0609020204030204" pitchFamily="49" charset="0"/>
+                <a:cs typeface="Consolas" panose="020B0609020204030204" pitchFamily="49" charset="0"/>
               </a:rPr>
               <a:t>&lt;h2&gt;Prij</a:t>
             </a:r>
             <a:r>
-              <a:rPr sz="1700" spc="5" dirty="0">
+              <a:rPr sz="1400" spc="5" dirty="0">
                 <a:solidFill>
                   <a:srgbClr val="008000"/>
                 </a:solidFill>
-                <a:latin typeface="Consolas"/>
-                <a:cs typeface="Consolas"/>
+                <a:latin typeface="Consolas" panose="020B0609020204030204" pitchFamily="49" charset="0"/>
+                <a:cs typeface="Consolas" panose="020B0609020204030204" pitchFamily="49" charset="0"/>
               </a:rPr>
               <a:t>s</a:t>
             </a:r>
             <a:r>
-              <a:rPr sz="1700" dirty="0">
+              <a:rPr sz="1400" dirty="0">
                 <a:solidFill>
                   <a:srgbClr val="008000"/>
                 </a:solidFill>
-                <a:latin typeface="Times New Roman"/>
-                <a:cs typeface="Times New Roman"/>
+                <a:latin typeface="Consolas" panose="020B0609020204030204" pitchFamily="49" charset="0"/>
+                <a:cs typeface="Consolas" panose="020B0609020204030204" pitchFamily="49" charset="0"/>
               </a:rPr>
               <a:t> </a:t>
             </a:r>
             <a:r>
-              <a:rPr sz="1700" spc="85" dirty="0">
+              <a:rPr sz="1400" spc="85" dirty="0">
                 <a:solidFill>
                   <a:srgbClr val="008000"/>
                 </a:solidFill>
-                <a:latin typeface="Times New Roman"/>
-                <a:cs typeface="Times New Roman"/>
+                <a:latin typeface="Consolas" panose="020B0609020204030204" pitchFamily="49" charset="0"/>
+                <a:cs typeface="Consolas" panose="020B0609020204030204" pitchFamily="49" charset="0"/>
               </a:rPr>
               <a:t> </a:t>
             </a:r>
             <a:r>
-              <a:rPr sz="1700" spc="-5" dirty="0">
+              <a:rPr sz="1400" spc="-5" dirty="0">
                 <a:solidFill>
                   <a:srgbClr val="008000"/>
                 </a:solidFill>
-                <a:latin typeface="Consolas"/>
-                <a:cs typeface="Consolas"/>
+                <a:latin typeface="Consolas" panose="020B0609020204030204" pitchFamily="49" charset="0"/>
+                <a:cs typeface="Consolas" panose="020B0609020204030204" pitchFamily="49" charset="0"/>
               </a:rPr>
               <a:t>voo</a:t>
             </a:r>
             <a:r>
-              <a:rPr sz="1700" spc="5" dirty="0">
+              <a:rPr sz="1400" spc="5" dirty="0">
                 <a:solidFill>
                   <a:srgbClr val="008000"/>
                 </a:solidFill>
-                <a:latin typeface="Consolas"/>
-                <a:cs typeface="Consolas"/>
+                <a:latin typeface="Consolas" panose="020B0609020204030204" pitchFamily="49" charset="0"/>
+                <a:cs typeface="Consolas" panose="020B0609020204030204" pitchFamily="49" charset="0"/>
               </a:rPr>
               <a:t>r</a:t>
             </a:r>
             <a:r>
-              <a:rPr sz="1700" dirty="0">
+              <a:rPr sz="1400" dirty="0">
                 <a:solidFill>
                   <a:srgbClr val="008000"/>
                 </a:solidFill>
-                <a:latin typeface="Times New Roman"/>
-                <a:cs typeface="Times New Roman"/>
+                <a:latin typeface="Consolas" panose="020B0609020204030204" pitchFamily="49" charset="0"/>
+                <a:cs typeface="Consolas" panose="020B0609020204030204" pitchFamily="49" charset="0"/>
               </a:rPr>
               <a:t> </a:t>
             </a:r>
             <a:r>
-              <a:rPr sz="1700" spc="85" dirty="0">
+              <a:rPr sz="1400" spc="85" dirty="0">
                 <a:solidFill>
                   <a:srgbClr val="008000"/>
                 </a:solidFill>
-                <a:latin typeface="Times New Roman"/>
-                <a:cs typeface="Times New Roman"/>
+                <a:latin typeface="Consolas" panose="020B0609020204030204" pitchFamily="49" charset="0"/>
+                <a:cs typeface="Consolas" panose="020B0609020204030204" pitchFamily="49" charset="0"/>
               </a:rPr>
               <a:t> </a:t>
             </a:r>
             <a:r>
-              <a:rPr sz="1700" spc="-5" dirty="0">
+              <a:rPr sz="1400" spc="-5" dirty="0">
                 <a:solidFill>
                   <a:srgbClr val="008000"/>
                 </a:solidFill>
-                <a:latin typeface="Consolas"/>
-                <a:cs typeface="Consolas"/>
+                <a:latin typeface="Consolas" panose="020B0609020204030204" pitchFamily="49" charset="0"/>
+                <a:cs typeface="Consolas" panose="020B0609020204030204" pitchFamily="49" charset="0"/>
               </a:rPr>
               <a:t>ee</a:t>
             </a:r>
             <a:r>
-              <a:rPr sz="1700" spc="5" dirty="0">
+              <a:rPr sz="1400" spc="5" dirty="0">
                 <a:solidFill>
                   <a:srgbClr val="008000"/>
                 </a:solidFill>
-                <a:latin typeface="Consolas"/>
-                <a:cs typeface="Consolas"/>
+                <a:latin typeface="Consolas" panose="020B0609020204030204" pitchFamily="49" charset="0"/>
+                <a:cs typeface="Consolas" panose="020B0609020204030204" pitchFamily="49" charset="0"/>
               </a:rPr>
               <a:t>n</a:t>
             </a:r>
             <a:r>
-              <a:rPr sz="1700" dirty="0">
+              <a:rPr sz="1400" dirty="0">
                 <a:solidFill>
                   <a:srgbClr val="008000"/>
                 </a:solidFill>
-                <a:latin typeface="Times New Roman"/>
-                <a:cs typeface="Times New Roman"/>
+                <a:latin typeface="Consolas" panose="020B0609020204030204" pitchFamily="49" charset="0"/>
+                <a:cs typeface="Consolas" panose="020B0609020204030204" pitchFamily="49" charset="0"/>
               </a:rPr>
               <a:t> </a:t>
             </a:r>
             <a:r>
-              <a:rPr sz="1700" spc="85" dirty="0">
+              <a:rPr sz="1400" spc="85" dirty="0">
                 <a:solidFill>
                   <a:srgbClr val="008000"/>
                 </a:solidFill>
-                <a:latin typeface="Times New Roman"/>
-                <a:cs typeface="Times New Roman"/>
+                <a:latin typeface="Consolas" panose="020B0609020204030204" pitchFamily="49" charset="0"/>
+                <a:cs typeface="Consolas" panose="020B0609020204030204" pitchFamily="49" charset="0"/>
               </a:rPr>
               <a:t> </a:t>
             </a:r>
             <a:r>
-              <a:rPr sz="1700" spc="-5" dirty="0">
+              <a:rPr sz="1400" spc="-5" dirty="0">
                 <a:solidFill>
                   <a:srgbClr val="008000"/>
                 </a:solidFill>
-                <a:latin typeface="Consolas"/>
-                <a:cs typeface="Consolas"/>
+                <a:latin typeface="Consolas" panose="020B0609020204030204" pitchFamily="49" charset="0"/>
+                <a:cs typeface="Consolas" panose="020B0609020204030204" pitchFamily="49" charset="0"/>
               </a:rPr>
               <a:t>weekendj</a:t>
             </a:r>
             <a:r>
-              <a:rPr sz="1700" spc="5" dirty="0">
+              <a:rPr sz="1400" spc="5" dirty="0">
                 <a:solidFill>
                   <a:srgbClr val="008000"/>
                 </a:solidFill>
-                <a:latin typeface="Consolas"/>
-                <a:cs typeface="Consolas"/>
+                <a:latin typeface="Consolas" panose="020B0609020204030204" pitchFamily="49" charset="0"/>
+                <a:cs typeface="Consolas" panose="020B0609020204030204" pitchFamily="49" charset="0"/>
               </a:rPr>
               <a:t>e</a:t>
             </a:r>
             <a:r>
-              <a:rPr sz="1700" dirty="0">
+              <a:rPr sz="1400" dirty="0">
                 <a:solidFill>
                   <a:srgbClr val="008000"/>
                 </a:solidFill>
-                <a:latin typeface="Times New Roman"/>
-                <a:cs typeface="Times New Roman"/>
+                <a:latin typeface="Consolas" panose="020B0609020204030204" pitchFamily="49" charset="0"/>
+                <a:cs typeface="Consolas" panose="020B0609020204030204" pitchFamily="49" charset="0"/>
               </a:rPr>
               <a:t> </a:t>
             </a:r>
             <a:r>
-              <a:rPr sz="1700" spc="80" dirty="0">
+              <a:rPr sz="1400" spc="80" dirty="0">
                 <a:solidFill>
                   <a:srgbClr val="008000"/>
                 </a:solidFill>
-                <a:latin typeface="Times New Roman"/>
-                <a:cs typeface="Times New Roman"/>
+                <a:latin typeface="Consolas" panose="020B0609020204030204" pitchFamily="49" charset="0"/>
+                <a:cs typeface="Consolas" panose="020B0609020204030204" pitchFamily="49" charset="0"/>
               </a:rPr>
               <a:t> </a:t>
             </a:r>
             <a:r>
-              <a:rPr sz="1700" spc="-5" dirty="0">
+              <a:rPr sz="1400" spc="-5" dirty="0">
                 <a:solidFill>
                   <a:srgbClr val="008000"/>
                 </a:solidFill>
-                <a:latin typeface="Consolas"/>
-                <a:cs typeface="Consolas"/>
+                <a:latin typeface="Consolas" panose="020B0609020204030204" pitchFamily="49" charset="0"/>
+                <a:cs typeface="Consolas" panose="020B0609020204030204" pitchFamily="49" charset="0"/>
               </a:rPr>
               <a:t>weg:</a:t>
             </a:r>
-            <a:endParaRPr sz="1700" dirty="0">
-              <a:latin typeface="Consolas"/>
-              <a:cs typeface="Consolas"/>
+            <a:endParaRPr sz="1400" dirty="0">
+              <a:latin typeface="Consolas" panose="020B0609020204030204" pitchFamily="49" charset="0"/>
+              <a:cs typeface="Consolas" panose="020B0609020204030204" pitchFamily="49" charset="0"/>
             </a:endParaRPr>
           </a:p>
           <a:p>
@@ -41814,178 +40675,178 @@
               </a:spcBef>
             </a:pPr>
             <a:r>
-              <a:rPr lang="nl-NL" sz="1700" dirty="0">
+              <a:rPr lang="nl-NL" sz="1400" dirty="0">
                 <a:solidFill>
                   <a:srgbClr val="008000"/>
                 </a:solidFill>
-                <a:latin typeface="Consolas"/>
-                <a:cs typeface="Consolas"/>
+                <a:latin typeface="Consolas" panose="020B0609020204030204" pitchFamily="49" charset="0"/>
+                <a:cs typeface="Consolas" panose="020B0609020204030204" pitchFamily="49" charset="0"/>
               </a:rPr>
               <a:t>    </a:t>
             </a:r>
             <a:r>
-              <a:rPr sz="1700" dirty="0">
+              <a:rPr sz="1400" dirty="0">
                 <a:solidFill>
                   <a:srgbClr val="008000"/>
                 </a:solidFill>
-                <a:latin typeface="Consolas"/>
-                <a:cs typeface="Consolas"/>
+                <a:latin typeface="Consolas" panose="020B0609020204030204" pitchFamily="49" charset="0"/>
+                <a:cs typeface="Consolas" panose="020B0609020204030204" pitchFamily="49" charset="0"/>
               </a:rPr>
               <a:t>{</a:t>
             </a:r>
             <a:r>
-              <a:rPr sz="1700" spc="5" dirty="0">
+              <a:rPr sz="1400" spc="5" dirty="0">
                 <a:solidFill>
                   <a:srgbClr val="008000"/>
                 </a:solidFill>
-                <a:latin typeface="Consolas"/>
-                <a:cs typeface="Consolas"/>
+                <a:latin typeface="Consolas" panose="020B0609020204030204" pitchFamily="49" charset="0"/>
+                <a:cs typeface="Consolas" panose="020B0609020204030204" pitchFamily="49" charset="0"/>
               </a:rPr>
               <a:t>{</a:t>
             </a:r>
             <a:r>
-              <a:rPr sz="1700" dirty="0">
+              <a:rPr sz="1400" dirty="0">
                 <a:solidFill>
                   <a:srgbClr val="008000"/>
                 </a:solidFill>
-                <a:latin typeface="Times New Roman"/>
-                <a:cs typeface="Times New Roman"/>
+                <a:latin typeface="Consolas" panose="020B0609020204030204" pitchFamily="49" charset="0"/>
+                <a:cs typeface="Consolas" panose="020B0609020204030204" pitchFamily="49" charset="0"/>
               </a:rPr>
               <a:t> </a:t>
             </a:r>
             <a:r>
-              <a:rPr sz="1700" spc="85" dirty="0">
+              <a:rPr sz="1400" spc="85" dirty="0">
                 <a:solidFill>
                   <a:srgbClr val="008000"/>
                 </a:solidFill>
-                <a:latin typeface="Times New Roman"/>
-                <a:cs typeface="Times New Roman"/>
+                <a:latin typeface="Consolas" panose="020B0609020204030204" pitchFamily="49" charset="0"/>
+                <a:cs typeface="Consolas" panose="020B0609020204030204" pitchFamily="49" charset="0"/>
               </a:rPr>
               <a:t> </a:t>
             </a:r>
             <a:r>
-              <a:rPr sz="1700" spc="-5" dirty="0">
+              <a:rPr sz="1400" spc="-5" dirty="0">
                 <a:solidFill>
                   <a:srgbClr val="008000"/>
                 </a:solidFill>
-                <a:latin typeface="Consolas"/>
-                <a:cs typeface="Consolas"/>
+                <a:latin typeface="Consolas" panose="020B0609020204030204" pitchFamily="49" charset="0"/>
+                <a:cs typeface="Consolas" panose="020B0609020204030204" pitchFamily="49" charset="0"/>
               </a:rPr>
               <a:t>city.pric</a:t>
             </a:r>
             <a:r>
-              <a:rPr sz="1700" spc="5" dirty="0">
+              <a:rPr sz="1400" spc="5" dirty="0">
                 <a:solidFill>
                   <a:srgbClr val="008000"/>
                 </a:solidFill>
-                <a:latin typeface="Consolas"/>
-                <a:cs typeface="Consolas"/>
+                <a:latin typeface="Consolas" panose="020B0609020204030204" pitchFamily="49" charset="0"/>
+                <a:cs typeface="Consolas" panose="020B0609020204030204" pitchFamily="49" charset="0"/>
               </a:rPr>
               <a:t>e</a:t>
             </a:r>
             <a:r>
-              <a:rPr sz="1700" dirty="0">
+              <a:rPr sz="1400" dirty="0">
                 <a:solidFill>
                   <a:srgbClr val="008000"/>
                 </a:solidFill>
-                <a:latin typeface="Times New Roman"/>
-                <a:cs typeface="Times New Roman"/>
+                <a:latin typeface="Consolas" panose="020B0609020204030204" pitchFamily="49" charset="0"/>
+                <a:cs typeface="Consolas" panose="020B0609020204030204" pitchFamily="49" charset="0"/>
               </a:rPr>
               <a:t> </a:t>
             </a:r>
             <a:r>
-              <a:rPr sz="1700" spc="90" dirty="0">
+              <a:rPr sz="1400" spc="90" dirty="0">
                 <a:solidFill>
                   <a:srgbClr val="008000"/>
                 </a:solidFill>
-                <a:latin typeface="Times New Roman"/>
-                <a:cs typeface="Times New Roman"/>
+                <a:latin typeface="Consolas" panose="020B0609020204030204" pitchFamily="49" charset="0"/>
+                <a:cs typeface="Consolas" panose="020B0609020204030204" pitchFamily="49" charset="0"/>
               </a:rPr>
               <a:t> </a:t>
             </a:r>
             <a:r>
-              <a:rPr sz="1700" spc="5" dirty="0">
+              <a:rPr sz="1400" spc="5" dirty="0">
                 <a:solidFill>
                   <a:srgbClr val="008000"/>
                 </a:solidFill>
-                <a:latin typeface="Consolas"/>
-                <a:cs typeface="Consolas"/>
+                <a:latin typeface="Consolas" panose="020B0609020204030204" pitchFamily="49" charset="0"/>
+                <a:cs typeface="Consolas" panose="020B0609020204030204" pitchFamily="49" charset="0"/>
               </a:rPr>
               <a:t>|</a:t>
             </a:r>
             <a:r>
-              <a:rPr sz="1700" dirty="0">
+              <a:rPr sz="1400" dirty="0">
                 <a:solidFill>
                   <a:srgbClr val="008000"/>
                 </a:solidFill>
-                <a:latin typeface="Times New Roman"/>
-                <a:cs typeface="Times New Roman"/>
+                <a:latin typeface="Consolas" panose="020B0609020204030204" pitchFamily="49" charset="0"/>
+                <a:cs typeface="Consolas" panose="020B0609020204030204" pitchFamily="49" charset="0"/>
               </a:rPr>
               <a:t> </a:t>
             </a:r>
             <a:r>
-              <a:rPr sz="1700" spc="85" dirty="0">
+              <a:rPr sz="1400" spc="85" dirty="0">
                 <a:solidFill>
                   <a:srgbClr val="008000"/>
                 </a:solidFill>
-                <a:latin typeface="Times New Roman"/>
-                <a:cs typeface="Times New Roman"/>
+                <a:latin typeface="Consolas" panose="020B0609020204030204" pitchFamily="49" charset="0"/>
+                <a:cs typeface="Consolas" panose="020B0609020204030204" pitchFamily="49" charset="0"/>
               </a:rPr>
               <a:t> </a:t>
             </a:r>
             <a:r>
-              <a:rPr sz="1700" spc="-5" dirty="0">
+              <a:rPr sz="1400" spc="-5" dirty="0">
                 <a:solidFill>
                   <a:srgbClr val="008000"/>
                 </a:solidFill>
-                <a:latin typeface="Consolas"/>
-                <a:cs typeface="Consolas"/>
+                <a:latin typeface="Consolas" panose="020B0609020204030204" pitchFamily="49" charset="0"/>
+                <a:cs typeface="Consolas" panose="020B0609020204030204" pitchFamily="49" charset="0"/>
               </a:rPr>
               <a:t>currency:'EUR':true:'1.2</a:t>
             </a:r>
             <a:r>
-              <a:rPr sz="1700" spc="5" dirty="0">
+              <a:rPr sz="1400" spc="5" dirty="0">
                 <a:solidFill>
                   <a:srgbClr val="008000"/>
                 </a:solidFill>
-                <a:latin typeface="Consolas"/>
-                <a:cs typeface="Consolas"/>
+                <a:latin typeface="Consolas" panose="020B0609020204030204" pitchFamily="49" charset="0"/>
+                <a:cs typeface="Consolas" panose="020B0609020204030204" pitchFamily="49" charset="0"/>
               </a:rPr>
               <a:t>'</a:t>
             </a:r>
             <a:r>
-              <a:rPr sz="1700" dirty="0">
+              <a:rPr sz="1400" dirty="0">
                 <a:solidFill>
                   <a:srgbClr val="008000"/>
                 </a:solidFill>
-                <a:latin typeface="Times New Roman"/>
-                <a:cs typeface="Times New Roman"/>
+                <a:latin typeface="Consolas" panose="020B0609020204030204" pitchFamily="49" charset="0"/>
+                <a:cs typeface="Consolas" panose="020B0609020204030204" pitchFamily="49" charset="0"/>
               </a:rPr>
               <a:t> </a:t>
             </a:r>
             <a:r>
-              <a:rPr sz="1700" spc="75" dirty="0">
+              <a:rPr sz="1400" spc="75" dirty="0">
                 <a:solidFill>
                   <a:srgbClr val="008000"/>
                 </a:solidFill>
-                <a:latin typeface="Times New Roman"/>
-                <a:cs typeface="Times New Roman"/>
+                <a:latin typeface="Consolas" panose="020B0609020204030204" pitchFamily="49" charset="0"/>
+                <a:cs typeface="Consolas" panose="020B0609020204030204" pitchFamily="49" charset="0"/>
               </a:rPr>
               <a:t> </a:t>
             </a:r>
             <a:r>
-              <a:rPr sz="1700" dirty="0">
+              <a:rPr sz="1400" dirty="0">
                 <a:solidFill>
                   <a:srgbClr val="008000"/>
                 </a:solidFill>
-                <a:latin typeface="Consolas"/>
-                <a:cs typeface="Consolas"/>
+                <a:latin typeface="Consolas" panose="020B0609020204030204" pitchFamily="49" charset="0"/>
+                <a:cs typeface="Consolas" panose="020B0609020204030204" pitchFamily="49" charset="0"/>
               </a:rPr>
               <a:t>}}</a:t>
             </a:r>
-            <a:endParaRPr sz="1700" dirty="0">
-              <a:latin typeface="Consolas"/>
-              <a:cs typeface="Consolas"/>
+            <a:endParaRPr sz="1400" dirty="0">
+              <a:latin typeface="Consolas" panose="020B0609020204030204" pitchFamily="49" charset="0"/>
+              <a:cs typeface="Consolas" panose="020B0609020204030204" pitchFamily="49" charset="0"/>
             </a:endParaRPr>
           </a:p>
           <a:p>
@@ -41994,12 +40855,12 @@
                 <a:spcPct val="101499"/>
               </a:lnSpc>
             </a:pPr>
-            <a:endParaRPr lang="nl-NL" sz="1700" spc="-5" dirty="0">
+            <a:endParaRPr lang="nl-NL" sz="1400" spc="-5" dirty="0">
               <a:solidFill>
                 <a:srgbClr val="008000"/>
               </a:solidFill>
-              <a:latin typeface="Consolas"/>
-              <a:cs typeface="Consolas"/>
+              <a:latin typeface="Consolas" panose="020B0609020204030204" pitchFamily="49" charset="0"/>
+              <a:cs typeface="Consolas" panose="020B0609020204030204" pitchFamily="49" charset="0"/>
             </a:endParaRPr>
           </a:p>
           <a:p>
@@ -42009,288 +40870,278 @@
               </a:lnSpc>
             </a:pPr>
             <a:r>
-              <a:rPr lang="nl-NL" sz="1700" spc="-5" dirty="0">
+              <a:rPr lang="nl-NL" sz="1400" spc="-5" dirty="0">
                 <a:solidFill>
                   <a:srgbClr val="008000"/>
                 </a:solidFill>
-                <a:latin typeface="Consolas"/>
-                <a:cs typeface="Consolas"/>
+                <a:latin typeface="Consolas" panose="020B0609020204030204" pitchFamily="49" charset="0"/>
+                <a:cs typeface="Consolas" panose="020B0609020204030204" pitchFamily="49" charset="0"/>
               </a:rPr>
               <a:t>   </a:t>
             </a:r>
             <a:r>
-              <a:rPr sz="1700" spc="-5" dirty="0">
+              <a:rPr sz="1400" spc="-5" dirty="0">
                 <a:solidFill>
                   <a:srgbClr val="008000"/>
                 </a:solidFill>
-                <a:latin typeface="Consolas"/>
-                <a:cs typeface="Consolas"/>
+                <a:latin typeface="Consolas" panose="020B0609020204030204" pitchFamily="49" charset="0"/>
+                <a:cs typeface="Consolas" panose="020B0609020204030204" pitchFamily="49" charset="0"/>
               </a:rPr>
               <a:t>&lt;butto</a:t>
             </a:r>
             <a:r>
-              <a:rPr sz="1700" spc="5" dirty="0">
+              <a:rPr sz="1400" spc="5" dirty="0">
                 <a:solidFill>
                   <a:srgbClr val="008000"/>
                 </a:solidFill>
-                <a:latin typeface="Consolas"/>
-                <a:cs typeface="Consolas"/>
+                <a:latin typeface="Consolas" panose="020B0609020204030204" pitchFamily="49" charset="0"/>
+                <a:cs typeface="Consolas" panose="020B0609020204030204" pitchFamily="49" charset="0"/>
               </a:rPr>
               <a:t>n</a:t>
             </a:r>
             <a:r>
-              <a:rPr sz="1700" dirty="0">
+              <a:rPr sz="1400" dirty="0">
                 <a:solidFill>
                   <a:srgbClr val="008000"/>
                 </a:solidFill>
-                <a:latin typeface="Times New Roman"/>
-                <a:cs typeface="Times New Roman"/>
+                <a:latin typeface="Consolas" panose="020B0609020204030204" pitchFamily="49" charset="0"/>
+                <a:cs typeface="Consolas" panose="020B0609020204030204" pitchFamily="49" charset="0"/>
               </a:rPr>
               <a:t> </a:t>
             </a:r>
             <a:r>
-              <a:rPr sz="1700" spc="85" dirty="0">
+              <a:rPr sz="1400" spc="85" dirty="0">
                 <a:solidFill>
                   <a:srgbClr val="008000"/>
                 </a:solidFill>
-                <a:latin typeface="Times New Roman"/>
-                <a:cs typeface="Times New Roman"/>
+                <a:latin typeface="Consolas" panose="020B0609020204030204" pitchFamily="49" charset="0"/>
+                <a:cs typeface="Consolas" panose="020B0609020204030204" pitchFamily="49" charset="0"/>
               </a:rPr>
               <a:t> </a:t>
             </a:r>
             <a:r>
-              <a:rPr sz="1700" spc="-5" dirty="0">
+              <a:rPr sz="1400" spc="-5" dirty="0">
                 <a:solidFill>
                   <a:srgbClr val="008000"/>
                 </a:solidFill>
-                <a:latin typeface="Consolas"/>
-                <a:cs typeface="Consolas"/>
+                <a:latin typeface="Consolas" panose="020B0609020204030204" pitchFamily="49" charset="0"/>
+                <a:cs typeface="Consolas" panose="020B0609020204030204" pitchFamily="49" charset="0"/>
               </a:rPr>
               <a:t>class="bt</a:t>
             </a:r>
             <a:r>
-              <a:rPr sz="1700" spc="5" dirty="0">
+              <a:rPr sz="1400" spc="5" dirty="0">
                 <a:solidFill>
                   <a:srgbClr val="008000"/>
                 </a:solidFill>
-                <a:latin typeface="Consolas"/>
-                <a:cs typeface="Consolas"/>
+                <a:latin typeface="Consolas" panose="020B0609020204030204" pitchFamily="49" charset="0"/>
+                <a:cs typeface="Consolas" panose="020B0609020204030204" pitchFamily="49" charset="0"/>
               </a:rPr>
               <a:t>n</a:t>
             </a:r>
             <a:r>
-              <a:rPr sz="1700" dirty="0">
+              <a:rPr sz="1400" dirty="0">
                 <a:solidFill>
                   <a:srgbClr val="008000"/>
                 </a:solidFill>
-                <a:latin typeface="Times New Roman"/>
-                <a:cs typeface="Times New Roman"/>
+                <a:latin typeface="Consolas" panose="020B0609020204030204" pitchFamily="49" charset="0"/>
+                <a:cs typeface="Consolas" panose="020B0609020204030204" pitchFamily="49" charset="0"/>
               </a:rPr>
               <a:t> </a:t>
             </a:r>
             <a:r>
-              <a:rPr sz="1700" spc="90" dirty="0">
+              <a:rPr sz="1400" spc="90" dirty="0">
                 <a:solidFill>
                   <a:srgbClr val="008000"/>
                 </a:solidFill>
-                <a:latin typeface="Times New Roman"/>
-                <a:cs typeface="Times New Roman"/>
+                <a:latin typeface="Consolas" panose="020B0609020204030204" pitchFamily="49" charset="0"/>
+                <a:cs typeface="Consolas" panose="020B0609020204030204" pitchFamily="49" charset="0"/>
               </a:rPr>
               <a:t> </a:t>
             </a:r>
             <a:r>
-              <a:rPr sz="1700" spc="-5" dirty="0">
+              <a:rPr sz="1400" spc="-5" dirty="0">
                 <a:solidFill>
                   <a:srgbClr val="008000"/>
                 </a:solidFill>
-                <a:latin typeface="Consolas"/>
-                <a:cs typeface="Consolas"/>
+                <a:latin typeface="Consolas" panose="020B0609020204030204" pitchFamily="49" charset="0"/>
+                <a:cs typeface="Consolas" panose="020B0609020204030204" pitchFamily="49" charset="0"/>
               </a:rPr>
               <a:t>bt</a:t>
             </a:r>
             <a:r>
-              <a:rPr sz="1700" spc="-10" dirty="0">
+              <a:rPr sz="1400" spc="-10" dirty="0">
                 <a:solidFill>
                   <a:srgbClr val="008000"/>
                 </a:solidFill>
-                <a:latin typeface="Consolas"/>
-                <a:cs typeface="Consolas"/>
+                <a:latin typeface="Consolas" panose="020B0609020204030204" pitchFamily="49" charset="0"/>
+                <a:cs typeface="Consolas" panose="020B0609020204030204" pitchFamily="49" charset="0"/>
               </a:rPr>
               <a:t>n</a:t>
             </a:r>
             <a:r>
-              <a:rPr sz="1700" spc="-5" dirty="0">
+              <a:rPr sz="1400" spc="-5" dirty="0">
                 <a:solidFill>
                   <a:srgbClr val="008000"/>
                 </a:solidFill>
-                <a:latin typeface="Consolas"/>
-                <a:cs typeface="Consolas"/>
+                <a:latin typeface="Consolas" panose="020B0609020204030204" pitchFamily="49" charset="0"/>
+                <a:cs typeface="Consolas" panose="020B0609020204030204" pitchFamily="49" charset="0"/>
               </a:rPr>
               <a:t>‐l</a:t>
             </a:r>
             <a:r>
-              <a:rPr sz="1700" spc="5" dirty="0">
+              <a:rPr sz="1400" spc="5" dirty="0">
                 <a:solidFill>
                   <a:srgbClr val="008000"/>
                 </a:solidFill>
-                <a:latin typeface="Consolas"/>
-                <a:cs typeface="Consolas"/>
+                <a:latin typeface="Consolas" panose="020B0609020204030204" pitchFamily="49" charset="0"/>
+                <a:cs typeface="Consolas" panose="020B0609020204030204" pitchFamily="49" charset="0"/>
               </a:rPr>
               <a:t>g</a:t>
             </a:r>
             <a:r>
-              <a:rPr sz="1700" dirty="0">
+              <a:rPr sz="1400" dirty="0">
                 <a:solidFill>
                   <a:srgbClr val="008000"/>
                 </a:solidFill>
-                <a:latin typeface="Times New Roman"/>
-                <a:cs typeface="Times New Roman"/>
+                <a:latin typeface="Consolas" panose="020B0609020204030204" pitchFamily="49" charset="0"/>
+                <a:cs typeface="Consolas" panose="020B0609020204030204" pitchFamily="49" charset="0"/>
               </a:rPr>
               <a:t> </a:t>
             </a:r>
             <a:r>
-              <a:rPr sz="1700" spc="90" dirty="0">
+              <a:rPr sz="1400" spc="90" dirty="0">
                 <a:solidFill>
                   <a:srgbClr val="008000"/>
                 </a:solidFill>
-                <a:latin typeface="Times New Roman"/>
-                <a:cs typeface="Times New Roman"/>
+                <a:latin typeface="Consolas" panose="020B0609020204030204" pitchFamily="49" charset="0"/>
+                <a:cs typeface="Consolas" panose="020B0609020204030204" pitchFamily="49" charset="0"/>
               </a:rPr>
               <a:t> </a:t>
             </a:r>
             <a:r>
-              <a:rPr sz="1700" spc="-5" dirty="0">
+              <a:rPr sz="1400" spc="-5" dirty="0">
                 <a:solidFill>
                   <a:srgbClr val="008000"/>
                 </a:solidFill>
-                <a:latin typeface="Consolas"/>
-                <a:cs typeface="Consolas"/>
+                <a:latin typeface="Consolas" panose="020B0609020204030204" pitchFamily="49" charset="0"/>
+                <a:cs typeface="Consolas" panose="020B0609020204030204" pitchFamily="49" charset="0"/>
               </a:rPr>
               <a:t>btn‐</a:t>
             </a:r>
             <a:r>
-              <a:rPr sz="1700" dirty="0">
+              <a:rPr sz="1400" dirty="0">
                 <a:solidFill>
                   <a:srgbClr val="008000"/>
                 </a:solidFill>
-                <a:latin typeface="Consolas"/>
-                <a:cs typeface="Consolas"/>
+                <a:latin typeface="Consolas" panose="020B0609020204030204" pitchFamily="49" charset="0"/>
+                <a:cs typeface="Consolas" panose="020B0609020204030204" pitchFamily="49" charset="0"/>
               </a:rPr>
               <a:t>info"</a:t>
             </a:r>
             <a:r>
-              <a:rPr sz="1700" spc="-5" dirty="0">
+              <a:rPr sz="1400" spc="-5" dirty="0">
                 <a:solidFill>
                   <a:srgbClr val="008000"/>
                 </a:solidFill>
-                <a:latin typeface="Times New Roman"/>
-                <a:cs typeface="Times New Roman"/>
+                <a:latin typeface="Consolas" panose="020B0609020204030204" pitchFamily="49" charset="0"/>
+                <a:cs typeface="Consolas" panose="020B0609020204030204" pitchFamily="49" charset="0"/>
+              </a:rPr>
+              <a:t> (click)="</a:t>
+            </a:r>
+            <a:r>
+              <a:rPr sz="1400" b="1" spc="-5" dirty="0">
+                <a:solidFill>
+                  <a:srgbClr val="FF0000"/>
+                </a:solidFill>
+                <a:latin typeface="Consolas" panose="020B0609020204030204" pitchFamily="49" charset="0"/>
+                <a:cs typeface="Consolas" panose="020B0609020204030204" pitchFamily="49" charset="0"/>
+              </a:rPr>
+              <a:t>order</a:t>
+            </a:r>
+            <a:r>
+              <a:rPr sz="1400" spc="-5" dirty="0">
+                <a:solidFill>
+                  <a:srgbClr val="008000"/>
+                </a:solidFill>
+                <a:latin typeface="Consolas" panose="020B0609020204030204" pitchFamily="49" charset="0"/>
+                <a:cs typeface="Consolas" panose="020B0609020204030204" pitchFamily="49" charset="0"/>
+              </a:rPr>
+              <a:t>(city)"&gt;Bo</a:t>
+            </a:r>
+            <a:r>
+              <a:rPr lang="nl-NL" sz="1400" spc="-5" dirty="0">
+                <a:solidFill>
+                  <a:srgbClr val="008000"/>
+                </a:solidFill>
+                <a:latin typeface="Consolas" panose="020B0609020204030204" pitchFamily="49" charset="0"/>
+                <a:cs typeface="Consolas" panose="020B0609020204030204" pitchFamily="49" charset="0"/>
+              </a:rPr>
+              <a:t>o</a:t>
+            </a:r>
+            <a:r>
+              <a:rPr sz="1400" spc="5" dirty="0">
+                <a:solidFill>
+                  <a:srgbClr val="008000"/>
+                </a:solidFill>
+                <a:latin typeface="Consolas" panose="020B0609020204030204" pitchFamily="49" charset="0"/>
+                <a:cs typeface="Consolas" panose="020B0609020204030204" pitchFamily="49" charset="0"/>
+              </a:rPr>
+              <a:t>k</a:t>
+            </a:r>
+            <a:r>
+              <a:rPr sz="1400" dirty="0">
+                <a:solidFill>
+                  <a:srgbClr val="008000"/>
+                </a:solidFill>
+                <a:latin typeface="Consolas" panose="020B0609020204030204" pitchFamily="49" charset="0"/>
+                <a:cs typeface="Consolas" panose="020B0609020204030204" pitchFamily="49" charset="0"/>
               </a:rPr>
               <a:t> </a:t>
             </a:r>
             <a:r>
-              <a:rPr sz="1700" spc="-5" dirty="0">
+              <a:rPr sz="1400" spc="75" dirty="0">
                 <a:solidFill>
                   <a:srgbClr val="008000"/>
                 </a:solidFill>
-                <a:latin typeface="Consolas"/>
-                <a:cs typeface="Consolas"/>
-              </a:rPr>
-              <a:t>(click)="</a:t>
-            </a:r>
-            <a:r>
-              <a:rPr sz="1700" b="1" spc="-5" dirty="0">
-                <a:solidFill>
-                  <a:srgbClr val="FF0000"/>
-                </a:solidFill>
-                <a:latin typeface="Consolas"/>
-                <a:cs typeface="Consolas"/>
-              </a:rPr>
-              <a:t>order</a:t>
-            </a:r>
-            <a:r>
-              <a:rPr sz="1700" spc="-5" dirty="0">
+                <a:latin typeface="Consolas" panose="020B0609020204030204" pitchFamily="49" charset="0"/>
+                <a:cs typeface="Consolas" panose="020B0609020204030204" pitchFamily="49" charset="0"/>
+              </a:rPr>
+              <a:t> </a:t>
+            </a:r>
+            <a:r>
+              <a:rPr sz="1400" spc="-5" dirty="0">
                 <a:solidFill>
                   <a:srgbClr val="008000"/>
                 </a:solidFill>
-                <a:latin typeface="Consolas"/>
-                <a:cs typeface="Consolas"/>
-              </a:rPr>
-              <a:t>(city)"&gt;Bo</a:t>
-            </a:r>
-            <a:r>
-              <a:rPr lang="nl-NL" sz="1700" spc="-5" dirty="0">
+                <a:latin typeface="Consolas" panose="020B0609020204030204" pitchFamily="49" charset="0"/>
+                <a:cs typeface="Consolas" panose="020B0609020204030204" pitchFamily="49" charset="0"/>
+              </a:rPr>
+              <a:t>n</a:t>
+            </a:r>
+            <a:r>
+              <a:rPr lang="nl-NL" sz="1400" spc="-5" dirty="0">
                 <a:solidFill>
                   <a:srgbClr val="008000"/>
                 </a:solidFill>
-                <a:latin typeface="Consolas"/>
-                <a:cs typeface="Consolas"/>
-              </a:rPr>
-              <a:t>o</a:t>
-            </a:r>
-            <a:r>
-              <a:rPr sz="1700" spc="5" dirty="0">
+                <a:latin typeface="Consolas" panose="020B0609020204030204" pitchFamily="49" charset="0"/>
+                <a:cs typeface="Consolas" panose="020B0609020204030204" pitchFamily="49" charset="0"/>
+              </a:rPr>
+              <a:t>ow</a:t>
+            </a:r>
+            <a:r>
+              <a:rPr sz="1400" spc="-5" dirty="0">
                 <a:solidFill>
                   <a:srgbClr val="008000"/>
                 </a:solidFill>
-                <a:latin typeface="Consolas"/>
-                <a:cs typeface="Consolas"/>
-              </a:rPr>
-              <a:t>k</a:t>
-            </a:r>
-            <a:r>
-              <a:rPr sz="1700" dirty="0">
-                <a:solidFill>
-                  <a:srgbClr val="008000"/>
-                </a:solidFill>
-                <a:latin typeface="Times New Roman"/>
-                <a:cs typeface="Times New Roman"/>
-              </a:rPr>
-              <a:t> </a:t>
-            </a:r>
-            <a:r>
-              <a:rPr sz="1700" spc="75" dirty="0">
-                <a:solidFill>
-                  <a:srgbClr val="008000"/>
-                </a:solidFill>
-                <a:latin typeface="Times New Roman"/>
-                <a:cs typeface="Times New Roman"/>
-              </a:rPr>
-              <a:t> </a:t>
-            </a:r>
-            <a:r>
-              <a:rPr sz="1700" spc="-5" dirty="0">
-                <a:solidFill>
-                  <a:srgbClr val="008000"/>
-                </a:solidFill>
-                <a:latin typeface="Consolas"/>
-                <a:cs typeface="Consolas"/>
-              </a:rPr>
-              <a:t>n</a:t>
-            </a:r>
-            <a:r>
-              <a:rPr lang="nl-NL" sz="1700" spc="-5" dirty="0">
-                <a:solidFill>
-                  <a:srgbClr val="008000"/>
-                </a:solidFill>
-                <a:latin typeface="Consolas"/>
-                <a:cs typeface="Consolas"/>
-              </a:rPr>
-              <a:t>ow</a:t>
-            </a:r>
-            <a:r>
-              <a:rPr sz="1700" spc="-5" dirty="0">
-                <a:solidFill>
-                  <a:srgbClr val="008000"/>
-                </a:solidFill>
-                <a:latin typeface="Consolas"/>
-                <a:cs typeface="Consolas"/>
+                <a:latin typeface="Consolas" panose="020B0609020204030204" pitchFamily="49" charset="0"/>
+                <a:cs typeface="Consolas" panose="020B0609020204030204" pitchFamily="49" charset="0"/>
               </a:rPr>
               <a:t>!&lt;/button&gt;</a:t>
             </a:r>
-            <a:endParaRPr sz="1700" dirty="0">
-              <a:latin typeface="Consolas"/>
-              <a:cs typeface="Consolas"/>
+            <a:endParaRPr sz="1400" dirty="0">
+              <a:latin typeface="Consolas" panose="020B0609020204030204" pitchFamily="49" charset="0"/>
+              <a:cs typeface="Consolas" panose="020B0609020204030204" pitchFamily="49" charset="0"/>
             </a:endParaRPr>
           </a:p>
           <a:p>
@@ -42303,29 +41154,18 @@
               </a:spcBef>
             </a:pPr>
             <a:r>
-              <a:rPr sz="1700" dirty="0">
+              <a:rPr sz="1400" dirty="0">
                 <a:solidFill>
                   <a:srgbClr val="008000"/>
                 </a:solidFill>
-                <a:latin typeface="Consolas"/>
-                <a:cs typeface="Consolas"/>
+                <a:latin typeface="Consolas" panose="020B0609020204030204" pitchFamily="49" charset="0"/>
+                <a:cs typeface="Consolas" panose="020B0609020204030204" pitchFamily="49" charset="0"/>
               </a:rPr>
               <a:t>&lt;/h2&gt;</a:t>
             </a:r>
-            <a:endParaRPr sz="1700" dirty="0">
-              <a:latin typeface="Consolas"/>
-              <a:cs typeface="Consolas"/>
-            </a:endParaRPr>
-          </a:p>
-          <a:p>
-            <a:pPr>
-              <a:lnSpc>
-                <a:spcPct val="100000"/>
-              </a:lnSpc>
-            </a:pPr>
-            <a:endParaRPr sz="1700" dirty="0">
-              <a:latin typeface="Times New Roman"/>
-              <a:cs typeface="Times New Roman"/>
+            <a:endParaRPr sz="1400" dirty="0">
+              <a:latin typeface="Consolas" panose="020B0609020204030204" pitchFamily="49" charset="0"/>
+              <a:cs typeface="Consolas" panose="020B0609020204030204" pitchFamily="49" charset="0"/>
             </a:endParaRPr>
           </a:p>
           <a:p>
@@ -42337,9 +41177,9 @@
                 <a:spcPts val="22"/>
               </a:spcBef>
             </a:pPr>
-            <a:endParaRPr sz="2450" dirty="0">
-              <a:latin typeface="Times New Roman"/>
-              <a:cs typeface="Times New Roman"/>
+            <a:endParaRPr sz="1400" dirty="0">
+              <a:latin typeface="Consolas" panose="020B0609020204030204" pitchFamily="49" charset="0"/>
+              <a:cs typeface="Consolas" panose="020B0609020204030204" pitchFamily="49" charset="0"/>
             </a:endParaRPr>
           </a:p>
           <a:p>
@@ -42348,51 +41188,27 @@
                 <a:spcPct val="100000"/>
               </a:lnSpc>
             </a:pPr>
-            <a:r>
-              <a:rPr sz="2150" spc="-5" dirty="0">
-                <a:latin typeface="Arial"/>
-                <a:cs typeface="Arial"/>
-              </a:rPr>
-              <a:t>I</a:t>
-            </a:r>
-            <a:r>
-              <a:rPr sz="2150" dirty="0">
-                <a:latin typeface="Arial"/>
-                <a:cs typeface="Arial"/>
-              </a:rPr>
-              <a:t>n</a:t>
-            </a:r>
-            <a:r>
-              <a:rPr sz="2150" spc="-15" dirty="0">
-                <a:latin typeface="Arial"/>
-                <a:cs typeface="Arial"/>
-              </a:rPr>
-              <a:t> </a:t>
-            </a:r>
-            <a:r>
-              <a:rPr sz="2150" spc="-5" dirty="0">
-                <a:latin typeface="Arial"/>
-                <a:cs typeface="Arial"/>
-              </a:rPr>
-              <a:t>d</a:t>
-            </a:r>
-            <a:r>
-              <a:rPr sz="2150" dirty="0">
-                <a:latin typeface="Arial"/>
-                <a:cs typeface="Arial"/>
-              </a:rPr>
-              <a:t>e </a:t>
-            </a:r>
-            <a:r>
-              <a:rPr sz="2150" spc="-5" dirty="0">
-                <a:latin typeface="Arial"/>
-                <a:cs typeface="Arial"/>
-              </a:rPr>
-              <a:t>class:</a:t>
-            </a:r>
-            <a:endParaRPr sz="2150" dirty="0">
-              <a:latin typeface="Arial"/>
-              <a:cs typeface="Arial"/>
+            <a:endParaRPr lang="en-US" sz="1400" spc="-5" dirty="0">
+              <a:latin typeface="Consolas" panose="020B0609020204030204" pitchFamily="49" charset="0"/>
+              <a:cs typeface="Consolas" panose="020B0609020204030204" pitchFamily="49" charset="0"/>
+            </a:endParaRPr>
+          </a:p>
+          <a:p>
+            <a:pPr marL="12700">
+              <a:lnSpc>
+                <a:spcPct val="100000"/>
+              </a:lnSpc>
+            </a:pPr>
+            <a:r>
+              <a:rPr lang="en-US" sz="1400" b="1" spc="-5" dirty="0">
+                <a:latin typeface="Consolas" panose="020B0609020204030204" pitchFamily="49" charset="0"/>
+                <a:cs typeface="Consolas" panose="020B0609020204030204" pitchFamily="49" charset="0"/>
+              </a:rPr>
+              <a:t>Class:</a:t>
+            </a:r>
+            <a:endParaRPr lang="en-US" sz="1400" b="1" dirty="0">
+              <a:latin typeface="Consolas" panose="020B0609020204030204" pitchFamily="49" charset="0"/>
+              <a:cs typeface="Consolas" panose="020B0609020204030204" pitchFamily="49" charset="0"/>
             </a:endParaRPr>
           </a:p>
           <a:p>
@@ -42405,298 +41221,298 @@
               </a:spcBef>
             </a:pPr>
             <a:r>
-              <a:rPr sz="1700" i="1" dirty="0">
+              <a:rPr sz="1400" i="1" dirty="0">
                 <a:solidFill>
                   <a:srgbClr val="46C249"/>
                 </a:solidFill>
-                <a:latin typeface="Consolas"/>
-                <a:cs typeface="Consolas"/>
+                <a:latin typeface="Consolas" panose="020B0609020204030204" pitchFamily="49" charset="0"/>
+                <a:cs typeface="Consolas" panose="020B0609020204030204" pitchFamily="49" charset="0"/>
               </a:rPr>
               <a:t>/</a:t>
             </a:r>
             <a:r>
-              <a:rPr sz="1700" i="1" spc="5" dirty="0">
+              <a:rPr sz="1400" i="1" spc="5" dirty="0">
                 <a:solidFill>
                   <a:srgbClr val="46C249"/>
                 </a:solidFill>
-                <a:latin typeface="Consolas"/>
-                <a:cs typeface="Consolas"/>
+                <a:latin typeface="Consolas" panose="020B0609020204030204" pitchFamily="49" charset="0"/>
+                <a:cs typeface="Consolas" panose="020B0609020204030204" pitchFamily="49" charset="0"/>
               </a:rPr>
               <a:t>/</a:t>
             </a:r>
             <a:r>
-              <a:rPr sz="1700" i="1" dirty="0">
+              <a:rPr sz="1400" i="1" dirty="0">
                 <a:solidFill>
                   <a:srgbClr val="46C249"/>
                 </a:solidFill>
-                <a:latin typeface="Times New Roman"/>
-                <a:cs typeface="Times New Roman"/>
+                <a:latin typeface="Consolas" panose="020B0609020204030204" pitchFamily="49" charset="0"/>
+                <a:cs typeface="Consolas" panose="020B0609020204030204" pitchFamily="49" charset="0"/>
               </a:rPr>
               <a:t> </a:t>
             </a:r>
             <a:r>
-              <a:rPr sz="1700" i="1" spc="85" dirty="0">
+              <a:rPr sz="1400" i="1" spc="85" dirty="0">
                 <a:solidFill>
                   <a:srgbClr val="46C249"/>
                 </a:solidFill>
-                <a:latin typeface="Times New Roman"/>
-                <a:cs typeface="Times New Roman"/>
+                <a:latin typeface="Consolas" panose="020B0609020204030204" pitchFamily="49" charset="0"/>
+                <a:cs typeface="Consolas" panose="020B0609020204030204" pitchFamily="49" charset="0"/>
               </a:rPr>
               <a:t> </a:t>
             </a:r>
             <a:r>
-              <a:rPr sz="1700" i="1" spc="-5" dirty="0">
+              <a:rPr sz="1400" i="1" spc="-5" dirty="0">
                 <a:solidFill>
                   <a:srgbClr val="46C249"/>
                 </a:solidFill>
-                <a:latin typeface="Consolas"/>
-                <a:cs typeface="Consolas"/>
+                <a:latin typeface="Consolas" panose="020B0609020204030204" pitchFamily="49" charset="0"/>
+                <a:cs typeface="Consolas" panose="020B0609020204030204" pitchFamily="49" charset="0"/>
               </a:rPr>
               <a:t>Orde</a:t>
             </a:r>
             <a:r>
-              <a:rPr sz="1700" i="1" spc="5" dirty="0">
+              <a:rPr sz="1400" i="1" spc="5" dirty="0">
                 <a:solidFill>
                   <a:srgbClr val="46C249"/>
                 </a:solidFill>
-                <a:latin typeface="Consolas"/>
-                <a:cs typeface="Consolas"/>
+                <a:latin typeface="Consolas" panose="020B0609020204030204" pitchFamily="49" charset="0"/>
+                <a:cs typeface="Consolas" panose="020B0609020204030204" pitchFamily="49" charset="0"/>
               </a:rPr>
               <a:t>r</a:t>
             </a:r>
             <a:r>
-              <a:rPr sz="1700" i="1" dirty="0">
+              <a:rPr sz="1400" i="1" dirty="0">
                 <a:solidFill>
                   <a:srgbClr val="46C249"/>
                 </a:solidFill>
-                <a:latin typeface="Times New Roman"/>
-                <a:cs typeface="Times New Roman"/>
+                <a:latin typeface="Consolas" panose="020B0609020204030204" pitchFamily="49" charset="0"/>
+                <a:cs typeface="Consolas" panose="020B0609020204030204" pitchFamily="49" charset="0"/>
               </a:rPr>
               <a:t> </a:t>
             </a:r>
             <a:r>
-              <a:rPr sz="1700" i="1" spc="85" dirty="0">
+              <a:rPr sz="1400" i="1" spc="85" dirty="0">
                 <a:solidFill>
                   <a:srgbClr val="46C249"/>
                 </a:solidFill>
-                <a:latin typeface="Times New Roman"/>
-                <a:cs typeface="Times New Roman"/>
+                <a:latin typeface="Consolas" panose="020B0609020204030204" pitchFamily="49" charset="0"/>
+                <a:cs typeface="Consolas" panose="020B0609020204030204" pitchFamily="49" charset="0"/>
               </a:rPr>
               <a:t> </a:t>
             </a:r>
             <a:r>
-              <a:rPr sz="1700" i="1" spc="-5" dirty="0">
+              <a:rPr sz="1400" i="1" spc="-5" dirty="0">
                 <a:solidFill>
                   <a:srgbClr val="46C249"/>
                 </a:solidFill>
-                <a:latin typeface="Consolas"/>
-                <a:cs typeface="Consolas"/>
+                <a:latin typeface="Consolas" panose="020B0609020204030204" pitchFamily="49" charset="0"/>
+                <a:cs typeface="Consolas" panose="020B0609020204030204" pitchFamily="49" charset="0"/>
               </a:rPr>
               <a:t>plaatsen</a:t>
             </a:r>
             <a:r>
-              <a:rPr sz="1700" i="1" spc="5" dirty="0">
+              <a:rPr sz="1400" i="1" spc="5" dirty="0">
                 <a:solidFill>
                   <a:srgbClr val="46C249"/>
                 </a:solidFill>
-                <a:latin typeface="Consolas"/>
-                <a:cs typeface="Consolas"/>
+                <a:latin typeface="Consolas" panose="020B0609020204030204" pitchFamily="49" charset="0"/>
+                <a:cs typeface="Consolas" panose="020B0609020204030204" pitchFamily="49" charset="0"/>
               </a:rPr>
               <a:t>.</a:t>
             </a:r>
             <a:r>
-              <a:rPr sz="1700" i="1" dirty="0">
+              <a:rPr sz="1400" i="1" dirty="0">
                 <a:solidFill>
                   <a:srgbClr val="46C249"/>
                 </a:solidFill>
-                <a:latin typeface="Times New Roman"/>
-                <a:cs typeface="Times New Roman"/>
+                <a:latin typeface="Consolas" panose="020B0609020204030204" pitchFamily="49" charset="0"/>
+                <a:cs typeface="Consolas" panose="020B0609020204030204" pitchFamily="49" charset="0"/>
               </a:rPr>
               <a:t> </a:t>
             </a:r>
             <a:r>
-              <a:rPr sz="1700" i="1" spc="85" dirty="0">
+              <a:rPr sz="1400" i="1" spc="85" dirty="0">
                 <a:solidFill>
                   <a:srgbClr val="46C249"/>
                 </a:solidFill>
-                <a:latin typeface="Times New Roman"/>
-                <a:cs typeface="Times New Roman"/>
+                <a:latin typeface="Consolas" panose="020B0609020204030204" pitchFamily="49" charset="0"/>
+                <a:cs typeface="Consolas" panose="020B0609020204030204" pitchFamily="49" charset="0"/>
               </a:rPr>
               <a:t> </a:t>
             </a:r>
             <a:r>
-              <a:rPr sz="1700" i="1" spc="-5" dirty="0">
+              <a:rPr sz="1400" i="1" spc="-5" dirty="0">
                 <a:solidFill>
                   <a:srgbClr val="46C249"/>
                 </a:solidFill>
-                <a:latin typeface="Consolas"/>
-                <a:cs typeface="Consolas"/>
+                <a:latin typeface="Consolas" panose="020B0609020204030204" pitchFamily="49" charset="0"/>
+                <a:cs typeface="Consolas" panose="020B0609020204030204" pitchFamily="49" charset="0"/>
               </a:rPr>
               <a:t>Even</a:t>
             </a:r>
             <a:r>
-              <a:rPr sz="1700" i="1" spc="5" dirty="0">
+              <a:rPr sz="1400" i="1" spc="5" dirty="0">
                 <a:solidFill>
                   <a:srgbClr val="46C249"/>
                 </a:solidFill>
-                <a:latin typeface="Consolas"/>
-                <a:cs typeface="Consolas"/>
+                <a:latin typeface="Consolas" panose="020B0609020204030204" pitchFamily="49" charset="0"/>
+                <a:cs typeface="Consolas" panose="020B0609020204030204" pitchFamily="49" charset="0"/>
               </a:rPr>
               <a:t>t</a:t>
             </a:r>
             <a:r>
-              <a:rPr sz="1700" i="1" dirty="0">
+              <a:rPr sz="1400" i="1" dirty="0">
                 <a:solidFill>
                   <a:srgbClr val="46C249"/>
                 </a:solidFill>
-                <a:latin typeface="Times New Roman"/>
-                <a:cs typeface="Times New Roman"/>
+                <a:latin typeface="Consolas" panose="020B0609020204030204" pitchFamily="49" charset="0"/>
+                <a:cs typeface="Consolas" panose="020B0609020204030204" pitchFamily="49" charset="0"/>
               </a:rPr>
               <a:t> </a:t>
             </a:r>
             <a:r>
-              <a:rPr sz="1700" i="1" spc="90" dirty="0">
+              <a:rPr sz="1400" i="1" spc="90" dirty="0">
                 <a:solidFill>
                   <a:srgbClr val="46C249"/>
                 </a:solidFill>
-                <a:latin typeface="Times New Roman"/>
-                <a:cs typeface="Times New Roman"/>
+                <a:latin typeface="Consolas" panose="020B0609020204030204" pitchFamily="49" charset="0"/>
+                <a:cs typeface="Consolas" panose="020B0609020204030204" pitchFamily="49" charset="0"/>
               </a:rPr>
               <a:t> </a:t>
             </a:r>
             <a:r>
-              <a:rPr sz="1700" i="1" spc="-5" dirty="0">
+              <a:rPr sz="1400" i="1" spc="-5" dirty="0">
                 <a:solidFill>
                   <a:srgbClr val="46C249"/>
                 </a:solidFill>
-                <a:latin typeface="Consolas"/>
-                <a:cs typeface="Consolas"/>
+                <a:latin typeface="Consolas" panose="020B0609020204030204" pitchFamily="49" charset="0"/>
+                <a:cs typeface="Consolas" panose="020B0609020204030204" pitchFamily="49" charset="0"/>
               </a:rPr>
               <a:t>emitte</a:t>
             </a:r>
             <a:r>
-              <a:rPr sz="1700" i="1" spc="5" dirty="0">
+              <a:rPr sz="1400" i="1" spc="5" dirty="0">
                 <a:solidFill>
                   <a:srgbClr val="46C249"/>
                 </a:solidFill>
-                <a:latin typeface="Consolas"/>
-                <a:cs typeface="Consolas"/>
+                <a:latin typeface="Consolas" panose="020B0609020204030204" pitchFamily="49" charset="0"/>
+                <a:cs typeface="Consolas" panose="020B0609020204030204" pitchFamily="49" charset="0"/>
               </a:rPr>
               <a:t>n</a:t>
             </a:r>
             <a:r>
-              <a:rPr sz="1700" i="1" dirty="0">
+              <a:rPr sz="1400" i="1" dirty="0">
                 <a:solidFill>
                   <a:srgbClr val="46C249"/>
                 </a:solidFill>
-                <a:latin typeface="Times New Roman"/>
-                <a:cs typeface="Times New Roman"/>
+                <a:latin typeface="Consolas" panose="020B0609020204030204" pitchFamily="49" charset="0"/>
+                <a:cs typeface="Consolas" panose="020B0609020204030204" pitchFamily="49" charset="0"/>
               </a:rPr>
               <a:t> </a:t>
             </a:r>
             <a:r>
-              <a:rPr sz="1700" i="1" spc="90" dirty="0">
+              <a:rPr sz="1400" i="1" spc="90" dirty="0">
                 <a:solidFill>
                   <a:srgbClr val="46C249"/>
                 </a:solidFill>
-                <a:latin typeface="Times New Roman"/>
-                <a:cs typeface="Times New Roman"/>
+                <a:latin typeface="Consolas" panose="020B0609020204030204" pitchFamily="49" charset="0"/>
+                <a:cs typeface="Consolas" panose="020B0609020204030204" pitchFamily="49" charset="0"/>
               </a:rPr>
               <a:t> </a:t>
             </a:r>
             <a:r>
-              <a:rPr sz="1700" i="1" spc="-5" dirty="0">
+              <a:rPr sz="1400" i="1" spc="-5" dirty="0">
                 <a:solidFill>
                   <a:srgbClr val="46C249"/>
                 </a:solidFill>
-                <a:latin typeface="Consolas"/>
-                <a:cs typeface="Consolas"/>
+                <a:latin typeface="Consolas" panose="020B0609020204030204" pitchFamily="49" charset="0"/>
+                <a:cs typeface="Consolas" panose="020B0609020204030204" pitchFamily="49" charset="0"/>
               </a:rPr>
               <a:t>voo</a:t>
             </a:r>
             <a:r>
-              <a:rPr sz="1700" i="1" spc="5" dirty="0">
+              <a:rPr sz="1400" i="1" spc="5" dirty="0">
                 <a:solidFill>
                   <a:srgbClr val="46C249"/>
                 </a:solidFill>
-                <a:latin typeface="Consolas"/>
-                <a:cs typeface="Consolas"/>
+                <a:latin typeface="Consolas" panose="020B0609020204030204" pitchFamily="49" charset="0"/>
+                <a:cs typeface="Consolas" panose="020B0609020204030204" pitchFamily="49" charset="0"/>
               </a:rPr>
               <a:t>r</a:t>
             </a:r>
             <a:r>
-              <a:rPr sz="1700" i="1" dirty="0">
+              <a:rPr sz="1400" i="1" dirty="0">
                 <a:solidFill>
                   <a:srgbClr val="46C249"/>
                 </a:solidFill>
-                <a:latin typeface="Times New Roman"/>
-                <a:cs typeface="Times New Roman"/>
+                <a:latin typeface="Consolas" panose="020B0609020204030204" pitchFamily="49" charset="0"/>
+                <a:cs typeface="Consolas" panose="020B0609020204030204" pitchFamily="49" charset="0"/>
               </a:rPr>
               <a:t> </a:t>
             </a:r>
             <a:r>
-              <a:rPr sz="1700" i="1" spc="85" dirty="0">
+              <a:rPr sz="1400" i="1" spc="85" dirty="0">
                 <a:solidFill>
                   <a:srgbClr val="46C249"/>
                 </a:solidFill>
-                <a:latin typeface="Times New Roman"/>
-                <a:cs typeface="Times New Roman"/>
+                <a:latin typeface="Consolas" panose="020B0609020204030204" pitchFamily="49" charset="0"/>
+                <a:cs typeface="Consolas" panose="020B0609020204030204" pitchFamily="49" charset="0"/>
               </a:rPr>
               <a:t> </a:t>
             </a:r>
             <a:r>
-              <a:rPr sz="1700" i="1" spc="-5" dirty="0">
+              <a:rPr sz="1400" i="1" spc="-5" dirty="0">
                 <a:solidFill>
                   <a:srgbClr val="46C249"/>
                 </a:solidFill>
-                <a:latin typeface="Consolas"/>
-                <a:cs typeface="Consolas"/>
+                <a:latin typeface="Consolas" panose="020B0609020204030204" pitchFamily="49" charset="0"/>
+                <a:cs typeface="Consolas" panose="020B0609020204030204" pitchFamily="49" charset="0"/>
               </a:rPr>
               <a:t>dez</a:t>
             </a:r>
             <a:r>
-              <a:rPr sz="1700" i="1" spc="5" dirty="0">
+              <a:rPr sz="1400" i="1" spc="5" dirty="0">
                 <a:solidFill>
                   <a:srgbClr val="46C249"/>
                 </a:solidFill>
-                <a:latin typeface="Consolas"/>
-                <a:cs typeface="Consolas"/>
+                <a:latin typeface="Consolas" panose="020B0609020204030204" pitchFamily="49" charset="0"/>
+                <a:cs typeface="Consolas" panose="020B0609020204030204" pitchFamily="49" charset="0"/>
               </a:rPr>
               <a:t>e</a:t>
             </a:r>
             <a:r>
-              <a:rPr sz="1700" i="1" dirty="0">
+              <a:rPr sz="1400" i="1" dirty="0">
                 <a:solidFill>
                   <a:srgbClr val="46C249"/>
                 </a:solidFill>
-                <a:latin typeface="Times New Roman"/>
-                <a:cs typeface="Times New Roman"/>
+                <a:latin typeface="Consolas" panose="020B0609020204030204" pitchFamily="49" charset="0"/>
+                <a:cs typeface="Consolas" panose="020B0609020204030204" pitchFamily="49" charset="0"/>
               </a:rPr>
               <a:t> </a:t>
             </a:r>
             <a:r>
-              <a:rPr sz="1700" i="1" spc="90" dirty="0">
+              <a:rPr sz="1400" i="1" spc="90" dirty="0">
                 <a:solidFill>
                   <a:srgbClr val="46C249"/>
                 </a:solidFill>
-                <a:latin typeface="Times New Roman"/>
-                <a:cs typeface="Times New Roman"/>
+                <a:latin typeface="Consolas" panose="020B0609020204030204" pitchFamily="49" charset="0"/>
+                <a:cs typeface="Consolas" panose="020B0609020204030204" pitchFamily="49" charset="0"/>
               </a:rPr>
               <a:t> </a:t>
             </a:r>
             <a:r>
-              <a:rPr sz="1700" i="1" spc="-5" dirty="0">
+              <a:rPr sz="1400" i="1" spc="-5" dirty="0">
                 <a:solidFill>
                   <a:srgbClr val="46C249"/>
                 </a:solidFill>
-                <a:latin typeface="Consolas"/>
-                <a:cs typeface="Consolas"/>
+                <a:latin typeface="Consolas" panose="020B0609020204030204" pitchFamily="49" charset="0"/>
+                <a:cs typeface="Consolas" panose="020B0609020204030204" pitchFamily="49" charset="0"/>
               </a:rPr>
               <a:t>stad.</a:t>
             </a:r>
-            <a:endParaRPr sz="1700" dirty="0">
-              <a:latin typeface="Consolas"/>
-              <a:cs typeface="Consolas"/>
+            <a:endParaRPr sz="1400" dirty="0">
+              <a:latin typeface="Consolas" panose="020B0609020204030204" pitchFamily="49" charset="0"/>
+              <a:cs typeface="Consolas" panose="020B0609020204030204" pitchFamily="49" charset="0"/>
             </a:endParaRPr>
           </a:p>
           <a:p>
@@ -42709,218 +41525,221 @@
               </a:spcBef>
             </a:pPr>
             <a:r>
-              <a:rPr sz="1700" i="1" dirty="0">
+              <a:rPr sz="1400" i="1" dirty="0">
                 <a:solidFill>
                   <a:srgbClr val="46C249"/>
                 </a:solidFill>
-                <a:latin typeface="Consolas"/>
-                <a:cs typeface="Consolas"/>
+                <a:latin typeface="Consolas" panose="020B0609020204030204" pitchFamily="49" charset="0"/>
+                <a:cs typeface="Consolas" panose="020B0609020204030204" pitchFamily="49" charset="0"/>
               </a:rPr>
               <a:t>/</a:t>
             </a:r>
             <a:r>
-              <a:rPr sz="1700" i="1" spc="5" dirty="0">
+              <a:rPr sz="1400" i="1" spc="5" dirty="0">
                 <a:solidFill>
                   <a:srgbClr val="46C249"/>
                 </a:solidFill>
-                <a:latin typeface="Consolas"/>
-                <a:cs typeface="Consolas"/>
+                <a:latin typeface="Consolas" panose="020B0609020204030204" pitchFamily="49" charset="0"/>
+                <a:cs typeface="Consolas" panose="020B0609020204030204" pitchFamily="49" charset="0"/>
               </a:rPr>
               <a:t>/</a:t>
             </a:r>
             <a:r>
-              <a:rPr sz="1700" i="1" dirty="0">
+              <a:rPr sz="1400" i="1" dirty="0">
                 <a:solidFill>
                   <a:srgbClr val="46C249"/>
                 </a:solidFill>
-                <a:latin typeface="Times New Roman"/>
-                <a:cs typeface="Times New Roman"/>
+                <a:latin typeface="Consolas" panose="020B0609020204030204" pitchFamily="49" charset="0"/>
+                <a:cs typeface="Consolas" panose="020B0609020204030204" pitchFamily="49" charset="0"/>
               </a:rPr>
               <a:t> </a:t>
             </a:r>
             <a:r>
-              <a:rPr sz="1700" i="1" spc="85" dirty="0">
+              <a:rPr sz="1400" i="1" spc="85" dirty="0">
                 <a:solidFill>
                   <a:srgbClr val="46C249"/>
                 </a:solidFill>
-                <a:latin typeface="Times New Roman"/>
-                <a:cs typeface="Times New Roman"/>
+                <a:latin typeface="Consolas" panose="020B0609020204030204" pitchFamily="49" charset="0"/>
+                <a:cs typeface="Consolas" panose="020B0609020204030204" pitchFamily="49" charset="0"/>
               </a:rPr>
               <a:t> </a:t>
             </a:r>
             <a:r>
-              <a:rPr sz="1700" i="1" spc="-5" dirty="0">
+              <a:rPr sz="1400" i="1" spc="-5" dirty="0">
                 <a:solidFill>
                   <a:srgbClr val="46C249"/>
                 </a:solidFill>
-                <a:latin typeface="Consolas"/>
-                <a:cs typeface="Consolas"/>
+                <a:latin typeface="Consolas" panose="020B0609020204030204" pitchFamily="49" charset="0"/>
+                <a:cs typeface="Consolas" panose="020B0609020204030204" pitchFamily="49" charset="0"/>
               </a:rPr>
               <a:t>Di</a:t>
             </a:r>
             <a:r>
-              <a:rPr sz="1700" i="1" spc="5" dirty="0">
+              <a:rPr sz="1400" i="1" spc="5" dirty="0">
                 <a:solidFill>
                   <a:srgbClr val="46C249"/>
                 </a:solidFill>
-                <a:latin typeface="Consolas"/>
-                <a:cs typeface="Consolas"/>
+                <a:latin typeface="Consolas" panose="020B0609020204030204" pitchFamily="49" charset="0"/>
+                <a:cs typeface="Consolas" panose="020B0609020204030204" pitchFamily="49" charset="0"/>
               </a:rPr>
               <a:t>t</a:t>
             </a:r>
             <a:r>
-              <a:rPr sz="1700" i="1" dirty="0">
+              <a:rPr sz="1400" i="1" dirty="0">
                 <a:solidFill>
                   <a:srgbClr val="46C249"/>
                 </a:solidFill>
-                <a:latin typeface="Times New Roman"/>
-                <a:cs typeface="Times New Roman"/>
+                <a:latin typeface="Consolas" panose="020B0609020204030204" pitchFamily="49" charset="0"/>
+                <a:cs typeface="Consolas" panose="020B0609020204030204" pitchFamily="49" charset="0"/>
               </a:rPr>
               <a:t> </a:t>
             </a:r>
             <a:r>
-              <a:rPr sz="1700" i="1" spc="85" dirty="0">
+              <a:rPr sz="1400" i="1" spc="85" dirty="0">
                 <a:solidFill>
                   <a:srgbClr val="46C249"/>
                 </a:solidFill>
-                <a:latin typeface="Times New Roman"/>
-                <a:cs typeface="Times New Roman"/>
+                <a:latin typeface="Consolas" panose="020B0609020204030204" pitchFamily="49" charset="0"/>
+                <a:cs typeface="Consolas" panose="020B0609020204030204" pitchFamily="49" charset="0"/>
               </a:rPr>
               <a:t> </a:t>
             </a:r>
             <a:r>
-              <a:rPr sz="1700" i="1" spc="-5" dirty="0">
+              <a:rPr sz="1400" i="1" spc="-5" dirty="0">
                 <a:solidFill>
                   <a:srgbClr val="46C249"/>
                 </a:solidFill>
-                <a:latin typeface="Consolas"/>
-                <a:cs typeface="Consolas"/>
+                <a:latin typeface="Consolas" panose="020B0609020204030204" pitchFamily="49" charset="0"/>
+                <a:cs typeface="Consolas" panose="020B0609020204030204" pitchFamily="49" charset="0"/>
               </a:rPr>
               <a:t>gaa</a:t>
             </a:r>
             <a:r>
-              <a:rPr sz="1700" i="1" spc="5" dirty="0">
+              <a:rPr sz="1400" i="1" spc="5" dirty="0">
                 <a:solidFill>
                   <a:srgbClr val="46C249"/>
                 </a:solidFill>
-                <a:latin typeface="Consolas"/>
-                <a:cs typeface="Consolas"/>
+                <a:latin typeface="Consolas" panose="020B0609020204030204" pitchFamily="49" charset="0"/>
+                <a:cs typeface="Consolas" panose="020B0609020204030204" pitchFamily="49" charset="0"/>
               </a:rPr>
               <a:t>n</a:t>
             </a:r>
             <a:r>
-              <a:rPr sz="1700" i="1" dirty="0">
+              <a:rPr sz="1400" i="1" dirty="0">
                 <a:solidFill>
                   <a:srgbClr val="46C249"/>
                 </a:solidFill>
-                <a:latin typeface="Times New Roman"/>
-                <a:cs typeface="Times New Roman"/>
+                <a:latin typeface="Consolas" panose="020B0609020204030204" pitchFamily="49" charset="0"/>
+                <a:cs typeface="Consolas" panose="020B0609020204030204" pitchFamily="49" charset="0"/>
               </a:rPr>
               <a:t> </a:t>
             </a:r>
             <a:r>
-              <a:rPr sz="1700" i="1" spc="80" dirty="0">
+              <a:rPr sz="1400" i="1" spc="80" dirty="0">
                 <a:solidFill>
                   <a:srgbClr val="46C249"/>
                 </a:solidFill>
-                <a:latin typeface="Times New Roman"/>
-                <a:cs typeface="Times New Roman"/>
+                <a:latin typeface="Consolas" panose="020B0609020204030204" pitchFamily="49" charset="0"/>
+                <a:cs typeface="Consolas" panose="020B0609020204030204" pitchFamily="49" charset="0"/>
               </a:rPr>
               <a:t> </a:t>
             </a:r>
             <a:r>
-              <a:rPr sz="1700" i="1" spc="-5" dirty="0">
+              <a:rPr sz="1400" i="1" spc="-5" dirty="0">
                 <a:solidFill>
                   <a:srgbClr val="46C249"/>
                 </a:solidFill>
-                <a:latin typeface="Consolas"/>
-                <a:cs typeface="Consolas"/>
+                <a:latin typeface="Consolas" panose="020B0609020204030204" pitchFamily="49" charset="0"/>
+                <a:cs typeface="Consolas" panose="020B0609020204030204" pitchFamily="49" charset="0"/>
               </a:rPr>
               <a:t>opvange</a:t>
             </a:r>
             <a:r>
-              <a:rPr sz="1700" i="1" spc="5" dirty="0">
+              <a:rPr sz="1400" i="1" spc="5" dirty="0">
                 <a:solidFill>
                   <a:srgbClr val="46C249"/>
                 </a:solidFill>
-                <a:latin typeface="Consolas"/>
-                <a:cs typeface="Consolas"/>
+                <a:latin typeface="Consolas" panose="020B0609020204030204" pitchFamily="49" charset="0"/>
+                <a:cs typeface="Consolas" panose="020B0609020204030204" pitchFamily="49" charset="0"/>
               </a:rPr>
               <a:t>n</a:t>
             </a:r>
             <a:r>
-              <a:rPr sz="1700" i="1" dirty="0">
+              <a:rPr sz="1400" i="1" dirty="0">
                 <a:solidFill>
                   <a:srgbClr val="46C249"/>
                 </a:solidFill>
-                <a:latin typeface="Times New Roman"/>
-                <a:cs typeface="Times New Roman"/>
+                <a:latin typeface="Consolas" panose="020B0609020204030204" pitchFamily="49" charset="0"/>
+                <a:cs typeface="Consolas" panose="020B0609020204030204" pitchFamily="49" charset="0"/>
               </a:rPr>
               <a:t> </a:t>
             </a:r>
             <a:r>
-              <a:rPr sz="1700" i="1" spc="85" dirty="0">
+              <a:rPr sz="1400" i="1" spc="85" dirty="0">
                 <a:solidFill>
                   <a:srgbClr val="46C249"/>
                 </a:solidFill>
-                <a:latin typeface="Times New Roman"/>
-                <a:cs typeface="Times New Roman"/>
+                <a:latin typeface="Consolas" panose="020B0609020204030204" pitchFamily="49" charset="0"/>
+                <a:cs typeface="Consolas" panose="020B0609020204030204" pitchFamily="49" charset="0"/>
               </a:rPr>
               <a:t> </a:t>
             </a:r>
             <a:r>
-              <a:rPr sz="1700" i="1" spc="-5" dirty="0">
+              <a:rPr sz="1400" i="1" spc="-5" dirty="0">
                 <a:solidFill>
                   <a:srgbClr val="46C249"/>
                 </a:solidFill>
-                <a:latin typeface="Consolas"/>
-                <a:cs typeface="Consolas"/>
+                <a:latin typeface="Consolas" panose="020B0609020204030204" pitchFamily="49" charset="0"/>
+                <a:cs typeface="Consolas" panose="020B0609020204030204" pitchFamily="49" charset="0"/>
               </a:rPr>
               <a:t>i</a:t>
             </a:r>
             <a:r>
-              <a:rPr sz="1700" i="1" spc="5" dirty="0">
+              <a:rPr sz="1400" i="1" spc="5" dirty="0">
                 <a:solidFill>
                   <a:srgbClr val="46C249"/>
                 </a:solidFill>
-                <a:latin typeface="Consolas"/>
-                <a:cs typeface="Consolas"/>
+                <a:latin typeface="Consolas" panose="020B0609020204030204" pitchFamily="49" charset="0"/>
+                <a:cs typeface="Consolas" panose="020B0609020204030204" pitchFamily="49" charset="0"/>
               </a:rPr>
               <a:t>n</a:t>
             </a:r>
             <a:r>
-              <a:rPr sz="1700" i="1" dirty="0">
+              <a:rPr sz="1400" i="1" dirty="0">
                 <a:solidFill>
                   <a:srgbClr val="46C249"/>
                 </a:solidFill>
-                <a:latin typeface="Times New Roman"/>
-                <a:cs typeface="Times New Roman"/>
+                <a:latin typeface="Consolas" panose="020B0609020204030204" pitchFamily="49" charset="0"/>
+                <a:cs typeface="Consolas" panose="020B0609020204030204" pitchFamily="49" charset="0"/>
               </a:rPr>
               <a:t> </a:t>
             </a:r>
             <a:r>
-              <a:rPr sz="1700" i="1" spc="80" dirty="0">
+              <a:rPr sz="1400" i="1" spc="80" dirty="0">
                 <a:solidFill>
                   <a:srgbClr val="46C249"/>
                 </a:solidFill>
-                <a:latin typeface="Times New Roman"/>
-                <a:cs typeface="Times New Roman"/>
+                <a:latin typeface="Consolas" panose="020B0609020204030204" pitchFamily="49" charset="0"/>
+                <a:cs typeface="Consolas" panose="020B0609020204030204" pitchFamily="49" charset="0"/>
               </a:rPr>
               <a:t> </a:t>
             </a:r>
             <a:r>
-              <a:rPr sz="1700" i="1" spc="-5" dirty="0">
+              <a:rPr sz="1400" i="1" spc="-5" dirty="0" err="1">
                 <a:solidFill>
                   <a:srgbClr val="46C249"/>
                 </a:solidFill>
-                <a:latin typeface="Consolas"/>
-                <a:cs typeface="Consolas"/>
+                <a:latin typeface="Consolas" panose="020B0609020204030204" pitchFamily="49" charset="0"/>
+                <a:cs typeface="Consolas" panose="020B0609020204030204" pitchFamily="49" charset="0"/>
               </a:rPr>
               <a:t>city.orders.ts</a:t>
             </a:r>
-            <a:endParaRPr sz="1700" dirty="0">
-              <a:latin typeface="Consolas"/>
-              <a:cs typeface="Consolas"/>
+            <a:endParaRPr lang="nl-NL" sz="1400" i="1" spc="-5" dirty="0">
+              <a:solidFill>
+                <a:srgbClr val="46C249"/>
+              </a:solidFill>
+              <a:latin typeface="Consolas" panose="020B0609020204030204" pitchFamily="49" charset="0"/>
+              <a:cs typeface="Consolas" panose="020B0609020204030204" pitchFamily="49" charset="0"/>
             </a:endParaRPr>
           </a:p>
           <a:p>
@@ -42933,337 +41752,397 @@
               </a:spcBef>
             </a:pPr>
             <a:r>
-              <a:rPr lang="nl-NL" sz="1700" b="1" spc="-5" dirty="0">
-                <a:latin typeface="Consolas"/>
-                <a:cs typeface="Consolas"/>
+              <a:rPr lang="en-US" sz="1400" dirty="0">
+                <a:latin typeface="Consolas" panose="020B0609020204030204" pitchFamily="49" charset="0"/>
+                <a:cs typeface="Consolas" panose="020B0609020204030204" pitchFamily="49" charset="0"/>
+              </a:rPr>
+              <a:t>export class </a:t>
+            </a:r>
+            <a:r>
+              <a:rPr lang="en-US" sz="1400" dirty="0" err="1">
+                <a:latin typeface="Consolas" panose="020B0609020204030204" pitchFamily="49" charset="0"/>
+                <a:cs typeface="Consolas" panose="020B0609020204030204" pitchFamily="49" charset="0"/>
+              </a:rPr>
+              <a:t>CityDetailComponent</a:t>
+            </a:r>
+            <a:r>
+              <a:rPr lang="en-US" sz="1400" dirty="0">
+                <a:latin typeface="Consolas" panose="020B0609020204030204" pitchFamily="49" charset="0"/>
+                <a:cs typeface="Consolas" panose="020B0609020204030204" pitchFamily="49" charset="0"/>
+              </a:rPr>
+              <a:t> {</a:t>
+            </a:r>
+            <a:endParaRPr sz="1400" dirty="0">
+              <a:latin typeface="Consolas" panose="020B0609020204030204" pitchFamily="49" charset="0"/>
+              <a:cs typeface="Consolas" panose="020B0609020204030204" pitchFamily="49" charset="0"/>
+            </a:endParaRPr>
+          </a:p>
+          <a:p>
+            <a:pPr marL="469900" lvl="1">
+              <a:spcBef>
+                <a:spcPts val="1065"/>
+              </a:spcBef>
+            </a:pPr>
+            <a:r>
+              <a:rPr lang="nl-NL" sz="1400" b="1" spc="-5" dirty="0">
+                <a:latin typeface="Consolas" panose="020B0609020204030204" pitchFamily="49" charset="0"/>
+                <a:cs typeface="Consolas" panose="020B0609020204030204" pitchFamily="49" charset="0"/>
               </a:rPr>
               <a:t>public</a:t>
             </a:r>
             <a:r>
-              <a:rPr lang="nl-NL" sz="1700" b="1" spc="-5" dirty="0">
+              <a:rPr lang="nl-NL" sz="1400" b="1" spc="-5" dirty="0">
                 <a:solidFill>
                   <a:srgbClr val="FF0000"/>
                 </a:solidFill>
-                <a:latin typeface="Consolas"/>
-                <a:cs typeface="Consolas"/>
+                <a:latin typeface="Consolas" panose="020B0609020204030204" pitchFamily="49" charset="0"/>
+                <a:cs typeface="Consolas" panose="020B0609020204030204" pitchFamily="49" charset="0"/>
               </a:rPr>
               <a:t> </a:t>
             </a:r>
             <a:r>
-              <a:rPr sz="1700" b="1" spc="-5" dirty="0">
+              <a:rPr sz="1400" b="1" spc="-5" dirty="0">
                 <a:solidFill>
                   <a:srgbClr val="FF0000"/>
                 </a:solidFill>
-                <a:latin typeface="Consolas"/>
-                <a:cs typeface="Consolas"/>
+                <a:latin typeface="Consolas" panose="020B0609020204030204" pitchFamily="49" charset="0"/>
+                <a:cs typeface="Consolas" panose="020B0609020204030204" pitchFamily="49" charset="0"/>
               </a:rPr>
               <a:t>order</a:t>
             </a:r>
             <a:r>
-              <a:rPr sz="1700" spc="-5" dirty="0">
-                <a:latin typeface="Consolas"/>
-                <a:cs typeface="Consolas"/>
+              <a:rPr sz="1400" spc="-5" dirty="0">
+                <a:latin typeface="Consolas" panose="020B0609020204030204" pitchFamily="49" charset="0"/>
+                <a:cs typeface="Consolas" panose="020B0609020204030204" pitchFamily="49" charset="0"/>
               </a:rPr>
               <a:t>(city</a:t>
             </a:r>
             <a:r>
-              <a:rPr sz="1700" spc="5" dirty="0">
-                <a:latin typeface="Consolas"/>
-                <a:cs typeface="Consolas"/>
+              <a:rPr sz="1400" spc="5" dirty="0">
+                <a:latin typeface="Consolas" panose="020B0609020204030204" pitchFamily="49" charset="0"/>
+                <a:cs typeface="Consolas" panose="020B0609020204030204" pitchFamily="49" charset="0"/>
               </a:rPr>
               <a:t>)</a:t>
             </a:r>
             <a:r>
-              <a:rPr sz="1700" dirty="0">
-                <a:latin typeface="Times New Roman"/>
-                <a:cs typeface="Times New Roman"/>
+              <a:rPr lang="nl-NL" sz="1400" spc="5" dirty="0">
+                <a:latin typeface="Consolas" panose="020B0609020204030204" pitchFamily="49" charset="0"/>
+                <a:cs typeface="Consolas" panose="020B0609020204030204" pitchFamily="49" charset="0"/>
+              </a:rPr>
+              <a:t>: </a:t>
+            </a:r>
+            <a:r>
+              <a:rPr lang="nl-NL" sz="1400" spc="5" dirty="0" err="1">
+                <a:latin typeface="Consolas" panose="020B0609020204030204" pitchFamily="49" charset="0"/>
+                <a:cs typeface="Consolas" panose="020B0609020204030204" pitchFamily="49" charset="0"/>
+              </a:rPr>
+              <a:t>void</a:t>
+            </a:r>
+            <a:r>
+              <a:rPr sz="1400" spc="80" dirty="0">
+                <a:latin typeface="Consolas" panose="020B0609020204030204" pitchFamily="49" charset="0"/>
+                <a:cs typeface="Consolas" panose="020B0609020204030204" pitchFamily="49" charset="0"/>
               </a:rPr>
               <a:t> </a:t>
             </a:r>
             <a:r>
-              <a:rPr sz="1700" spc="80" dirty="0">
-                <a:latin typeface="Times New Roman"/>
-                <a:cs typeface="Times New Roman"/>
-              </a:rPr>
-              <a:t> </a:t>
-            </a:r>
-            <a:r>
-              <a:rPr sz="1700" spc="5" dirty="0">
-                <a:latin typeface="Consolas"/>
-                <a:cs typeface="Consolas"/>
+              <a:rPr sz="1400" spc="5" dirty="0">
+                <a:latin typeface="Consolas" panose="020B0609020204030204" pitchFamily="49" charset="0"/>
+                <a:cs typeface="Consolas" panose="020B0609020204030204" pitchFamily="49" charset="0"/>
               </a:rPr>
               <a:t>{</a:t>
             </a:r>
-            <a:endParaRPr sz="1700" dirty="0">
-              <a:latin typeface="Consolas"/>
-              <a:cs typeface="Consolas"/>
+            <a:endParaRPr sz="1400" dirty="0">
+              <a:latin typeface="Consolas" panose="020B0609020204030204" pitchFamily="49" charset="0"/>
+              <a:cs typeface="Consolas" panose="020B0609020204030204" pitchFamily="49" charset="0"/>
             </a:endParaRPr>
           </a:p>
           <a:p>
-            <a:pPr marL="372745" marR="5080">
+            <a:pPr marL="829945" marR="5080" lvl="1">
               <a:lnSpc>
                 <a:spcPct val="152400"/>
               </a:lnSpc>
             </a:pPr>
             <a:r>
-              <a:rPr sz="1700" spc="-5" dirty="0">
-                <a:latin typeface="Consolas"/>
-                <a:cs typeface="Consolas"/>
+              <a:rPr sz="1400" spc="-5" dirty="0">
+                <a:latin typeface="Consolas" panose="020B0609020204030204" pitchFamily="49" charset="0"/>
+                <a:cs typeface="Consolas" panose="020B0609020204030204" pitchFamily="49" charset="0"/>
               </a:rPr>
               <a:t>console.log</a:t>
             </a:r>
             <a:r>
-              <a:rPr sz="1700" dirty="0">
-                <a:latin typeface="Consolas"/>
-                <a:cs typeface="Consolas"/>
+              <a:rPr sz="1400" dirty="0">
+                <a:latin typeface="Consolas" panose="020B0609020204030204" pitchFamily="49" charset="0"/>
+                <a:cs typeface="Consolas" panose="020B0609020204030204" pitchFamily="49" charset="0"/>
               </a:rPr>
               <a:t>(</a:t>
             </a:r>
             <a:r>
-              <a:rPr sz="1700" spc="-5" dirty="0">
+              <a:rPr sz="1400" spc="-5" dirty="0">
                 <a:solidFill>
                   <a:srgbClr val="008000"/>
                 </a:solidFill>
-                <a:latin typeface="Consolas"/>
-                <a:cs typeface="Consolas"/>
+                <a:latin typeface="Consolas" panose="020B0609020204030204" pitchFamily="49" charset="0"/>
+                <a:cs typeface="Consolas" panose="020B0609020204030204" pitchFamily="49" charset="0"/>
               </a:rPr>
               <a:t>`Stedentripj</a:t>
             </a:r>
             <a:r>
-              <a:rPr sz="1700" spc="5" dirty="0">
+              <a:rPr sz="1400" spc="5" dirty="0">
                 <a:solidFill>
                   <a:srgbClr val="008000"/>
                 </a:solidFill>
-                <a:latin typeface="Consolas"/>
-                <a:cs typeface="Consolas"/>
+                <a:latin typeface="Consolas" panose="020B0609020204030204" pitchFamily="49" charset="0"/>
+                <a:cs typeface="Consolas" panose="020B0609020204030204" pitchFamily="49" charset="0"/>
               </a:rPr>
               <a:t>e</a:t>
             </a:r>
             <a:r>
-              <a:rPr sz="1700" dirty="0">
+              <a:rPr sz="1400" dirty="0">
                 <a:solidFill>
                   <a:srgbClr val="008000"/>
                 </a:solidFill>
-                <a:latin typeface="Times New Roman"/>
-                <a:cs typeface="Times New Roman"/>
+                <a:latin typeface="Consolas" panose="020B0609020204030204" pitchFamily="49" charset="0"/>
+                <a:cs typeface="Consolas" panose="020B0609020204030204" pitchFamily="49" charset="0"/>
               </a:rPr>
               <a:t> </a:t>
             </a:r>
             <a:r>
-              <a:rPr sz="1700" spc="75" dirty="0">
+              <a:rPr sz="1400" spc="75" dirty="0">
                 <a:solidFill>
                   <a:srgbClr val="008000"/>
                 </a:solidFill>
-                <a:latin typeface="Times New Roman"/>
-                <a:cs typeface="Times New Roman"/>
+                <a:latin typeface="Consolas" panose="020B0609020204030204" pitchFamily="49" charset="0"/>
+                <a:cs typeface="Consolas" panose="020B0609020204030204" pitchFamily="49" charset="0"/>
               </a:rPr>
               <a:t> </a:t>
             </a:r>
             <a:r>
-              <a:rPr sz="1700" spc="-5" dirty="0">
+              <a:rPr sz="1400" spc="-5" dirty="0">
                 <a:solidFill>
                   <a:srgbClr val="008000"/>
                 </a:solidFill>
-                <a:latin typeface="Consolas"/>
-                <a:cs typeface="Consolas"/>
+                <a:latin typeface="Consolas" panose="020B0609020204030204" pitchFamily="49" charset="0"/>
+                <a:cs typeface="Consolas" panose="020B0609020204030204" pitchFamily="49" charset="0"/>
               </a:rPr>
               <a:t>geboek</a:t>
             </a:r>
             <a:r>
-              <a:rPr sz="1700" spc="5" dirty="0">
+              <a:rPr sz="1400" spc="5" dirty="0">
                 <a:solidFill>
                   <a:srgbClr val="008000"/>
                 </a:solidFill>
-                <a:latin typeface="Consolas"/>
-                <a:cs typeface="Consolas"/>
+                <a:latin typeface="Consolas" panose="020B0609020204030204" pitchFamily="49" charset="0"/>
+                <a:cs typeface="Consolas" panose="020B0609020204030204" pitchFamily="49" charset="0"/>
               </a:rPr>
               <a:t>t</a:t>
             </a:r>
             <a:r>
-              <a:rPr sz="1700" dirty="0">
+              <a:rPr sz="1400" dirty="0">
                 <a:solidFill>
                   <a:srgbClr val="008000"/>
                 </a:solidFill>
-                <a:latin typeface="Times New Roman"/>
-                <a:cs typeface="Times New Roman"/>
+                <a:latin typeface="Consolas" panose="020B0609020204030204" pitchFamily="49" charset="0"/>
+                <a:cs typeface="Consolas" panose="020B0609020204030204" pitchFamily="49" charset="0"/>
               </a:rPr>
               <a:t> </a:t>
             </a:r>
             <a:r>
-              <a:rPr sz="1700" spc="90" dirty="0">
+              <a:rPr sz="1400" spc="90" dirty="0">
                 <a:solidFill>
                   <a:srgbClr val="008000"/>
                 </a:solidFill>
-                <a:latin typeface="Times New Roman"/>
-                <a:cs typeface="Times New Roman"/>
+                <a:latin typeface="Consolas" panose="020B0609020204030204" pitchFamily="49" charset="0"/>
+                <a:cs typeface="Consolas" panose="020B0609020204030204" pitchFamily="49" charset="0"/>
               </a:rPr>
               <a:t> </a:t>
             </a:r>
             <a:r>
-              <a:rPr sz="1700" spc="-5" dirty="0">
+              <a:rPr sz="1400" spc="-5" dirty="0">
                 <a:solidFill>
                   <a:srgbClr val="008000"/>
                 </a:solidFill>
-                <a:latin typeface="Consolas"/>
-                <a:cs typeface="Consolas"/>
+                <a:latin typeface="Consolas" panose="020B0609020204030204" pitchFamily="49" charset="0"/>
+                <a:cs typeface="Consolas" panose="020B0609020204030204" pitchFamily="49" charset="0"/>
               </a:rPr>
               <a:t>voor</a:t>
             </a:r>
             <a:r>
-              <a:rPr sz="1700" spc="5" dirty="0">
+              <a:rPr sz="1400" spc="5" dirty="0">
                 <a:solidFill>
                   <a:srgbClr val="008000"/>
                 </a:solidFill>
-                <a:latin typeface="Consolas"/>
-                <a:cs typeface="Consolas"/>
+                <a:latin typeface="Consolas" panose="020B0609020204030204" pitchFamily="49" charset="0"/>
+                <a:cs typeface="Consolas" panose="020B0609020204030204" pitchFamily="49" charset="0"/>
               </a:rPr>
               <a:t>:</a:t>
             </a:r>
             <a:r>
-              <a:rPr sz="1700" dirty="0">
+              <a:rPr sz="1400" dirty="0">
                 <a:solidFill>
                   <a:srgbClr val="008000"/>
                 </a:solidFill>
-                <a:latin typeface="Times New Roman"/>
-                <a:cs typeface="Times New Roman"/>
+                <a:latin typeface="Consolas" panose="020B0609020204030204" pitchFamily="49" charset="0"/>
+                <a:cs typeface="Consolas" panose="020B0609020204030204" pitchFamily="49" charset="0"/>
               </a:rPr>
               <a:t> </a:t>
             </a:r>
             <a:r>
-              <a:rPr sz="1700" spc="90" dirty="0">
+              <a:rPr sz="1400" spc="90" dirty="0">
                 <a:solidFill>
                   <a:srgbClr val="008000"/>
                 </a:solidFill>
-                <a:latin typeface="Times New Roman"/>
-                <a:cs typeface="Times New Roman"/>
+                <a:latin typeface="Consolas" panose="020B0609020204030204" pitchFamily="49" charset="0"/>
+                <a:cs typeface="Consolas" panose="020B0609020204030204" pitchFamily="49" charset="0"/>
               </a:rPr>
               <a:t> </a:t>
             </a:r>
             <a:r>
-              <a:rPr sz="1700" spc="-5" dirty="0">
-                <a:latin typeface="Consolas"/>
-                <a:cs typeface="Consolas"/>
+              <a:rPr sz="1400" spc="-5" dirty="0">
+                <a:latin typeface="Consolas" panose="020B0609020204030204" pitchFamily="49" charset="0"/>
+                <a:cs typeface="Consolas" panose="020B0609020204030204" pitchFamily="49" charset="0"/>
               </a:rPr>
               <a:t>$</a:t>
             </a:r>
             <a:r>
-              <a:rPr sz="1700" dirty="0">
-                <a:latin typeface="Consolas"/>
-                <a:cs typeface="Consolas"/>
+              <a:rPr sz="1400" dirty="0">
+                <a:latin typeface="Consolas" panose="020B0609020204030204" pitchFamily="49" charset="0"/>
+                <a:cs typeface="Consolas" panose="020B0609020204030204" pitchFamily="49" charset="0"/>
               </a:rPr>
               <a:t>{</a:t>
             </a:r>
             <a:r>
-              <a:rPr sz="1700" spc="-5" dirty="0">
+              <a:rPr sz="1400" spc="-5" dirty="0">
                 <a:solidFill>
                   <a:srgbClr val="000080"/>
                 </a:solidFill>
-                <a:latin typeface="Consolas"/>
-                <a:cs typeface="Consolas"/>
+                <a:latin typeface="Consolas" panose="020B0609020204030204" pitchFamily="49" charset="0"/>
+                <a:cs typeface="Consolas" panose="020B0609020204030204" pitchFamily="49" charset="0"/>
               </a:rPr>
               <a:t>thi</a:t>
             </a:r>
             <a:r>
-              <a:rPr sz="1700" dirty="0">
+              <a:rPr sz="1400" dirty="0">
                 <a:solidFill>
                   <a:srgbClr val="000080"/>
                 </a:solidFill>
-                <a:latin typeface="Consolas"/>
-                <a:cs typeface="Consolas"/>
+                <a:latin typeface="Consolas" panose="020B0609020204030204" pitchFamily="49" charset="0"/>
+                <a:cs typeface="Consolas" panose="020B0609020204030204" pitchFamily="49" charset="0"/>
               </a:rPr>
               <a:t>s</a:t>
             </a:r>
             <a:r>
-              <a:rPr sz="1700" spc="-5" dirty="0">
-                <a:latin typeface="Consolas"/>
-                <a:cs typeface="Consolas"/>
+              <a:rPr sz="1400" spc="-5" dirty="0">
+                <a:latin typeface="Consolas" panose="020B0609020204030204" pitchFamily="49" charset="0"/>
+                <a:cs typeface="Consolas" panose="020B0609020204030204" pitchFamily="49" charset="0"/>
               </a:rPr>
               <a:t>.city.name});</a:t>
             </a:r>
             <a:r>
-              <a:rPr sz="1700" spc="-10" dirty="0">
-                <a:latin typeface="Times New Roman"/>
-                <a:cs typeface="Times New Roman"/>
+              <a:rPr sz="1400" spc="-10" dirty="0">
+                <a:latin typeface="Consolas" panose="020B0609020204030204" pitchFamily="49" charset="0"/>
+                <a:cs typeface="Consolas" panose="020B0609020204030204" pitchFamily="49" charset="0"/>
               </a:rPr>
               <a:t> </a:t>
             </a:r>
             <a:r>
-              <a:rPr sz="1700" b="1" spc="-5" dirty="0" err="1">
+              <a:rPr sz="1400" b="1" spc="-5" dirty="0" err="1">
                 <a:solidFill>
                   <a:srgbClr val="C00000"/>
                 </a:solidFill>
-                <a:latin typeface="Consolas"/>
-                <a:cs typeface="Consolas"/>
+                <a:latin typeface="Consolas" panose="020B0609020204030204" pitchFamily="49" charset="0"/>
+                <a:cs typeface="Consolas" panose="020B0609020204030204" pitchFamily="49" charset="0"/>
               </a:rPr>
               <a:t>thi</a:t>
             </a:r>
             <a:r>
-              <a:rPr sz="1700" b="1" dirty="0" err="1">
+              <a:rPr sz="1400" b="1" dirty="0" err="1">
                 <a:solidFill>
                   <a:srgbClr val="C00000"/>
                 </a:solidFill>
-                <a:latin typeface="Consolas"/>
-                <a:cs typeface="Consolas"/>
+                <a:latin typeface="Consolas" panose="020B0609020204030204" pitchFamily="49" charset="0"/>
+                <a:cs typeface="Consolas" panose="020B0609020204030204" pitchFamily="49" charset="0"/>
               </a:rPr>
               <a:t>s</a:t>
             </a:r>
             <a:r>
-              <a:rPr sz="1700" b="1" spc="-5" dirty="0" err="1">
+              <a:rPr sz="1400" b="1" spc="-5" dirty="0" err="1">
                 <a:solidFill>
                   <a:srgbClr val="C00000"/>
                 </a:solidFill>
-                <a:latin typeface="Consolas"/>
-                <a:cs typeface="Consolas"/>
+                <a:latin typeface="Consolas" panose="020B0609020204030204" pitchFamily="49" charset="0"/>
+                <a:cs typeface="Consolas" panose="020B0609020204030204" pitchFamily="49" charset="0"/>
               </a:rPr>
               <a:t>.orderService</a:t>
             </a:r>
             <a:r>
-              <a:rPr sz="1700" b="1" spc="-5" dirty="0">
+              <a:rPr sz="1400" b="1" spc="-5" dirty="0">
                 <a:solidFill>
                   <a:srgbClr val="C00000"/>
                 </a:solidFill>
-                <a:latin typeface="Consolas"/>
-                <a:cs typeface="Consolas"/>
+                <a:latin typeface="Consolas" panose="020B0609020204030204" pitchFamily="49" charset="0"/>
+                <a:cs typeface="Consolas" panose="020B0609020204030204" pitchFamily="49" charset="0"/>
               </a:rPr>
               <a:t>.</a:t>
             </a:r>
             <a:r>
-              <a:rPr lang="nl-NL" sz="1700" b="1" spc="-5" dirty="0">
+              <a:rPr lang="nl-NL" sz="1400" b="1" spc="-5" dirty="0">
                 <a:solidFill>
                   <a:srgbClr val="C00000"/>
                 </a:solidFill>
-                <a:latin typeface="Consolas"/>
-                <a:cs typeface="Consolas"/>
+                <a:latin typeface="Consolas" panose="020B0609020204030204" pitchFamily="49" charset="0"/>
+                <a:cs typeface="Consolas" panose="020B0609020204030204" pitchFamily="49" charset="0"/>
               </a:rPr>
               <a:t>s</a:t>
             </a:r>
             <a:r>
-              <a:rPr sz="1700" b="1" spc="-5" dirty="0" err="1">
+              <a:rPr sz="1400" b="1" spc="-5" dirty="0" err="1">
                 <a:solidFill>
                   <a:srgbClr val="C00000"/>
                 </a:solidFill>
-                <a:latin typeface="Consolas"/>
-                <a:cs typeface="Consolas"/>
+                <a:latin typeface="Consolas" panose="020B0609020204030204" pitchFamily="49" charset="0"/>
+                <a:cs typeface="Consolas" panose="020B0609020204030204" pitchFamily="49" charset="0"/>
               </a:rPr>
               <a:t>tream.next</a:t>
             </a:r>
             <a:r>
-              <a:rPr sz="1700" b="1" spc="-5" dirty="0">
+              <a:rPr sz="1400" b="1" spc="-5" dirty="0">
                 <a:solidFill>
                   <a:srgbClr val="C00000"/>
                 </a:solidFill>
-                <a:latin typeface="Consolas"/>
-                <a:cs typeface="Consolas"/>
+                <a:latin typeface="Consolas" panose="020B0609020204030204" pitchFamily="49" charset="0"/>
+                <a:cs typeface="Consolas" panose="020B0609020204030204" pitchFamily="49" charset="0"/>
               </a:rPr>
               <a:t>(city);</a:t>
             </a:r>
-            <a:endParaRPr sz="1700" b="1" dirty="0">
+            <a:endParaRPr sz="1400" b="1" dirty="0">
               <a:solidFill>
                 <a:srgbClr val="C00000"/>
               </a:solidFill>
-              <a:latin typeface="Consolas"/>
-              <a:cs typeface="Consolas"/>
+              <a:latin typeface="Consolas" panose="020B0609020204030204" pitchFamily="49" charset="0"/>
+              <a:cs typeface="Consolas" panose="020B0609020204030204" pitchFamily="49" charset="0"/>
             </a:endParaRPr>
+          </a:p>
+          <a:p>
+            <a:pPr marL="469900" lvl="1">
+              <a:spcBef>
+                <a:spcPts val="1065"/>
+              </a:spcBef>
+            </a:pPr>
+            <a:r>
+              <a:rPr sz="1400" spc="5" dirty="0">
+                <a:latin typeface="Consolas" panose="020B0609020204030204" pitchFamily="49" charset="0"/>
+                <a:cs typeface="Consolas" panose="020B0609020204030204" pitchFamily="49" charset="0"/>
+              </a:rPr>
+              <a:t>}</a:t>
+            </a:r>
+            <a:r>
+              <a:rPr lang="nl-NL" sz="1400" spc="5" dirty="0">
+                <a:latin typeface="Consolas" panose="020B0609020204030204" pitchFamily="49" charset="0"/>
+                <a:cs typeface="Consolas" panose="020B0609020204030204" pitchFamily="49" charset="0"/>
+              </a:rPr>
+              <a:t> </a:t>
+            </a:r>
           </a:p>
           <a:p>
             <a:pPr marL="12700">
@@ -43275,22 +42154,15 @@
               </a:spcBef>
             </a:pPr>
             <a:r>
-              <a:rPr sz="1700" spc="5" dirty="0">
-                <a:latin typeface="Consolas"/>
-                <a:cs typeface="Consolas"/>
+              <a:rPr lang="nl-NL" sz="1400" spc="5" dirty="0">
+                <a:latin typeface="Consolas" panose="020B0609020204030204" pitchFamily="49" charset="0"/>
+                <a:cs typeface="Consolas" panose="020B0609020204030204" pitchFamily="49" charset="0"/>
               </a:rPr>
               <a:t>}</a:t>
             </a:r>
-            <a:r>
-              <a:rPr lang="nl-NL" sz="1700" spc="5" dirty="0">
-                <a:latin typeface="Consolas"/>
-                <a:cs typeface="Consolas"/>
-              </a:rPr>
-              <a:t> </a:t>
-            </a:r>
-            <a:endParaRPr sz="1700" dirty="0">
-              <a:latin typeface="Consolas"/>
-              <a:cs typeface="Consolas"/>
+            <a:endParaRPr sz="1400" dirty="0">
+              <a:latin typeface="Consolas" panose="020B0609020204030204" pitchFamily="49" charset="0"/>
+              <a:cs typeface="Consolas" panose="020B0609020204030204" pitchFamily="49" charset="0"/>
             </a:endParaRPr>
           </a:p>
         </p:txBody>
@@ -44293,23 +43165,21 @@
               </a:rPr>
               <a:t>{</a:t>
             </a:r>
-          </a:p>
-          <a:p>
-            <a:pPr marL="330835">
+            <a:endParaRPr lang="nl-NL" sz="1500" dirty="0">
+              <a:latin typeface="Consolas"/>
+              <a:cs typeface="Consolas"/>
+            </a:endParaRPr>
+          </a:p>
+          <a:p>
+            <a:pPr marL="12700">
               <a:lnSpc>
                 <a:spcPct val="100000"/>
               </a:lnSpc>
-              <a:spcBef>
-                <a:spcPts val="10"/>
-              </a:spcBef>
             </a:pPr>
-            <a:r>
-              <a:rPr sz="1500" dirty="0">
-                <a:latin typeface="Consolas"/>
-                <a:cs typeface="Consolas"/>
-              </a:rPr>
-              <a:t>…</a:t>
-            </a:r>
+            <a:endParaRPr sz="1500" dirty="0">
+              <a:latin typeface="Consolas"/>
+              <a:cs typeface="Consolas"/>
+            </a:endParaRPr>
           </a:p>
           <a:p>
             <a:pPr marL="330835">
@@ -44321,11 +43191,39 @@
               </a:spcBef>
             </a:pPr>
             <a:r>
-              <a:rPr sz="1500" dirty="0">
-                <a:latin typeface="Consolas"/>
-                <a:cs typeface="Consolas"/>
-              </a:rPr>
-              <a:t>ngOnInit()</a:t>
+              <a:rPr lang="nl-NL" sz="1500" dirty="0">
+                <a:latin typeface="Consolas"/>
+                <a:cs typeface="Consolas"/>
+              </a:rPr>
+              <a:t>public </a:t>
+            </a:r>
+            <a:r>
+              <a:rPr sz="1500" b="1" dirty="0" err="1">
+                <a:latin typeface="Consolas"/>
+                <a:cs typeface="Consolas"/>
+              </a:rPr>
+              <a:t>ngOnInit</a:t>
+            </a:r>
+            <a:r>
+              <a:rPr sz="1500" b="1" dirty="0">
+                <a:latin typeface="Consolas"/>
+                <a:cs typeface="Consolas"/>
+              </a:rPr>
+              <a:t>()</a:t>
+            </a:r>
+            <a:r>
+              <a:rPr lang="nl-NL" sz="1500" dirty="0">
+                <a:latin typeface="Consolas"/>
+                <a:cs typeface="Consolas"/>
+              </a:rPr>
+              <a:t>: </a:t>
+            </a:r>
+            <a:r>
+              <a:rPr lang="nl-NL" sz="1500" dirty="0" err="1">
+                <a:latin typeface="Consolas"/>
+                <a:cs typeface="Consolas"/>
+              </a:rPr>
+              <a:t>void</a:t>
             </a:r>
             <a:r>
               <a:rPr sz="1500" dirty="0">
@@ -46419,7 +45317,7 @@
                 <a:latin typeface="Consolas"/>
                 <a:cs typeface="Consolas"/>
               </a:rPr>
-              <a:t>‐detail’</a:t>
+              <a:t>‐detail'</a:t>
             </a:r>
             <a:r>
               <a:rPr lang="en-US" sz="1950" spc="-15" dirty="0">
@@ -47177,18 +46075,25 @@
               <a:t>	</a:t>
             </a:r>
             <a:r>
-              <a:rPr sz="1950" spc="-20" dirty="0" err="1">
+              <a:rPr sz="1950" b="1" spc="-20" dirty="0" err="1">
                 <a:latin typeface="Consolas"/>
                 <a:cs typeface="Consolas"/>
               </a:rPr>
               <a:t>CityDetail</a:t>
             </a:r>
             <a:r>
+              <a:rPr lang="nl-NL" sz="1950" b="1" spc="-20" dirty="0">
+                <a:latin typeface="Consolas"/>
+                <a:cs typeface="Consolas"/>
+              </a:rPr>
+              <a:t>Component</a:t>
+            </a:r>
+            <a:r>
               <a:rPr lang="nl-NL" sz="1950" spc="-20" dirty="0">
                 <a:latin typeface="Consolas"/>
                 <a:cs typeface="Consolas"/>
               </a:rPr>
-              <a:t>Component </a:t>
+              <a:t> </a:t>
             </a:r>
             <a:r>
               <a:rPr sz="1950" spc="-20" dirty="0">
@@ -47617,7 +46522,7 @@
         <p:spPr>
           <a:xfrm>
             <a:off x="1275728" y="1697308"/>
-            <a:ext cx="8418830" cy="784830"/>
+            <a:ext cx="8418830" cy="1046440"/>
           </a:xfrm>
           <a:prstGeom prst="rect">
             <a:avLst/>
@@ -47767,7 +46672,21 @@
                 <a:latin typeface="Consolas"/>
                 <a:cs typeface="Consolas"/>
               </a:rPr>
-              <a:t>{CityDetail</a:t>
+              <a:t>{</a:t>
+            </a:r>
+            <a:r>
+              <a:rPr sz="1700" b="1" spc="-5" dirty="0" err="1">
+                <a:latin typeface="Consolas"/>
+                <a:cs typeface="Consolas"/>
+              </a:rPr>
+              <a:t>CityDetail</a:t>
+            </a:r>
+            <a:r>
+              <a:rPr lang="nl-NL" sz="1700" b="1" spc="-5" dirty="0">
+                <a:latin typeface="Consolas"/>
+                <a:cs typeface="Consolas"/>
+              </a:rPr>
+              <a:t>Component</a:t>
             </a:r>
             <a:r>
               <a:rPr sz="1700" spc="5" dirty="0">
@@ -48118,14 +47037,14 @@
               <a:t>[…,</a:t>
             </a:r>
             <a:r>
-              <a:rPr sz="1700" spc="-5" dirty="0" err="1">
+              <a:rPr sz="1700" b="1" spc="-5" dirty="0" err="1">
                 <a:latin typeface="Consolas"/>
                 <a:cs typeface="Consolas"/>
               </a:rPr>
               <a:t>CityDetail</a:t>
             </a:r>
             <a:r>
-              <a:rPr lang="nl-NL" sz="1700" spc="-5" dirty="0">
+              <a:rPr lang="nl-NL" sz="1700" b="1" spc="-5" dirty="0">
                 <a:latin typeface="Consolas"/>
                 <a:cs typeface="Consolas"/>
               </a:rPr>

--- a/PPT/04- Angular Component Tree.pptx
+++ b/PPT/04- Angular Component Tree.pptx
@@ -2753,7 +2753,7 @@
           <a:p>
             <a:fld id="{3684521C-F147-C24A-A391-648ECBD2901C}" type="datetime1">
               <a:rPr lang="en-US" smtClean="0"/>
-              <a:t>1/9/22</a:t>
+              <a:t>1/12/22</a:t>
             </a:fld>
             <a:endParaRPr lang="en-US"/>
           </a:p>
@@ -2907,7 +2907,7 @@
           <a:p>
             <a:fld id="{E850CB69-7D8B-9F4E-BED9-901DCAE946AB}" type="datetime1">
               <a:rPr lang="en-US" smtClean="0"/>
-              <a:t>1/9/22</a:t>
+              <a:t>1/12/22</a:t>
             </a:fld>
             <a:endParaRPr lang="en-US"/>
           </a:p>
@@ -3140,7 +3140,7 @@
           <a:p>
             <a:fld id="{FDA6B9DC-9839-E24A-9DBE-68BCC9C6D304}" type="datetime1">
               <a:rPr lang="en-US" smtClean="0"/>
-              <a:t>1/9/22</a:t>
+              <a:t>1/12/22</a:t>
             </a:fld>
             <a:endParaRPr lang="en-US"/>
           </a:p>
@@ -3265,7 +3265,7 @@
           <a:p>
             <a:fld id="{16B0123C-B19C-2541-A249-CC118E280FC0}" type="datetime1">
               <a:rPr lang="en-US" smtClean="0"/>
-              <a:t>1/9/22</a:t>
+              <a:t>1/12/22</a:t>
             </a:fld>
             <a:endParaRPr lang="en-US"/>
           </a:p>
@@ -3361,7 +3361,7 @@
           <a:p>
             <a:fld id="{7A20ED1D-FFB4-6144-9B3D-3C04FD3360E4}" type="datetime1">
               <a:rPr lang="en-US" smtClean="0"/>
-              <a:t>1/9/22</a:t>
+              <a:t>1/12/22</a:t>
             </a:fld>
             <a:endParaRPr lang="en-US"/>
           </a:p>
@@ -4213,7 +4213,7 @@
           <a:p>
             <a:fld id="{5ADC4E92-36BB-AA43-A533-B6B376F1612C}" type="datetime1">
               <a:rPr lang="en-US" smtClean="0"/>
-              <a:t>1/9/22</a:t>
+              <a:t>1/12/22</a:t>
             </a:fld>
             <a:endParaRPr lang="en-US"/>
           </a:p>
@@ -30594,7 +30594,11 @@
             </a:r>
             <a:r>
               <a:rPr lang="nl-NL" spc="10" dirty="0"/>
-              <a:t> = queue</a:t>
+              <a:t> </a:t>
+            </a:r>
+            <a:r>
+              <a:rPr lang="nl-NL" spc="10"/>
+              <a:t>= queue/topic</a:t>
             </a:r>
             <a:endParaRPr spc="10" dirty="0"/>
           </a:p>
